--- a/卒研プレゼン.pptx
+++ b/卒研プレゼン.pptx
@@ -5,21 +5,25 @@
     <p:sldMasterId id="2147483648" r:id="rId1"/>
   </p:sldMasterIdLst>
   <p:notesMasterIdLst>
-    <p:notesMasterId r:id="rId14"/>
+    <p:notesMasterId r:id="rId18"/>
   </p:notesMasterIdLst>
   <p:sldIdLst>
     <p:sldId id="256" r:id="rId2"/>
-    <p:sldId id="257" r:id="rId3"/>
-    <p:sldId id="258" r:id="rId4"/>
-    <p:sldId id="259" r:id="rId5"/>
-    <p:sldId id="260" r:id="rId6"/>
-    <p:sldId id="261" r:id="rId7"/>
-    <p:sldId id="262" r:id="rId8"/>
-    <p:sldId id="263" r:id="rId9"/>
-    <p:sldId id="264" r:id="rId10"/>
-    <p:sldId id="265" r:id="rId11"/>
-    <p:sldId id="266" r:id="rId12"/>
-    <p:sldId id="267" r:id="rId13"/>
+    <p:sldId id="271" r:id="rId3"/>
+    <p:sldId id="269" r:id="rId4"/>
+    <p:sldId id="270" r:id="rId5"/>
+    <p:sldId id="257" r:id="rId6"/>
+    <p:sldId id="258" r:id="rId7"/>
+    <p:sldId id="272" r:id="rId8"/>
+    <p:sldId id="259" r:id="rId9"/>
+    <p:sldId id="260" r:id="rId10"/>
+    <p:sldId id="273" r:id="rId11"/>
+    <p:sldId id="263" r:id="rId12"/>
+    <p:sldId id="264" r:id="rId13"/>
+    <p:sldId id="268" r:id="rId14"/>
+    <p:sldId id="265" r:id="rId15"/>
+    <p:sldId id="266" r:id="rId16"/>
+    <p:sldId id="267" r:id="rId17"/>
   </p:sldIdLst>
   <p:sldSz cx="12192000" cy="6858000"/>
   <p:notesSz cx="6858000" cy="9144000"/>
@@ -119,6 +123,2838 @@
     </a:lvl9pPr>
   </p:defaultTextStyle>
 </p:presentation>
+</file>
+
+<file path=ppt/diagrams/colors1.xml><?xml version="1.0" encoding="utf-8"?>
+<dgm:colorsDef xmlns:dgm="http://schemas.openxmlformats.org/drawingml/2006/diagram" xmlns:a="http://schemas.openxmlformats.org/drawingml/2006/main" uniqueId="urn:microsoft.com/office/officeart/2005/8/colors/accent0_3">
+  <dgm:title val=""/>
+  <dgm:desc val=""/>
+  <dgm:catLst>
+    <dgm:cat type="mainScheme" pri="10300"/>
+  </dgm:catLst>
+  <dgm:styleLbl name="node0">
+    <dgm:fillClrLst meth="repeat">
+      <a:schemeClr val="dk2"/>
+    </dgm:fillClrLst>
+    <dgm:linClrLst meth="repeat">
+      <a:schemeClr val="lt2"/>
+    </dgm:linClrLst>
+    <dgm:effectClrLst/>
+    <dgm:txLinClrLst/>
+    <dgm:txFillClrLst/>
+    <dgm:txEffectClrLst/>
+  </dgm:styleLbl>
+  <dgm:styleLbl name="alignNode1">
+    <dgm:fillClrLst meth="repeat">
+      <a:schemeClr val="dk2"/>
+    </dgm:fillClrLst>
+    <dgm:linClrLst meth="repeat">
+      <a:schemeClr val="dk2"/>
+    </dgm:linClrLst>
+    <dgm:effectClrLst/>
+    <dgm:txLinClrLst/>
+    <dgm:txFillClrLst/>
+    <dgm:txEffectClrLst/>
+  </dgm:styleLbl>
+  <dgm:styleLbl name="node1">
+    <dgm:fillClrLst meth="repeat">
+      <a:schemeClr val="dk2"/>
+    </dgm:fillClrLst>
+    <dgm:linClrLst meth="repeat">
+      <a:schemeClr val="lt2"/>
+    </dgm:linClrLst>
+    <dgm:effectClrLst/>
+    <dgm:txLinClrLst/>
+    <dgm:txFillClrLst/>
+    <dgm:txEffectClrLst/>
+  </dgm:styleLbl>
+  <dgm:styleLbl name="lnNode1">
+    <dgm:fillClrLst meth="repeat">
+      <a:schemeClr val="dk2"/>
+    </dgm:fillClrLst>
+    <dgm:linClrLst meth="repeat">
+      <a:schemeClr val="lt2"/>
+    </dgm:linClrLst>
+    <dgm:effectClrLst/>
+    <dgm:txLinClrLst/>
+    <dgm:txFillClrLst/>
+    <dgm:txEffectClrLst/>
+  </dgm:styleLbl>
+  <dgm:styleLbl name="vennNode1">
+    <dgm:fillClrLst meth="repeat">
+      <a:schemeClr val="dk2">
+        <a:alpha val="50000"/>
+      </a:schemeClr>
+    </dgm:fillClrLst>
+    <dgm:linClrLst meth="repeat">
+      <a:schemeClr val="lt2"/>
+    </dgm:linClrLst>
+    <dgm:effectClrLst/>
+    <dgm:txLinClrLst/>
+    <dgm:txFillClrLst/>
+    <dgm:txEffectClrLst/>
+  </dgm:styleLbl>
+  <dgm:styleLbl name="node2">
+    <dgm:fillClrLst meth="repeat">
+      <a:schemeClr val="dk2"/>
+    </dgm:fillClrLst>
+    <dgm:linClrLst meth="repeat">
+      <a:schemeClr val="lt2"/>
+    </dgm:linClrLst>
+    <dgm:effectClrLst/>
+    <dgm:txLinClrLst/>
+    <dgm:txFillClrLst/>
+    <dgm:txEffectClrLst/>
+  </dgm:styleLbl>
+  <dgm:styleLbl name="node3">
+    <dgm:fillClrLst meth="repeat">
+      <a:schemeClr val="dk2"/>
+    </dgm:fillClrLst>
+    <dgm:linClrLst meth="repeat">
+      <a:schemeClr val="lt2"/>
+    </dgm:linClrLst>
+    <dgm:effectClrLst/>
+    <dgm:txLinClrLst/>
+    <dgm:txFillClrLst/>
+    <dgm:txEffectClrLst/>
+  </dgm:styleLbl>
+  <dgm:styleLbl name="node4">
+    <dgm:fillClrLst meth="repeat">
+      <a:schemeClr val="dk2"/>
+    </dgm:fillClrLst>
+    <dgm:linClrLst meth="repeat">
+      <a:schemeClr val="lt2"/>
+    </dgm:linClrLst>
+    <dgm:effectClrLst/>
+    <dgm:txLinClrLst/>
+    <dgm:txFillClrLst/>
+    <dgm:txEffectClrLst/>
+  </dgm:styleLbl>
+  <dgm:styleLbl name="fgImgPlace1">
+    <dgm:fillClrLst meth="repeat">
+      <a:schemeClr val="dk2">
+        <a:tint val="50000"/>
+      </a:schemeClr>
+    </dgm:fillClrLst>
+    <dgm:linClrLst meth="repeat">
+      <a:schemeClr val="lt2"/>
+    </dgm:linClrLst>
+    <dgm:effectClrLst/>
+    <dgm:txLinClrLst/>
+    <dgm:txFillClrLst meth="repeat">
+      <a:schemeClr val="lt2"/>
+    </dgm:txFillClrLst>
+    <dgm:txEffectClrLst/>
+  </dgm:styleLbl>
+  <dgm:styleLbl name="alignImgPlace1">
+    <dgm:fillClrLst meth="repeat">
+      <a:schemeClr val="dk2">
+        <a:tint val="50000"/>
+      </a:schemeClr>
+    </dgm:fillClrLst>
+    <dgm:linClrLst meth="repeat">
+      <a:schemeClr val="dk2">
+        <a:shade val="80000"/>
+      </a:schemeClr>
+    </dgm:linClrLst>
+    <dgm:effectClrLst/>
+    <dgm:txLinClrLst/>
+    <dgm:txFillClrLst meth="repeat">
+      <a:schemeClr val="lt2"/>
+    </dgm:txFillClrLst>
+    <dgm:txEffectClrLst/>
+  </dgm:styleLbl>
+  <dgm:styleLbl name="bgImgPlace1">
+    <dgm:fillClrLst meth="repeat">
+      <a:schemeClr val="dk2">
+        <a:tint val="50000"/>
+      </a:schemeClr>
+    </dgm:fillClrLst>
+    <dgm:linClrLst meth="repeat">
+      <a:schemeClr val="dk2">
+        <a:shade val="80000"/>
+      </a:schemeClr>
+    </dgm:linClrLst>
+    <dgm:effectClrLst/>
+    <dgm:txLinClrLst/>
+    <dgm:txFillClrLst meth="repeat">
+      <a:schemeClr val="lt2"/>
+    </dgm:txFillClrLst>
+    <dgm:txEffectClrLst/>
+  </dgm:styleLbl>
+  <dgm:styleLbl name="sibTrans2D1">
+    <dgm:fillClrLst meth="repeat">
+      <a:schemeClr val="dk2">
+        <a:tint val="60000"/>
+      </a:schemeClr>
+    </dgm:fillClrLst>
+    <dgm:linClrLst meth="repeat">
+      <a:schemeClr val="dk2">
+        <a:tint val="60000"/>
+      </a:schemeClr>
+    </dgm:linClrLst>
+    <dgm:effectClrLst/>
+    <dgm:txLinClrLst/>
+    <dgm:txFillClrLst/>
+    <dgm:txEffectClrLst/>
+  </dgm:styleLbl>
+  <dgm:styleLbl name="fgSibTrans2D1">
+    <dgm:fillClrLst meth="repeat">
+      <a:schemeClr val="dk2">
+        <a:tint val="60000"/>
+      </a:schemeClr>
+    </dgm:fillClrLst>
+    <dgm:linClrLst meth="repeat">
+      <a:schemeClr val="dk2">
+        <a:tint val="60000"/>
+      </a:schemeClr>
+    </dgm:linClrLst>
+    <dgm:effectClrLst/>
+    <dgm:txLinClrLst/>
+    <dgm:txFillClrLst/>
+    <dgm:txEffectClrLst/>
+  </dgm:styleLbl>
+  <dgm:styleLbl name="bgSibTrans2D1">
+    <dgm:fillClrLst meth="repeat">
+      <a:schemeClr val="dk2">
+        <a:tint val="60000"/>
+      </a:schemeClr>
+    </dgm:fillClrLst>
+    <dgm:linClrLst meth="repeat">
+      <a:schemeClr val="dk2">
+        <a:tint val="60000"/>
+      </a:schemeClr>
+    </dgm:linClrLst>
+    <dgm:effectClrLst/>
+    <dgm:txLinClrLst/>
+    <dgm:txFillClrLst/>
+    <dgm:txEffectClrLst/>
+  </dgm:styleLbl>
+  <dgm:styleLbl name="sibTrans1D1">
+    <dgm:fillClrLst meth="repeat">
+      <a:schemeClr val="dk2"/>
+    </dgm:fillClrLst>
+    <dgm:linClrLst meth="repeat">
+      <a:schemeClr val="dk2"/>
+    </dgm:linClrLst>
+    <dgm:effectClrLst/>
+    <dgm:txLinClrLst/>
+    <dgm:txFillClrLst meth="repeat">
+      <a:schemeClr val="lt2"/>
+    </dgm:txFillClrLst>
+    <dgm:txEffectClrLst/>
+  </dgm:styleLbl>
+  <dgm:styleLbl name="callout">
+    <dgm:fillClrLst meth="repeat">
+      <a:schemeClr val="dk2"/>
+    </dgm:fillClrLst>
+    <dgm:linClrLst meth="repeat">
+      <a:schemeClr val="dk2">
+        <a:tint val="50000"/>
+      </a:schemeClr>
+    </dgm:linClrLst>
+    <dgm:effectClrLst/>
+    <dgm:txLinClrLst/>
+    <dgm:txFillClrLst meth="repeat">
+      <a:schemeClr val="lt2"/>
+    </dgm:txFillClrLst>
+    <dgm:txEffectClrLst/>
+  </dgm:styleLbl>
+  <dgm:styleLbl name="asst0">
+    <dgm:fillClrLst meth="repeat">
+      <a:schemeClr val="dk2"/>
+    </dgm:fillClrLst>
+    <dgm:linClrLst meth="repeat">
+      <a:schemeClr val="lt2"/>
+    </dgm:linClrLst>
+    <dgm:effectClrLst/>
+    <dgm:txLinClrLst/>
+    <dgm:txFillClrLst/>
+    <dgm:txEffectClrLst/>
+  </dgm:styleLbl>
+  <dgm:styleLbl name="asst1">
+    <dgm:fillClrLst meth="repeat">
+      <a:schemeClr val="dk2"/>
+    </dgm:fillClrLst>
+    <dgm:linClrLst meth="repeat">
+      <a:schemeClr val="lt2"/>
+    </dgm:linClrLst>
+    <dgm:effectClrLst/>
+    <dgm:txLinClrLst/>
+    <dgm:txFillClrLst/>
+    <dgm:txEffectClrLst/>
+  </dgm:styleLbl>
+  <dgm:styleLbl name="asst2">
+    <dgm:fillClrLst meth="repeat">
+      <a:schemeClr val="dk2"/>
+    </dgm:fillClrLst>
+    <dgm:linClrLst meth="repeat">
+      <a:schemeClr val="lt2"/>
+    </dgm:linClrLst>
+    <dgm:effectClrLst/>
+    <dgm:txLinClrLst/>
+    <dgm:txFillClrLst/>
+    <dgm:txEffectClrLst/>
+  </dgm:styleLbl>
+  <dgm:styleLbl name="asst3">
+    <dgm:fillClrLst meth="repeat">
+      <a:schemeClr val="dk2"/>
+    </dgm:fillClrLst>
+    <dgm:linClrLst meth="repeat">
+      <a:schemeClr val="lt2"/>
+    </dgm:linClrLst>
+    <dgm:effectClrLst/>
+    <dgm:txLinClrLst/>
+    <dgm:txFillClrLst/>
+    <dgm:txEffectClrLst/>
+  </dgm:styleLbl>
+  <dgm:styleLbl name="asst4">
+    <dgm:fillClrLst meth="repeat">
+      <a:schemeClr val="dk2"/>
+    </dgm:fillClrLst>
+    <dgm:linClrLst meth="repeat">
+      <a:schemeClr val="lt2"/>
+    </dgm:linClrLst>
+    <dgm:effectClrLst/>
+    <dgm:txLinClrLst/>
+    <dgm:txFillClrLst/>
+    <dgm:txEffectClrLst/>
+  </dgm:styleLbl>
+  <dgm:styleLbl name="parChTrans2D1">
+    <dgm:fillClrLst meth="repeat">
+      <a:schemeClr val="dk2">
+        <a:tint val="60000"/>
+      </a:schemeClr>
+    </dgm:fillClrLst>
+    <dgm:linClrLst meth="repeat">
+      <a:schemeClr val="dk2">
+        <a:tint val="60000"/>
+      </a:schemeClr>
+    </dgm:linClrLst>
+    <dgm:effectClrLst/>
+    <dgm:txLinClrLst/>
+    <dgm:txFillClrLst meth="repeat">
+      <a:schemeClr val="lt2"/>
+    </dgm:txFillClrLst>
+    <dgm:txEffectClrLst/>
+  </dgm:styleLbl>
+  <dgm:styleLbl name="parChTrans2D2">
+    <dgm:fillClrLst meth="repeat">
+      <a:schemeClr val="dk2"/>
+    </dgm:fillClrLst>
+    <dgm:linClrLst meth="repeat">
+      <a:schemeClr val="dk2"/>
+    </dgm:linClrLst>
+    <dgm:effectClrLst/>
+    <dgm:txLinClrLst/>
+    <dgm:txFillClrLst meth="repeat">
+      <a:schemeClr val="lt2"/>
+    </dgm:txFillClrLst>
+    <dgm:txEffectClrLst/>
+  </dgm:styleLbl>
+  <dgm:styleLbl name="parChTrans2D3">
+    <dgm:fillClrLst meth="repeat">
+      <a:schemeClr val="dk2"/>
+    </dgm:fillClrLst>
+    <dgm:linClrLst meth="repeat">
+      <a:schemeClr val="dk2"/>
+    </dgm:linClrLst>
+    <dgm:effectClrLst/>
+    <dgm:txLinClrLst/>
+    <dgm:txFillClrLst meth="repeat">
+      <a:schemeClr val="lt2"/>
+    </dgm:txFillClrLst>
+    <dgm:txEffectClrLst/>
+  </dgm:styleLbl>
+  <dgm:styleLbl name="parChTrans2D4">
+    <dgm:fillClrLst meth="repeat">
+      <a:schemeClr val="dk2"/>
+    </dgm:fillClrLst>
+    <dgm:linClrLst meth="repeat">
+      <a:schemeClr val="dk2"/>
+    </dgm:linClrLst>
+    <dgm:effectClrLst/>
+    <dgm:txLinClrLst/>
+    <dgm:txFillClrLst meth="repeat">
+      <a:schemeClr val="lt2"/>
+    </dgm:txFillClrLst>
+    <dgm:txEffectClrLst/>
+  </dgm:styleLbl>
+  <dgm:styleLbl name="parChTrans1D1">
+    <dgm:fillClrLst meth="repeat">
+      <a:schemeClr val="dk2"/>
+    </dgm:fillClrLst>
+    <dgm:linClrLst meth="repeat">
+      <a:schemeClr val="dk2">
+        <a:shade val="60000"/>
+      </a:schemeClr>
+    </dgm:linClrLst>
+    <dgm:effectClrLst/>
+    <dgm:txLinClrLst/>
+    <dgm:txFillClrLst meth="repeat">
+      <a:schemeClr val="tx1"/>
+    </dgm:txFillClrLst>
+    <dgm:txEffectClrLst/>
+  </dgm:styleLbl>
+  <dgm:styleLbl name="parChTrans1D2">
+    <dgm:fillClrLst meth="repeat">
+      <a:schemeClr val="dk2"/>
+    </dgm:fillClrLst>
+    <dgm:linClrLst meth="repeat">
+      <a:schemeClr val="dk2">
+        <a:shade val="60000"/>
+      </a:schemeClr>
+    </dgm:linClrLst>
+    <dgm:effectClrLst/>
+    <dgm:txLinClrLst/>
+    <dgm:txFillClrLst meth="repeat">
+      <a:schemeClr val="tx1"/>
+    </dgm:txFillClrLst>
+    <dgm:txEffectClrLst/>
+  </dgm:styleLbl>
+  <dgm:styleLbl name="parChTrans1D3">
+    <dgm:fillClrLst meth="repeat">
+      <a:schemeClr val="dk2"/>
+    </dgm:fillClrLst>
+    <dgm:linClrLst meth="repeat">
+      <a:schemeClr val="dk2">
+        <a:shade val="80000"/>
+      </a:schemeClr>
+    </dgm:linClrLst>
+    <dgm:effectClrLst/>
+    <dgm:txLinClrLst/>
+    <dgm:txFillClrLst meth="repeat">
+      <a:schemeClr val="tx1"/>
+    </dgm:txFillClrLst>
+    <dgm:txEffectClrLst/>
+  </dgm:styleLbl>
+  <dgm:styleLbl name="parChTrans1D4">
+    <dgm:fillClrLst meth="repeat">
+      <a:schemeClr val="dk2"/>
+    </dgm:fillClrLst>
+    <dgm:linClrLst meth="repeat">
+      <a:schemeClr val="dk2">
+        <a:shade val="80000"/>
+      </a:schemeClr>
+    </dgm:linClrLst>
+    <dgm:effectClrLst/>
+    <dgm:txLinClrLst/>
+    <dgm:txFillClrLst meth="repeat">
+      <a:schemeClr val="tx1"/>
+    </dgm:txFillClrLst>
+    <dgm:txEffectClrLst/>
+  </dgm:styleLbl>
+  <dgm:styleLbl name="fgAcc1">
+    <dgm:fillClrLst meth="repeat">
+      <a:schemeClr val="lt2">
+        <a:alpha val="90000"/>
+      </a:schemeClr>
+    </dgm:fillClrLst>
+    <dgm:linClrLst meth="repeat">
+      <a:schemeClr val="dk2"/>
+    </dgm:linClrLst>
+    <dgm:effectClrLst/>
+    <dgm:txLinClrLst/>
+    <dgm:txFillClrLst meth="repeat">
+      <a:schemeClr val="dk1"/>
+    </dgm:txFillClrLst>
+    <dgm:txEffectClrLst/>
+  </dgm:styleLbl>
+  <dgm:styleLbl name="conFgAcc1">
+    <dgm:fillClrLst meth="repeat">
+      <a:schemeClr val="lt2">
+        <a:alpha val="90000"/>
+      </a:schemeClr>
+    </dgm:fillClrLst>
+    <dgm:linClrLst meth="repeat">
+      <a:schemeClr val="dk2"/>
+    </dgm:linClrLst>
+    <dgm:effectClrLst/>
+    <dgm:txLinClrLst/>
+    <dgm:txFillClrLst meth="repeat">
+      <a:schemeClr val="dk1"/>
+    </dgm:txFillClrLst>
+    <dgm:txEffectClrLst/>
+  </dgm:styleLbl>
+  <dgm:styleLbl name="alignAcc1">
+    <dgm:fillClrLst meth="repeat">
+      <a:schemeClr val="lt2">
+        <a:alpha val="90000"/>
+      </a:schemeClr>
+    </dgm:fillClrLst>
+    <dgm:linClrLst meth="repeat">
+      <a:schemeClr val="dk2"/>
+    </dgm:linClrLst>
+    <dgm:effectClrLst/>
+    <dgm:txLinClrLst/>
+    <dgm:txFillClrLst meth="repeat">
+      <a:schemeClr val="dk1"/>
+    </dgm:txFillClrLst>
+    <dgm:txEffectClrLst/>
+  </dgm:styleLbl>
+  <dgm:styleLbl name="trAlignAcc1">
+    <dgm:fillClrLst meth="repeat">
+      <a:schemeClr val="lt2">
+        <a:alpha val="40000"/>
+      </a:schemeClr>
+    </dgm:fillClrLst>
+    <dgm:linClrLst meth="repeat">
+      <a:schemeClr val="dk2"/>
+    </dgm:linClrLst>
+    <dgm:effectClrLst/>
+    <dgm:txLinClrLst/>
+    <dgm:txFillClrLst meth="repeat">
+      <a:schemeClr val="dk1"/>
+    </dgm:txFillClrLst>
+    <dgm:txEffectClrLst/>
+  </dgm:styleLbl>
+  <dgm:styleLbl name="bgAcc1">
+    <dgm:fillClrLst meth="repeat">
+      <a:schemeClr val="lt2">
+        <a:alpha val="90000"/>
+      </a:schemeClr>
+    </dgm:fillClrLst>
+    <dgm:linClrLst meth="repeat">
+      <a:schemeClr val="dk2"/>
+    </dgm:linClrLst>
+    <dgm:effectClrLst/>
+    <dgm:txLinClrLst/>
+    <dgm:txFillClrLst meth="repeat">
+      <a:schemeClr val="dk1"/>
+    </dgm:txFillClrLst>
+    <dgm:txEffectClrLst/>
+  </dgm:styleLbl>
+  <dgm:styleLbl name="solidFgAcc1">
+    <dgm:fillClrLst meth="repeat">
+      <a:schemeClr val="lt2"/>
+    </dgm:fillClrLst>
+    <dgm:linClrLst meth="repeat">
+      <a:schemeClr val="dk2"/>
+    </dgm:linClrLst>
+    <dgm:effectClrLst/>
+    <dgm:txLinClrLst/>
+    <dgm:txFillClrLst meth="repeat">
+      <a:schemeClr val="dk1"/>
+    </dgm:txFillClrLst>
+    <dgm:txEffectClrLst/>
+  </dgm:styleLbl>
+  <dgm:styleLbl name="solidAlignAcc1">
+    <dgm:fillClrLst meth="repeat">
+      <a:schemeClr val="lt2"/>
+    </dgm:fillClrLst>
+    <dgm:linClrLst meth="repeat">
+      <a:schemeClr val="dk2"/>
+    </dgm:linClrLst>
+    <dgm:effectClrLst/>
+    <dgm:txLinClrLst/>
+    <dgm:txFillClrLst meth="repeat">
+      <a:schemeClr val="dk1"/>
+    </dgm:txFillClrLst>
+    <dgm:txEffectClrLst/>
+  </dgm:styleLbl>
+  <dgm:styleLbl name="solidBgAcc1">
+    <dgm:fillClrLst meth="repeat">
+      <a:schemeClr val="lt2"/>
+    </dgm:fillClrLst>
+    <dgm:linClrLst meth="repeat">
+      <a:schemeClr val="dk2"/>
+    </dgm:linClrLst>
+    <dgm:effectClrLst/>
+    <dgm:txLinClrLst/>
+    <dgm:txFillClrLst meth="repeat">
+      <a:schemeClr val="dk1"/>
+    </dgm:txFillClrLst>
+    <dgm:txEffectClrLst/>
+  </dgm:styleLbl>
+  <dgm:styleLbl name="fgAccFollowNode1">
+    <dgm:fillClrLst meth="repeat">
+      <a:schemeClr val="dk2">
+        <a:alpha val="90000"/>
+        <a:tint val="40000"/>
+      </a:schemeClr>
+    </dgm:fillClrLst>
+    <dgm:linClrLst meth="repeat">
+      <a:schemeClr val="dk2">
+        <a:alpha val="90000"/>
+        <a:tint val="40000"/>
+      </a:schemeClr>
+    </dgm:linClrLst>
+    <dgm:effectClrLst/>
+    <dgm:txLinClrLst/>
+    <dgm:txFillClrLst meth="repeat">
+      <a:schemeClr val="dk1"/>
+    </dgm:txFillClrLst>
+    <dgm:txEffectClrLst/>
+  </dgm:styleLbl>
+  <dgm:styleLbl name="alignAccFollowNode1">
+    <dgm:fillClrLst meth="repeat">
+      <a:schemeClr val="dk2">
+        <a:alpha val="90000"/>
+        <a:tint val="40000"/>
+      </a:schemeClr>
+    </dgm:fillClrLst>
+    <dgm:linClrLst meth="repeat">
+      <a:schemeClr val="dk2">
+        <a:alpha val="90000"/>
+        <a:tint val="40000"/>
+      </a:schemeClr>
+    </dgm:linClrLst>
+    <dgm:effectClrLst/>
+    <dgm:txLinClrLst/>
+    <dgm:txFillClrLst meth="repeat">
+      <a:schemeClr val="dk1"/>
+    </dgm:txFillClrLst>
+    <dgm:txEffectClrLst/>
+  </dgm:styleLbl>
+  <dgm:styleLbl name="bgAccFollowNode1">
+    <dgm:fillClrLst meth="repeat">
+      <a:schemeClr val="dk2">
+        <a:alpha val="90000"/>
+        <a:tint val="40000"/>
+      </a:schemeClr>
+    </dgm:fillClrLst>
+    <dgm:linClrLst meth="repeat">
+      <a:schemeClr val="dk2">
+        <a:alpha val="90000"/>
+        <a:tint val="40000"/>
+      </a:schemeClr>
+    </dgm:linClrLst>
+    <dgm:effectClrLst/>
+    <dgm:txLinClrLst/>
+    <dgm:txFillClrLst meth="repeat">
+      <a:schemeClr val="dk1"/>
+    </dgm:txFillClrLst>
+    <dgm:txEffectClrLst/>
+  </dgm:styleLbl>
+  <dgm:styleLbl name="fgAcc0">
+    <dgm:fillClrLst meth="repeat">
+      <a:schemeClr val="lt2">
+        <a:alpha val="90000"/>
+      </a:schemeClr>
+    </dgm:fillClrLst>
+    <dgm:linClrLst meth="repeat">
+      <a:schemeClr val="dk2"/>
+    </dgm:linClrLst>
+    <dgm:effectClrLst/>
+    <dgm:txLinClrLst/>
+    <dgm:txFillClrLst meth="repeat">
+      <a:schemeClr val="dk1"/>
+    </dgm:txFillClrLst>
+    <dgm:txEffectClrLst/>
+  </dgm:styleLbl>
+  <dgm:styleLbl name="fgAcc2">
+    <dgm:fillClrLst meth="repeat">
+      <a:schemeClr val="lt2">
+        <a:alpha val="90000"/>
+      </a:schemeClr>
+    </dgm:fillClrLst>
+    <dgm:linClrLst meth="repeat">
+      <a:schemeClr val="dk2"/>
+    </dgm:linClrLst>
+    <dgm:effectClrLst/>
+    <dgm:txLinClrLst/>
+    <dgm:txFillClrLst meth="repeat">
+      <a:schemeClr val="dk1"/>
+    </dgm:txFillClrLst>
+    <dgm:txEffectClrLst/>
+  </dgm:styleLbl>
+  <dgm:styleLbl name="fgAcc3">
+    <dgm:fillClrLst meth="repeat">
+      <a:schemeClr val="lt2">
+        <a:alpha val="90000"/>
+      </a:schemeClr>
+    </dgm:fillClrLst>
+    <dgm:linClrLst meth="repeat">
+      <a:schemeClr val="dk2"/>
+    </dgm:linClrLst>
+    <dgm:effectClrLst/>
+    <dgm:txLinClrLst/>
+    <dgm:txFillClrLst meth="repeat">
+      <a:schemeClr val="dk1"/>
+    </dgm:txFillClrLst>
+    <dgm:txEffectClrLst/>
+  </dgm:styleLbl>
+  <dgm:styleLbl name="fgAcc4">
+    <dgm:fillClrLst meth="repeat">
+      <a:schemeClr val="lt2">
+        <a:alpha val="90000"/>
+      </a:schemeClr>
+    </dgm:fillClrLst>
+    <dgm:linClrLst meth="repeat">
+      <a:schemeClr val="dk2"/>
+    </dgm:linClrLst>
+    <dgm:effectClrLst/>
+    <dgm:txLinClrLst/>
+    <dgm:txFillClrLst meth="repeat">
+      <a:schemeClr val="dk1"/>
+    </dgm:txFillClrLst>
+    <dgm:txEffectClrLst/>
+  </dgm:styleLbl>
+  <dgm:styleLbl name="bgShp">
+    <dgm:fillClrLst meth="repeat">
+      <a:schemeClr val="dk2">
+        <a:tint val="40000"/>
+      </a:schemeClr>
+    </dgm:fillClrLst>
+    <dgm:linClrLst meth="repeat">
+      <a:schemeClr val="dk2"/>
+    </dgm:linClrLst>
+    <dgm:effectClrLst/>
+    <dgm:txLinClrLst/>
+    <dgm:txFillClrLst meth="repeat">
+      <a:schemeClr val="dk1"/>
+    </dgm:txFillClrLst>
+    <dgm:txEffectClrLst/>
+  </dgm:styleLbl>
+  <dgm:styleLbl name="dkBgShp">
+    <dgm:fillClrLst meth="repeat">
+      <a:schemeClr val="dk2">
+        <a:shade val="80000"/>
+      </a:schemeClr>
+    </dgm:fillClrLst>
+    <dgm:linClrLst meth="repeat">
+      <a:schemeClr val="dk2"/>
+    </dgm:linClrLst>
+    <dgm:effectClrLst/>
+    <dgm:txLinClrLst/>
+    <dgm:txFillClrLst meth="repeat">
+      <a:schemeClr val="lt1"/>
+    </dgm:txFillClrLst>
+    <dgm:txEffectClrLst/>
+  </dgm:styleLbl>
+  <dgm:styleLbl name="trBgShp">
+    <dgm:fillClrLst meth="repeat">
+      <a:schemeClr val="dk2">
+        <a:tint val="50000"/>
+        <a:alpha val="40000"/>
+      </a:schemeClr>
+    </dgm:fillClrLst>
+    <dgm:linClrLst meth="repeat">
+      <a:schemeClr val="dk2"/>
+    </dgm:linClrLst>
+    <dgm:effectClrLst/>
+    <dgm:txLinClrLst/>
+    <dgm:txFillClrLst meth="repeat">
+      <a:schemeClr val="lt1"/>
+    </dgm:txFillClrLst>
+    <dgm:txEffectClrLst/>
+  </dgm:styleLbl>
+  <dgm:styleLbl name="fgShp">
+    <dgm:fillClrLst meth="repeat">
+      <a:schemeClr val="dk2">
+        <a:tint val="60000"/>
+      </a:schemeClr>
+    </dgm:fillClrLst>
+    <dgm:linClrLst meth="repeat">
+      <a:schemeClr val="lt2"/>
+    </dgm:linClrLst>
+    <dgm:effectClrLst/>
+    <dgm:txLinClrLst/>
+    <dgm:txFillClrLst meth="repeat">
+      <a:schemeClr val="dk1"/>
+    </dgm:txFillClrLst>
+    <dgm:txEffectClrLst/>
+  </dgm:styleLbl>
+  <dgm:styleLbl name="revTx">
+    <dgm:fillClrLst meth="repeat">
+      <a:schemeClr val="lt2">
+        <a:alpha val="0"/>
+      </a:schemeClr>
+    </dgm:fillClrLst>
+    <dgm:linClrLst meth="repeat">
+      <a:schemeClr val="dk1">
+        <a:alpha val="0"/>
+      </a:schemeClr>
+    </dgm:linClrLst>
+    <dgm:effectClrLst/>
+    <dgm:txLinClrLst/>
+    <dgm:txFillClrLst meth="repeat">
+      <a:schemeClr val="tx1"/>
+    </dgm:txFillClrLst>
+    <dgm:txEffectClrLst/>
+  </dgm:styleLbl>
+</dgm:colorsDef>
+</file>
+
+<file path=ppt/diagrams/data1.xml><?xml version="1.0" encoding="utf-8"?>
+<dgm:dataModel xmlns:dgm="http://schemas.openxmlformats.org/drawingml/2006/diagram" xmlns:a="http://schemas.openxmlformats.org/drawingml/2006/main">
+  <dgm:ptLst>
+    <dgm:pt modelId="{AD0396CC-BA72-400E-9AE5-C02D6C32C442}" type="doc">
+      <dgm:prSet loTypeId="urn:microsoft.com/office/officeart/2005/8/layout/hierarchy1" loCatId="hierarchy" qsTypeId="urn:microsoft.com/office/officeart/2005/8/quickstyle/simple1" qsCatId="simple" csTypeId="urn:microsoft.com/office/officeart/2005/8/colors/accent0_3" csCatId="mainScheme" phldr="1"/>
+      <dgm:spPr/>
+      <dgm:t>
+        <a:bodyPr/>
+        <a:lstStyle/>
+        <a:p>
+          <a:endParaRPr lang="en-US"/>
+        </a:p>
+      </dgm:t>
+    </dgm:pt>
+    <dgm:pt modelId="{B59B5CD9-5584-4B76-AB97-A1D345EB5652}">
+      <dgm:prSet/>
+      <dgm:spPr/>
+      <dgm:t>
+        <a:bodyPr/>
+        <a:lstStyle/>
+        <a:p>
+          <a:r>
+            <a:rPr kumimoji="1" lang="en-US" b="1" dirty="0"/>
+            <a:t>Python</a:t>
+          </a:r>
+          <a:r>
+            <a:rPr kumimoji="1" lang="ja-JP" b="1"/>
+            <a:t>コードを対象に、難読化前後の構造的変化を定量化・可視化するツールの実装と評価</a:t>
+          </a:r>
+          <a:r>
+            <a:rPr kumimoji="1" lang="ja-JP"/>
+            <a:t>を目的とする。</a:t>
+          </a:r>
+          <a:endParaRPr lang="en-US" dirty="0"/>
+        </a:p>
+      </dgm:t>
+    </dgm:pt>
+    <dgm:pt modelId="{0A741A77-BD4C-44EE-94FF-7A072D043730}" type="parTrans" cxnId="{04162DD0-6027-45B9-A253-1F88DAE9C3A8}">
+      <dgm:prSet/>
+      <dgm:spPr/>
+      <dgm:t>
+        <a:bodyPr/>
+        <a:lstStyle/>
+        <a:p>
+          <a:endParaRPr lang="en-US"/>
+        </a:p>
+      </dgm:t>
+    </dgm:pt>
+    <dgm:pt modelId="{7A8576A3-1E52-4F5C-B7AD-3FB0B2506D43}" type="sibTrans" cxnId="{04162DD0-6027-45B9-A253-1F88DAE9C3A8}">
+      <dgm:prSet/>
+      <dgm:spPr/>
+      <dgm:t>
+        <a:bodyPr/>
+        <a:lstStyle/>
+        <a:p>
+          <a:endParaRPr lang="en-US"/>
+        </a:p>
+      </dgm:t>
+    </dgm:pt>
+    <dgm:pt modelId="{36556160-113D-4C74-B8E2-74390896BF6D}">
+      <dgm:prSet/>
+      <dgm:spPr/>
+      <dgm:t>
+        <a:bodyPr/>
+        <a:lstStyle/>
+        <a:p>
+          <a:r>
+            <a:rPr kumimoji="1" lang="ja-JP"/>
+            <a:t>生成</a:t>
+          </a:r>
+          <a:r>
+            <a:rPr kumimoji="1" lang="en-US" dirty="0"/>
+            <a:t>AI</a:t>
+          </a:r>
+          <a:r>
+            <a:rPr kumimoji="1" lang="ja-JP"/>
+            <a:t>がどれくらい難読化できるかを評価する。</a:t>
+          </a:r>
+          <a:endParaRPr lang="en-US" dirty="0"/>
+        </a:p>
+      </dgm:t>
+    </dgm:pt>
+    <dgm:pt modelId="{D366563F-3CD1-4FD2-9749-CBF8B0567C47}" type="parTrans" cxnId="{FA606E3E-E58F-4606-8E1A-76D2C53D52EC}">
+      <dgm:prSet/>
+      <dgm:spPr/>
+      <dgm:t>
+        <a:bodyPr/>
+        <a:lstStyle/>
+        <a:p>
+          <a:endParaRPr lang="en-US"/>
+        </a:p>
+      </dgm:t>
+    </dgm:pt>
+    <dgm:pt modelId="{0D88ECDC-9AA8-4AB3-81C4-AB3679F9C1B1}" type="sibTrans" cxnId="{FA606E3E-E58F-4606-8E1A-76D2C53D52EC}">
+      <dgm:prSet/>
+      <dgm:spPr/>
+      <dgm:t>
+        <a:bodyPr/>
+        <a:lstStyle/>
+        <a:p>
+          <a:endParaRPr lang="en-US"/>
+        </a:p>
+      </dgm:t>
+    </dgm:pt>
+    <dgm:pt modelId="{6686BB18-663F-C646-8CB2-C0F4E26A1F7A}" type="pres">
+      <dgm:prSet presAssocID="{AD0396CC-BA72-400E-9AE5-C02D6C32C442}" presName="hierChild1" presStyleCnt="0">
+        <dgm:presLayoutVars>
+          <dgm:chPref val="1"/>
+          <dgm:dir/>
+          <dgm:animOne val="branch"/>
+          <dgm:animLvl val="lvl"/>
+          <dgm:resizeHandles/>
+        </dgm:presLayoutVars>
+      </dgm:prSet>
+      <dgm:spPr/>
+    </dgm:pt>
+    <dgm:pt modelId="{512A81E2-2775-A542-A79D-8BD8FE7D8341}" type="pres">
+      <dgm:prSet presAssocID="{B59B5CD9-5584-4B76-AB97-A1D345EB5652}" presName="hierRoot1" presStyleCnt="0"/>
+      <dgm:spPr/>
+    </dgm:pt>
+    <dgm:pt modelId="{29DBF818-6605-FD44-AB84-771872CAF2A3}" type="pres">
+      <dgm:prSet presAssocID="{B59B5CD9-5584-4B76-AB97-A1D345EB5652}" presName="composite" presStyleCnt="0"/>
+      <dgm:spPr/>
+    </dgm:pt>
+    <dgm:pt modelId="{6091AB5F-5F34-4448-98DB-9E207EC2062A}" type="pres">
+      <dgm:prSet presAssocID="{B59B5CD9-5584-4B76-AB97-A1D345EB5652}" presName="background" presStyleLbl="node0" presStyleIdx="0" presStyleCnt="2"/>
+      <dgm:spPr/>
+    </dgm:pt>
+    <dgm:pt modelId="{CFFEDD34-D42C-954F-A277-527C019A361D}" type="pres">
+      <dgm:prSet presAssocID="{B59B5CD9-5584-4B76-AB97-A1D345EB5652}" presName="text" presStyleLbl="fgAcc0" presStyleIdx="0" presStyleCnt="2" custLinFactNeighborY="627">
+        <dgm:presLayoutVars>
+          <dgm:chPref val="3"/>
+        </dgm:presLayoutVars>
+      </dgm:prSet>
+      <dgm:spPr/>
+    </dgm:pt>
+    <dgm:pt modelId="{5DCA2477-C74A-7F48-BDED-45B10F77BBA3}" type="pres">
+      <dgm:prSet presAssocID="{B59B5CD9-5584-4B76-AB97-A1D345EB5652}" presName="hierChild2" presStyleCnt="0"/>
+      <dgm:spPr/>
+    </dgm:pt>
+    <dgm:pt modelId="{A4261F24-1702-C74B-A6A3-561639E63E31}" type="pres">
+      <dgm:prSet presAssocID="{36556160-113D-4C74-B8E2-74390896BF6D}" presName="hierRoot1" presStyleCnt="0"/>
+      <dgm:spPr/>
+    </dgm:pt>
+    <dgm:pt modelId="{B58579CB-8064-8D44-BE94-C583933F2246}" type="pres">
+      <dgm:prSet presAssocID="{36556160-113D-4C74-B8E2-74390896BF6D}" presName="composite" presStyleCnt="0"/>
+      <dgm:spPr/>
+    </dgm:pt>
+    <dgm:pt modelId="{DE34164E-5071-0248-9B48-82FC8B8C76D7}" type="pres">
+      <dgm:prSet presAssocID="{36556160-113D-4C74-B8E2-74390896BF6D}" presName="background" presStyleLbl="node0" presStyleIdx="1" presStyleCnt="2"/>
+      <dgm:spPr/>
+    </dgm:pt>
+    <dgm:pt modelId="{ADEA786D-D65F-3540-9E4D-034A7F1F00C1}" type="pres">
+      <dgm:prSet presAssocID="{36556160-113D-4C74-B8E2-74390896BF6D}" presName="text" presStyleLbl="fgAcc0" presStyleIdx="1" presStyleCnt="2">
+        <dgm:presLayoutVars>
+          <dgm:chPref val="3"/>
+        </dgm:presLayoutVars>
+      </dgm:prSet>
+      <dgm:spPr/>
+    </dgm:pt>
+    <dgm:pt modelId="{244178C1-7848-0740-88EA-D018A306AAB4}" type="pres">
+      <dgm:prSet presAssocID="{36556160-113D-4C74-B8E2-74390896BF6D}" presName="hierChild2" presStyleCnt="0"/>
+      <dgm:spPr/>
+    </dgm:pt>
+  </dgm:ptLst>
+  <dgm:cxnLst>
+    <dgm:cxn modelId="{FA606E3E-E58F-4606-8E1A-76D2C53D52EC}" srcId="{AD0396CC-BA72-400E-9AE5-C02D6C32C442}" destId="{36556160-113D-4C74-B8E2-74390896BF6D}" srcOrd="1" destOrd="0" parTransId="{D366563F-3CD1-4FD2-9749-CBF8B0567C47}" sibTransId="{0D88ECDC-9AA8-4AB3-81C4-AB3679F9C1B1}"/>
+    <dgm:cxn modelId="{D52FDC49-A3FC-7543-84CC-628EE70F0F57}" type="presOf" srcId="{AD0396CC-BA72-400E-9AE5-C02D6C32C442}" destId="{6686BB18-663F-C646-8CB2-C0F4E26A1F7A}" srcOrd="0" destOrd="0" presId="urn:microsoft.com/office/officeart/2005/8/layout/hierarchy1"/>
+    <dgm:cxn modelId="{522B5C7E-EB91-E04C-B1E9-BC82DB3DF563}" type="presOf" srcId="{B59B5CD9-5584-4B76-AB97-A1D345EB5652}" destId="{CFFEDD34-D42C-954F-A277-527C019A361D}" srcOrd="0" destOrd="0" presId="urn:microsoft.com/office/officeart/2005/8/layout/hierarchy1"/>
+    <dgm:cxn modelId="{04162DD0-6027-45B9-A253-1F88DAE9C3A8}" srcId="{AD0396CC-BA72-400E-9AE5-C02D6C32C442}" destId="{B59B5CD9-5584-4B76-AB97-A1D345EB5652}" srcOrd="0" destOrd="0" parTransId="{0A741A77-BD4C-44EE-94FF-7A072D043730}" sibTransId="{7A8576A3-1E52-4F5C-B7AD-3FB0B2506D43}"/>
+    <dgm:cxn modelId="{150EC1DD-119F-F947-AE3C-FC0CD3AF7258}" type="presOf" srcId="{36556160-113D-4C74-B8E2-74390896BF6D}" destId="{ADEA786D-D65F-3540-9E4D-034A7F1F00C1}" srcOrd="0" destOrd="0" presId="urn:microsoft.com/office/officeart/2005/8/layout/hierarchy1"/>
+    <dgm:cxn modelId="{67B61D7D-7023-8D4F-8D6A-6DB7077AE9F3}" type="presParOf" srcId="{6686BB18-663F-C646-8CB2-C0F4E26A1F7A}" destId="{512A81E2-2775-A542-A79D-8BD8FE7D8341}" srcOrd="0" destOrd="0" presId="urn:microsoft.com/office/officeart/2005/8/layout/hierarchy1"/>
+    <dgm:cxn modelId="{B82C50B4-1BD2-0749-A770-5DA265837005}" type="presParOf" srcId="{512A81E2-2775-A542-A79D-8BD8FE7D8341}" destId="{29DBF818-6605-FD44-AB84-771872CAF2A3}" srcOrd="0" destOrd="0" presId="urn:microsoft.com/office/officeart/2005/8/layout/hierarchy1"/>
+    <dgm:cxn modelId="{B5737432-BB84-7D4A-A1F9-4F382C8CFD2B}" type="presParOf" srcId="{29DBF818-6605-FD44-AB84-771872CAF2A3}" destId="{6091AB5F-5F34-4448-98DB-9E207EC2062A}" srcOrd="0" destOrd="0" presId="urn:microsoft.com/office/officeart/2005/8/layout/hierarchy1"/>
+    <dgm:cxn modelId="{65E165CA-EBE5-444A-B38F-7A984ADF3E6B}" type="presParOf" srcId="{29DBF818-6605-FD44-AB84-771872CAF2A3}" destId="{CFFEDD34-D42C-954F-A277-527C019A361D}" srcOrd="1" destOrd="0" presId="urn:microsoft.com/office/officeart/2005/8/layout/hierarchy1"/>
+    <dgm:cxn modelId="{E54E8968-F802-FA46-8769-883FD6A63640}" type="presParOf" srcId="{512A81E2-2775-A542-A79D-8BD8FE7D8341}" destId="{5DCA2477-C74A-7F48-BDED-45B10F77BBA3}" srcOrd="1" destOrd="0" presId="urn:microsoft.com/office/officeart/2005/8/layout/hierarchy1"/>
+    <dgm:cxn modelId="{88E78C63-557C-6744-8428-C052E27EDD3F}" type="presParOf" srcId="{6686BB18-663F-C646-8CB2-C0F4E26A1F7A}" destId="{A4261F24-1702-C74B-A6A3-561639E63E31}" srcOrd="1" destOrd="0" presId="urn:microsoft.com/office/officeart/2005/8/layout/hierarchy1"/>
+    <dgm:cxn modelId="{649F1433-DED5-304D-994F-9A6E8C4201DF}" type="presParOf" srcId="{A4261F24-1702-C74B-A6A3-561639E63E31}" destId="{B58579CB-8064-8D44-BE94-C583933F2246}" srcOrd="0" destOrd="0" presId="urn:microsoft.com/office/officeart/2005/8/layout/hierarchy1"/>
+    <dgm:cxn modelId="{EBF6B352-8CC3-4F44-BADC-08E3EDB3BE83}" type="presParOf" srcId="{B58579CB-8064-8D44-BE94-C583933F2246}" destId="{DE34164E-5071-0248-9B48-82FC8B8C76D7}" srcOrd="0" destOrd="0" presId="urn:microsoft.com/office/officeart/2005/8/layout/hierarchy1"/>
+    <dgm:cxn modelId="{37115363-3E2D-0D40-BB2E-94EA06FDC24D}" type="presParOf" srcId="{B58579CB-8064-8D44-BE94-C583933F2246}" destId="{ADEA786D-D65F-3540-9E4D-034A7F1F00C1}" srcOrd="1" destOrd="0" presId="urn:microsoft.com/office/officeart/2005/8/layout/hierarchy1"/>
+    <dgm:cxn modelId="{8C23C315-7FCB-644F-8251-80C5C30150CE}" type="presParOf" srcId="{A4261F24-1702-C74B-A6A3-561639E63E31}" destId="{244178C1-7848-0740-88EA-D018A306AAB4}" srcOrd="1" destOrd="0" presId="urn:microsoft.com/office/officeart/2005/8/layout/hierarchy1"/>
+  </dgm:cxnLst>
+  <dgm:bg/>
+  <dgm:whole/>
+  <dgm:extLst>
+    <a:ext uri="http://schemas.microsoft.com/office/drawing/2008/diagram">
+      <dsp:dataModelExt xmlns:dsp="http://schemas.microsoft.com/office/drawing/2008/diagram" relId="rId6" minVer="http://schemas.openxmlformats.org/drawingml/2006/diagram"/>
+    </a:ext>
+  </dgm:extLst>
+</dgm:dataModel>
+</file>
+
+<file path=ppt/diagrams/drawing1.xml><?xml version="1.0" encoding="utf-8"?>
+<dsp:drawing xmlns:dgm="http://schemas.openxmlformats.org/drawingml/2006/diagram" xmlns:dsp="http://schemas.microsoft.com/office/drawing/2008/diagram" xmlns:a="http://schemas.openxmlformats.org/drawingml/2006/main">
+  <dsp:spTree>
+    <dsp:nvGrpSpPr>
+      <dsp:cNvPr id="0" name=""/>
+      <dsp:cNvGrpSpPr/>
+    </dsp:nvGrpSpPr>
+    <dsp:grpSpPr/>
+    <dsp:sp modelId="{6091AB5F-5F34-4448-98DB-9E207EC2062A}">
+      <dsp:nvSpPr>
+        <dsp:cNvPr id="0" name=""/>
+        <dsp:cNvSpPr/>
+      </dsp:nvSpPr>
+      <dsp:spPr>
+        <a:xfrm>
+          <a:off x="134291" y="1225"/>
+          <a:ext cx="4332795" cy="2751325"/>
+        </a:xfrm>
+        <a:prstGeom prst="roundRect">
+          <a:avLst>
+            <a:gd name="adj" fmla="val 10000"/>
+          </a:avLst>
+        </a:prstGeom>
+        <a:solidFill>
+          <a:schemeClr val="dk2">
+            <a:hueOff val="0"/>
+            <a:satOff val="0"/>
+            <a:lumOff val="0"/>
+            <a:alphaOff val="0"/>
+          </a:schemeClr>
+        </a:solidFill>
+        <a:ln w="19050" cap="flat" cmpd="sng" algn="ctr">
+          <a:solidFill>
+            <a:schemeClr val="lt2">
+              <a:hueOff val="0"/>
+              <a:satOff val="0"/>
+              <a:lumOff val="0"/>
+              <a:alphaOff val="0"/>
+            </a:schemeClr>
+          </a:solidFill>
+          <a:prstDash val="solid"/>
+          <a:miter lim="800000"/>
+        </a:ln>
+        <a:effectLst/>
+      </dsp:spPr>
+      <dsp:style>
+        <a:lnRef idx="2">
+          <a:scrgbClr r="0" g="0" b="0"/>
+        </a:lnRef>
+        <a:fillRef idx="1">
+          <a:scrgbClr r="0" g="0" b="0"/>
+        </a:fillRef>
+        <a:effectRef idx="0">
+          <a:scrgbClr r="0" g="0" b="0"/>
+        </a:effectRef>
+        <a:fontRef idx="minor">
+          <a:schemeClr val="lt1"/>
+        </a:fontRef>
+      </dsp:style>
+    </dsp:sp>
+    <dsp:sp modelId="{CFFEDD34-D42C-954F-A277-527C019A361D}">
+      <dsp:nvSpPr>
+        <dsp:cNvPr id="0" name=""/>
+        <dsp:cNvSpPr/>
+      </dsp:nvSpPr>
+      <dsp:spPr>
+        <a:xfrm>
+          <a:off x="615713" y="458576"/>
+          <a:ext cx="4332795" cy="2751325"/>
+        </a:xfrm>
+        <a:prstGeom prst="roundRect">
+          <a:avLst>
+            <a:gd name="adj" fmla="val 10000"/>
+          </a:avLst>
+        </a:prstGeom>
+        <a:solidFill>
+          <a:schemeClr val="lt2">
+            <a:alpha val="90000"/>
+            <a:hueOff val="0"/>
+            <a:satOff val="0"/>
+            <a:lumOff val="0"/>
+            <a:alphaOff val="0"/>
+          </a:schemeClr>
+        </a:solidFill>
+        <a:ln w="19050" cap="flat" cmpd="sng" algn="ctr">
+          <a:solidFill>
+            <a:schemeClr val="dk2">
+              <a:hueOff val="0"/>
+              <a:satOff val="0"/>
+              <a:lumOff val="0"/>
+              <a:alphaOff val="0"/>
+            </a:schemeClr>
+          </a:solidFill>
+          <a:prstDash val="solid"/>
+          <a:miter lim="800000"/>
+        </a:ln>
+        <a:effectLst/>
+      </dsp:spPr>
+      <dsp:style>
+        <a:lnRef idx="2">
+          <a:scrgbClr r="0" g="0" b="0"/>
+        </a:lnRef>
+        <a:fillRef idx="1">
+          <a:scrgbClr r="0" g="0" b="0"/>
+        </a:fillRef>
+        <a:effectRef idx="0">
+          <a:scrgbClr r="0" g="0" b="0"/>
+        </a:effectRef>
+        <a:fontRef idx="minor"/>
+      </dsp:style>
+      <dsp:txBody>
+        <a:bodyPr spcFirstLastPara="0" vert="horz" wrap="square" lIns="99060" tIns="99060" rIns="99060" bIns="99060" numCol="1" spcCol="1270" anchor="ctr" anchorCtr="0">
+          <a:noAutofit/>
+        </a:bodyPr>
+        <a:lstStyle/>
+        <a:p>
+          <a:pPr marL="0" lvl="0" indent="0" algn="ctr" defTabSz="1155700">
+            <a:lnSpc>
+              <a:spcPct val="90000"/>
+            </a:lnSpc>
+            <a:spcBef>
+              <a:spcPct val="0"/>
+            </a:spcBef>
+            <a:spcAft>
+              <a:spcPct val="35000"/>
+            </a:spcAft>
+            <a:buNone/>
+          </a:pPr>
+          <a:r>
+            <a:rPr kumimoji="1" lang="en-US" sz="2600" b="1" kern="1200" dirty="0"/>
+            <a:t>Python</a:t>
+          </a:r>
+          <a:r>
+            <a:rPr kumimoji="1" lang="ja-JP" sz="2600" b="1" kern="1200"/>
+            <a:t>コードを対象に、難読化前後の構造的変化を定量化・可視化するツールの実装と評価</a:t>
+          </a:r>
+          <a:r>
+            <a:rPr kumimoji="1" lang="ja-JP" sz="2600" kern="1200"/>
+            <a:t>を目的とする。</a:t>
+          </a:r>
+          <a:endParaRPr lang="en-US" sz="2600" kern="1200" dirty="0"/>
+        </a:p>
+      </dsp:txBody>
+      <dsp:txXfrm>
+        <a:off x="696297" y="539160"/>
+        <a:ext cx="4171627" cy="2590157"/>
+      </dsp:txXfrm>
+    </dsp:sp>
+    <dsp:sp modelId="{DE34164E-5071-0248-9B48-82FC8B8C76D7}">
+      <dsp:nvSpPr>
+        <dsp:cNvPr id="0" name=""/>
+        <dsp:cNvSpPr/>
+      </dsp:nvSpPr>
+      <dsp:spPr>
+        <a:xfrm>
+          <a:off x="5429930" y="612"/>
+          <a:ext cx="4332795" cy="2751325"/>
+        </a:xfrm>
+        <a:prstGeom prst="roundRect">
+          <a:avLst>
+            <a:gd name="adj" fmla="val 10000"/>
+          </a:avLst>
+        </a:prstGeom>
+        <a:solidFill>
+          <a:schemeClr val="dk2">
+            <a:hueOff val="0"/>
+            <a:satOff val="0"/>
+            <a:lumOff val="0"/>
+            <a:alphaOff val="0"/>
+          </a:schemeClr>
+        </a:solidFill>
+        <a:ln w="19050" cap="flat" cmpd="sng" algn="ctr">
+          <a:solidFill>
+            <a:schemeClr val="lt2">
+              <a:hueOff val="0"/>
+              <a:satOff val="0"/>
+              <a:lumOff val="0"/>
+              <a:alphaOff val="0"/>
+            </a:schemeClr>
+          </a:solidFill>
+          <a:prstDash val="solid"/>
+          <a:miter lim="800000"/>
+        </a:ln>
+        <a:effectLst/>
+      </dsp:spPr>
+      <dsp:style>
+        <a:lnRef idx="2">
+          <a:scrgbClr r="0" g="0" b="0"/>
+        </a:lnRef>
+        <a:fillRef idx="1">
+          <a:scrgbClr r="0" g="0" b="0"/>
+        </a:fillRef>
+        <a:effectRef idx="0">
+          <a:scrgbClr r="0" g="0" b="0"/>
+        </a:effectRef>
+        <a:fontRef idx="minor">
+          <a:schemeClr val="lt1"/>
+        </a:fontRef>
+      </dsp:style>
+    </dsp:sp>
+    <dsp:sp modelId="{ADEA786D-D65F-3540-9E4D-034A7F1F00C1}">
+      <dsp:nvSpPr>
+        <dsp:cNvPr id="0" name=""/>
+        <dsp:cNvSpPr/>
+      </dsp:nvSpPr>
+      <dsp:spPr>
+        <a:xfrm>
+          <a:off x="5911352" y="457963"/>
+          <a:ext cx="4332795" cy="2751325"/>
+        </a:xfrm>
+        <a:prstGeom prst="roundRect">
+          <a:avLst>
+            <a:gd name="adj" fmla="val 10000"/>
+          </a:avLst>
+        </a:prstGeom>
+        <a:solidFill>
+          <a:schemeClr val="lt2">
+            <a:alpha val="90000"/>
+            <a:hueOff val="0"/>
+            <a:satOff val="0"/>
+            <a:lumOff val="0"/>
+            <a:alphaOff val="0"/>
+          </a:schemeClr>
+        </a:solidFill>
+        <a:ln w="19050" cap="flat" cmpd="sng" algn="ctr">
+          <a:solidFill>
+            <a:schemeClr val="dk2">
+              <a:hueOff val="0"/>
+              <a:satOff val="0"/>
+              <a:lumOff val="0"/>
+              <a:alphaOff val="0"/>
+            </a:schemeClr>
+          </a:solidFill>
+          <a:prstDash val="solid"/>
+          <a:miter lim="800000"/>
+        </a:ln>
+        <a:effectLst/>
+      </dsp:spPr>
+      <dsp:style>
+        <a:lnRef idx="2">
+          <a:scrgbClr r="0" g="0" b="0"/>
+        </a:lnRef>
+        <a:fillRef idx="1">
+          <a:scrgbClr r="0" g="0" b="0"/>
+        </a:fillRef>
+        <a:effectRef idx="0">
+          <a:scrgbClr r="0" g="0" b="0"/>
+        </a:effectRef>
+        <a:fontRef idx="minor"/>
+      </dsp:style>
+      <dsp:txBody>
+        <a:bodyPr spcFirstLastPara="0" vert="horz" wrap="square" lIns="99060" tIns="99060" rIns="99060" bIns="99060" numCol="1" spcCol="1270" anchor="ctr" anchorCtr="0">
+          <a:noAutofit/>
+        </a:bodyPr>
+        <a:lstStyle/>
+        <a:p>
+          <a:pPr marL="0" lvl="0" indent="0" algn="ctr" defTabSz="1155700">
+            <a:lnSpc>
+              <a:spcPct val="90000"/>
+            </a:lnSpc>
+            <a:spcBef>
+              <a:spcPct val="0"/>
+            </a:spcBef>
+            <a:spcAft>
+              <a:spcPct val="35000"/>
+            </a:spcAft>
+            <a:buNone/>
+          </a:pPr>
+          <a:r>
+            <a:rPr kumimoji="1" lang="ja-JP" sz="2600" kern="1200"/>
+            <a:t>生成</a:t>
+          </a:r>
+          <a:r>
+            <a:rPr kumimoji="1" lang="en-US" sz="2600" kern="1200" dirty="0"/>
+            <a:t>AI</a:t>
+          </a:r>
+          <a:r>
+            <a:rPr kumimoji="1" lang="ja-JP" sz="2600" kern="1200"/>
+            <a:t>がどれくらい難読化できるかを評価する。</a:t>
+          </a:r>
+          <a:endParaRPr lang="en-US" sz="2600" kern="1200" dirty="0"/>
+        </a:p>
+      </dsp:txBody>
+      <dsp:txXfrm>
+        <a:off x="5991936" y="538547"/>
+        <a:ext cx="4171627" cy="2590157"/>
+      </dsp:txXfrm>
+    </dsp:sp>
+  </dsp:spTree>
+</dsp:drawing>
+</file>
+
+<file path=ppt/diagrams/layout1.xml><?xml version="1.0" encoding="utf-8"?>
+<dgm:layoutDef xmlns:dgm="http://schemas.openxmlformats.org/drawingml/2006/diagram" xmlns:a="http://schemas.openxmlformats.org/drawingml/2006/main" uniqueId="urn:microsoft.com/office/officeart/2005/8/layout/hierarchy1">
+  <dgm:title val=""/>
+  <dgm:desc val=""/>
+  <dgm:catLst>
+    <dgm:cat type="hierarchy" pri="2000"/>
+  </dgm:catLst>
+  <dgm:sampData>
+    <dgm:dataModel>
+      <dgm:ptLst>
+        <dgm:pt modelId="0" type="doc"/>
+        <dgm:pt modelId="1">
+          <dgm:prSet phldr="1"/>
+        </dgm:pt>
+        <dgm:pt modelId="2">
+          <dgm:prSet phldr="1"/>
+        </dgm:pt>
+        <dgm:pt modelId="21">
+          <dgm:prSet phldr="1"/>
+        </dgm:pt>
+        <dgm:pt modelId="22">
+          <dgm:prSet phldr="1"/>
+        </dgm:pt>
+        <dgm:pt modelId="3">
+          <dgm:prSet phldr="1"/>
+        </dgm:pt>
+        <dgm:pt modelId="31">
+          <dgm:prSet phldr="1"/>
+        </dgm:pt>
+      </dgm:ptLst>
+      <dgm:cxnLst>
+        <dgm:cxn modelId="4" srcId="0" destId="1" srcOrd="0" destOrd="0"/>
+        <dgm:cxn modelId="5" srcId="1" destId="2" srcOrd="0" destOrd="0"/>
+        <dgm:cxn modelId="6" srcId="1" destId="3" srcOrd="1" destOrd="0"/>
+        <dgm:cxn modelId="23" srcId="2" destId="21" srcOrd="0" destOrd="0"/>
+        <dgm:cxn modelId="24" srcId="2" destId="22" srcOrd="1" destOrd="0"/>
+        <dgm:cxn modelId="33" srcId="3" destId="31" srcOrd="0" destOrd="0"/>
+      </dgm:cxnLst>
+      <dgm:bg/>
+      <dgm:whole/>
+    </dgm:dataModel>
+  </dgm:sampData>
+  <dgm:styleData>
+    <dgm:dataModel>
+      <dgm:ptLst>
+        <dgm:pt modelId="0" type="doc"/>
+        <dgm:pt modelId="1"/>
+        <dgm:pt modelId="11"/>
+        <dgm:pt modelId="12"/>
+      </dgm:ptLst>
+      <dgm:cxnLst>
+        <dgm:cxn modelId="2" srcId="0" destId="1" srcOrd="0" destOrd="0"/>
+        <dgm:cxn modelId="13" srcId="1" destId="11" srcOrd="0" destOrd="0"/>
+        <dgm:cxn modelId="14" srcId="1" destId="12" srcOrd="1" destOrd="0"/>
+      </dgm:cxnLst>
+      <dgm:bg/>
+      <dgm:whole/>
+    </dgm:dataModel>
+  </dgm:styleData>
+  <dgm:clrData>
+    <dgm:dataModel>
+      <dgm:ptLst>
+        <dgm:pt modelId="0" type="doc"/>
+        <dgm:pt modelId="1"/>
+        <dgm:pt modelId="2"/>
+        <dgm:pt modelId="21"/>
+        <dgm:pt modelId="211"/>
+        <dgm:pt modelId="3"/>
+        <dgm:pt modelId="31"/>
+        <dgm:pt modelId="311"/>
+      </dgm:ptLst>
+      <dgm:cxnLst>
+        <dgm:cxn modelId="4" srcId="0" destId="1" srcOrd="0" destOrd="0"/>
+        <dgm:cxn modelId="5" srcId="1" destId="2" srcOrd="0" destOrd="0"/>
+        <dgm:cxn modelId="6" srcId="1" destId="3" srcOrd="1" destOrd="0"/>
+        <dgm:cxn modelId="23" srcId="2" destId="21" srcOrd="0" destOrd="0"/>
+        <dgm:cxn modelId="24" srcId="21" destId="211" srcOrd="0" destOrd="0"/>
+        <dgm:cxn modelId="33" srcId="3" destId="31" srcOrd="0" destOrd="0"/>
+        <dgm:cxn modelId="34" srcId="31" destId="311" srcOrd="0" destOrd="0"/>
+      </dgm:cxnLst>
+      <dgm:bg/>
+      <dgm:whole/>
+    </dgm:dataModel>
+  </dgm:clrData>
+  <dgm:layoutNode name="hierChild1">
+    <dgm:varLst>
+      <dgm:chPref val="1"/>
+      <dgm:dir/>
+      <dgm:animOne val="branch"/>
+      <dgm:animLvl val="lvl"/>
+      <dgm:resizeHandles/>
+    </dgm:varLst>
+    <dgm:choose name="Name0">
+      <dgm:if name="Name1" func="var" arg="dir" op="equ" val="norm">
+        <dgm:alg type="hierChild">
+          <dgm:param type="linDir" val="fromL"/>
+        </dgm:alg>
+      </dgm:if>
+      <dgm:else name="Name2">
+        <dgm:alg type="hierChild">
+          <dgm:param type="linDir" val="fromR"/>
+        </dgm:alg>
+      </dgm:else>
+    </dgm:choose>
+    <dgm:shape xmlns:r="http://schemas.openxmlformats.org/officeDocument/2006/relationships" r:blip="">
+      <dgm:adjLst/>
+    </dgm:shape>
+    <dgm:presOf/>
+    <dgm:constrLst>
+      <dgm:constr type="primFontSz" for="des" ptType="node" op="equ" val="65"/>
+      <dgm:constr type="w" for="des" forName="composite" refType="w"/>
+      <dgm:constr type="h" for="des" forName="composite" refType="w" refFor="des" refForName="composite" fact="0.667"/>
+      <dgm:constr type="w" for="des" forName="composite2" refType="w" refFor="des" refForName="composite"/>
+      <dgm:constr type="h" for="des" forName="composite2" refType="h" refFor="des" refForName="composite"/>
+      <dgm:constr type="w" for="des" forName="composite3" refType="w" refFor="des" refForName="composite"/>
+      <dgm:constr type="h" for="des" forName="composite3" refType="h" refFor="des" refForName="composite"/>
+      <dgm:constr type="w" for="des" forName="composite4" refType="w" refFor="des" refForName="composite"/>
+      <dgm:constr type="h" for="des" forName="composite4" refType="h" refFor="des" refForName="composite"/>
+      <dgm:constr type="w" for="des" forName="composite5" refType="w" refFor="des" refForName="composite"/>
+      <dgm:constr type="h" for="des" forName="composite5" refType="h" refFor="des" refForName="composite"/>
+      <dgm:constr type="sibSp" refType="w" refFor="des" refForName="composite" fact="0.1"/>
+      <dgm:constr type="sibSp" for="des" forName="hierChild2" refType="sibSp"/>
+      <dgm:constr type="sibSp" for="des" forName="hierChild3" refType="sibSp"/>
+      <dgm:constr type="sibSp" for="des" forName="hierChild4" refType="sibSp"/>
+      <dgm:constr type="sibSp" for="des" forName="hierChild5" refType="sibSp"/>
+      <dgm:constr type="sibSp" for="des" forName="hierChild6" refType="sibSp"/>
+      <dgm:constr type="sp" for="des" forName="hierRoot1" refType="h" refFor="des" refForName="composite" fact="0.25"/>
+      <dgm:constr type="sp" for="des" forName="hierRoot2" refType="sp" refFor="des" refForName="hierRoot1"/>
+      <dgm:constr type="sp" for="des" forName="hierRoot3" refType="sp" refFor="des" refForName="hierRoot1"/>
+      <dgm:constr type="sp" for="des" forName="hierRoot4" refType="sp" refFor="des" refForName="hierRoot1"/>
+      <dgm:constr type="sp" for="des" forName="hierRoot5" refType="sp" refFor="des" refForName="hierRoot1"/>
+    </dgm:constrLst>
+    <dgm:ruleLst/>
+    <dgm:forEach name="Name3" axis="ch">
+      <dgm:forEach name="Name4" axis="self" ptType="node">
+        <dgm:layoutNode name="hierRoot1">
+          <dgm:alg type="hierRoot"/>
+          <dgm:shape xmlns:r="http://schemas.openxmlformats.org/officeDocument/2006/relationships" r:blip="">
+            <dgm:adjLst/>
+          </dgm:shape>
+          <dgm:presOf/>
+          <dgm:constrLst>
+            <dgm:constr type="bendDist" for="des" ptType="parTrans" refType="sp" fact="0.5"/>
+          </dgm:constrLst>
+          <dgm:ruleLst/>
+          <dgm:layoutNode name="composite">
+            <dgm:alg type="composite"/>
+            <dgm:shape xmlns:r="http://schemas.openxmlformats.org/officeDocument/2006/relationships" r:blip="">
+              <dgm:adjLst/>
+            </dgm:shape>
+            <dgm:presOf/>
+            <dgm:constrLst>
+              <dgm:constr type="w" for="ch" forName="background" refType="w" fact="0.9"/>
+              <dgm:constr type="h" for="ch" forName="background" refType="w" refFor="ch" refForName="background" fact="0.635"/>
+              <dgm:constr type="t" for="ch" forName="background"/>
+              <dgm:constr type="l" for="ch" forName="background"/>
+              <dgm:constr type="w" for="ch" forName="text" refType="w" fact="0.9"/>
+              <dgm:constr type="h" for="ch" forName="text" refType="w" refFor="ch" refForName="text" fact="0.635"/>
+              <dgm:constr type="t" for="ch" forName="text" refType="w" fact="0.095"/>
+              <dgm:constr type="l" for="ch" forName="text" refType="w" fact="0.1"/>
+            </dgm:constrLst>
+            <dgm:ruleLst/>
+            <dgm:layoutNode name="background" styleLbl="node0" moveWith="text">
+              <dgm:alg type="sp"/>
+              <dgm:shape xmlns:r="http://schemas.openxmlformats.org/officeDocument/2006/relationships" type="roundRect" r:blip="">
+                <dgm:adjLst>
+                  <dgm:adj idx="1" val="0.1"/>
+                </dgm:adjLst>
+              </dgm:shape>
+              <dgm:presOf/>
+              <dgm:constrLst/>
+              <dgm:ruleLst/>
+            </dgm:layoutNode>
+            <dgm:layoutNode name="text" styleLbl="fgAcc0">
+              <dgm:varLst>
+                <dgm:chPref val="3"/>
+              </dgm:varLst>
+              <dgm:alg type="tx"/>
+              <dgm:shape xmlns:r="http://schemas.openxmlformats.org/officeDocument/2006/relationships" type="roundRect" r:blip="">
+                <dgm:adjLst>
+                  <dgm:adj idx="1" val="0.1"/>
+                </dgm:adjLst>
+              </dgm:shape>
+              <dgm:presOf axis="self"/>
+              <dgm:constrLst>
+                <dgm:constr type="tMarg" refType="primFontSz" fact="0.3"/>
+                <dgm:constr type="bMarg" refType="primFontSz" fact="0.3"/>
+                <dgm:constr type="lMarg" refType="primFontSz" fact="0.3"/>
+                <dgm:constr type="rMarg" refType="primFontSz" fact="0.3"/>
+              </dgm:constrLst>
+              <dgm:ruleLst>
+                <dgm:rule type="primFontSz" val="5" fact="NaN" max="NaN"/>
+              </dgm:ruleLst>
+            </dgm:layoutNode>
+          </dgm:layoutNode>
+          <dgm:layoutNode name="hierChild2">
+            <dgm:choose name="Name5">
+              <dgm:if name="Name6" func="var" arg="dir" op="equ" val="norm">
+                <dgm:alg type="hierChild">
+                  <dgm:param type="linDir" val="fromL"/>
+                </dgm:alg>
+              </dgm:if>
+              <dgm:else name="Name7">
+                <dgm:alg type="hierChild">
+                  <dgm:param type="linDir" val="fromR"/>
+                </dgm:alg>
+              </dgm:else>
+            </dgm:choose>
+            <dgm:shape xmlns:r="http://schemas.openxmlformats.org/officeDocument/2006/relationships" r:blip="">
+              <dgm:adjLst/>
+            </dgm:shape>
+            <dgm:presOf/>
+            <dgm:constrLst/>
+            <dgm:ruleLst/>
+            <dgm:forEach name="Name8" axis="ch">
+              <dgm:forEach name="Name9" axis="self" ptType="parTrans" cnt="1">
+                <dgm:layoutNode name="Name10">
+                  <dgm:alg type="conn">
+                    <dgm:param type="dim" val="1D"/>
+                    <dgm:param type="endSty" val="noArr"/>
+                    <dgm:param type="connRout" val="bend"/>
+                    <dgm:param type="bendPt" val="end"/>
+                    <dgm:param type="begPts" val="bCtr"/>
+                    <dgm:param type="endPts" val="tCtr"/>
+                    <dgm:param type="srcNode" val="background"/>
+                    <dgm:param type="dstNode" val="background2"/>
+                  </dgm:alg>
+                  <dgm:shape xmlns:r="http://schemas.openxmlformats.org/officeDocument/2006/relationships" type="conn" r:blip="" zOrderOff="-999">
+                    <dgm:adjLst/>
+                  </dgm:shape>
+                  <dgm:presOf axis="self"/>
+                  <dgm:constrLst>
+                    <dgm:constr type="begPad"/>
+                    <dgm:constr type="endPad"/>
+                  </dgm:constrLst>
+                  <dgm:ruleLst/>
+                </dgm:layoutNode>
+              </dgm:forEach>
+              <dgm:forEach name="Name11" axis="self" ptType="node">
+                <dgm:layoutNode name="hierRoot2">
+                  <dgm:alg type="hierRoot"/>
+                  <dgm:shape xmlns:r="http://schemas.openxmlformats.org/officeDocument/2006/relationships" r:blip="">
+                    <dgm:adjLst/>
+                  </dgm:shape>
+                  <dgm:presOf/>
+                  <dgm:constrLst>
+                    <dgm:constr type="bendDist" for="des" ptType="parTrans" refType="sp" fact="0.5"/>
+                  </dgm:constrLst>
+                  <dgm:ruleLst/>
+                  <dgm:layoutNode name="composite2">
+                    <dgm:alg type="composite"/>
+                    <dgm:shape xmlns:r="http://schemas.openxmlformats.org/officeDocument/2006/relationships" r:blip="">
+                      <dgm:adjLst/>
+                    </dgm:shape>
+                    <dgm:presOf/>
+                    <dgm:constrLst>
+                      <dgm:constr type="w" for="ch" forName="background2" refType="w" fact="0.9"/>
+                      <dgm:constr type="h" for="ch" forName="background2" refType="w" refFor="ch" refForName="background2" fact="0.635"/>
+                      <dgm:constr type="t" for="ch" forName="background2"/>
+                      <dgm:constr type="l" for="ch" forName="background2"/>
+                      <dgm:constr type="w" for="ch" forName="text2" refType="w" fact="0.9"/>
+                      <dgm:constr type="h" for="ch" forName="text2" refType="w" refFor="ch" refForName="text2" fact="0.635"/>
+                      <dgm:constr type="t" for="ch" forName="text2" refType="w" fact="0.095"/>
+                      <dgm:constr type="l" for="ch" forName="text2" refType="w" fact="0.1"/>
+                    </dgm:constrLst>
+                    <dgm:ruleLst/>
+                    <dgm:layoutNode name="background2" moveWith="text2">
+                      <dgm:alg type="sp"/>
+                      <dgm:shape xmlns:r="http://schemas.openxmlformats.org/officeDocument/2006/relationships" type="roundRect" r:blip="">
+                        <dgm:adjLst>
+                          <dgm:adj idx="1" val="0.1"/>
+                        </dgm:adjLst>
+                      </dgm:shape>
+                      <dgm:presOf/>
+                      <dgm:constrLst/>
+                      <dgm:ruleLst/>
+                    </dgm:layoutNode>
+                    <dgm:layoutNode name="text2" styleLbl="fgAcc2">
+                      <dgm:varLst>
+                        <dgm:chPref val="3"/>
+                      </dgm:varLst>
+                      <dgm:alg type="tx"/>
+                      <dgm:shape xmlns:r="http://schemas.openxmlformats.org/officeDocument/2006/relationships" type="roundRect" r:blip="">
+                        <dgm:adjLst>
+                          <dgm:adj idx="1" val="0.1"/>
+                        </dgm:adjLst>
+                      </dgm:shape>
+                      <dgm:presOf axis="self"/>
+                      <dgm:constrLst>
+                        <dgm:constr type="tMarg" refType="primFontSz" fact="0.3"/>
+                        <dgm:constr type="bMarg" refType="primFontSz" fact="0.3"/>
+                        <dgm:constr type="lMarg" refType="primFontSz" fact="0.3"/>
+                        <dgm:constr type="rMarg" refType="primFontSz" fact="0.3"/>
+                      </dgm:constrLst>
+                      <dgm:ruleLst>
+                        <dgm:rule type="primFontSz" val="5" fact="NaN" max="NaN"/>
+                      </dgm:ruleLst>
+                    </dgm:layoutNode>
+                  </dgm:layoutNode>
+                  <dgm:layoutNode name="hierChild3">
+                    <dgm:choose name="Name12">
+                      <dgm:if name="Name13" func="var" arg="dir" op="equ" val="norm">
+                        <dgm:alg type="hierChild">
+                          <dgm:param type="linDir" val="fromL"/>
+                        </dgm:alg>
+                      </dgm:if>
+                      <dgm:else name="Name14">
+                        <dgm:alg type="hierChild">
+                          <dgm:param type="linDir" val="fromR"/>
+                        </dgm:alg>
+                      </dgm:else>
+                    </dgm:choose>
+                    <dgm:shape xmlns:r="http://schemas.openxmlformats.org/officeDocument/2006/relationships" r:blip="">
+                      <dgm:adjLst/>
+                    </dgm:shape>
+                    <dgm:presOf/>
+                    <dgm:constrLst/>
+                    <dgm:ruleLst/>
+                    <dgm:forEach name="Name15" axis="ch">
+                      <dgm:forEach name="Name16" axis="self" ptType="parTrans" cnt="1">
+                        <dgm:layoutNode name="Name17">
+                          <dgm:alg type="conn">
+                            <dgm:param type="dim" val="1D"/>
+                            <dgm:param type="endSty" val="noArr"/>
+                            <dgm:param type="connRout" val="bend"/>
+                            <dgm:param type="bendPt" val="end"/>
+                            <dgm:param type="begPts" val="bCtr"/>
+                            <dgm:param type="endPts" val="tCtr"/>
+                            <dgm:param type="srcNode" val="background2"/>
+                            <dgm:param type="dstNode" val="background3"/>
+                          </dgm:alg>
+                          <dgm:shape xmlns:r="http://schemas.openxmlformats.org/officeDocument/2006/relationships" type="conn" r:blip="" zOrderOff="-999">
+                            <dgm:adjLst/>
+                          </dgm:shape>
+                          <dgm:presOf axis="self"/>
+                          <dgm:constrLst>
+                            <dgm:constr type="begPad"/>
+                            <dgm:constr type="endPad"/>
+                          </dgm:constrLst>
+                          <dgm:ruleLst/>
+                        </dgm:layoutNode>
+                      </dgm:forEach>
+                      <dgm:forEach name="Name18" axis="self" ptType="node">
+                        <dgm:layoutNode name="hierRoot3">
+                          <dgm:alg type="hierRoot"/>
+                          <dgm:shape xmlns:r="http://schemas.openxmlformats.org/officeDocument/2006/relationships" r:blip="">
+                            <dgm:adjLst/>
+                          </dgm:shape>
+                          <dgm:presOf/>
+                          <dgm:constrLst>
+                            <dgm:constr type="bendDist" for="des" ptType="parTrans" refType="sp" fact="0.5"/>
+                          </dgm:constrLst>
+                          <dgm:ruleLst/>
+                          <dgm:layoutNode name="composite3">
+                            <dgm:alg type="composite"/>
+                            <dgm:shape xmlns:r="http://schemas.openxmlformats.org/officeDocument/2006/relationships" r:blip="">
+                              <dgm:adjLst/>
+                            </dgm:shape>
+                            <dgm:presOf/>
+                            <dgm:constrLst>
+                              <dgm:constr type="w" for="ch" forName="background3" refType="w" fact="0.9"/>
+                              <dgm:constr type="h" for="ch" forName="background3" refType="w" refFor="ch" refForName="background3" fact="0.635"/>
+                              <dgm:constr type="t" for="ch" forName="background3"/>
+                              <dgm:constr type="l" for="ch" forName="background3"/>
+                              <dgm:constr type="w" for="ch" forName="text3" refType="w" fact="0.9"/>
+                              <dgm:constr type="h" for="ch" forName="text3" refType="w" refFor="ch" refForName="text3" fact="0.635"/>
+                              <dgm:constr type="t" for="ch" forName="text3" refType="w" fact="0.095"/>
+                              <dgm:constr type="l" for="ch" forName="text3" refType="w" fact="0.1"/>
+                            </dgm:constrLst>
+                            <dgm:ruleLst/>
+                            <dgm:layoutNode name="background3" moveWith="text3">
+                              <dgm:alg type="sp"/>
+                              <dgm:shape xmlns:r="http://schemas.openxmlformats.org/officeDocument/2006/relationships" type="roundRect" r:blip="">
+                                <dgm:adjLst>
+                                  <dgm:adj idx="1" val="0.1"/>
+                                </dgm:adjLst>
+                              </dgm:shape>
+                              <dgm:presOf/>
+                              <dgm:constrLst/>
+                              <dgm:ruleLst/>
+                            </dgm:layoutNode>
+                            <dgm:layoutNode name="text3" styleLbl="fgAcc3">
+                              <dgm:varLst>
+                                <dgm:chPref val="3"/>
+                              </dgm:varLst>
+                              <dgm:alg type="tx"/>
+                              <dgm:shape xmlns:r="http://schemas.openxmlformats.org/officeDocument/2006/relationships" type="roundRect" r:blip="">
+                                <dgm:adjLst>
+                                  <dgm:adj idx="1" val="0.1"/>
+                                </dgm:adjLst>
+                              </dgm:shape>
+                              <dgm:presOf axis="self"/>
+                              <dgm:constrLst>
+                                <dgm:constr type="tMarg" refType="primFontSz" fact="0.3"/>
+                                <dgm:constr type="bMarg" refType="primFontSz" fact="0.3"/>
+                                <dgm:constr type="lMarg" refType="primFontSz" fact="0.3"/>
+                                <dgm:constr type="rMarg" refType="primFontSz" fact="0.3"/>
+                              </dgm:constrLst>
+                              <dgm:ruleLst>
+                                <dgm:rule type="primFontSz" val="5" fact="NaN" max="NaN"/>
+                              </dgm:ruleLst>
+                            </dgm:layoutNode>
+                          </dgm:layoutNode>
+                          <dgm:layoutNode name="hierChild4">
+                            <dgm:choose name="Name19">
+                              <dgm:if name="Name20" func="var" arg="dir" op="equ" val="norm">
+                                <dgm:alg type="hierChild">
+                                  <dgm:param type="linDir" val="fromL"/>
+                                </dgm:alg>
+                              </dgm:if>
+                              <dgm:else name="Name21">
+                                <dgm:alg type="hierChild">
+                                  <dgm:param type="linDir" val="fromR"/>
+                                </dgm:alg>
+                              </dgm:else>
+                            </dgm:choose>
+                            <dgm:shape xmlns:r="http://schemas.openxmlformats.org/officeDocument/2006/relationships" r:blip="">
+                              <dgm:adjLst/>
+                            </dgm:shape>
+                            <dgm:presOf/>
+                            <dgm:constrLst/>
+                            <dgm:ruleLst/>
+                            <dgm:forEach name="repeat" axis="ch">
+                              <dgm:forEach name="Name22" axis="self" ptType="parTrans" cnt="1">
+                                <dgm:layoutNode name="Name23">
+                                  <dgm:choose name="Name24">
+                                    <dgm:if name="Name25" axis="self" func="depth" op="lte" val="4">
+                                      <dgm:alg type="conn">
+                                        <dgm:param type="dim" val="1D"/>
+                                        <dgm:param type="endSty" val="noArr"/>
+                                        <dgm:param type="connRout" val="bend"/>
+                                        <dgm:param type="bendPt" val="end"/>
+                                        <dgm:param type="begPts" val="bCtr"/>
+                                        <dgm:param type="endPts" val="tCtr"/>
+                                        <dgm:param type="srcNode" val="background3"/>
+                                        <dgm:param type="dstNode" val="background4"/>
+                                      </dgm:alg>
+                                    </dgm:if>
+                                    <dgm:else name="Name26">
+                                      <dgm:alg type="conn">
+                                        <dgm:param type="dim" val="1D"/>
+                                        <dgm:param type="endSty" val="noArr"/>
+                                        <dgm:param type="connRout" val="bend"/>
+                                        <dgm:param type="bendPt" val="end"/>
+                                        <dgm:param type="begPts" val="bCtr"/>
+                                        <dgm:param type="endPts" val="tCtr"/>
+                                        <dgm:param type="srcNode" val="background4"/>
+                                        <dgm:param type="dstNode" val="background4"/>
+                                      </dgm:alg>
+                                    </dgm:else>
+                                  </dgm:choose>
+                                  <dgm:shape xmlns:r="http://schemas.openxmlformats.org/officeDocument/2006/relationships" type="conn" r:blip="" zOrderOff="-999">
+                                    <dgm:adjLst/>
+                                  </dgm:shape>
+                                  <dgm:presOf axis="self"/>
+                                  <dgm:constrLst>
+                                    <dgm:constr type="begPad"/>
+                                    <dgm:constr type="endPad"/>
+                                  </dgm:constrLst>
+                                  <dgm:ruleLst/>
+                                </dgm:layoutNode>
+                              </dgm:forEach>
+                              <dgm:forEach name="Name27" axis="self" ptType="node">
+                                <dgm:layoutNode name="hierRoot4">
+                                  <dgm:alg type="hierRoot"/>
+                                  <dgm:shape xmlns:r="http://schemas.openxmlformats.org/officeDocument/2006/relationships" r:blip="">
+                                    <dgm:adjLst/>
+                                  </dgm:shape>
+                                  <dgm:presOf/>
+                                  <dgm:constrLst>
+                                    <dgm:constr type="bendDist" for="des" ptType="parTrans" refType="sp" fact="0.5"/>
+                                  </dgm:constrLst>
+                                  <dgm:ruleLst/>
+                                  <dgm:layoutNode name="composite4">
+                                    <dgm:alg type="composite"/>
+                                    <dgm:shape xmlns:r="http://schemas.openxmlformats.org/officeDocument/2006/relationships" r:blip="">
+                                      <dgm:adjLst/>
+                                    </dgm:shape>
+                                    <dgm:presOf/>
+                                    <dgm:constrLst>
+                                      <dgm:constr type="w" for="ch" forName="background4" refType="w" fact="0.9"/>
+                                      <dgm:constr type="h" for="ch" forName="background4" refType="w" refFor="ch" refForName="background4" fact="0.635"/>
+                                      <dgm:constr type="t" for="ch" forName="background4"/>
+                                      <dgm:constr type="l" for="ch" forName="background4"/>
+                                      <dgm:constr type="w" for="ch" forName="text4" refType="w" fact="0.9"/>
+                                      <dgm:constr type="h" for="ch" forName="text4" refType="w" refFor="ch" refForName="text4" fact="0.635"/>
+                                      <dgm:constr type="t" for="ch" forName="text4" refType="w" fact="0.095"/>
+                                      <dgm:constr type="l" for="ch" forName="text4" refType="w" fact="0.1"/>
+                                    </dgm:constrLst>
+                                    <dgm:ruleLst/>
+                                    <dgm:layoutNode name="background4" moveWith="text4">
+                                      <dgm:alg type="sp"/>
+                                      <dgm:shape xmlns:r="http://schemas.openxmlformats.org/officeDocument/2006/relationships" type="roundRect" r:blip="">
+                                        <dgm:adjLst>
+                                          <dgm:adj idx="1" val="0.1"/>
+                                        </dgm:adjLst>
+                                      </dgm:shape>
+                                      <dgm:presOf/>
+                                      <dgm:constrLst/>
+                                      <dgm:ruleLst/>
+                                    </dgm:layoutNode>
+                                    <dgm:layoutNode name="text4" styleLbl="fgAcc4">
+                                      <dgm:varLst>
+                                        <dgm:chPref val="3"/>
+                                      </dgm:varLst>
+                                      <dgm:alg type="tx"/>
+                                      <dgm:shape xmlns:r="http://schemas.openxmlformats.org/officeDocument/2006/relationships" type="roundRect" r:blip="">
+                                        <dgm:adjLst>
+                                          <dgm:adj idx="1" val="0.1"/>
+                                        </dgm:adjLst>
+                                      </dgm:shape>
+                                      <dgm:presOf axis="self"/>
+                                      <dgm:constrLst>
+                                        <dgm:constr type="tMarg" refType="primFontSz" fact="0.3"/>
+                                        <dgm:constr type="bMarg" refType="primFontSz" fact="0.3"/>
+                                        <dgm:constr type="lMarg" refType="primFontSz" fact="0.3"/>
+                                        <dgm:constr type="rMarg" refType="primFontSz" fact="0.3"/>
+                                      </dgm:constrLst>
+                                      <dgm:ruleLst>
+                                        <dgm:rule type="primFontSz" val="5" fact="NaN" max="NaN"/>
+                                      </dgm:ruleLst>
+                                    </dgm:layoutNode>
+                                  </dgm:layoutNode>
+                                  <dgm:layoutNode name="hierChild5">
+                                    <dgm:choose name="Name28">
+                                      <dgm:if name="Name29" func="var" arg="dir" op="equ" val="norm">
+                                        <dgm:alg type="hierChild">
+                                          <dgm:param type="linDir" val="fromL"/>
+                                        </dgm:alg>
+                                      </dgm:if>
+                                      <dgm:else name="Name30">
+                                        <dgm:alg type="hierChild">
+                                          <dgm:param type="linDir" val="fromR"/>
+                                        </dgm:alg>
+                                      </dgm:else>
+                                    </dgm:choose>
+                                    <dgm:shape xmlns:r="http://schemas.openxmlformats.org/officeDocument/2006/relationships" r:blip="">
+                                      <dgm:adjLst/>
+                                    </dgm:shape>
+                                    <dgm:presOf/>
+                                    <dgm:constrLst/>
+                                    <dgm:ruleLst/>
+                                    <dgm:forEach name="Name31" ref="repeat"/>
+                                  </dgm:layoutNode>
+                                </dgm:layoutNode>
+                              </dgm:forEach>
+                            </dgm:forEach>
+                          </dgm:layoutNode>
+                        </dgm:layoutNode>
+                      </dgm:forEach>
+                    </dgm:forEach>
+                  </dgm:layoutNode>
+                </dgm:layoutNode>
+              </dgm:forEach>
+            </dgm:forEach>
+          </dgm:layoutNode>
+        </dgm:layoutNode>
+      </dgm:forEach>
+    </dgm:forEach>
+  </dgm:layoutNode>
+</dgm:layoutDef>
+</file>
+
+<file path=ppt/diagrams/quickStyle1.xml><?xml version="1.0" encoding="utf-8"?>
+<dgm:styleDef xmlns:dgm="http://schemas.openxmlformats.org/drawingml/2006/diagram" xmlns:a="http://schemas.openxmlformats.org/drawingml/2006/main" uniqueId="urn:microsoft.com/office/officeart/2005/8/quickstyle/simple1">
+  <dgm:title val=""/>
+  <dgm:desc val=""/>
+  <dgm:catLst>
+    <dgm:cat type="simple" pri="10100"/>
+  </dgm:catLst>
+  <dgm:scene3d>
+    <a:camera prst="orthographicFront"/>
+    <a:lightRig rig="threePt" dir="t"/>
+  </dgm:scene3d>
+  <dgm:styleLbl name="node0">
+    <dgm:scene3d>
+      <a:camera prst="orthographicFront"/>
+      <a:lightRig rig="threePt" dir="t"/>
+    </dgm:scene3d>
+    <dgm:sp3d/>
+    <dgm:txPr/>
+    <dgm:style>
+      <a:lnRef idx="2">
+        <a:scrgbClr r="0" g="0" b="0"/>
+      </a:lnRef>
+      <a:fillRef idx="1">
+        <a:scrgbClr r="0" g="0" b="0"/>
+      </a:fillRef>
+      <a:effectRef idx="0">
+        <a:scrgbClr r="0" g="0" b="0"/>
+      </a:effectRef>
+      <a:fontRef idx="minor">
+        <a:schemeClr val="lt1"/>
+      </a:fontRef>
+    </dgm:style>
+  </dgm:styleLbl>
+  <dgm:styleLbl name="lnNode1">
+    <dgm:scene3d>
+      <a:camera prst="orthographicFront"/>
+      <a:lightRig rig="threePt" dir="t"/>
+    </dgm:scene3d>
+    <dgm:sp3d/>
+    <dgm:txPr/>
+    <dgm:style>
+      <a:lnRef idx="2">
+        <a:scrgbClr r="0" g="0" b="0"/>
+      </a:lnRef>
+      <a:fillRef idx="1">
+        <a:scrgbClr r="0" g="0" b="0"/>
+      </a:fillRef>
+      <a:effectRef idx="0">
+        <a:scrgbClr r="0" g="0" b="0"/>
+      </a:effectRef>
+      <a:fontRef idx="minor">
+        <a:schemeClr val="lt1"/>
+      </a:fontRef>
+    </dgm:style>
+  </dgm:styleLbl>
+  <dgm:styleLbl name="vennNode1">
+    <dgm:scene3d>
+      <a:camera prst="orthographicFront"/>
+      <a:lightRig rig="threePt" dir="t"/>
+    </dgm:scene3d>
+    <dgm:sp3d/>
+    <dgm:txPr/>
+    <dgm:style>
+      <a:lnRef idx="2">
+        <a:scrgbClr r="0" g="0" b="0"/>
+      </a:lnRef>
+      <a:fillRef idx="1">
+        <a:scrgbClr r="0" g="0" b="0"/>
+      </a:fillRef>
+      <a:effectRef idx="0">
+        <a:scrgbClr r="0" g="0" b="0"/>
+      </a:effectRef>
+      <a:fontRef idx="minor">
+        <a:schemeClr val="tx1"/>
+      </a:fontRef>
+    </dgm:style>
+  </dgm:styleLbl>
+  <dgm:styleLbl name="alignNode1">
+    <dgm:scene3d>
+      <a:camera prst="orthographicFront"/>
+      <a:lightRig rig="threePt" dir="t"/>
+    </dgm:scene3d>
+    <dgm:sp3d/>
+    <dgm:txPr/>
+    <dgm:style>
+      <a:lnRef idx="2">
+        <a:scrgbClr r="0" g="0" b="0"/>
+      </a:lnRef>
+      <a:fillRef idx="1">
+        <a:scrgbClr r="0" g="0" b="0"/>
+      </a:fillRef>
+      <a:effectRef idx="0">
+        <a:scrgbClr r="0" g="0" b="0"/>
+      </a:effectRef>
+      <a:fontRef idx="minor">
+        <a:schemeClr val="lt1"/>
+      </a:fontRef>
+    </dgm:style>
+  </dgm:styleLbl>
+  <dgm:styleLbl name="node1">
+    <dgm:scene3d>
+      <a:camera prst="orthographicFront"/>
+      <a:lightRig rig="threePt" dir="t"/>
+    </dgm:scene3d>
+    <dgm:sp3d/>
+    <dgm:txPr/>
+    <dgm:style>
+      <a:lnRef idx="2">
+        <a:scrgbClr r="0" g="0" b="0"/>
+      </a:lnRef>
+      <a:fillRef idx="1">
+        <a:scrgbClr r="0" g="0" b="0"/>
+      </a:fillRef>
+      <a:effectRef idx="0">
+        <a:scrgbClr r="0" g="0" b="0"/>
+      </a:effectRef>
+      <a:fontRef idx="minor">
+        <a:schemeClr val="lt1"/>
+      </a:fontRef>
+    </dgm:style>
+  </dgm:styleLbl>
+  <dgm:styleLbl name="node2">
+    <dgm:scene3d>
+      <a:camera prst="orthographicFront"/>
+      <a:lightRig rig="threePt" dir="t"/>
+    </dgm:scene3d>
+    <dgm:sp3d/>
+    <dgm:txPr/>
+    <dgm:style>
+      <a:lnRef idx="2">
+        <a:scrgbClr r="0" g="0" b="0"/>
+      </a:lnRef>
+      <a:fillRef idx="1">
+        <a:scrgbClr r="0" g="0" b="0"/>
+      </a:fillRef>
+      <a:effectRef idx="0">
+        <a:scrgbClr r="0" g="0" b="0"/>
+      </a:effectRef>
+      <a:fontRef idx="minor">
+        <a:schemeClr val="lt1"/>
+      </a:fontRef>
+    </dgm:style>
+  </dgm:styleLbl>
+  <dgm:styleLbl name="node3">
+    <dgm:scene3d>
+      <a:camera prst="orthographicFront"/>
+      <a:lightRig rig="threePt" dir="t"/>
+    </dgm:scene3d>
+    <dgm:sp3d/>
+    <dgm:txPr/>
+    <dgm:style>
+      <a:lnRef idx="2">
+        <a:scrgbClr r="0" g="0" b="0"/>
+      </a:lnRef>
+      <a:fillRef idx="1">
+        <a:scrgbClr r="0" g="0" b="0"/>
+      </a:fillRef>
+      <a:effectRef idx="0">
+        <a:scrgbClr r="0" g="0" b="0"/>
+      </a:effectRef>
+      <a:fontRef idx="minor">
+        <a:schemeClr val="lt1"/>
+      </a:fontRef>
+    </dgm:style>
+  </dgm:styleLbl>
+  <dgm:styleLbl name="node4">
+    <dgm:scene3d>
+      <a:camera prst="orthographicFront"/>
+      <a:lightRig rig="threePt" dir="t"/>
+    </dgm:scene3d>
+    <dgm:sp3d/>
+    <dgm:txPr/>
+    <dgm:style>
+      <a:lnRef idx="2">
+        <a:scrgbClr r="0" g="0" b="0"/>
+      </a:lnRef>
+      <a:fillRef idx="1">
+        <a:scrgbClr r="0" g="0" b="0"/>
+      </a:fillRef>
+      <a:effectRef idx="0">
+        <a:scrgbClr r="0" g="0" b="0"/>
+      </a:effectRef>
+      <a:fontRef idx="minor">
+        <a:schemeClr val="lt1"/>
+      </a:fontRef>
+    </dgm:style>
+  </dgm:styleLbl>
+  <dgm:styleLbl name="fgImgPlace1">
+    <dgm:scene3d>
+      <a:camera prst="orthographicFront"/>
+      <a:lightRig rig="threePt" dir="t"/>
+    </dgm:scene3d>
+    <dgm:sp3d/>
+    <dgm:txPr/>
+    <dgm:style>
+      <a:lnRef idx="2">
+        <a:scrgbClr r="0" g="0" b="0"/>
+      </a:lnRef>
+      <a:fillRef idx="1">
+        <a:scrgbClr r="0" g="0" b="0"/>
+      </a:fillRef>
+      <a:effectRef idx="0">
+        <a:scrgbClr r="0" g="0" b="0"/>
+      </a:effectRef>
+      <a:fontRef idx="minor"/>
+    </dgm:style>
+  </dgm:styleLbl>
+  <dgm:styleLbl name="alignImgPlace1">
+    <dgm:scene3d>
+      <a:camera prst="orthographicFront"/>
+      <a:lightRig rig="threePt" dir="t"/>
+    </dgm:scene3d>
+    <dgm:sp3d/>
+    <dgm:txPr/>
+    <dgm:style>
+      <a:lnRef idx="2">
+        <a:scrgbClr r="0" g="0" b="0"/>
+      </a:lnRef>
+      <a:fillRef idx="1">
+        <a:scrgbClr r="0" g="0" b="0"/>
+      </a:fillRef>
+      <a:effectRef idx="0">
+        <a:scrgbClr r="0" g="0" b="0"/>
+      </a:effectRef>
+      <a:fontRef idx="minor"/>
+    </dgm:style>
+  </dgm:styleLbl>
+  <dgm:styleLbl name="bgImgPlace1">
+    <dgm:scene3d>
+      <a:camera prst="orthographicFront"/>
+      <a:lightRig rig="threePt" dir="t"/>
+    </dgm:scene3d>
+    <dgm:sp3d/>
+    <dgm:txPr/>
+    <dgm:style>
+      <a:lnRef idx="2">
+        <a:scrgbClr r="0" g="0" b="0"/>
+      </a:lnRef>
+      <a:fillRef idx="1">
+        <a:scrgbClr r="0" g="0" b="0"/>
+      </a:fillRef>
+      <a:effectRef idx="0">
+        <a:scrgbClr r="0" g="0" b="0"/>
+      </a:effectRef>
+      <a:fontRef idx="minor"/>
+    </dgm:style>
+  </dgm:styleLbl>
+  <dgm:styleLbl name="sibTrans2D1">
+    <dgm:scene3d>
+      <a:camera prst="orthographicFront"/>
+      <a:lightRig rig="threePt" dir="t"/>
+    </dgm:scene3d>
+    <dgm:sp3d/>
+    <dgm:txPr/>
+    <dgm:style>
+      <a:lnRef idx="0">
+        <a:scrgbClr r="0" g="0" b="0"/>
+      </a:lnRef>
+      <a:fillRef idx="1">
+        <a:scrgbClr r="0" g="0" b="0"/>
+      </a:fillRef>
+      <a:effectRef idx="0">
+        <a:scrgbClr r="0" g="0" b="0"/>
+      </a:effectRef>
+      <a:fontRef idx="minor">
+        <a:schemeClr val="lt1"/>
+      </a:fontRef>
+    </dgm:style>
+  </dgm:styleLbl>
+  <dgm:styleLbl name="fgSibTrans2D1">
+    <dgm:scene3d>
+      <a:camera prst="orthographicFront"/>
+      <a:lightRig rig="threePt" dir="t"/>
+    </dgm:scene3d>
+    <dgm:sp3d/>
+    <dgm:txPr/>
+    <dgm:style>
+      <a:lnRef idx="0">
+        <a:scrgbClr r="0" g="0" b="0"/>
+      </a:lnRef>
+      <a:fillRef idx="1">
+        <a:scrgbClr r="0" g="0" b="0"/>
+      </a:fillRef>
+      <a:effectRef idx="0">
+        <a:scrgbClr r="0" g="0" b="0"/>
+      </a:effectRef>
+      <a:fontRef idx="minor">
+        <a:schemeClr val="lt1"/>
+      </a:fontRef>
+    </dgm:style>
+  </dgm:styleLbl>
+  <dgm:styleLbl name="bgSibTrans2D1">
+    <dgm:scene3d>
+      <a:camera prst="orthographicFront"/>
+      <a:lightRig rig="threePt" dir="t"/>
+    </dgm:scene3d>
+    <dgm:sp3d/>
+    <dgm:txPr/>
+    <dgm:style>
+      <a:lnRef idx="0">
+        <a:scrgbClr r="0" g="0" b="0"/>
+      </a:lnRef>
+      <a:fillRef idx="1">
+        <a:scrgbClr r="0" g="0" b="0"/>
+      </a:fillRef>
+      <a:effectRef idx="0">
+        <a:scrgbClr r="0" g="0" b="0"/>
+      </a:effectRef>
+      <a:fontRef idx="minor">
+        <a:schemeClr val="lt1"/>
+      </a:fontRef>
+    </dgm:style>
+  </dgm:styleLbl>
+  <dgm:styleLbl name="sibTrans1D1">
+    <dgm:scene3d>
+      <a:camera prst="orthographicFront"/>
+      <a:lightRig rig="threePt" dir="t"/>
+    </dgm:scene3d>
+    <dgm:sp3d/>
+    <dgm:txPr/>
+    <dgm:style>
+      <a:lnRef idx="1">
+        <a:scrgbClr r="0" g="0" b="0"/>
+      </a:lnRef>
+      <a:fillRef idx="0">
+        <a:scrgbClr r="0" g="0" b="0"/>
+      </a:fillRef>
+      <a:effectRef idx="0">
+        <a:scrgbClr r="0" g="0" b="0"/>
+      </a:effectRef>
+      <a:fontRef idx="minor"/>
+    </dgm:style>
+  </dgm:styleLbl>
+  <dgm:styleLbl name="callout">
+    <dgm:scene3d>
+      <a:camera prst="orthographicFront"/>
+      <a:lightRig rig="threePt" dir="t"/>
+    </dgm:scene3d>
+    <dgm:sp3d/>
+    <dgm:txPr/>
+    <dgm:style>
+      <a:lnRef idx="2">
+        <a:scrgbClr r="0" g="0" b="0"/>
+      </a:lnRef>
+      <a:fillRef idx="1">
+        <a:scrgbClr r="0" g="0" b="0"/>
+      </a:fillRef>
+      <a:effectRef idx="0">
+        <a:scrgbClr r="0" g="0" b="0"/>
+      </a:effectRef>
+      <a:fontRef idx="minor"/>
+    </dgm:style>
+  </dgm:styleLbl>
+  <dgm:styleLbl name="asst0">
+    <dgm:scene3d>
+      <a:camera prst="orthographicFront"/>
+      <a:lightRig rig="threePt" dir="t"/>
+    </dgm:scene3d>
+    <dgm:sp3d/>
+    <dgm:txPr/>
+    <dgm:style>
+      <a:lnRef idx="2">
+        <a:scrgbClr r="0" g="0" b="0"/>
+      </a:lnRef>
+      <a:fillRef idx="1">
+        <a:scrgbClr r="0" g="0" b="0"/>
+      </a:fillRef>
+      <a:effectRef idx="0">
+        <a:scrgbClr r="0" g="0" b="0"/>
+      </a:effectRef>
+      <a:fontRef idx="minor">
+        <a:schemeClr val="lt1"/>
+      </a:fontRef>
+    </dgm:style>
+  </dgm:styleLbl>
+  <dgm:styleLbl name="asst1">
+    <dgm:scene3d>
+      <a:camera prst="orthographicFront"/>
+      <a:lightRig rig="threePt" dir="t"/>
+    </dgm:scene3d>
+    <dgm:sp3d/>
+    <dgm:txPr/>
+    <dgm:style>
+      <a:lnRef idx="2">
+        <a:scrgbClr r="0" g="0" b="0"/>
+      </a:lnRef>
+      <a:fillRef idx="1">
+        <a:scrgbClr r="0" g="0" b="0"/>
+      </a:fillRef>
+      <a:effectRef idx="0">
+        <a:scrgbClr r="0" g="0" b="0"/>
+      </a:effectRef>
+      <a:fontRef idx="minor">
+        <a:schemeClr val="lt1"/>
+      </a:fontRef>
+    </dgm:style>
+  </dgm:styleLbl>
+  <dgm:styleLbl name="asst2">
+    <dgm:scene3d>
+      <a:camera prst="orthographicFront"/>
+      <a:lightRig rig="threePt" dir="t"/>
+    </dgm:scene3d>
+    <dgm:sp3d/>
+    <dgm:txPr/>
+    <dgm:style>
+      <a:lnRef idx="2">
+        <a:scrgbClr r="0" g="0" b="0"/>
+      </a:lnRef>
+      <a:fillRef idx="1">
+        <a:scrgbClr r="0" g="0" b="0"/>
+      </a:fillRef>
+      <a:effectRef idx="0">
+        <a:scrgbClr r="0" g="0" b="0"/>
+      </a:effectRef>
+      <a:fontRef idx="minor">
+        <a:schemeClr val="lt1"/>
+      </a:fontRef>
+    </dgm:style>
+  </dgm:styleLbl>
+  <dgm:styleLbl name="asst3">
+    <dgm:scene3d>
+      <a:camera prst="orthographicFront"/>
+      <a:lightRig rig="threePt" dir="t"/>
+    </dgm:scene3d>
+    <dgm:sp3d/>
+    <dgm:txPr/>
+    <dgm:style>
+      <a:lnRef idx="2">
+        <a:scrgbClr r="0" g="0" b="0"/>
+      </a:lnRef>
+      <a:fillRef idx="1">
+        <a:scrgbClr r="0" g="0" b="0"/>
+      </a:fillRef>
+      <a:effectRef idx="0">
+        <a:scrgbClr r="0" g="0" b="0"/>
+      </a:effectRef>
+      <a:fontRef idx="minor">
+        <a:schemeClr val="lt1"/>
+      </a:fontRef>
+    </dgm:style>
+  </dgm:styleLbl>
+  <dgm:styleLbl name="asst4">
+    <dgm:scene3d>
+      <a:camera prst="orthographicFront"/>
+      <a:lightRig rig="threePt" dir="t"/>
+    </dgm:scene3d>
+    <dgm:sp3d/>
+    <dgm:txPr/>
+    <dgm:style>
+      <a:lnRef idx="2">
+        <a:scrgbClr r="0" g="0" b="0"/>
+      </a:lnRef>
+      <a:fillRef idx="1">
+        <a:scrgbClr r="0" g="0" b="0"/>
+      </a:fillRef>
+      <a:effectRef idx="0">
+        <a:scrgbClr r="0" g="0" b="0"/>
+      </a:effectRef>
+      <a:fontRef idx="minor">
+        <a:schemeClr val="lt1"/>
+      </a:fontRef>
+    </dgm:style>
+  </dgm:styleLbl>
+  <dgm:styleLbl name="parChTrans2D1">
+    <dgm:scene3d>
+      <a:camera prst="orthographicFront"/>
+      <a:lightRig rig="threePt" dir="t"/>
+    </dgm:scene3d>
+    <dgm:sp3d/>
+    <dgm:txPr/>
+    <dgm:style>
+      <a:lnRef idx="2">
+        <a:scrgbClr r="0" g="0" b="0"/>
+      </a:lnRef>
+      <a:fillRef idx="1">
+        <a:scrgbClr r="0" g="0" b="0"/>
+      </a:fillRef>
+      <a:effectRef idx="0">
+        <a:scrgbClr r="0" g="0" b="0"/>
+      </a:effectRef>
+      <a:fontRef idx="minor">
+        <a:schemeClr val="lt1"/>
+      </a:fontRef>
+    </dgm:style>
+  </dgm:styleLbl>
+  <dgm:styleLbl name="parChTrans2D2">
+    <dgm:scene3d>
+      <a:camera prst="orthographicFront"/>
+      <a:lightRig rig="threePt" dir="t"/>
+    </dgm:scene3d>
+    <dgm:sp3d/>
+    <dgm:txPr/>
+    <dgm:style>
+      <a:lnRef idx="2">
+        <a:scrgbClr r="0" g="0" b="0"/>
+      </a:lnRef>
+      <a:fillRef idx="1">
+        <a:scrgbClr r="0" g="0" b="0"/>
+      </a:fillRef>
+      <a:effectRef idx="0">
+        <a:scrgbClr r="0" g="0" b="0"/>
+      </a:effectRef>
+      <a:fontRef idx="minor">
+        <a:schemeClr val="lt1"/>
+      </a:fontRef>
+    </dgm:style>
+  </dgm:styleLbl>
+  <dgm:styleLbl name="parChTrans2D3">
+    <dgm:scene3d>
+      <a:camera prst="orthographicFront"/>
+      <a:lightRig rig="threePt" dir="t"/>
+    </dgm:scene3d>
+    <dgm:sp3d/>
+    <dgm:txPr/>
+    <dgm:style>
+      <a:lnRef idx="2">
+        <a:scrgbClr r="0" g="0" b="0"/>
+      </a:lnRef>
+      <a:fillRef idx="1">
+        <a:scrgbClr r="0" g="0" b="0"/>
+      </a:fillRef>
+      <a:effectRef idx="0">
+        <a:scrgbClr r="0" g="0" b="0"/>
+      </a:effectRef>
+      <a:fontRef idx="minor">
+        <a:schemeClr val="lt1"/>
+      </a:fontRef>
+    </dgm:style>
+  </dgm:styleLbl>
+  <dgm:styleLbl name="parChTrans2D4">
+    <dgm:scene3d>
+      <a:camera prst="orthographicFront"/>
+      <a:lightRig rig="threePt" dir="t"/>
+    </dgm:scene3d>
+    <dgm:sp3d/>
+    <dgm:txPr/>
+    <dgm:style>
+      <a:lnRef idx="2">
+        <a:scrgbClr r="0" g="0" b="0"/>
+      </a:lnRef>
+      <a:fillRef idx="1">
+        <a:scrgbClr r="0" g="0" b="0"/>
+      </a:fillRef>
+      <a:effectRef idx="0">
+        <a:scrgbClr r="0" g="0" b="0"/>
+      </a:effectRef>
+      <a:fontRef idx="minor">
+        <a:schemeClr val="lt1"/>
+      </a:fontRef>
+    </dgm:style>
+  </dgm:styleLbl>
+  <dgm:styleLbl name="parChTrans1D1">
+    <dgm:scene3d>
+      <a:camera prst="orthographicFront"/>
+      <a:lightRig rig="threePt" dir="t"/>
+    </dgm:scene3d>
+    <dgm:sp3d/>
+    <dgm:txPr/>
+    <dgm:style>
+      <a:lnRef idx="2">
+        <a:scrgbClr r="0" g="0" b="0"/>
+      </a:lnRef>
+      <a:fillRef idx="0">
+        <a:scrgbClr r="0" g="0" b="0"/>
+      </a:fillRef>
+      <a:effectRef idx="0">
+        <a:scrgbClr r="0" g="0" b="0"/>
+      </a:effectRef>
+      <a:fontRef idx="minor"/>
+    </dgm:style>
+  </dgm:styleLbl>
+  <dgm:styleLbl name="parChTrans1D2">
+    <dgm:scene3d>
+      <a:camera prst="orthographicFront"/>
+      <a:lightRig rig="threePt" dir="t"/>
+    </dgm:scene3d>
+    <dgm:sp3d/>
+    <dgm:txPr/>
+    <dgm:style>
+      <a:lnRef idx="2">
+        <a:scrgbClr r="0" g="0" b="0"/>
+      </a:lnRef>
+      <a:fillRef idx="0">
+        <a:scrgbClr r="0" g="0" b="0"/>
+      </a:fillRef>
+      <a:effectRef idx="0">
+        <a:scrgbClr r="0" g="0" b="0"/>
+      </a:effectRef>
+      <a:fontRef idx="minor"/>
+    </dgm:style>
+  </dgm:styleLbl>
+  <dgm:styleLbl name="parChTrans1D3">
+    <dgm:scene3d>
+      <a:camera prst="orthographicFront"/>
+      <a:lightRig rig="threePt" dir="t"/>
+    </dgm:scene3d>
+    <dgm:sp3d/>
+    <dgm:txPr/>
+    <dgm:style>
+      <a:lnRef idx="2">
+        <a:scrgbClr r="0" g="0" b="0"/>
+      </a:lnRef>
+      <a:fillRef idx="0">
+        <a:scrgbClr r="0" g="0" b="0"/>
+      </a:fillRef>
+      <a:effectRef idx="0">
+        <a:scrgbClr r="0" g="0" b="0"/>
+      </a:effectRef>
+      <a:fontRef idx="minor"/>
+    </dgm:style>
+  </dgm:styleLbl>
+  <dgm:styleLbl name="parChTrans1D4">
+    <dgm:scene3d>
+      <a:camera prst="orthographicFront"/>
+      <a:lightRig rig="threePt" dir="t"/>
+    </dgm:scene3d>
+    <dgm:sp3d/>
+    <dgm:txPr/>
+    <dgm:style>
+      <a:lnRef idx="2">
+        <a:scrgbClr r="0" g="0" b="0"/>
+      </a:lnRef>
+      <a:fillRef idx="0">
+        <a:scrgbClr r="0" g="0" b="0"/>
+      </a:fillRef>
+      <a:effectRef idx="0">
+        <a:scrgbClr r="0" g="0" b="0"/>
+      </a:effectRef>
+      <a:fontRef idx="minor"/>
+    </dgm:style>
+  </dgm:styleLbl>
+  <dgm:styleLbl name="fgAcc1">
+    <dgm:scene3d>
+      <a:camera prst="orthographicFront"/>
+      <a:lightRig rig="threePt" dir="t"/>
+    </dgm:scene3d>
+    <dgm:sp3d/>
+    <dgm:txPr/>
+    <dgm:style>
+      <a:lnRef idx="2">
+        <a:scrgbClr r="0" g="0" b="0"/>
+      </a:lnRef>
+      <a:fillRef idx="1">
+        <a:scrgbClr r="0" g="0" b="0"/>
+      </a:fillRef>
+      <a:effectRef idx="0">
+        <a:scrgbClr r="0" g="0" b="0"/>
+      </a:effectRef>
+      <a:fontRef idx="minor"/>
+    </dgm:style>
+  </dgm:styleLbl>
+  <dgm:styleLbl name="conFgAcc1">
+    <dgm:scene3d>
+      <a:camera prst="orthographicFront"/>
+      <a:lightRig rig="threePt" dir="t"/>
+    </dgm:scene3d>
+    <dgm:sp3d/>
+    <dgm:txPr/>
+    <dgm:style>
+      <a:lnRef idx="2">
+        <a:scrgbClr r="0" g="0" b="0"/>
+      </a:lnRef>
+      <a:fillRef idx="1">
+        <a:scrgbClr r="0" g="0" b="0"/>
+      </a:fillRef>
+      <a:effectRef idx="0">
+        <a:scrgbClr r="0" g="0" b="0"/>
+      </a:effectRef>
+      <a:fontRef idx="minor"/>
+    </dgm:style>
+  </dgm:styleLbl>
+  <dgm:styleLbl name="alignAcc1">
+    <dgm:scene3d>
+      <a:camera prst="orthographicFront"/>
+      <a:lightRig rig="threePt" dir="t"/>
+    </dgm:scene3d>
+    <dgm:sp3d/>
+    <dgm:txPr/>
+    <dgm:style>
+      <a:lnRef idx="2">
+        <a:scrgbClr r="0" g="0" b="0"/>
+      </a:lnRef>
+      <a:fillRef idx="1">
+        <a:scrgbClr r="0" g="0" b="0"/>
+      </a:fillRef>
+      <a:effectRef idx="0">
+        <a:scrgbClr r="0" g="0" b="0"/>
+      </a:effectRef>
+      <a:fontRef idx="minor"/>
+    </dgm:style>
+  </dgm:styleLbl>
+  <dgm:styleLbl name="trAlignAcc1">
+    <dgm:scene3d>
+      <a:camera prst="orthographicFront"/>
+      <a:lightRig rig="threePt" dir="t"/>
+    </dgm:scene3d>
+    <dgm:sp3d/>
+    <dgm:txPr/>
+    <dgm:style>
+      <a:lnRef idx="1">
+        <a:scrgbClr r="0" g="0" b="0"/>
+      </a:lnRef>
+      <a:fillRef idx="1">
+        <a:scrgbClr r="0" g="0" b="0"/>
+      </a:fillRef>
+      <a:effectRef idx="0">
+        <a:scrgbClr r="0" g="0" b="0"/>
+      </a:effectRef>
+      <a:fontRef idx="minor"/>
+    </dgm:style>
+  </dgm:styleLbl>
+  <dgm:styleLbl name="bgAcc1">
+    <dgm:scene3d>
+      <a:camera prst="orthographicFront"/>
+      <a:lightRig rig="threePt" dir="t"/>
+    </dgm:scene3d>
+    <dgm:sp3d/>
+    <dgm:txPr/>
+    <dgm:style>
+      <a:lnRef idx="2">
+        <a:scrgbClr r="0" g="0" b="0"/>
+      </a:lnRef>
+      <a:fillRef idx="1">
+        <a:scrgbClr r="0" g="0" b="0"/>
+      </a:fillRef>
+      <a:effectRef idx="0">
+        <a:scrgbClr r="0" g="0" b="0"/>
+      </a:effectRef>
+      <a:fontRef idx="minor"/>
+    </dgm:style>
+  </dgm:styleLbl>
+  <dgm:styleLbl name="solidFgAcc1">
+    <dgm:scene3d>
+      <a:camera prst="orthographicFront"/>
+      <a:lightRig rig="threePt" dir="t"/>
+    </dgm:scene3d>
+    <dgm:sp3d/>
+    <dgm:txPr/>
+    <dgm:style>
+      <a:lnRef idx="2">
+        <a:scrgbClr r="0" g="0" b="0"/>
+      </a:lnRef>
+      <a:fillRef idx="1">
+        <a:scrgbClr r="0" g="0" b="0"/>
+      </a:fillRef>
+      <a:effectRef idx="0">
+        <a:scrgbClr r="0" g="0" b="0"/>
+      </a:effectRef>
+      <a:fontRef idx="minor"/>
+    </dgm:style>
+  </dgm:styleLbl>
+  <dgm:styleLbl name="solidAlignAcc1">
+    <dgm:scene3d>
+      <a:camera prst="orthographicFront"/>
+      <a:lightRig rig="threePt" dir="t"/>
+    </dgm:scene3d>
+    <dgm:sp3d/>
+    <dgm:txPr/>
+    <dgm:style>
+      <a:lnRef idx="2">
+        <a:scrgbClr r="0" g="0" b="0"/>
+      </a:lnRef>
+      <a:fillRef idx="1">
+        <a:scrgbClr r="0" g="0" b="0"/>
+      </a:fillRef>
+      <a:effectRef idx="0">
+        <a:scrgbClr r="0" g="0" b="0"/>
+      </a:effectRef>
+      <a:fontRef idx="minor"/>
+    </dgm:style>
+  </dgm:styleLbl>
+  <dgm:styleLbl name="solidBgAcc1">
+    <dgm:scene3d>
+      <a:camera prst="orthographicFront"/>
+      <a:lightRig rig="threePt" dir="t"/>
+    </dgm:scene3d>
+    <dgm:sp3d/>
+    <dgm:txPr/>
+    <dgm:style>
+      <a:lnRef idx="2">
+        <a:scrgbClr r="0" g="0" b="0"/>
+      </a:lnRef>
+      <a:fillRef idx="1">
+        <a:scrgbClr r="0" g="0" b="0"/>
+      </a:fillRef>
+      <a:effectRef idx="0">
+        <a:scrgbClr r="0" g="0" b="0"/>
+      </a:effectRef>
+      <a:fontRef idx="minor"/>
+    </dgm:style>
+  </dgm:styleLbl>
+  <dgm:styleLbl name="fgAccFollowNode1">
+    <dgm:scene3d>
+      <a:camera prst="orthographicFront"/>
+      <a:lightRig rig="threePt" dir="t"/>
+    </dgm:scene3d>
+    <dgm:sp3d/>
+    <dgm:txPr/>
+    <dgm:style>
+      <a:lnRef idx="2">
+        <a:scrgbClr r="0" g="0" b="0"/>
+      </a:lnRef>
+      <a:fillRef idx="1">
+        <a:scrgbClr r="0" g="0" b="0"/>
+      </a:fillRef>
+      <a:effectRef idx="0">
+        <a:scrgbClr r="0" g="0" b="0"/>
+      </a:effectRef>
+      <a:fontRef idx="minor"/>
+    </dgm:style>
+  </dgm:styleLbl>
+  <dgm:styleLbl name="alignAccFollowNode1">
+    <dgm:scene3d>
+      <a:camera prst="orthographicFront"/>
+      <a:lightRig rig="threePt" dir="t"/>
+    </dgm:scene3d>
+    <dgm:sp3d/>
+    <dgm:txPr/>
+    <dgm:style>
+      <a:lnRef idx="2">
+        <a:scrgbClr r="0" g="0" b="0"/>
+      </a:lnRef>
+      <a:fillRef idx="1">
+        <a:scrgbClr r="0" g="0" b="0"/>
+      </a:fillRef>
+      <a:effectRef idx="0">
+        <a:scrgbClr r="0" g="0" b="0"/>
+      </a:effectRef>
+      <a:fontRef idx="minor"/>
+    </dgm:style>
+  </dgm:styleLbl>
+  <dgm:styleLbl name="bgAccFollowNode1">
+    <dgm:scene3d>
+      <a:camera prst="orthographicFront"/>
+      <a:lightRig rig="threePt" dir="t"/>
+    </dgm:scene3d>
+    <dgm:sp3d/>
+    <dgm:txPr/>
+    <dgm:style>
+      <a:lnRef idx="2">
+        <a:scrgbClr r="0" g="0" b="0"/>
+      </a:lnRef>
+      <a:fillRef idx="1">
+        <a:scrgbClr r="0" g="0" b="0"/>
+      </a:fillRef>
+      <a:effectRef idx="0">
+        <a:scrgbClr r="0" g="0" b="0"/>
+      </a:effectRef>
+      <a:fontRef idx="minor"/>
+    </dgm:style>
+  </dgm:styleLbl>
+  <dgm:styleLbl name="fgAcc0">
+    <dgm:scene3d>
+      <a:camera prst="orthographicFront"/>
+      <a:lightRig rig="threePt" dir="t"/>
+    </dgm:scene3d>
+    <dgm:sp3d/>
+    <dgm:txPr/>
+    <dgm:style>
+      <a:lnRef idx="2">
+        <a:scrgbClr r="0" g="0" b="0"/>
+      </a:lnRef>
+      <a:fillRef idx="1">
+        <a:scrgbClr r="0" g="0" b="0"/>
+      </a:fillRef>
+      <a:effectRef idx="0">
+        <a:scrgbClr r="0" g="0" b="0"/>
+      </a:effectRef>
+      <a:fontRef idx="minor"/>
+    </dgm:style>
+  </dgm:styleLbl>
+  <dgm:styleLbl name="fgAcc2">
+    <dgm:scene3d>
+      <a:camera prst="orthographicFront"/>
+      <a:lightRig rig="threePt" dir="t"/>
+    </dgm:scene3d>
+    <dgm:sp3d/>
+    <dgm:txPr/>
+    <dgm:style>
+      <a:lnRef idx="2">
+        <a:scrgbClr r="0" g="0" b="0"/>
+      </a:lnRef>
+      <a:fillRef idx="1">
+        <a:scrgbClr r="0" g="0" b="0"/>
+      </a:fillRef>
+      <a:effectRef idx="0">
+        <a:scrgbClr r="0" g="0" b="0"/>
+      </a:effectRef>
+      <a:fontRef idx="minor"/>
+    </dgm:style>
+  </dgm:styleLbl>
+  <dgm:styleLbl name="fgAcc3">
+    <dgm:scene3d>
+      <a:camera prst="orthographicFront"/>
+      <a:lightRig rig="threePt" dir="t"/>
+    </dgm:scene3d>
+    <dgm:sp3d/>
+    <dgm:txPr/>
+    <dgm:style>
+      <a:lnRef idx="2">
+        <a:scrgbClr r="0" g="0" b="0"/>
+      </a:lnRef>
+      <a:fillRef idx="1">
+        <a:scrgbClr r="0" g="0" b="0"/>
+      </a:fillRef>
+      <a:effectRef idx="0">
+        <a:scrgbClr r="0" g="0" b="0"/>
+      </a:effectRef>
+      <a:fontRef idx="minor"/>
+    </dgm:style>
+  </dgm:styleLbl>
+  <dgm:styleLbl name="fgAcc4">
+    <dgm:scene3d>
+      <a:camera prst="orthographicFront"/>
+      <a:lightRig rig="threePt" dir="t"/>
+    </dgm:scene3d>
+    <dgm:sp3d/>
+    <dgm:txPr/>
+    <dgm:style>
+      <a:lnRef idx="2">
+        <a:scrgbClr r="0" g="0" b="0"/>
+      </a:lnRef>
+      <a:fillRef idx="1">
+        <a:scrgbClr r="0" g="0" b="0"/>
+      </a:fillRef>
+      <a:effectRef idx="0">
+        <a:scrgbClr r="0" g="0" b="0"/>
+      </a:effectRef>
+      <a:fontRef idx="minor"/>
+    </dgm:style>
+  </dgm:styleLbl>
+  <dgm:styleLbl name="bgShp">
+    <dgm:scene3d>
+      <a:camera prst="orthographicFront"/>
+      <a:lightRig rig="threePt" dir="t"/>
+    </dgm:scene3d>
+    <dgm:sp3d/>
+    <dgm:txPr/>
+    <dgm:style>
+      <a:lnRef idx="0">
+        <a:scrgbClr r="0" g="0" b="0"/>
+      </a:lnRef>
+      <a:fillRef idx="1">
+        <a:scrgbClr r="0" g="0" b="0"/>
+      </a:fillRef>
+      <a:effectRef idx="0">
+        <a:scrgbClr r="0" g="0" b="0"/>
+      </a:effectRef>
+      <a:fontRef idx="minor"/>
+    </dgm:style>
+  </dgm:styleLbl>
+  <dgm:styleLbl name="dkBgShp">
+    <dgm:scene3d>
+      <a:camera prst="orthographicFront"/>
+      <a:lightRig rig="threePt" dir="t"/>
+    </dgm:scene3d>
+    <dgm:sp3d/>
+    <dgm:txPr/>
+    <dgm:style>
+      <a:lnRef idx="0">
+        <a:scrgbClr r="0" g="0" b="0"/>
+      </a:lnRef>
+      <a:fillRef idx="1">
+        <a:scrgbClr r="0" g="0" b="0"/>
+      </a:fillRef>
+      <a:effectRef idx="0">
+        <a:scrgbClr r="0" g="0" b="0"/>
+      </a:effectRef>
+      <a:fontRef idx="minor"/>
+    </dgm:style>
+  </dgm:styleLbl>
+  <dgm:styleLbl name="trBgShp">
+    <dgm:scene3d>
+      <a:camera prst="orthographicFront"/>
+      <a:lightRig rig="threePt" dir="t"/>
+    </dgm:scene3d>
+    <dgm:sp3d/>
+    <dgm:txPr/>
+    <dgm:style>
+      <a:lnRef idx="0">
+        <a:scrgbClr r="0" g="0" b="0"/>
+      </a:lnRef>
+      <a:fillRef idx="1">
+        <a:scrgbClr r="0" g="0" b="0"/>
+      </a:fillRef>
+      <a:effectRef idx="0">
+        <a:scrgbClr r="0" g="0" b="0"/>
+      </a:effectRef>
+      <a:fontRef idx="minor"/>
+    </dgm:style>
+  </dgm:styleLbl>
+  <dgm:styleLbl name="fgShp">
+    <dgm:scene3d>
+      <a:camera prst="orthographicFront"/>
+      <a:lightRig rig="threePt" dir="t"/>
+    </dgm:scene3d>
+    <dgm:sp3d/>
+    <dgm:txPr/>
+    <dgm:style>
+      <a:lnRef idx="2">
+        <a:scrgbClr r="0" g="0" b="0"/>
+      </a:lnRef>
+      <a:fillRef idx="1">
+        <a:scrgbClr r="0" g="0" b="0"/>
+      </a:fillRef>
+      <a:effectRef idx="0">
+        <a:scrgbClr r="0" g="0" b="0"/>
+      </a:effectRef>
+      <a:fontRef idx="minor"/>
+    </dgm:style>
+  </dgm:styleLbl>
+  <dgm:styleLbl name="revTx">
+    <dgm:scene3d>
+      <a:camera prst="orthographicFront"/>
+      <a:lightRig rig="threePt" dir="t"/>
+    </dgm:scene3d>
+    <dgm:sp3d/>
+    <dgm:txPr/>
+    <dgm:style>
+      <a:lnRef idx="0">
+        <a:scrgbClr r="0" g="0" b="0"/>
+      </a:lnRef>
+      <a:fillRef idx="0">
+        <a:scrgbClr r="0" g="0" b="0"/>
+      </a:fillRef>
+      <a:effectRef idx="0">
+        <a:scrgbClr r="0" g="0" b="0"/>
+      </a:effectRef>
+      <a:fontRef idx="minor"/>
+    </dgm:style>
+  </dgm:styleLbl>
+</dgm:styleDef>
 </file>
 
 <file path=ppt/notesMasters/notesMaster1.xml><?xml version="1.0" encoding="utf-8"?>
@@ -546,58 +3382,6 @@
           <a:bodyPr/>
           <a:lstStyle/>
           <a:p>
-            <a:r>
-              <a:rPr lang="ja-JP" altLang="en-US" b="1"/>
-              <a:t>要因</a:t>
-            </a:r>
-            <a:endParaRPr lang="ja-JP" altLang="en-US"/>
-          </a:p>
-          <a:p>
-            <a:pPr>
-              <a:buFont typeface="Arial" panose="020B0604020202020204" pitchFamily="34" charset="0"/>
-              <a:buChar char="•"/>
-            </a:pPr>
-            <a:r>
-              <a:rPr lang="ja-JP" altLang="en-US"/>
-              <a:t>識別子名の変更</a:t>
-            </a:r>
-          </a:p>
-          <a:p>
-            <a:pPr>
-              <a:buFont typeface="Arial" panose="020B0604020202020204" pitchFamily="34" charset="0"/>
-              <a:buChar char="•"/>
-            </a:pPr>
-            <a:r>
-              <a:rPr lang="ja-JP" altLang="en-US"/>
-              <a:t>処理の分割</a:t>
-            </a:r>
-          </a:p>
-          <a:p>
-            <a:pPr>
-              <a:buFont typeface="Arial" panose="020B0604020202020204" pitchFamily="34" charset="0"/>
-              <a:buChar char="•"/>
-            </a:pPr>
-            <a:r>
-              <a:rPr lang="ja-JP" altLang="en-US"/>
-              <a:t>冗長な関数呼び出しの追加</a:t>
-            </a:r>
-            <a:br>
-              <a:rPr lang="ja-JP" altLang="en-US"/>
-            </a:br>
-            <a:r>
-              <a:rPr lang="ja-JP" altLang="en-US"/>
-              <a:t>（</a:t>
-            </a:r>
-            <a:r>
-              <a:rPr lang="en" altLang="ja-JP" dirty="0"/>
-              <a:t>ChatGPT </a:t>
-            </a:r>
-            <a:r>
-              <a:rPr lang="ja-JP" altLang="en-US"/>
-              <a:t>による難読化の特徴）</a:t>
-            </a:r>
-          </a:p>
-          <a:p>
             <a:endParaRPr kumimoji="1" lang="ja-JP" altLang="en-US"/>
           </a:p>
         </p:txBody>
@@ -619,7 +3403,7 @@
           <a:p>
             <a:fld id="{5B8AC0DF-4DAE-294C-AB2C-C3ADA7B834F6}" type="slidenum">
               <a:rPr kumimoji="1" lang="ja-JP" altLang="en-US" smtClean="0"/>
-              <a:t>9</a:t>
+              <a:t>3</a:t>
             </a:fld>
             <a:endParaRPr kumimoji="1" lang="ja-JP" altLang="en-US"/>
           </a:p>
@@ -628,7 +3412,7 @@
     </p:spTree>
     <p:extLst>
       <p:ext uri="{BB962C8B-B14F-4D97-AF65-F5344CB8AC3E}">
-        <p14:creationId xmlns:p14="http://schemas.microsoft.com/office/powerpoint/2010/main" val="3642894620"/>
+        <p14:creationId xmlns:p14="http://schemas.microsoft.com/office/powerpoint/2010/main" val="1829646602"/>
       </p:ext>
     </p:extLst>
   </p:cSld>
@@ -682,218 +3466,6 @@
           <a:bodyPr/>
           <a:lstStyle/>
           <a:p>
-            <a:r>
-              <a:rPr lang="ja-JP" altLang="en-US" b="1"/>
-              <a:t>特徴（得意な点）</a:t>
-            </a:r>
-          </a:p>
-          <a:p>
-            <a:pPr>
-              <a:buFont typeface="Arial" panose="020B0604020202020204" pitchFamily="34" charset="0"/>
-              <a:buChar char="•"/>
-            </a:pPr>
-            <a:r>
-              <a:rPr lang="en" altLang="ja-JP" dirty="0"/>
-              <a:t>AST </a:t>
-            </a:r>
-            <a:r>
-              <a:rPr lang="ja-JP" altLang="en-US"/>
-              <a:t>構造類似度・ノード頻度の評価より，</a:t>
-            </a:r>
-          </a:p>
-          <a:p>
-            <a:pPr marL="742950" lvl="1" indent="-285750">
-              <a:buFont typeface="Arial" panose="020B0604020202020204" pitchFamily="34" charset="0"/>
-              <a:buChar char="•"/>
-            </a:pPr>
-            <a:r>
-              <a:rPr lang="ja-JP" altLang="en-US"/>
-              <a:t>構文構造は </a:t>
-            </a:r>
-            <a:r>
-              <a:rPr lang="ja-JP" altLang="en-US" b="1"/>
-              <a:t>大きく変化</a:t>
-            </a:r>
-            <a:endParaRPr lang="ja-JP" altLang="en-US"/>
-          </a:p>
-          <a:p>
-            <a:pPr marL="742950" lvl="1" indent="-285750">
-              <a:buFont typeface="Arial" panose="020B0604020202020204" pitchFamily="34" charset="0"/>
-              <a:buChar char="•"/>
-            </a:pPr>
-            <a:r>
-              <a:rPr lang="en" altLang="ja-JP" dirty="0"/>
-              <a:t>If / Call / Name </a:t>
-            </a:r>
-            <a:r>
-              <a:rPr lang="ja-JP" altLang="en-US"/>
-              <a:t>などのノードが増加</a:t>
-            </a:r>
-          </a:p>
-          <a:p>
-            <a:pPr>
-              <a:buFont typeface="Arial" panose="020B0604020202020204" pitchFamily="34" charset="0"/>
-              <a:buChar char="•"/>
-            </a:pPr>
-            <a:r>
-              <a:rPr lang="ja-JP" altLang="en-US"/>
-              <a:t>識別子変更・処理分割・冗長呼び出しにより</a:t>
-            </a:r>
-            <a:br>
-              <a:rPr lang="ja-JP" altLang="en-US"/>
-            </a:br>
-            <a:r>
-              <a:rPr lang="ja-JP" altLang="en-US" b="1"/>
-              <a:t>コードの表層構造を大きく変形可能</a:t>
-            </a:r>
-            <a:endParaRPr lang="ja-JP" altLang="en-US"/>
-          </a:p>
-          <a:p>
-            <a:r>
-              <a:rPr lang="ja-JP" altLang="en-US"/>
-              <a:t>➡ </a:t>
-            </a:r>
-            <a:r>
-              <a:rPr lang="ja-JP" altLang="en-US" b="1"/>
-              <a:t>人間の可読性が大きく低下</a:t>
-            </a:r>
-            <a:br>
-              <a:rPr lang="ja-JP" altLang="en-US"/>
-            </a:br>
-            <a:r>
-              <a:rPr lang="ja-JP" altLang="en-US"/>
-              <a:t>➡ </a:t>
-            </a:r>
-            <a:r>
-              <a:rPr lang="ja-JP" altLang="en-US" b="1"/>
-              <a:t>単純な静的解析による比較が困難</a:t>
-            </a:r>
-            <a:endParaRPr lang="ja-JP" altLang="en-US"/>
-          </a:p>
-          <a:p>
-            <a:endParaRPr kumimoji="1" lang="en-US" altLang="ja-JP" dirty="0"/>
-          </a:p>
-          <a:p>
-            <a:r>
-              <a:rPr lang="ja-JP" altLang="en-US" b="1"/>
-              <a:t>限界（苦手な点）</a:t>
-            </a:r>
-          </a:p>
-          <a:p>
-            <a:pPr>
-              <a:buFont typeface="Arial" panose="020B0604020202020204" pitchFamily="34" charset="0"/>
-              <a:buChar char="•"/>
-            </a:pPr>
-            <a:r>
-              <a:rPr lang="en" altLang="ja-JP" dirty="0"/>
-              <a:t>CFG </a:t>
-            </a:r>
-            <a:r>
-              <a:rPr lang="ja-JP" altLang="en-US"/>
-              <a:t>類似度・サイクロマチック複雑度より，</a:t>
-            </a:r>
-          </a:p>
-          <a:p>
-            <a:pPr marL="742950" lvl="1" indent="-285750">
-              <a:buFont typeface="Arial" panose="020B0604020202020204" pitchFamily="34" charset="0"/>
-              <a:buChar char="•"/>
-            </a:pPr>
-            <a:r>
-              <a:rPr lang="ja-JP" altLang="en-US"/>
-              <a:t>制御フローの意味的構造は </a:t>
-            </a:r>
-            <a:r>
-              <a:rPr lang="ja-JP" altLang="en-US" b="1"/>
-              <a:t>大きく変化しない</a:t>
-            </a:r>
-            <a:endParaRPr lang="ja-JP" altLang="en-US"/>
-          </a:p>
-          <a:p>
-            <a:pPr>
-              <a:buFont typeface="Arial" panose="020B0604020202020204" pitchFamily="34" charset="0"/>
-              <a:buChar char="•"/>
-            </a:pPr>
-            <a:r>
-              <a:rPr lang="ja-JP" altLang="en-US"/>
-              <a:t>分岐やループは冗長化できるが，</a:t>
-            </a:r>
-            <a:br>
-              <a:rPr lang="ja-JP" altLang="en-US"/>
-            </a:br>
-            <a:r>
-              <a:rPr lang="ja-JP" altLang="en-US" b="1"/>
-              <a:t>制御フローそのものの再構成は困難</a:t>
-            </a:r>
-            <a:endParaRPr lang="ja-JP" altLang="en-US"/>
-          </a:p>
-          <a:p>
-            <a:r>
-              <a:rPr lang="ja-JP" altLang="en-US" b="1"/>
-              <a:t>理由</a:t>
-            </a:r>
-            <a:endParaRPr lang="ja-JP" altLang="en-US"/>
-          </a:p>
-          <a:p>
-            <a:pPr>
-              <a:buFont typeface="Arial" panose="020B0604020202020204" pitchFamily="34" charset="0"/>
-              <a:buChar char="•"/>
-            </a:pPr>
-            <a:r>
-              <a:rPr lang="ja-JP" altLang="en-US"/>
-              <a:t>生成</a:t>
-            </a:r>
-            <a:r>
-              <a:rPr lang="en" altLang="ja-JP" dirty="0"/>
-              <a:t>AI</a:t>
-            </a:r>
-            <a:r>
-              <a:rPr lang="ja-JP" altLang="en-US"/>
-              <a:t>は</a:t>
-            </a:r>
-            <a:br>
-              <a:rPr lang="ja-JP" altLang="en-US"/>
-            </a:br>
-            <a:r>
-              <a:rPr lang="ja-JP" altLang="en-US" b="1"/>
-              <a:t>プログラムの意味・仕様保持を強く優先</a:t>
-            </a:r>
-            <a:endParaRPr lang="ja-JP" altLang="en-US"/>
-          </a:p>
-          <a:p>
-            <a:endParaRPr kumimoji="1" lang="en-US" altLang="ja-JP" dirty="0"/>
-          </a:p>
-          <a:p>
-            <a:r>
-              <a:rPr lang="ja-JP" altLang="en-US" b="1"/>
-              <a:t>本研究から得られた結論</a:t>
-            </a:r>
-          </a:p>
-          <a:p>
-            <a:r>
-              <a:rPr lang="en" altLang="ja-JP" b="1" dirty="0"/>
-              <a:t>ChatGPT</a:t>
-            </a:r>
-            <a:r>
-              <a:rPr lang="ja-JP" altLang="en-US" b="1"/>
-              <a:t>による難読化は，</a:t>
-            </a:r>
-            <a:br>
-              <a:rPr lang="ja-JP" altLang="en-US" b="1"/>
-            </a:br>
-            <a:r>
-              <a:rPr lang="ja-JP" altLang="en-US" b="1"/>
-              <a:t>「見た目（構文）」を複雑にすることには有効だが，</a:t>
-            </a:r>
-            <a:br>
-              <a:rPr lang="ja-JP" altLang="en-US" b="1"/>
-            </a:br>
-            <a:r>
-              <a:rPr lang="ja-JP" altLang="en-US" b="1"/>
-              <a:t>「中身（制御構造）」の本質的変化には限界がある</a:t>
-            </a:r>
-            <a:endParaRPr lang="ja-JP" altLang="en-US"/>
-          </a:p>
-          <a:p>
             <a:endParaRPr kumimoji="1" lang="ja-JP" altLang="en-US"/>
           </a:p>
         </p:txBody>
@@ -915,7 +3487,439 @@
           <a:p>
             <a:fld id="{5B8AC0DF-4DAE-294C-AB2C-C3ADA7B834F6}" type="slidenum">
               <a:rPr kumimoji="1" lang="ja-JP" altLang="en-US" smtClean="0"/>
+              <a:t>5</a:t>
+            </a:fld>
+            <a:endParaRPr kumimoji="1" lang="ja-JP" altLang="en-US"/>
+          </a:p>
+        </p:txBody>
+      </p:sp>
+    </p:spTree>
+    <p:extLst>
+      <p:ext uri="{BB962C8B-B14F-4D97-AF65-F5344CB8AC3E}">
+        <p14:creationId xmlns:p14="http://schemas.microsoft.com/office/powerpoint/2010/main" val="757048466"/>
+      </p:ext>
+    </p:extLst>
+  </p:cSld>
+  <p:clrMapOvr>
+    <a:masterClrMapping/>
+  </p:clrMapOvr>
+</p:notes>
+</file>
+
+<file path=ppt/notesSlides/notesSlide3.xml><?xml version="1.0" encoding="utf-8"?>
+<p:notes xmlns:a="http://schemas.openxmlformats.org/drawingml/2006/main" xmlns:r="http://schemas.openxmlformats.org/officeDocument/2006/relationships" xmlns:p="http://schemas.openxmlformats.org/presentationml/2006/main">
+  <p:cSld>
+    <p:spTree>
+      <p:nvGrpSpPr>
+        <p:cNvPr id="1" name=""/>
+        <p:cNvGrpSpPr/>
+        <p:nvPr/>
+      </p:nvGrpSpPr>
+      <p:grpSpPr>
+        <a:xfrm>
+          <a:off x="0" y="0"/>
+          <a:ext cx="0" cy="0"/>
+          <a:chOff x="0" y="0"/>
+          <a:chExt cx="0" cy="0"/>
+        </a:xfrm>
+      </p:grpSpPr>
+      <p:sp>
+        <p:nvSpPr>
+          <p:cNvPr id="2" name="スライド イメージ プレースホルダー 1"/>
+          <p:cNvSpPr>
+            <a:spLocks noGrp="1" noRot="1" noChangeAspect="1"/>
+          </p:cNvSpPr>
+          <p:nvPr>
+            <p:ph type="sldImg"/>
+          </p:nvPr>
+        </p:nvSpPr>
+        <p:spPr/>
+      </p:sp>
+      <p:sp>
+        <p:nvSpPr>
+          <p:cNvPr id="3" name="ノート プレースホルダー 2"/>
+          <p:cNvSpPr>
+            <a:spLocks noGrp="1"/>
+          </p:cNvSpPr>
+          <p:nvPr>
+            <p:ph type="body" idx="1"/>
+          </p:nvPr>
+        </p:nvSpPr>
+        <p:spPr/>
+        <p:txBody>
+          <a:bodyPr/>
+          <a:lstStyle/>
+          <a:p>
+            <a:r>
+              <a:rPr lang="ja-JP" altLang="en-US" b="1"/>
+              <a:t>要因</a:t>
+            </a:r>
+            <a:endParaRPr lang="ja-JP" altLang="en-US"/>
+          </a:p>
+          <a:p>
+            <a:pPr>
+              <a:buFont typeface="Arial" panose="020B0604020202020204" pitchFamily="34" charset="0"/>
+              <a:buChar char="•"/>
+            </a:pPr>
+            <a:r>
+              <a:rPr lang="ja-JP" altLang="en-US"/>
+              <a:t>識別子名の変更</a:t>
+            </a:r>
+          </a:p>
+          <a:p>
+            <a:pPr>
+              <a:buFont typeface="Arial" panose="020B0604020202020204" pitchFamily="34" charset="0"/>
+              <a:buChar char="•"/>
+            </a:pPr>
+            <a:r>
+              <a:rPr lang="ja-JP" altLang="en-US"/>
+              <a:t>処理の分割</a:t>
+            </a:r>
+          </a:p>
+          <a:p>
+            <a:pPr>
+              <a:buFont typeface="Arial" panose="020B0604020202020204" pitchFamily="34" charset="0"/>
+              <a:buChar char="•"/>
+            </a:pPr>
+            <a:r>
+              <a:rPr lang="ja-JP" altLang="en-US"/>
+              <a:t>冗長な関数呼び出しの追加</a:t>
+            </a:r>
+            <a:br>
+              <a:rPr lang="ja-JP" altLang="en-US"/>
+            </a:br>
+            <a:r>
+              <a:rPr lang="ja-JP" altLang="en-US"/>
+              <a:t>（</a:t>
+            </a:r>
+            <a:r>
+              <a:rPr lang="en" altLang="ja-JP" dirty="0"/>
+              <a:t>ChatGPT </a:t>
+            </a:r>
+            <a:r>
+              <a:rPr lang="ja-JP" altLang="en-US"/>
+              <a:t>による難読化の特徴）</a:t>
+            </a:r>
+          </a:p>
+          <a:p>
+            <a:endParaRPr kumimoji="1" lang="ja-JP" altLang="en-US"/>
+          </a:p>
+        </p:txBody>
+      </p:sp>
+      <p:sp>
+        <p:nvSpPr>
+          <p:cNvPr id="4" name="スライド番号プレースホルダー 3"/>
+          <p:cNvSpPr>
+            <a:spLocks noGrp="1"/>
+          </p:cNvSpPr>
+          <p:nvPr>
+            <p:ph type="sldNum" sz="quarter" idx="5"/>
+          </p:nvPr>
+        </p:nvSpPr>
+        <p:spPr/>
+        <p:txBody>
+          <a:bodyPr/>
+          <a:lstStyle/>
+          <a:p>
+            <a:fld id="{5B8AC0DF-4DAE-294C-AB2C-C3ADA7B834F6}" type="slidenum">
+              <a:rPr kumimoji="1" lang="ja-JP" altLang="en-US" smtClean="0"/>
               <a:t>12</a:t>
+            </a:fld>
+            <a:endParaRPr kumimoji="1" lang="ja-JP" altLang="en-US"/>
+          </a:p>
+        </p:txBody>
+      </p:sp>
+    </p:spTree>
+    <p:extLst>
+      <p:ext uri="{BB962C8B-B14F-4D97-AF65-F5344CB8AC3E}">
+        <p14:creationId xmlns:p14="http://schemas.microsoft.com/office/powerpoint/2010/main" val="3642894620"/>
+      </p:ext>
+    </p:extLst>
+  </p:cSld>
+  <p:clrMapOvr>
+    <a:masterClrMapping/>
+  </p:clrMapOvr>
+</p:notes>
+</file>
+
+<file path=ppt/notesSlides/notesSlide4.xml><?xml version="1.0" encoding="utf-8"?>
+<p:notes xmlns:a="http://schemas.openxmlformats.org/drawingml/2006/main" xmlns:r="http://schemas.openxmlformats.org/officeDocument/2006/relationships" xmlns:p="http://schemas.openxmlformats.org/presentationml/2006/main">
+  <p:cSld>
+    <p:spTree>
+      <p:nvGrpSpPr>
+        <p:cNvPr id="1" name=""/>
+        <p:cNvGrpSpPr/>
+        <p:nvPr/>
+      </p:nvGrpSpPr>
+      <p:grpSpPr>
+        <a:xfrm>
+          <a:off x="0" y="0"/>
+          <a:ext cx="0" cy="0"/>
+          <a:chOff x="0" y="0"/>
+          <a:chExt cx="0" cy="0"/>
+        </a:xfrm>
+      </p:grpSpPr>
+      <p:sp>
+        <p:nvSpPr>
+          <p:cNvPr id="2" name="スライド イメージ プレースホルダー 1"/>
+          <p:cNvSpPr>
+            <a:spLocks noGrp="1" noRot="1" noChangeAspect="1"/>
+          </p:cNvSpPr>
+          <p:nvPr>
+            <p:ph type="sldImg"/>
+          </p:nvPr>
+        </p:nvSpPr>
+        <p:spPr/>
+      </p:sp>
+      <p:sp>
+        <p:nvSpPr>
+          <p:cNvPr id="3" name="ノート プレースホルダー 2"/>
+          <p:cNvSpPr>
+            <a:spLocks noGrp="1"/>
+          </p:cNvSpPr>
+          <p:nvPr>
+            <p:ph type="body" idx="1"/>
+          </p:nvPr>
+        </p:nvSpPr>
+        <p:spPr/>
+        <p:txBody>
+          <a:bodyPr/>
+          <a:lstStyle/>
+          <a:p>
+            <a:r>
+              <a:rPr lang="ja-JP" altLang="en-US" b="1"/>
+              <a:t>特徴（得意な点）</a:t>
+            </a:r>
+          </a:p>
+          <a:p>
+            <a:pPr>
+              <a:buFont typeface="Arial" panose="020B0604020202020204" pitchFamily="34" charset="0"/>
+              <a:buChar char="•"/>
+            </a:pPr>
+            <a:r>
+              <a:rPr lang="en" altLang="ja-JP" dirty="0"/>
+              <a:t>AST </a:t>
+            </a:r>
+            <a:r>
+              <a:rPr lang="ja-JP" altLang="en-US"/>
+              <a:t>構造類似度・ノード頻度の評価より，</a:t>
+            </a:r>
+          </a:p>
+          <a:p>
+            <a:pPr marL="742950" lvl="1" indent="-285750">
+              <a:buFont typeface="Arial" panose="020B0604020202020204" pitchFamily="34" charset="0"/>
+              <a:buChar char="•"/>
+            </a:pPr>
+            <a:r>
+              <a:rPr lang="ja-JP" altLang="en-US"/>
+              <a:t>構文構造は </a:t>
+            </a:r>
+            <a:r>
+              <a:rPr lang="ja-JP" altLang="en-US" b="1"/>
+              <a:t>大きく変化</a:t>
+            </a:r>
+            <a:endParaRPr lang="ja-JP" altLang="en-US"/>
+          </a:p>
+          <a:p>
+            <a:pPr marL="742950" lvl="1" indent="-285750">
+              <a:buFont typeface="Arial" panose="020B0604020202020204" pitchFamily="34" charset="0"/>
+              <a:buChar char="•"/>
+            </a:pPr>
+            <a:r>
+              <a:rPr lang="en" altLang="ja-JP" dirty="0"/>
+              <a:t>If / Call / Name </a:t>
+            </a:r>
+            <a:r>
+              <a:rPr lang="ja-JP" altLang="en-US"/>
+              <a:t>などのノードが増加</a:t>
+            </a:r>
+          </a:p>
+          <a:p>
+            <a:pPr>
+              <a:buFont typeface="Arial" panose="020B0604020202020204" pitchFamily="34" charset="0"/>
+              <a:buChar char="•"/>
+            </a:pPr>
+            <a:r>
+              <a:rPr lang="ja-JP" altLang="en-US"/>
+              <a:t>識別子変更・処理分割・冗長呼び出しにより</a:t>
+            </a:r>
+            <a:br>
+              <a:rPr lang="ja-JP" altLang="en-US"/>
+            </a:br>
+            <a:r>
+              <a:rPr lang="ja-JP" altLang="en-US" b="1"/>
+              <a:t>コードの表層構造を大きく変形可能</a:t>
+            </a:r>
+            <a:endParaRPr lang="ja-JP" altLang="en-US"/>
+          </a:p>
+          <a:p>
+            <a:r>
+              <a:rPr lang="ja-JP" altLang="en-US"/>
+              <a:t>➡ </a:t>
+            </a:r>
+            <a:r>
+              <a:rPr lang="ja-JP" altLang="en-US" b="1"/>
+              <a:t>人間の可読性が大きく低下</a:t>
+            </a:r>
+            <a:br>
+              <a:rPr lang="ja-JP" altLang="en-US"/>
+            </a:br>
+            <a:r>
+              <a:rPr lang="ja-JP" altLang="en-US"/>
+              <a:t>➡ </a:t>
+            </a:r>
+            <a:r>
+              <a:rPr lang="ja-JP" altLang="en-US" b="1"/>
+              <a:t>単純な静的解析による比較が困難</a:t>
+            </a:r>
+            <a:endParaRPr lang="ja-JP" altLang="en-US"/>
+          </a:p>
+          <a:p>
+            <a:endParaRPr kumimoji="1" lang="en-US" altLang="ja-JP" dirty="0"/>
+          </a:p>
+          <a:p>
+            <a:r>
+              <a:rPr lang="ja-JP" altLang="en-US" b="1"/>
+              <a:t>限界（苦手な点）</a:t>
+            </a:r>
+          </a:p>
+          <a:p>
+            <a:pPr>
+              <a:buFont typeface="Arial" panose="020B0604020202020204" pitchFamily="34" charset="0"/>
+              <a:buChar char="•"/>
+            </a:pPr>
+            <a:r>
+              <a:rPr lang="en" altLang="ja-JP" dirty="0"/>
+              <a:t>CFG </a:t>
+            </a:r>
+            <a:r>
+              <a:rPr lang="ja-JP" altLang="en-US"/>
+              <a:t>類似度・サイクロマチック複雑度より，</a:t>
+            </a:r>
+          </a:p>
+          <a:p>
+            <a:pPr marL="742950" lvl="1" indent="-285750">
+              <a:buFont typeface="Arial" panose="020B0604020202020204" pitchFamily="34" charset="0"/>
+              <a:buChar char="•"/>
+            </a:pPr>
+            <a:r>
+              <a:rPr lang="ja-JP" altLang="en-US"/>
+              <a:t>制御フローの意味的構造は </a:t>
+            </a:r>
+            <a:r>
+              <a:rPr lang="ja-JP" altLang="en-US" b="1"/>
+              <a:t>大きく変化しない</a:t>
+            </a:r>
+            <a:endParaRPr lang="ja-JP" altLang="en-US"/>
+          </a:p>
+          <a:p>
+            <a:pPr>
+              <a:buFont typeface="Arial" panose="020B0604020202020204" pitchFamily="34" charset="0"/>
+              <a:buChar char="•"/>
+            </a:pPr>
+            <a:r>
+              <a:rPr lang="ja-JP" altLang="en-US"/>
+              <a:t>分岐やループは冗長化できるが，</a:t>
+            </a:r>
+            <a:br>
+              <a:rPr lang="ja-JP" altLang="en-US"/>
+            </a:br>
+            <a:r>
+              <a:rPr lang="ja-JP" altLang="en-US" b="1"/>
+              <a:t>制御フローそのものの再構成は困難</a:t>
+            </a:r>
+            <a:endParaRPr lang="ja-JP" altLang="en-US"/>
+          </a:p>
+          <a:p>
+            <a:r>
+              <a:rPr lang="ja-JP" altLang="en-US" b="1"/>
+              <a:t>理由</a:t>
+            </a:r>
+            <a:endParaRPr lang="ja-JP" altLang="en-US"/>
+          </a:p>
+          <a:p>
+            <a:pPr>
+              <a:buFont typeface="Arial" panose="020B0604020202020204" pitchFamily="34" charset="0"/>
+              <a:buChar char="•"/>
+            </a:pPr>
+            <a:r>
+              <a:rPr lang="ja-JP" altLang="en-US"/>
+              <a:t>生成</a:t>
+            </a:r>
+            <a:r>
+              <a:rPr lang="en" altLang="ja-JP" dirty="0"/>
+              <a:t>AI</a:t>
+            </a:r>
+            <a:r>
+              <a:rPr lang="ja-JP" altLang="en-US"/>
+              <a:t>は</a:t>
+            </a:r>
+            <a:br>
+              <a:rPr lang="ja-JP" altLang="en-US"/>
+            </a:br>
+            <a:r>
+              <a:rPr lang="ja-JP" altLang="en-US" b="1"/>
+              <a:t>プログラムの意味・仕様保持を強く優先</a:t>
+            </a:r>
+            <a:endParaRPr lang="ja-JP" altLang="en-US"/>
+          </a:p>
+          <a:p>
+            <a:endParaRPr kumimoji="1" lang="en-US" altLang="ja-JP" dirty="0"/>
+          </a:p>
+          <a:p>
+            <a:r>
+              <a:rPr lang="ja-JP" altLang="en-US" b="1"/>
+              <a:t>本研究から得られた結論</a:t>
+            </a:r>
+          </a:p>
+          <a:p>
+            <a:r>
+              <a:rPr lang="en" altLang="ja-JP" b="1" dirty="0"/>
+              <a:t>ChatGPT</a:t>
+            </a:r>
+            <a:r>
+              <a:rPr lang="ja-JP" altLang="en-US" b="1"/>
+              <a:t>による難読化は，</a:t>
+            </a:r>
+            <a:br>
+              <a:rPr lang="ja-JP" altLang="en-US" b="1"/>
+            </a:br>
+            <a:r>
+              <a:rPr lang="ja-JP" altLang="en-US" b="1"/>
+              <a:t>「見た目（構文）」を複雑にすることには有効だが，</a:t>
+            </a:r>
+            <a:br>
+              <a:rPr lang="ja-JP" altLang="en-US" b="1"/>
+            </a:br>
+            <a:r>
+              <a:rPr lang="ja-JP" altLang="en-US" b="1"/>
+              <a:t>「中身（制御構造）」の本質的変化には限界がある</a:t>
+            </a:r>
+            <a:endParaRPr lang="ja-JP" altLang="en-US"/>
+          </a:p>
+          <a:p>
+            <a:endParaRPr kumimoji="1" lang="ja-JP" altLang="en-US"/>
+          </a:p>
+        </p:txBody>
+      </p:sp>
+      <p:sp>
+        <p:nvSpPr>
+          <p:cNvPr id="4" name="スライド番号プレースホルダー 3"/>
+          <p:cNvSpPr>
+            <a:spLocks noGrp="1"/>
+          </p:cNvSpPr>
+          <p:nvPr>
+            <p:ph type="sldNum" sz="quarter" idx="5"/>
+          </p:nvPr>
+        </p:nvSpPr>
+        <p:spPr/>
+        <p:txBody>
+          <a:bodyPr/>
+          <a:lstStyle/>
+          <a:p>
+            <a:fld id="{5B8AC0DF-4DAE-294C-AB2C-C3ADA7B834F6}" type="slidenum">
+              <a:rPr kumimoji="1" lang="ja-JP" altLang="en-US" smtClean="0"/>
+              <a:t>16</a:t>
             </a:fld>
             <a:endParaRPr kumimoji="1" lang="ja-JP" altLang="en-US"/>
           </a:p>
@@ -4551,7 +7555,7 @@
           <p:cNvPr id="2" name="タイトル 1">
             <a:extLst>
               <a:ext uri="{FF2B5EF4-FFF2-40B4-BE49-F238E27FC236}">
-                <a16:creationId xmlns:a16="http://schemas.microsoft.com/office/drawing/2014/main" id="{6880D221-B88F-905E-EBF4-FBD24B12706D}"/>
+                <a16:creationId xmlns:a16="http://schemas.microsoft.com/office/drawing/2014/main" id="{69AE7DA6-1DFA-F4C1-A7CC-ED6D37A904AA}"/>
               </a:ext>
             </a:extLst>
           </p:cNvPr>
@@ -4569,7 +7573,7 @@
           <a:p>
             <a:r>
               <a:rPr kumimoji="1" lang="ja-JP" altLang="en-US"/>
-              <a:t>結果</a:t>
+              <a:t>例</a:t>
             </a:r>
           </a:p>
         </p:txBody>
@@ -4579,7 +7583,7 @@
           <p:cNvPr id="3" name="コンテンツ プレースホルダー 2">
             <a:extLst>
               <a:ext uri="{FF2B5EF4-FFF2-40B4-BE49-F238E27FC236}">
-                <a16:creationId xmlns:a16="http://schemas.microsoft.com/office/drawing/2014/main" id="{4057B630-E5E8-2BCB-DC9B-1BA19576EA9B}"/>
+                <a16:creationId xmlns:a16="http://schemas.microsoft.com/office/drawing/2014/main" id="{FD84B356-EC46-49A2-F3F6-E18671820FC0}"/>
               </a:ext>
             </a:extLst>
           </p:cNvPr>
@@ -4595,109 +7599,6 @@
           <a:bodyPr/>
           <a:lstStyle/>
           <a:p>
-            <a:pPr marL="0" indent="0">
-              <a:buNone/>
-            </a:pPr>
-            <a:r>
-              <a:rPr lang="en" altLang="ja-JP" b="1" dirty="0"/>
-              <a:t>CFG </a:t>
-            </a:r>
-            <a:r>
-              <a:rPr lang="ja-JP" altLang="en-US" b="1"/>
-              <a:t>類似度による評価</a:t>
-            </a:r>
-            <a:endParaRPr lang="en-US" altLang="ja-JP" b="1" dirty="0"/>
-          </a:p>
-          <a:p>
-            <a:pPr marL="0" indent="0">
-              <a:buNone/>
-            </a:pPr>
-            <a:endParaRPr lang="ja-JP" altLang="en-US" b="1"/>
-          </a:p>
-          <a:p>
-            <a:pPr>
-              <a:buFont typeface="Arial" panose="020B0604020202020204" pitchFamily="34" charset="0"/>
-              <a:buChar char="•"/>
-            </a:pPr>
-            <a:r>
-              <a:rPr lang="ja-JP" altLang="en-US"/>
-              <a:t>分岐数・ループ数が増加する例はあるが、</a:t>
-            </a:r>
-            <a:br>
-              <a:rPr lang="ja-JP" altLang="en-US"/>
-            </a:br>
-            <a:r>
-              <a:rPr lang="en" altLang="ja-JP" b="1" dirty="0"/>
-              <a:t>CFG </a:t>
-            </a:r>
-            <a:r>
-              <a:rPr lang="ja-JP" altLang="en-US" b="1"/>
-              <a:t>類似度が極端に低下するケースは少ない</a:t>
-            </a:r>
-            <a:endParaRPr lang="ja-JP" altLang="en-US"/>
-          </a:p>
-          <a:p>
-            <a:pPr>
-              <a:buFont typeface="Arial" panose="020B0604020202020204" pitchFamily="34" charset="0"/>
-              <a:buChar char="•"/>
-            </a:pPr>
-            <a:r>
-              <a:rPr lang="ja-JP" altLang="en-US"/>
-              <a:t>強い難読化を行っても、</a:t>
-            </a:r>
-            <a:br>
-              <a:rPr lang="ja-JP" altLang="en-US"/>
-            </a:br>
-            <a:r>
-              <a:rPr lang="ja-JP" altLang="en-US" b="1"/>
-              <a:t>一定以上の類似度を維持</a:t>
-            </a:r>
-            <a:endParaRPr lang="ja-JP" altLang="en-US"/>
-          </a:p>
-          <a:p>
-            <a:pPr marL="0" indent="0">
-              <a:buNone/>
-            </a:pPr>
-            <a:r>
-              <a:rPr lang="ja-JP" altLang="en-US"/>
-              <a:t>→ </a:t>
-            </a:r>
-            <a:r>
-              <a:rPr lang="ja-JP" altLang="en-US" b="1"/>
-              <a:t>制御フローの意味的構造は保持されている</a:t>
-            </a:r>
-            <a:br>
-              <a:rPr lang="ja-JP" altLang="en-US"/>
-            </a:br>
-            <a:r>
-              <a:rPr lang="ja-JP" altLang="en-US"/>
-              <a:t>→ </a:t>
-            </a:r>
-            <a:r>
-              <a:rPr lang="en" altLang="ja-JP" dirty="0"/>
-              <a:t>ChatGPT </a:t>
-            </a:r>
-            <a:r>
-              <a:rPr lang="ja-JP" altLang="en-US"/>
-              <a:t>は制御構造を冗長化できるが、</a:t>
-            </a:r>
-            <a:br>
-              <a:rPr lang="ja-JP" altLang="en-US"/>
-            </a:br>
-            <a:r>
-              <a:rPr lang="ja-JP" altLang="en-US"/>
-              <a:t>　</a:t>
-            </a:r>
-            <a:r>
-              <a:rPr lang="ja-JP" altLang="en-US" b="1"/>
-              <a:t>本質的な制御フローの変換は困難</a:t>
-            </a:r>
-            <a:endParaRPr lang="ja-JP" altLang="en-US"/>
-          </a:p>
-          <a:p>
-            <a:pPr marL="0" indent="0">
-              <a:buNone/>
-            </a:pPr>
             <a:endParaRPr kumimoji="1" lang="ja-JP" altLang="en-US"/>
           </a:p>
         </p:txBody>
@@ -4705,7 +7606,7 @@
     </p:spTree>
     <p:extLst>
       <p:ext uri="{BB962C8B-B14F-4D97-AF65-F5344CB8AC3E}">
-        <p14:creationId xmlns:p14="http://schemas.microsoft.com/office/powerpoint/2010/main" val="3887835593"/>
+        <p14:creationId xmlns:p14="http://schemas.microsoft.com/office/powerpoint/2010/main" val="1957982456"/>
       </p:ext>
     </p:extLst>
   </p:cSld>
@@ -4737,7 +7638,7 @@
           <p:cNvPr id="2" name="タイトル 1">
             <a:extLst>
               <a:ext uri="{FF2B5EF4-FFF2-40B4-BE49-F238E27FC236}">
-                <a16:creationId xmlns:a16="http://schemas.microsoft.com/office/drawing/2014/main" id="{7DD2E509-16D9-134F-C492-81DFCAC3979A}"/>
+                <a16:creationId xmlns:a16="http://schemas.microsoft.com/office/drawing/2014/main" id="{030195AB-38E9-C7F6-44E9-7D9D97F56867}"/>
               </a:ext>
             </a:extLst>
           </p:cNvPr>
@@ -4765,7 +7666,7 @@
           <p:cNvPr id="3" name="コンテンツ プレースホルダー 2">
             <a:extLst>
               <a:ext uri="{FF2B5EF4-FFF2-40B4-BE49-F238E27FC236}">
-                <a16:creationId xmlns:a16="http://schemas.microsoft.com/office/drawing/2014/main" id="{4E4DA319-1195-2C85-ED1B-58B135DAA27C}"/>
+                <a16:creationId xmlns:a16="http://schemas.microsoft.com/office/drawing/2014/main" id="{49FA7807-570F-DCEB-6B59-68CE485F1C5F}"/>
               </a:ext>
             </a:extLst>
           </p:cNvPr>
@@ -4778,9 +7679,7 @@
         </p:nvSpPr>
         <p:spPr/>
         <p:txBody>
-          <a:bodyPr>
-            <a:normAutofit fontScale="92500" lnSpcReduction="20000"/>
-          </a:bodyPr>
+          <a:bodyPr/>
           <a:lstStyle/>
           <a:p>
             <a:pPr marL="0" indent="0">
@@ -4788,7 +7687,7 @@
             </a:pPr>
             <a:r>
               <a:rPr lang="ja-JP" altLang="en-US" b="1"/>
-              <a:t>サイクロマチック複雑度の評価</a:t>
+              <a:t>使用した評価指標</a:t>
             </a:r>
             <a:endParaRPr lang="en-US" altLang="ja-JP" b="1" dirty="0"/>
           </a:p>
@@ -4796,7 +7695,7 @@
             <a:pPr marL="0" indent="0">
               <a:buNone/>
             </a:pPr>
-            <a:endParaRPr lang="ja-JP" altLang="en-US" b="1"/>
+            <a:endParaRPr lang="ja-JP" altLang="en-US"/>
           </a:p>
           <a:p>
             <a:pPr>
@@ -4804,9 +7703,14 @@
               <a:buChar char="•"/>
             </a:pPr>
             <a:r>
-              <a:rPr lang="ja-JP" altLang="en-US"/>
-              <a:t>難読化後、</a:t>
-            </a:r>
+              <a:rPr lang="en" altLang="ja-JP" b="1" dirty="0"/>
+              <a:t>AST </a:t>
+            </a:r>
+            <a:r>
+              <a:rPr lang="ja-JP" altLang="en-US" b="1"/>
+              <a:t>構造類似度</a:t>
+            </a:r>
+            <a:endParaRPr lang="ja-JP" altLang="en-US"/>
           </a:p>
           <a:p>
             <a:pPr marL="742950" lvl="1" indent="-285750">
@@ -4814,8 +7718,12 @@
               <a:buChar char="•"/>
             </a:pPr>
             <a:r>
+              <a:rPr lang="en" altLang="ja-JP" dirty="0"/>
+              <a:t>AST </a:t>
+            </a:r>
+            <a:r>
               <a:rPr lang="ja-JP" altLang="en-US"/>
-              <a:t>ブロック数は増加</a:t>
+              <a:t>構造類似度</a:t>
             </a:r>
           </a:p>
           <a:p>
@@ -4824,10 +7732,13 @@
               <a:buChar char="•"/>
             </a:pPr>
             <a:r>
-              <a:rPr lang="ja-JP" altLang="en-US" b="1"/>
-              <a:t>平均複雑度は大きく増えない</a:t>
-            </a:r>
-            <a:endParaRPr lang="ja-JP" altLang="en-US"/>
+              <a:rPr lang="en" altLang="ja-JP" dirty="0"/>
+              <a:t>AST </a:t>
+            </a:r>
+            <a:r>
+              <a:rPr lang="ja-JP" altLang="en-US"/>
+              <a:t>ノード頻度に基づくコサイン類似度</a:t>
+            </a:r>
           </a:p>
           <a:p>
             <a:pPr>
@@ -4835,19 +7746,23 @@
               <a:buChar char="•"/>
             </a:pPr>
             <a:r>
+              <a:rPr lang="en" altLang="ja-JP" b="1" dirty="0"/>
+              <a:t>CFG </a:t>
+            </a:r>
+            <a:r>
+              <a:rPr lang="ja-JP" altLang="en-US" b="1"/>
+              <a:t>類似度</a:t>
+            </a:r>
+            <a:endParaRPr lang="ja-JP" altLang="en-US"/>
+          </a:p>
+          <a:p>
+            <a:pPr marL="742950" lvl="1" indent="-285750">
+              <a:buFont typeface="Arial" panose="020B0604020202020204" pitchFamily="34" charset="0"/>
+              <a:buChar char="•"/>
+            </a:pPr>
+            <a:r>
               <a:rPr lang="ja-JP" altLang="en-US"/>
-              <a:t>処理が細分化され、</a:t>
-            </a:r>
-            <a:br>
-              <a:rPr lang="ja-JP" altLang="en-US"/>
-            </a:br>
-            <a:r>
-              <a:rPr lang="ja-JP" altLang="en-US" b="1"/>
-              <a:t>関数単位で複雑度が分散</a:t>
-            </a:r>
-            <a:r>
-              <a:rPr lang="ja-JP" altLang="en-US"/>
-              <a:t>した影響</a:t>
+              <a:t>制御フロー構造の類似性を評価</a:t>
             </a:r>
           </a:p>
           <a:p>
@@ -4856,9 +7771,10 @@
               <a:buChar char="•"/>
             </a:pPr>
             <a:r>
-              <a:rPr lang="ja-JP" altLang="en-US"/>
-              <a:t>一方で、</a:t>
-            </a:r>
+              <a:rPr lang="ja-JP" altLang="en-US" b="1"/>
+              <a:t>サイクロマチック複雑度</a:t>
+            </a:r>
+            <a:endParaRPr lang="ja-JP" altLang="en-US"/>
           </a:p>
           <a:p>
             <a:pPr marL="742950" lvl="1" indent="-285750">
@@ -4866,46 +7782,14 @@
               <a:buChar char="•"/>
             </a:pPr>
             <a:r>
-              <a:rPr lang="ja-JP" altLang="en-US" b="1"/>
-              <a:t>複雑度の合計値は増加</a:t>
-            </a:r>
-            <a:endParaRPr lang="ja-JP" altLang="en-US"/>
-          </a:p>
-          <a:p>
-            <a:pPr marL="742950" lvl="1" indent="-285750">
-              <a:buFont typeface="Arial" panose="020B0604020202020204" pitchFamily="34" charset="0"/>
-              <a:buChar char="•"/>
-            </a:pPr>
-            <a:r>
               <a:rPr lang="ja-JP" altLang="en-US"/>
-              <a:t>コード全体は冗長で複雑に見える構造に</a:t>
-            </a:r>
-          </a:p>
-          <a:p>
-            <a:pPr marL="0" indent="0">
-              <a:buNone/>
-            </a:pPr>
-            <a:r>
-              <a:rPr lang="ja-JP" altLang="en-US"/>
-              <a:t>→ 制御構造の本質的な複雑さは</a:t>
-            </a:r>
-            <a:br>
-              <a:rPr lang="ja-JP" altLang="en-US"/>
-            </a:br>
-            <a:r>
-              <a:rPr lang="ja-JP" altLang="en-US"/>
-              <a:t>　</a:t>
-            </a:r>
-            <a:r>
-              <a:rPr lang="ja-JP" altLang="en-US" b="1"/>
-              <a:t>難読化前後で大きく変化していない</a:t>
-            </a:r>
-            <a:endParaRPr lang="ja-JP" altLang="en-US"/>
-          </a:p>
-          <a:p>
-            <a:pPr marL="0" indent="0">
-              <a:buNone/>
-            </a:pPr>
+              <a:t>分岐・ループ構造の複雑さを評価</a:t>
+            </a:r>
+          </a:p>
+          <a:p>
+            <a:endParaRPr kumimoji="1" lang="en-US" altLang="ja-JP" dirty="0"/>
+          </a:p>
+          <a:p>
             <a:endParaRPr kumimoji="1" lang="ja-JP" altLang="en-US"/>
           </a:p>
         </p:txBody>
@@ -4913,7 +7797,7 @@
     </p:spTree>
     <p:extLst>
       <p:ext uri="{BB962C8B-B14F-4D97-AF65-F5344CB8AC3E}">
-        <p14:creationId xmlns:p14="http://schemas.microsoft.com/office/powerpoint/2010/main" val="3322096573"/>
+        <p14:creationId xmlns:p14="http://schemas.microsoft.com/office/powerpoint/2010/main" val="3646208561"/>
       </p:ext>
     </p:extLst>
   </p:cSld>
@@ -4945,7 +7829,7 @@
           <p:cNvPr id="2" name="タイトル 1">
             <a:extLst>
               <a:ext uri="{FF2B5EF4-FFF2-40B4-BE49-F238E27FC236}">
-                <a16:creationId xmlns:a16="http://schemas.microsoft.com/office/drawing/2014/main" id="{09680989-0C66-9760-130E-572BDA4A102B}"/>
+                <a16:creationId xmlns:a16="http://schemas.microsoft.com/office/drawing/2014/main" id="{948F9406-9E30-75AC-8EC6-B70A7542B8F1}"/>
               </a:ext>
             </a:extLst>
           </p:cNvPr>
@@ -4963,7 +7847,7 @@
           <a:p>
             <a:r>
               <a:rPr kumimoji="1" lang="ja-JP" altLang="en-US"/>
-              <a:t>考察</a:t>
+              <a:t>結果</a:t>
             </a:r>
           </a:p>
         </p:txBody>
@@ -4973,7 +7857,7 @@
           <p:cNvPr id="3" name="コンテンツ プレースホルダー 2">
             <a:extLst>
               <a:ext uri="{FF2B5EF4-FFF2-40B4-BE49-F238E27FC236}">
-                <a16:creationId xmlns:a16="http://schemas.microsoft.com/office/drawing/2014/main" id="{3728415E-ADAC-42EF-F5BB-D42386B9B094}"/>
+                <a16:creationId xmlns:a16="http://schemas.microsoft.com/office/drawing/2014/main" id="{3D3787B6-55E2-6829-D65C-0DBCD3C47FFC}"/>
               </a:ext>
             </a:extLst>
           </p:cNvPr>
@@ -4989,17 +7873,951 @@
           <a:bodyPr/>
           <a:lstStyle/>
           <a:p>
+            <a:pPr marL="0" indent="0">
+              <a:buNone/>
+            </a:pPr>
+            <a:r>
+              <a:rPr lang="en" altLang="ja-JP" b="1"/>
+              <a:t>AST </a:t>
+            </a:r>
+            <a:r>
+              <a:rPr lang="ja-JP" altLang="en-US" b="1"/>
+              <a:t>構造に基づく評価</a:t>
+            </a:r>
+            <a:endParaRPr lang="en-US" altLang="ja-JP" b="1"/>
+          </a:p>
+          <a:p>
+            <a:pPr marL="0" indent="0">
+              <a:buNone/>
+            </a:pPr>
+            <a:endParaRPr lang="ja-JP" altLang="en-US" b="1"/>
+          </a:p>
+          <a:p>
+            <a:pPr>
+              <a:buFont typeface="Arial" panose="020B0604020202020204" pitchFamily="34" charset="0"/>
+              <a:buChar char="•"/>
+            </a:pPr>
             <a:r>
               <a:rPr lang="ja-JP" altLang="en-US"/>
-              <a:t>コードの表層構造を大きく変形が得意</a:t>
-            </a:r>
-            <a:endParaRPr lang="en-US" altLang="ja-JP" dirty="0"/>
-          </a:p>
-          <a:p>
+              <a:t>難読化後のコードは、</a:t>
+            </a:r>
+          </a:p>
+          <a:p>
+            <a:pPr marL="742950" lvl="1" indent="-285750">
+              <a:buFont typeface="Arial" panose="020B0604020202020204" pitchFamily="34" charset="0"/>
+              <a:buChar char="•"/>
+            </a:pPr>
+            <a:r>
+              <a:rPr lang="en" altLang="ja-JP"/>
+              <a:t>AST </a:t>
+            </a:r>
             <a:r>
               <a:rPr lang="ja-JP" altLang="en-US"/>
-              <a:t>制御フローそのものの再構成は困難</a:t>
-            </a:r>
+              <a:t>構造類似度が大きく低下</a:t>
+            </a:r>
+          </a:p>
+          <a:p>
+            <a:pPr marL="742950" lvl="1" indent="-285750">
+              <a:buFont typeface="Arial" panose="020B0604020202020204" pitchFamily="34" charset="0"/>
+              <a:buChar char="•"/>
+            </a:pPr>
+            <a:r>
+              <a:rPr lang="en" altLang="ja-JP"/>
+              <a:t>AST </a:t>
+            </a:r>
+            <a:r>
+              <a:rPr lang="ja-JP" altLang="en-US"/>
+              <a:t>ノード数が増加</a:t>
+            </a:r>
+          </a:p>
+          <a:p>
+            <a:pPr>
+              <a:buFont typeface="Arial" panose="020B0604020202020204" pitchFamily="34" charset="0"/>
+              <a:buChar char="•"/>
+            </a:pPr>
+            <a:r>
+              <a:rPr lang="ja-JP" altLang="en-US"/>
+              <a:t>特に </a:t>
+            </a:r>
+            <a:r>
+              <a:rPr lang="en" altLang="ja-JP" b="1"/>
+              <a:t>If / Call / Name </a:t>
+            </a:r>
+            <a:r>
+              <a:rPr lang="ja-JP" altLang="en-US" b="1"/>
+              <a:t>ノード</a:t>
+            </a:r>
+            <a:r>
+              <a:rPr lang="ja-JP" altLang="en-US"/>
+              <a:t>の増加が顕著</a:t>
+            </a:r>
+          </a:p>
+          <a:p>
+            <a:pPr marL="0" indent="0">
+              <a:buNone/>
+            </a:pPr>
+            <a:r>
+              <a:rPr lang="ja-JP" altLang="en-US"/>
+              <a:t>→ 構文構造（見た目）が大きく複雑化</a:t>
+            </a:r>
+          </a:p>
+          <a:p>
+            <a:pPr marL="0" indent="0">
+              <a:buNone/>
+            </a:pPr>
+            <a:endParaRPr kumimoji="1" lang="ja-JP" altLang="en-US"/>
+          </a:p>
+        </p:txBody>
+      </p:sp>
+      <p:pic>
+        <p:nvPicPr>
+          <p:cNvPr id="5" name="図 4">
+            <a:extLst>
+              <a:ext uri="{FF2B5EF4-FFF2-40B4-BE49-F238E27FC236}">
+                <a16:creationId xmlns:a16="http://schemas.microsoft.com/office/drawing/2014/main" id="{B2ED3DD5-6EE3-FEF3-E20E-3362DC52F1CA}"/>
+              </a:ext>
+            </a:extLst>
+          </p:cNvPr>
+          <p:cNvPicPr>
+            <a:picLocks noChangeAspect="1"/>
+          </p:cNvPicPr>
+          <p:nvPr/>
+        </p:nvPicPr>
+        <p:blipFill>
+          <a:blip r:embed="rId3"/>
+          <a:stretch>
+            <a:fillRect/>
+          </a:stretch>
+        </p:blipFill>
+        <p:spPr>
+          <a:xfrm>
+            <a:off x="5863964" y="637572"/>
+            <a:ext cx="5603688" cy="2791428"/>
+          </a:xfrm>
+          <a:prstGeom prst="rect">
+            <a:avLst/>
+          </a:prstGeom>
+        </p:spPr>
+      </p:pic>
+    </p:spTree>
+    <p:extLst>
+      <p:ext uri="{BB962C8B-B14F-4D97-AF65-F5344CB8AC3E}">
+        <p14:creationId xmlns:p14="http://schemas.microsoft.com/office/powerpoint/2010/main" val="2398088218"/>
+      </p:ext>
+    </p:extLst>
+  </p:cSld>
+  <p:clrMapOvr>
+    <a:masterClrMapping/>
+  </p:clrMapOvr>
+</p:sld>
+</file>
+
+<file path=ppt/slides/slide13.xml><?xml version="1.0" encoding="utf-8"?>
+<p:sld xmlns:a="http://schemas.openxmlformats.org/drawingml/2006/main" xmlns:r="http://schemas.openxmlformats.org/officeDocument/2006/relationships" xmlns:p="http://schemas.openxmlformats.org/presentationml/2006/main">
+  <p:cSld>
+    <p:spTree>
+      <p:nvGrpSpPr>
+        <p:cNvPr id="1" name=""/>
+        <p:cNvGrpSpPr/>
+        <p:nvPr/>
+      </p:nvGrpSpPr>
+      <p:grpSpPr>
+        <a:xfrm>
+          <a:off x="0" y="0"/>
+          <a:ext cx="0" cy="0"/>
+          <a:chOff x="0" y="0"/>
+          <a:chExt cx="0" cy="0"/>
+        </a:xfrm>
+      </p:grpSpPr>
+      <p:pic>
+        <p:nvPicPr>
+          <p:cNvPr id="5" name="コンテンツ プレースホルダー 4" descr="グラフ, 棒グラフ&#10;&#10;自動的に生成された説明">
+            <a:extLst>
+              <a:ext uri="{FF2B5EF4-FFF2-40B4-BE49-F238E27FC236}">
+                <a16:creationId xmlns:a16="http://schemas.microsoft.com/office/drawing/2014/main" id="{6F460033-9EB5-2D7A-F3DC-F2D2221D182A}"/>
+              </a:ext>
+            </a:extLst>
+          </p:cNvPr>
+          <p:cNvPicPr>
+            <a:picLocks noGrp="1" noChangeAspect="1"/>
+          </p:cNvPicPr>
+          <p:nvPr>
+            <p:ph idx="1"/>
+          </p:nvPr>
+        </p:nvPicPr>
+        <p:blipFill>
+          <a:blip r:embed="rId2"/>
+          <a:stretch>
+            <a:fillRect/>
+          </a:stretch>
+        </p:blipFill>
+        <p:spPr>
+          <a:xfrm>
+            <a:off x="2499084" y="214312"/>
+            <a:ext cx="7193831" cy="3062837"/>
+          </a:xfrm>
+        </p:spPr>
+      </p:pic>
+      <p:pic>
+        <p:nvPicPr>
+          <p:cNvPr id="7" name="図 6" descr="グラフ, 棒グラフ, ウォーターフォール図&#10;&#10;自動的に生成された説明">
+            <a:extLst>
+              <a:ext uri="{FF2B5EF4-FFF2-40B4-BE49-F238E27FC236}">
+                <a16:creationId xmlns:a16="http://schemas.microsoft.com/office/drawing/2014/main" id="{73906552-45F3-33AA-762C-A69C926DBC2F}"/>
+              </a:ext>
+            </a:extLst>
+          </p:cNvPr>
+          <p:cNvPicPr>
+            <a:picLocks noChangeAspect="1"/>
+          </p:cNvPicPr>
+          <p:nvPr/>
+        </p:nvPicPr>
+        <p:blipFill>
+          <a:blip r:embed="rId3"/>
+          <a:stretch>
+            <a:fillRect/>
+          </a:stretch>
+        </p:blipFill>
+        <p:spPr>
+          <a:xfrm>
+            <a:off x="2209799" y="3277149"/>
+            <a:ext cx="7772400" cy="3169992"/>
+          </a:xfrm>
+          <a:prstGeom prst="rect">
+            <a:avLst/>
+          </a:prstGeom>
+        </p:spPr>
+      </p:pic>
+    </p:spTree>
+    <p:extLst>
+      <p:ext uri="{BB962C8B-B14F-4D97-AF65-F5344CB8AC3E}">
+        <p14:creationId xmlns:p14="http://schemas.microsoft.com/office/powerpoint/2010/main" val="1685771260"/>
+      </p:ext>
+    </p:extLst>
+  </p:cSld>
+  <p:clrMapOvr>
+    <a:masterClrMapping/>
+  </p:clrMapOvr>
+</p:sld>
+</file>
+
+<file path=ppt/slides/slide14.xml><?xml version="1.0" encoding="utf-8"?>
+<p:sld xmlns:a="http://schemas.openxmlformats.org/drawingml/2006/main" xmlns:r="http://schemas.openxmlformats.org/officeDocument/2006/relationships" xmlns:p="http://schemas.openxmlformats.org/presentationml/2006/main">
+  <p:cSld>
+    <p:spTree>
+      <p:nvGrpSpPr>
+        <p:cNvPr id="1" name=""/>
+        <p:cNvGrpSpPr/>
+        <p:nvPr/>
+      </p:nvGrpSpPr>
+      <p:grpSpPr>
+        <a:xfrm>
+          <a:off x="0" y="0"/>
+          <a:ext cx="0" cy="0"/>
+          <a:chOff x="0" y="0"/>
+          <a:chExt cx="0" cy="0"/>
+        </a:xfrm>
+      </p:grpSpPr>
+      <p:sp>
+        <p:nvSpPr>
+          <p:cNvPr id="2" name="タイトル 1">
+            <a:extLst>
+              <a:ext uri="{FF2B5EF4-FFF2-40B4-BE49-F238E27FC236}">
+                <a16:creationId xmlns:a16="http://schemas.microsoft.com/office/drawing/2014/main" id="{6880D221-B88F-905E-EBF4-FBD24B12706D}"/>
+              </a:ext>
+            </a:extLst>
+          </p:cNvPr>
+          <p:cNvSpPr>
+            <a:spLocks noGrp="1"/>
+          </p:cNvSpPr>
+          <p:nvPr>
+            <p:ph type="title"/>
+          </p:nvPr>
+        </p:nvSpPr>
+        <p:spPr/>
+        <p:txBody>
+          <a:bodyPr/>
+          <a:lstStyle/>
+          <a:p>
+            <a:r>
+              <a:rPr kumimoji="1" lang="ja-JP" altLang="en-US"/>
+              <a:t>結果</a:t>
+            </a:r>
+          </a:p>
+        </p:txBody>
+      </p:sp>
+      <p:sp>
+        <p:nvSpPr>
+          <p:cNvPr id="3" name="コンテンツ プレースホルダー 2">
+            <a:extLst>
+              <a:ext uri="{FF2B5EF4-FFF2-40B4-BE49-F238E27FC236}">
+                <a16:creationId xmlns:a16="http://schemas.microsoft.com/office/drawing/2014/main" id="{4057B630-E5E8-2BCB-DC9B-1BA19576EA9B}"/>
+              </a:ext>
+            </a:extLst>
+          </p:cNvPr>
+          <p:cNvSpPr>
+            <a:spLocks noGrp="1"/>
+          </p:cNvSpPr>
+          <p:nvPr>
+            <p:ph idx="1"/>
+          </p:nvPr>
+        </p:nvSpPr>
+        <p:spPr/>
+        <p:txBody>
+          <a:bodyPr/>
+          <a:lstStyle/>
+          <a:p>
+            <a:pPr marL="0" indent="0">
+              <a:buNone/>
+            </a:pPr>
+            <a:r>
+              <a:rPr lang="en" altLang="ja-JP" b="1" dirty="0"/>
+              <a:t>CFG </a:t>
+            </a:r>
+            <a:r>
+              <a:rPr lang="ja-JP" altLang="en-US" b="1"/>
+              <a:t>類似度による評価</a:t>
+            </a:r>
+            <a:endParaRPr lang="en-US" altLang="ja-JP" b="1" dirty="0"/>
+          </a:p>
+          <a:p>
+            <a:pPr marL="0" indent="0">
+              <a:buNone/>
+            </a:pPr>
+            <a:endParaRPr lang="ja-JP" altLang="en-US" b="1"/>
+          </a:p>
+          <a:p>
+            <a:pPr>
+              <a:buFont typeface="Arial" panose="020B0604020202020204" pitchFamily="34" charset="0"/>
+              <a:buChar char="•"/>
+            </a:pPr>
+            <a:r>
+              <a:rPr lang="ja-JP" altLang="en-US"/>
+              <a:t>分岐数・ループ数が増加する例はあるが、</a:t>
+            </a:r>
+            <a:br>
+              <a:rPr lang="ja-JP" altLang="en-US"/>
+            </a:br>
+            <a:r>
+              <a:rPr lang="en" altLang="ja-JP" b="1" dirty="0"/>
+              <a:t>CFG </a:t>
+            </a:r>
+            <a:r>
+              <a:rPr lang="ja-JP" altLang="en-US" b="1"/>
+              <a:t>類似度が極端に低下するケースは少ない</a:t>
+            </a:r>
+            <a:endParaRPr lang="ja-JP" altLang="en-US"/>
+          </a:p>
+          <a:p>
+            <a:pPr>
+              <a:buFont typeface="Arial" panose="020B0604020202020204" pitchFamily="34" charset="0"/>
+              <a:buChar char="•"/>
+            </a:pPr>
+            <a:r>
+              <a:rPr lang="ja-JP" altLang="en-US"/>
+              <a:t>強い難読化を行っても、</a:t>
+            </a:r>
+            <a:br>
+              <a:rPr lang="ja-JP" altLang="en-US"/>
+            </a:br>
+            <a:r>
+              <a:rPr lang="ja-JP" altLang="en-US" b="1"/>
+              <a:t>一定以上の類似度を維持</a:t>
+            </a:r>
+            <a:endParaRPr lang="ja-JP" altLang="en-US"/>
+          </a:p>
+          <a:p>
+            <a:pPr marL="0" indent="0">
+              <a:buNone/>
+            </a:pPr>
+            <a:r>
+              <a:rPr lang="ja-JP" altLang="en-US"/>
+              <a:t>→ </a:t>
+            </a:r>
+            <a:r>
+              <a:rPr lang="ja-JP" altLang="en-US" b="1"/>
+              <a:t>制御フローの意味的構造は保持されている</a:t>
+            </a:r>
+            <a:br>
+              <a:rPr lang="ja-JP" altLang="en-US"/>
+            </a:br>
+            <a:r>
+              <a:rPr lang="ja-JP" altLang="en-US"/>
+              <a:t>→ </a:t>
+            </a:r>
+            <a:r>
+              <a:rPr lang="en" altLang="ja-JP" dirty="0"/>
+              <a:t>ChatGPT </a:t>
+            </a:r>
+            <a:r>
+              <a:rPr lang="ja-JP" altLang="en-US"/>
+              <a:t>は制御構造を冗長化できるが、</a:t>
+            </a:r>
+            <a:br>
+              <a:rPr lang="ja-JP" altLang="en-US"/>
+            </a:br>
+            <a:r>
+              <a:rPr lang="ja-JP" altLang="en-US"/>
+              <a:t>　</a:t>
+            </a:r>
+            <a:r>
+              <a:rPr lang="ja-JP" altLang="en-US" b="1"/>
+              <a:t>本質的な制御フローの変換は困難</a:t>
+            </a:r>
+            <a:endParaRPr lang="ja-JP" altLang="en-US"/>
+          </a:p>
+          <a:p>
+            <a:pPr marL="0" indent="0">
+              <a:buNone/>
+            </a:pPr>
+            <a:endParaRPr kumimoji="1" lang="ja-JP" altLang="en-US"/>
+          </a:p>
+        </p:txBody>
+      </p:sp>
+      <p:pic>
+        <p:nvPicPr>
+          <p:cNvPr id="5" name="図 4" descr="テキスト が含まれている画像&#10;&#10;自動的に生成された説明">
+            <a:extLst>
+              <a:ext uri="{FF2B5EF4-FFF2-40B4-BE49-F238E27FC236}">
+                <a16:creationId xmlns:a16="http://schemas.microsoft.com/office/drawing/2014/main" id="{E070781F-9F75-D74A-4778-9EA2FF3A1AC3}"/>
+              </a:ext>
+            </a:extLst>
+          </p:cNvPr>
+          <p:cNvPicPr>
+            <a:picLocks noChangeAspect="1"/>
+          </p:cNvPicPr>
+          <p:nvPr/>
+        </p:nvPicPr>
+        <p:blipFill>
+          <a:blip r:embed="rId2"/>
+          <a:stretch>
+            <a:fillRect/>
+          </a:stretch>
+        </p:blipFill>
+        <p:spPr>
+          <a:xfrm>
+            <a:off x="4249737" y="344993"/>
+            <a:ext cx="7772400" cy="1413163"/>
+          </a:xfrm>
+          <a:prstGeom prst="rect">
+            <a:avLst/>
+          </a:prstGeom>
+        </p:spPr>
+      </p:pic>
+    </p:spTree>
+    <p:extLst>
+      <p:ext uri="{BB962C8B-B14F-4D97-AF65-F5344CB8AC3E}">
+        <p14:creationId xmlns:p14="http://schemas.microsoft.com/office/powerpoint/2010/main" val="3887835593"/>
+      </p:ext>
+    </p:extLst>
+  </p:cSld>
+  <p:clrMapOvr>
+    <a:masterClrMapping/>
+  </p:clrMapOvr>
+</p:sld>
+</file>
+
+<file path=ppt/slides/slide15.xml><?xml version="1.0" encoding="utf-8"?>
+<p:sld xmlns:a="http://schemas.openxmlformats.org/drawingml/2006/main" xmlns:r="http://schemas.openxmlformats.org/officeDocument/2006/relationships" xmlns:p="http://schemas.openxmlformats.org/presentationml/2006/main">
+  <p:cSld>
+    <p:spTree>
+      <p:nvGrpSpPr>
+        <p:cNvPr id="1" name=""/>
+        <p:cNvGrpSpPr/>
+        <p:nvPr/>
+      </p:nvGrpSpPr>
+      <p:grpSpPr>
+        <a:xfrm>
+          <a:off x="0" y="0"/>
+          <a:ext cx="0" cy="0"/>
+          <a:chOff x="0" y="0"/>
+          <a:chExt cx="0" cy="0"/>
+        </a:xfrm>
+      </p:grpSpPr>
+      <p:sp>
+        <p:nvSpPr>
+          <p:cNvPr id="2" name="タイトル 1">
+            <a:extLst>
+              <a:ext uri="{FF2B5EF4-FFF2-40B4-BE49-F238E27FC236}">
+                <a16:creationId xmlns:a16="http://schemas.microsoft.com/office/drawing/2014/main" id="{7DD2E509-16D9-134F-C492-81DFCAC3979A}"/>
+              </a:ext>
+            </a:extLst>
+          </p:cNvPr>
+          <p:cNvSpPr>
+            <a:spLocks noGrp="1"/>
+          </p:cNvSpPr>
+          <p:nvPr>
+            <p:ph type="title"/>
+          </p:nvPr>
+        </p:nvSpPr>
+        <p:spPr/>
+        <p:txBody>
+          <a:bodyPr/>
+          <a:lstStyle/>
+          <a:p>
+            <a:r>
+              <a:rPr kumimoji="1" lang="ja-JP" altLang="en-US"/>
+              <a:t>結果</a:t>
+            </a:r>
+          </a:p>
+        </p:txBody>
+      </p:sp>
+      <p:sp>
+        <p:nvSpPr>
+          <p:cNvPr id="3" name="コンテンツ プレースホルダー 2">
+            <a:extLst>
+              <a:ext uri="{FF2B5EF4-FFF2-40B4-BE49-F238E27FC236}">
+                <a16:creationId xmlns:a16="http://schemas.microsoft.com/office/drawing/2014/main" id="{4E4DA319-1195-2C85-ED1B-58B135DAA27C}"/>
+              </a:ext>
+            </a:extLst>
+          </p:cNvPr>
+          <p:cNvSpPr>
+            <a:spLocks noGrp="1"/>
+          </p:cNvSpPr>
+          <p:nvPr>
+            <p:ph idx="1"/>
+          </p:nvPr>
+        </p:nvSpPr>
+        <p:spPr/>
+        <p:txBody>
+          <a:bodyPr>
+            <a:normAutofit fontScale="92500" lnSpcReduction="20000"/>
+          </a:bodyPr>
+          <a:lstStyle/>
+          <a:p>
+            <a:pPr marL="0" indent="0">
+              <a:buNone/>
+            </a:pPr>
+            <a:r>
+              <a:rPr lang="ja-JP" altLang="en-US" b="1"/>
+              <a:t>サイクロマチック複雑度の評価</a:t>
+            </a:r>
+            <a:endParaRPr lang="en-US" altLang="ja-JP" b="1" dirty="0"/>
+          </a:p>
+          <a:p>
+            <a:pPr marL="0" indent="0">
+              <a:buNone/>
+            </a:pPr>
+            <a:endParaRPr lang="ja-JP" altLang="en-US" b="1"/>
+          </a:p>
+          <a:p>
+            <a:pPr>
+              <a:buFont typeface="Arial" panose="020B0604020202020204" pitchFamily="34" charset="0"/>
+              <a:buChar char="•"/>
+            </a:pPr>
+            <a:r>
+              <a:rPr lang="ja-JP" altLang="en-US"/>
+              <a:t>難読化後、</a:t>
+            </a:r>
+          </a:p>
+          <a:p>
+            <a:pPr marL="742950" lvl="1" indent="-285750">
+              <a:buFont typeface="Arial" panose="020B0604020202020204" pitchFamily="34" charset="0"/>
+              <a:buChar char="•"/>
+            </a:pPr>
+            <a:r>
+              <a:rPr lang="ja-JP" altLang="en-US"/>
+              <a:t>ブロック数は増加</a:t>
+            </a:r>
+          </a:p>
+          <a:p>
+            <a:pPr marL="742950" lvl="1" indent="-285750">
+              <a:buFont typeface="Arial" panose="020B0604020202020204" pitchFamily="34" charset="0"/>
+              <a:buChar char="•"/>
+            </a:pPr>
+            <a:r>
+              <a:rPr lang="ja-JP" altLang="en-US" b="1"/>
+              <a:t>平均複雑度は大きく増えない</a:t>
+            </a:r>
+            <a:endParaRPr lang="ja-JP" altLang="en-US"/>
+          </a:p>
+          <a:p>
+            <a:pPr>
+              <a:buFont typeface="Arial" panose="020B0604020202020204" pitchFamily="34" charset="0"/>
+              <a:buChar char="•"/>
+            </a:pPr>
+            <a:r>
+              <a:rPr lang="ja-JP" altLang="en-US"/>
+              <a:t>処理が細分化され、</a:t>
+            </a:r>
+            <a:br>
+              <a:rPr lang="ja-JP" altLang="en-US"/>
+            </a:br>
+            <a:r>
+              <a:rPr lang="ja-JP" altLang="en-US" b="1"/>
+              <a:t>関数単位で複雑度が分散</a:t>
+            </a:r>
+            <a:r>
+              <a:rPr lang="ja-JP" altLang="en-US"/>
+              <a:t>した影響</a:t>
+            </a:r>
+          </a:p>
+          <a:p>
+            <a:pPr>
+              <a:buFont typeface="Arial" panose="020B0604020202020204" pitchFamily="34" charset="0"/>
+              <a:buChar char="•"/>
+            </a:pPr>
+            <a:r>
+              <a:rPr lang="ja-JP" altLang="en-US"/>
+              <a:t>一方で、</a:t>
+            </a:r>
+          </a:p>
+          <a:p>
+            <a:pPr marL="742950" lvl="1" indent="-285750">
+              <a:buFont typeface="Arial" panose="020B0604020202020204" pitchFamily="34" charset="0"/>
+              <a:buChar char="•"/>
+            </a:pPr>
+            <a:r>
+              <a:rPr lang="ja-JP" altLang="en-US" b="1"/>
+              <a:t>複雑度の合計値は増加</a:t>
+            </a:r>
+            <a:endParaRPr lang="ja-JP" altLang="en-US"/>
+          </a:p>
+          <a:p>
+            <a:pPr marL="742950" lvl="1" indent="-285750">
+              <a:buFont typeface="Arial" panose="020B0604020202020204" pitchFamily="34" charset="0"/>
+              <a:buChar char="•"/>
+            </a:pPr>
+            <a:r>
+              <a:rPr lang="ja-JP" altLang="en-US"/>
+              <a:t>コード全体は冗長で複雑に見える構造に</a:t>
+            </a:r>
+          </a:p>
+          <a:p>
+            <a:pPr marL="0" indent="0">
+              <a:buNone/>
+            </a:pPr>
+            <a:r>
+              <a:rPr lang="ja-JP" altLang="en-US"/>
+              <a:t>→ 制御構造の本質的な複雑さは</a:t>
+            </a:r>
+            <a:br>
+              <a:rPr lang="ja-JP" altLang="en-US"/>
+            </a:br>
+            <a:r>
+              <a:rPr lang="ja-JP" altLang="en-US"/>
+              <a:t>　</a:t>
+            </a:r>
+            <a:r>
+              <a:rPr lang="ja-JP" altLang="en-US" b="1"/>
+              <a:t>難読化前後で大きく変化していない</a:t>
+            </a:r>
+            <a:endParaRPr lang="ja-JP" altLang="en-US"/>
+          </a:p>
+          <a:p>
+            <a:pPr marL="0" indent="0">
+              <a:buNone/>
+            </a:pPr>
+            <a:endParaRPr kumimoji="1" lang="ja-JP" altLang="en-US"/>
+          </a:p>
+        </p:txBody>
+      </p:sp>
+      <p:pic>
+        <p:nvPicPr>
+          <p:cNvPr id="5" name="図 4" descr="テキスト&#10;&#10;自動的に生成された説明">
+            <a:extLst>
+              <a:ext uri="{FF2B5EF4-FFF2-40B4-BE49-F238E27FC236}">
+                <a16:creationId xmlns:a16="http://schemas.microsoft.com/office/drawing/2014/main" id="{27EAFB01-8501-A54B-2D1E-B63512F7FCD3}"/>
+              </a:ext>
+            </a:extLst>
+          </p:cNvPr>
+          <p:cNvPicPr>
+            <a:picLocks noChangeAspect="1"/>
+          </p:cNvPicPr>
+          <p:nvPr/>
+        </p:nvPicPr>
+        <p:blipFill>
+          <a:blip r:embed="rId2"/>
+          <a:stretch>
+            <a:fillRect/>
+          </a:stretch>
+        </p:blipFill>
+        <p:spPr>
+          <a:xfrm>
+            <a:off x="6096000" y="709612"/>
+            <a:ext cx="5316538" cy="2541165"/>
+          </a:xfrm>
+          <a:prstGeom prst="rect">
+            <a:avLst/>
+          </a:prstGeom>
+        </p:spPr>
+      </p:pic>
+    </p:spTree>
+    <p:extLst>
+      <p:ext uri="{BB962C8B-B14F-4D97-AF65-F5344CB8AC3E}">
+        <p14:creationId xmlns:p14="http://schemas.microsoft.com/office/powerpoint/2010/main" val="3322096573"/>
+      </p:ext>
+    </p:extLst>
+  </p:cSld>
+  <p:clrMapOvr>
+    <a:masterClrMapping/>
+  </p:clrMapOvr>
+</p:sld>
+</file>
+
+<file path=ppt/slides/slide16.xml><?xml version="1.0" encoding="utf-8"?>
+<p:sld xmlns:a="http://schemas.openxmlformats.org/drawingml/2006/main" xmlns:r="http://schemas.openxmlformats.org/officeDocument/2006/relationships" xmlns:p="http://schemas.openxmlformats.org/presentationml/2006/main">
+  <p:cSld>
+    <p:spTree>
+      <p:nvGrpSpPr>
+        <p:cNvPr id="1" name=""/>
+        <p:cNvGrpSpPr/>
+        <p:nvPr/>
+      </p:nvGrpSpPr>
+      <p:grpSpPr>
+        <a:xfrm>
+          <a:off x="0" y="0"/>
+          <a:ext cx="0" cy="0"/>
+          <a:chOff x="0" y="0"/>
+          <a:chExt cx="0" cy="0"/>
+        </a:xfrm>
+      </p:grpSpPr>
+      <p:sp>
+        <p:nvSpPr>
+          <p:cNvPr id="2" name="タイトル 1">
+            <a:extLst>
+              <a:ext uri="{FF2B5EF4-FFF2-40B4-BE49-F238E27FC236}">
+                <a16:creationId xmlns:a16="http://schemas.microsoft.com/office/drawing/2014/main" id="{09680989-0C66-9760-130E-572BDA4A102B}"/>
+              </a:ext>
+            </a:extLst>
+          </p:cNvPr>
+          <p:cNvSpPr>
+            <a:spLocks noGrp="1"/>
+          </p:cNvSpPr>
+          <p:nvPr>
+            <p:ph type="title"/>
+          </p:nvPr>
+        </p:nvSpPr>
+        <p:spPr/>
+        <p:txBody>
+          <a:bodyPr/>
+          <a:lstStyle/>
+          <a:p>
+            <a:r>
+              <a:rPr lang="ja-JP" altLang="en-US"/>
+              <a:t>まとめ</a:t>
+            </a:r>
+            <a:endParaRPr kumimoji="1" lang="ja-JP" altLang="en-US"/>
+          </a:p>
+        </p:txBody>
+      </p:sp>
+      <p:sp>
+        <p:nvSpPr>
+          <p:cNvPr id="3" name="コンテンツ プレースホルダー 2">
+            <a:extLst>
+              <a:ext uri="{FF2B5EF4-FFF2-40B4-BE49-F238E27FC236}">
+                <a16:creationId xmlns:a16="http://schemas.microsoft.com/office/drawing/2014/main" id="{3728415E-ADAC-42EF-F5BB-D42386B9B094}"/>
+              </a:ext>
+            </a:extLst>
+          </p:cNvPr>
+          <p:cNvSpPr>
+            <a:spLocks noGrp="1"/>
+          </p:cNvSpPr>
+          <p:nvPr>
+            <p:ph idx="1"/>
+          </p:nvPr>
+        </p:nvSpPr>
+        <p:spPr/>
+        <p:txBody>
+          <a:bodyPr/>
+          <a:lstStyle/>
+          <a:p>
+            <a:pPr marL="0" indent="0">
+              <a:buNone/>
+            </a:pPr>
+            <a:r>
+              <a:rPr kumimoji="1" lang="ja-JP" altLang="en-US"/>
+              <a:t>生成</a:t>
+            </a:r>
+            <a:r>
+              <a:rPr kumimoji="1" lang="en-US" altLang="ja-JP" dirty="0"/>
+              <a:t>AI</a:t>
+            </a:r>
+            <a:r>
+              <a:rPr kumimoji="1" lang="ja-JP" altLang="en-US"/>
+              <a:t>は綺麗なコードを書くのが得意</a:t>
+            </a:r>
+          </a:p>
+        </p:txBody>
+      </p:sp>
+      <p:sp>
+        <p:nvSpPr>
+          <p:cNvPr id="6" name="テキスト ボックス 5">
+            <a:extLst>
+              <a:ext uri="{FF2B5EF4-FFF2-40B4-BE49-F238E27FC236}">
+                <a16:creationId xmlns:a16="http://schemas.microsoft.com/office/drawing/2014/main" id="{BF6E56B1-9216-B2DB-7673-5A8C01367794}"/>
+              </a:ext>
+            </a:extLst>
+          </p:cNvPr>
+          <p:cNvSpPr txBox="1"/>
+          <p:nvPr/>
+        </p:nvSpPr>
+        <p:spPr>
+          <a:xfrm>
+            <a:off x="1303998" y="3903410"/>
+            <a:ext cx="4852610" cy="523220"/>
+          </a:xfrm>
+          <a:prstGeom prst="rect">
+            <a:avLst/>
+          </a:prstGeom>
+          <a:noFill/>
+        </p:spPr>
+        <p:txBody>
+          <a:bodyPr wrap="none" rtlCol="0">
+            <a:spAutoFit/>
+          </a:bodyPr>
+          <a:lstStyle/>
+          <a:p>
+            <a:r>
+              <a:rPr kumimoji="1" lang="ja-JP" altLang="en-US" sz="2800"/>
+              <a:t>複雑なコードを書くのが苦手</a:t>
+            </a:r>
+          </a:p>
+        </p:txBody>
+      </p:sp>
+      <p:sp>
+        <p:nvSpPr>
+          <p:cNvPr id="7" name="テキスト ボックス 6">
+            <a:extLst>
+              <a:ext uri="{FF2B5EF4-FFF2-40B4-BE49-F238E27FC236}">
+                <a16:creationId xmlns:a16="http://schemas.microsoft.com/office/drawing/2014/main" id="{0B37994C-97EC-B586-DD4F-63CF30236F86}"/>
+              </a:ext>
+            </a:extLst>
+          </p:cNvPr>
+          <p:cNvSpPr txBox="1"/>
+          <p:nvPr/>
+        </p:nvSpPr>
+        <p:spPr>
+          <a:xfrm>
+            <a:off x="2610853" y="5234682"/>
+            <a:ext cx="6750566" cy="1077218"/>
+          </a:xfrm>
+          <a:prstGeom prst="rect">
+            <a:avLst/>
+          </a:prstGeom>
+          <a:noFill/>
+        </p:spPr>
+        <p:txBody>
+          <a:bodyPr wrap="none" rtlCol="0">
+            <a:spAutoFit/>
+          </a:bodyPr>
+          <a:lstStyle/>
+          <a:p>
+            <a:r>
+              <a:rPr kumimoji="1" lang="ja-JP" altLang="en-US" sz="3200" b="1"/>
+              <a:t>結果的に中身をあまり変えれなく、</a:t>
+            </a:r>
+            <a:endParaRPr kumimoji="1" lang="en-US" altLang="ja-JP" sz="3200" b="1" dirty="0"/>
+          </a:p>
+          <a:p>
+            <a:r>
+              <a:rPr kumimoji="1" lang="ja-JP" altLang="en-US" sz="3200" b="1"/>
+              <a:t>見た目だけ難読化することができる</a:t>
+            </a:r>
+          </a:p>
+        </p:txBody>
+      </p:sp>
+      <p:sp>
+        <p:nvSpPr>
+          <p:cNvPr id="8" name="屈折矢印 7">
+            <a:extLst>
+              <a:ext uri="{FF2B5EF4-FFF2-40B4-BE49-F238E27FC236}">
+                <a16:creationId xmlns:a16="http://schemas.microsoft.com/office/drawing/2014/main" id="{4016D29C-CE7E-42F3-0CB0-A382BC159490}"/>
+              </a:ext>
+            </a:extLst>
+          </p:cNvPr>
+          <p:cNvSpPr/>
+          <p:nvPr/>
+        </p:nvSpPr>
+        <p:spPr>
+          <a:xfrm rot="5400000">
+            <a:off x="1273342" y="5265339"/>
+            <a:ext cx="749968" cy="688655"/>
+          </a:xfrm>
+          <a:prstGeom prst="bentUpArrow">
+            <a:avLst>
+              <a:gd name="adj1" fmla="val 25000"/>
+              <a:gd name="adj2" fmla="val 31988"/>
+              <a:gd name="adj3" fmla="val 37230"/>
+            </a:avLst>
+          </a:prstGeom>
+          <a:solidFill>
+            <a:srgbClr val="C00000"/>
+          </a:solidFill>
+        </p:spPr>
+        <p:style>
+          <a:lnRef idx="2">
+            <a:schemeClr val="accent1">
+              <a:shade val="15000"/>
+            </a:schemeClr>
+          </a:lnRef>
+          <a:fillRef idx="1">
+            <a:schemeClr val="accent1"/>
+          </a:fillRef>
+          <a:effectRef idx="0">
+            <a:schemeClr val="accent1"/>
+          </a:effectRef>
+          <a:fontRef idx="minor">
+            <a:schemeClr val="lt1"/>
+          </a:fontRef>
+        </p:style>
+        <p:txBody>
+          <a:bodyPr rtlCol="0" anchor="ctr"/>
+          <a:lstStyle/>
+          <a:p>
+            <a:pPr algn="ctr"/>
+            <a:endParaRPr kumimoji="1" lang="ja-JP" altLang="en-US"/>
+          </a:p>
+        </p:txBody>
+      </p:sp>
+      <p:sp>
+        <p:nvSpPr>
+          <p:cNvPr id="9" name="上下矢印 8">
+            <a:extLst>
+              <a:ext uri="{FF2B5EF4-FFF2-40B4-BE49-F238E27FC236}">
+                <a16:creationId xmlns:a16="http://schemas.microsoft.com/office/drawing/2014/main" id="{759B3A95-2137-8C50-AFDA-004E9F3CEF4B}"/>
+              </a:ext>
+            </a:extLst>
+          </p:cNvPr>
+          <p:cNvSpPr/>
+          <p:nvPr/>
+        </p:nvSpPr>
+        <p:spPr>
+          <a:xfrm>
+            <a:off x="3248526" y="2455770"/>
+            <a:ext cx="806116" cy="1279176"/>
+          </a:xfrm>
+          <a:prstGeom prst="upDownArrow">
+            <a:avLst/>
+          </a:prstGeom>
+          <a:solidFill>
+            <a:srgbClr val="FF0000"/>
+          </a:solidFill>
+          <a:ln>
+            <a:noFill/>
+          </a:ln>
+        </p:spPr>
+        <p:style>
+          <a:lnRef idx="2">
+            <a:schemeClr val="accent1">
+              <a:shade val="15000"/>
+            </a:schemeClr>
+          </a:lnRef>
+          <a:fillRef idx="1">
+            <a:schemeClr val="accent1"/>
+          </a:fillRef>
+          <a:effectRef idx="0">
+            <a:schemeClr val="accent1"/>
+          </a:effectRef>
+          <a:fontRef idx="minor">
+            <a:schemeClr val="lt1"/>
+          </a:fontRef>
+        </p:style>
+        <p:txBody>
+          <a:bodyPr rtlCol="0" anchor="ctr"/>
+          <a:lstStyle/>
+          <a:p>
+            <a:pPr algn="ctr"/>
             <a:endParaRPr kumimoji="1" lang="ja-JP" altLang="en-US"/>
           </a:p>
         </p:txBody>
@@ -5039,7 +8857,7 @@
           <p:cNvPr id="2" name="タイトル 1">
             <a:extLst>
               <a:ext uri="{FF2B5EF4-FFF2-40B4-BE49-F238E27FC236}">
-                <a16:creationId xmlns:a16="http://schemas.microsoft.com/office/drawing/2014/main" id="{B3B27711-06CB-96EB-AD41-5D47E48DE1BE}"/>
+                <a16:creationId xmlns:a16="http://schemas.microsoft.com/office/drawing/2014/main" id="{16A4C0D3-56EB-B4DB-3DE5-1247BCDD6CD9}"/>
               </a:ext>
             </a:extLst>
           </p:cNvPr>
@@ -5050,107 +8868,139 @@
             <p:ph type="title"/>
           </p:nvPr>
         </p:nvSpPr>
-        <p:spPr/>
+        <p:spPr>
+          <a:xfrm>
+            <a:off x="838200" y="2589212"/>
+            <a:ext cx="10515600" cy="1325563"/>
+          </a:xfrm>
+        </p:spPr>
         <p:txBody>
-          <a:bodyPr/>
+          <a:bodyPr>
+            <a:normAutofit fontScale="90000"/>
+          </a:bodyPr>
           <a:lstStyle/>
           <a:p>
             <a:r>
               <a:rPr kumimoji="1" lang="ja-JP" altLang="en-US"/>
-              <a:t>研究の背景</a:t>
+              <a:t>難読化とは？</a:t>
+            </a:r>
+            <a:br>
+              <a:rPr kumimoji="1" lang="en-US" altLang="ja-JP" dirty="0"/>
+            </a:br>
+            <a:br>
+              <a:rPr kumimoji="1" lang="en-US" altLang="ja-JP" dirty="0"/>
+            </a:br>
+            <a:br>
+              <a:rPr kumimoji="1" lang="en-US" altLang="ja-JP" dirty="0"/>
+            </a:br>
+            <a:br>
+              <a:rPr kumimoji="1" lang="en-US" altLang="ja-JP" dirty="0"/>
+            </a:br>
+            <a:r>
+              <a:rPr kumimoji="1" lang="ja-JP" altLang="en-US"/>
+              <a:t>なぜ必要か？</a:t>
             </a:r>
           </a:p>
         </p:txBody>
       </p:sp>
-      <p:sp>
-        <p:nvSpPr>
-          <p:cNvPr id="3" name="コンテンツ プレースホルダー 2">
-            <a:extLst>
-              <a:ext uri="{FF2B5EF4-FFF2-40B4-BE49-F238E27FC236}">
-                <a16:creationId xmlns:a16="http://schemas.microsoft.com/office/drawing/2014/main" id="{AEBE7AE0-6AC0-7846-7F76-472C712CB2A7}"/>
-              </a:ext>
-            </a:extLst>
-          </p:cNvPr>
-          <p:cNvSpPr>
-            <a:spLocks noGrp="1"/>
-          </p:cNvSpPr>
-          <p:nvPr>
-            <p:ph idx="1"/>
-          </p:nvPr>
-        </p:nvSpPr>
-        <p:spPr/>
-        <p:txBody>
-          <a:bodyPr/>
-          <a:lstStyle/>
-          <a:p>
-            <a:r>
-              <a:rPr lang="ja-JP" altLang="en-US"/>
-              <a:t>既存の難読化ツールの多くは</a:t>
-            </a:r>
-            <a:br>
-              <a:rPr lang="ja-JP" altLang="en-US"/>
-            </a:br>
-            <a:r>
-              <a:rPr lang="ja-JP" altLang="en-US" b="1"/>
-              <a:t>「難読化後のコードを生成すること」</a:t>
-            </a:r>
-            <a:r>
-              <a:rPr lang="ja-JP" altLang="en-US"/>
-              <a:t>が主目的</a:t>
-            </a:r>
-            <a:endParaRPr lang="en-US" altLang="ja-JP" dirty="0"/>
-          </a:p>
-          <a:p>
-            <a:pPr marL="0" indent="0">
-              <a:buNone/>
-            </a:pPr>
-            <a:endParaRPr lang="ja-JP" altLang="en-US"/>
-          </a:p>
-          <a:p>
-            <a:pPr marL="0" indent="0">
-              <a:buNone/>
-            </a:pPr>
-            <a:r>
-              <a:rPr lang="ja-JP" altLang="en-US"/>
-              <a:t>その結果、</a:t>
-            </a:r>
-          </a:p>
-          <a:p>
-            <a:pPr>
-              <a:buFont typeface="Arial" panose="020B0604020202020204" pitchFamily="34" charset="0"/>
-              <a:buChar char="•"/>
-            </a:pPr>
-            <a:r>
-              <a:rPr lang="ja-JP" altLang="en-US"/>
-              <a:t>どの難読化手法が使われているのか</a:t>
-            </a:r>
-          </a:p>
-          <a:p>
-            <a:pPr>
-              <a:buFont typeface="Arial" panose="020B0604020202020204" pitchFamily="34" charset="0"/>
-              <a:buChar char="•"/>
-            </a:pPr>
-            <a:r>
-              <a:rPr lang="ja-JP" altLang="en-US"/>
-              <a:t>難読化前後でコード構造がどれほど変化したのか</a:t>
-            </a:r>
-            <a:br>
-              <a:rPr lang="ja-JP" altLang="en-US"/>
-            </a:br>
-            <a:r>
-              <a:rPr lang="ja-JP" altLang="en-US"/>
-              <a:t>を ユーザが把握しにくい</a:t>
-            </a:r>
-          </a:p>
-          <a:p>
-            <a:endParaRPr kumimoji="1" lang="ja-JP" altLang="en-US"/>
-          </a:p>
-        </p:txBody>
-      </p:sp>
+      <p:pic>
+        <p:nvPicPr>
+          <p:cNvPr id="3074" name="Picture 2" descr="プログラマ―の無料イラスト | フリーイラスト素材集 ジャパクリップ">
+            <a:extLst>
+              <a:ext uri="{FF2B5EF4-FFF2-40B4-BE49-F238E27FC236}">
+                <a16:creationId xmlns:a16="http://schemas.microsoft.com/office/drawing/2014/main" id="{2C72E6F6-421B-B794-9602-31BE3064909B}"/>
+              </a:ext>
+            </a:extLst>
+          </p:cNvPr>
+          <p:cNvPicPr>
+            <a:picLocks noChangeAspect="1" noChangeArrowheads="1"/>
+          </p:cNvPicPr>
+          <p:nvPr/>
+        </p:nvPicPr>
+        <p:blipFill>
+          <a:blip r:embed="rId2">
+            <a:extLst>
+              <a:ext uri="{28A0092B-C50C-407E-A947-70E740481C1C}">
+                <a14:useLocalDpi xmlns:a14="http://schemas.microsoft.com/office/drawing/2010/main" val="0"/>
+              </a:ext>
+            </a:extLst>
+          </a:blip>
+          <a:srcRect/>
+          <a:stretch>
+            <a:fillRect/>
+          </a:stretch>
+        </p:blipFill>
+        <p:spPr bwMode="auto">
+          <a:xfrm>
+            <a:off x="4938713" y="485775"/>
+            <a:ext cx="3429000" cy="3429000"/>
+          </a:xfrm>
+          <a:prstGeom prst="rect">
+            <a:avLst/>
+          </a:prstGeom>
+          <a:noFill/>
+          <a:extLst>
+            <a:ext uri="{909E8E84-426E-40DD-AFC4-6F175D3DCCD1}">
+              <a14:hiddenFill xmlns:a14="http://schemas.microsoft.com/office/drawing/2010/main">
+                <a:solidFill>
+                  <a:srgbClr val="FFFFFF"/>
+                </a:solidFill>
+              </a14:hiddenFill>
+            </a:ext>
+          </a:extLst>
+        </p:spPr>
+      </p:pic>
+      <p:pic>
+        <p:nvPicPr>
+          <p:cNvPr id="3076" name="Picture 4" descr="小学生・中学生向けのICT教室／ イフキッズプログラミング日暮里">
+            <a:extLst>
+              <a:ext uri="{FF2B5EF4-FFF2-40B4-BE49-F238E27FC236}">
+                <a16:creationId xmlns:a16="http://schemas.microsoft.com/office/drawing/2014/main" id="{63F91FD9-02B5-09EF-F41A-B5C85AB7D8FD}"/>
+              </a:ext>
+            </a:extLst>
+          </p:cNvPr>
+          <p:cNvPicPr>
+            <a:picLocks noChangeAspect="1" noChangeArrowheads="1"/>
+          </p:cNvPicPr>
+          <p:nvPr/>
+        </p:nvPicPr>
+        <p:blipFill>
+          <a:blip r:embed="rId3">
+            <a:extLst>
+              <a:ext uri="{28A0092B-C50C-407E-A947-70E740481C1C}">
+                <a14:useLocalDpi xmlns:a14="http://schemas.microsoft.com/office/drawing/2010/main" val="0"/>
+              </a:ext>
+            </a:extLst>
+          </a:blip>
+          <a:srcRect/>
+          <a:stretch>
+            <a:fillRect/>
+          </a:stretch>
+        </p:blipFill>
+        <p:spPr bwMode="auto">
+          <a:xfrm>
+            <a:off x="8074861" y="3818521"/>
+            <a:ext cx="2556245" cy="2943225"/>
+          </a:xfrm>
+          <a:prstGeom prst="rect">
+            <a:avLst/>
+          </a:prstGeom>
+          <a:noFill/>
+          <a:extLst>
+            <a:ext uri="{909E8E84-426E-40DD-AFC4-6F175D3DCCD1}">
+              <a14:hiddenFill xmlns:a14="http://schemas.microsoft.com/office/drawing/2010/main">
+                <a:solidFill>
+                  <a:srgbClr val="FFFFFF"/>
+                </a:solidFill>
+              </a14:hiddenFill>
+            </a:ext>
+          </a:extLst>
+        </p:spPr>
+      </p:pic>
     </p:spTree>
     <p:extLst>
       <p:ext uri="{BB962C8B-B14F-4D97-AF65-F5344CB8AC3E}">
-        <p14:creationId xmlns:p14="http://schemas.microsoft.com/office/powerpoint/2010/main" val="2418966089"/>
+        <p14:creationId xmlns:p14="http://schemas.microsoft.com/office/powerpoint/2010/main" val="1949509659"/>
       </p:ext>
     </p:extLst>
   </p:cSld>
@@ -5182,7 +9032,7 @@
           <p:cNvPr id="2" name="タイトル 1">
             <a:extLst>
               <a:ext uri="{FF2B5EF4-FFF2-40B4-BE49-F238E27FC236}">
-                <a16:creationId xmlns:a16="http://schemas.microsoft.com/office/drawing/2014/main" id="{CC52A708-E146-C6D8-157A-14EC1CB4A26C}"/>
+                <a16:creationId xmlns:a16="http://schemas.microsoft.com/office/drawing/2014/main" id="{98EF626C-F97E-AD29-AA9D-71E22CB62065}"/>
               </a:ext>
             </a:extLst>
           </p:cNvPr>
@@ -5193,107 +9043,461 @@
             <p:ph type="title"/>
           </p:nvPr>
         </p:nvSpPr>
-        <p:spPr/>
+        <p:spPr>
+          <a:xfrm>
+            <a:off x="838200" y="209826"/>
+            <a:ext cx="10515600" cy="1325563"/>
+          </a:xfrm>
+        </p:spPr>
         <p:txBody>
           <a:bodyPr/>
           <a:lstStyle/>
           <a:p>
             <a:r>
               <a:rPr kumimoji="1" lang="ja-JP" altLang="en-US"/>
-              <a:t>研究の背景</a:t>
+              <a:t>背景</a:t>
             </a:r>
           </a:p>
         </p:txBody>
       </p:sp>
-      <p:sp>
-        <p:nvSpPr>
-          <p:cNvPr id="3" name="コンテンツ プレースホルダー 2">
-            <a:extLst>
-              <a:ext uri="{FF2B5EF4-FFF2-40B4-BE49-F238E27FC236}">
-                <a16:creationId xmlns:a16="http://schemas.microsoft.com/office/drawing/2014/main" id="{D1A7DB45-B67F-C212-A1BE-79A1F08E6506}"/>
-              </a:ext>
-            </a:extLst>
-          </p:cNvPr>
-          <p:cNvSpPr>
-            <a:spLocks noGrp="1"/>
-          </p:cNvSpPr>
+      <p:pic>
+        <p:nvPicPr>
+          <p:cNvPr id="1028" name="Picture 4" descr="プログラミングをする人のイラスト（男性） | かわいいフリー素材集 いらすとや">
+            <a:extLst>
+              <a:ext uri="{FF2B5EF4-FFF2-40B4-BE49-F238E27FC236}">
+                <a16:creationId xmlns:a16="http://schemas.microsoft.com/office/drawing/2014/main" id="{BFDE2CEC-378A-5398-0B70-5A9C57ACED21}"/>
+              </a:ext>
+            </a:extLst>
+          </p:cNvPr>
+          <p:cNvPicPr>
+            <a:picLocks noGrp="1" noChangeAspect="1" noChangeArrowheads="1"/>
+          </p:cNvPicPr>
           <p:nvPr>
             <p:ph idx="1"/>
           </p:nvPr>
-        </p:nvSpPr>
-        <p:spPr/>
+        </p:nvPicPr>
+        <p:blipFill>
+          <a:blip r:embed="rId3">
+            <a:extLst>
+              <a:ext uri="{28A0092B-C50C-407E-A947-70E740481C1C}">
+                <a14:useLocalDpi xmlns:a14="http://schemas.microsoft.com/office/drawing/2010/main" val="0"/>
+              </a:ext>
+            </a:extLst>
+          </a:blip>
+          <a:srcRect/>
+          <a:stretch>
+            <a:fillRect/>
+          </a:stretch>
+        </p:blipFill>
+        <p:spPr bwMode="auto">
+          <a:xfrm>
+            <a:off x="457200" y="1348832"/>
+            <a:ext cx="2707752" cy="2462213"/>
+          </a:xfrm>
+          <a:prstGeom prst="rect">
+            <a:avLst/>
+          </a:prstGeom>
+          <a:noFill/>
+          <a:extLst>
+            <a:ext uri="{909E8E84-426E-40DD-AFC4-6F175D3DCCD1}">
+              <a14:hiddenFill xmlns:a14="http://schemas.microsoft.com/office/drawing/2010/main">
+                <a:solidFill>
+                  <a:srgbClr val="FFFFFF"/>
+                </a:solidFill>
+              </a14:hiddenFill>
+            </a:ext>
+          </a:extLst>
+        </p:spPr>
+      </p:pic>
+      <p:sp>
+        <p:nvSpPr>
+          <p:cNvPr id="5" name="テキスト ボックス 4">
+            <a:extLst>
+              <a:ext uri="{FF2B5EF4-FFF2-40B4-BE49-F238E27FC236}">
+                <a16:creationId xmlns:a16="http://schemas.microsoft.com/office/drawing/2014/main" id="{9FB56476-0B36-91C6-9A03-DC081E5F389E}"/>
+              </a:ext>
+            </a:extLst>
+          </p:cNvPr>
+          <p:cNvSpPr txBox="1"/>
+          <p:nvPr/>
+        </p:nvSpPr>
+        <p:spPr>
+          <a:xfrm>
+            <a:off x="4116104" y="1790400"/>
+            <a:ext cx="5410728" cy="1477328"/>
+          </a:xfrm>
+          <a:prstGeom prst="rect">
+            <a:avLst/>
+          </a:prstGeom>
+          <a:noFill/>
+        </p:spPr>
         <p:txBody>
-          <a:bodyPr/>
+          <a:bodyPr wrap="square" rtlCol="0">
+            <a:spAutoFit/>
+          </a:bodyPr>
           <a:lstStyle/>
           <a:p>
             <a:r>
-              <a:rPr lang="ja-JP" altLang="en-US"/>
-              <a:t>研究・評価の観点では、難読化の </a:t>
-            </a:r>
-            <a:r>
-              <a:rPr lang="ja-JP" altLang="en-US" b="1"/>
-              <a:t>強度</a:t>
-            </a:r>
-            <a:endParaRPr lang="ja-JP" altLang="en-US"/>
-          </a:p>
-          <a:p>
-            <a:pPr>
-              <a:buFont typeface="Arial" panose="020B0604020202020204" pitchFamily="34" charset="0"/>
-              <a:buChar char="•"/>
-            </a:pPr>
-            <a:r>
-              <a:rPr lang="ja-JP" altLang="en-US"/>
-              <a:t>可読性・保守性への </a:t>
-            </a:r>
-            <a:r>
-              <a:rPr lang="ja-JP" altLang="en-US" b="1"/>
-              <a:t>影響</a:t>
-            </a:r>
-            <a:br>
-              <a:rPr lang="ja-JP" altLang="en-US"/>
-            </a:br>
-            <a:r>
-              <a:rPr lang="ja-JP" altLang="en-US"/>
-              <a:t>を </a:t>
-            </a:r>
-            <a:r>
-              <a:rPr lang="ja-JP" altLang="en-US" b="1"/>
-              <a:t>客観的指標で比較することが困難</a:t>
-            </a:r>
-            <a:endParaRPr lang="en-US" altLang="ja-JP" b="1" dirty="0"/>
-          </a:p>
-          <a:p>
-            <a:pPr marL="0" indent="0">
-              <a:buNone/>
-            </a:pPr>
-            <a:endParaRPr lang="ja-JP" altLang="en-US"/>
-          </a:p>
-          <a:p>
-            <a:pPr marL="0" indent="0">
-              <a:buNone/>
-            </a:pPr>
-            <a:r>
-              <a:rPr lang="ja-JP" altLang="en-US"/>
-              <a:t>→ 難読化前後の構造変化を</a:t>
-            </a:r>
-            <a:br>
-              <a:rPr lang="ja-JP" altLang="en-US"/>
-            </a:br>
-            <a:r>
-              <a:rPr lang="ja-JP" altLang="en-US" b="1"/>
-              <a:t>多角的・定量的に評価できる仕組みが必要</a:t>
-            </a:r>
-            <a:endParaRPr lang="ja-JP" altLang="en-US"/>
-          </a:p>
-          <a:p>
+              <a:rPr lang="en-US" altLang="ja-JP" b="1" dirty="0">
+                <a:solidFill>
+                  <a:srgbClr val="000088"/>
+                </a:solidFill>
+                <a:latin typeface="Courier New" panose="02070309020205020404" pitchFamily="49" charset="0"/>
+              </a:rPr>
+              <a:t>public</a:t>
+            </a:r>
+            <a:r>
+              <a:rPr lang="en-US" altLang="ja-JP" b="1" dirty="0">
+                <a:solidFill>
+                  <a:srgbClr val="000000"/>
+                </a:solidFill>
+                <a:latin typeface="Courier New" panose="02070309020205020404" pitchFamily="49" charset="0"/>
+              </a:rPr>
+              <a:t> </a:t>
+            </a:r>
+            <a:r>
+              <a:rPr lang="en-US" altLang="ja-JP" b="1" dirty="0">
+                <a:solidFill>
+                  <a:srgbClr val="000088"/>
+                </a:solidFill>
+                <a:latin typeface="Courier New" panose="02070309020205020404" pitchFamily="49" charset="0"/>
+              </a:rPr>
+              <a:t>class</a:t>
+            </a:r>
+            <a:r>
+              <a:rPr lang="en-US" altLang="ja-JP" b="1" dirty="0">
+                <a:solidFill>
+                  <a:srgbClr val="000000"/>
+                </a:solidFill>
+                <a:latin typeface="Courier New" panose="02070309020205020404" pitchFamily="49" charset="0"/>
+              </a:rPr>
+              <a:t> </a:t>
+            </a:r>
+            <a:r>
+              <a:rPr lang="en-US" altLang="ja-JP" b="1" dirty="0">
+                <a:solidFill>
+                  <a:srgbClr val="660066"/>
+                </a:solidFill>
+                <a:latin typeface="Courier New" panose="02070309020205020404" pitchFamily="49" charset="0"/>
+              </a:rPr>
+              <a:t>HelloWorld</a:t>
+            </a:r>
+            <a:r>
+              <a:rPr lang="en-US" altLang="ja-JP" b="1" dirty="0">
+                <a:solidFill>
+                  <a:srgbClr val="000000"/>
+                </a:solidFill>
+                <a:latin typeface="Courier New" panose="02070309020205020404" pitchFamily="49" charset="0"/>
+              </a:rPr>
+              <a:t>{</a:t>
+            </a:r>
+          </a:p>
+          <a:p>
+            <a:r>
+              <a:rPr lang="en-US" altLang="ja-JP" b="1" dirty="0">
+                <a:solidFill>
+                  <a:srgbClr val="000088"/>
+                </a:solidFill>
+                <a:latin typeface="Courier New" panose="02070309020205020404" pitchFamily="49" charset="0"/>
+              </a:rPr>
+              <a:t>  public void</a:t>
+            </a:r>
+            <a:r>
+              <a:rPr lang="en-US" altLang="ja-JP" b="1" dirty="0">
+                <a:solidFill>
+                  <a:srgbClr val="000000"/>
+                </a:solidFill>
+                <a:latin typeface="Courier New" panose="02070309020205020404" pitchFamily="49" charset="0"/>
+              </a:rPr>
+              <a:t> run(String[] </a:t>
+            </a:r>
+            <a:r>
+              <a:rPr lang="en-US" altLang="ja-JP" b="1" dirty="0" err="1">
+                <a:solidFill>
+                  <a:srgbClr val="000000"/>
+                </a:solidFill>
+                <a:latin typeface="Courier New" panose="02070309020205020404" pitchFamily="49" charset="0"/>
+              </a:rPr>
+              <a:t>args</a:t>
+            </a:r>
+            <a:r>
+              <a:rPr lang="en-US" altLang="ja-JP" b="1" dirty="0">
+                <a:solidFill>
+                  <a:srgbClr val="000000"/>
+                </a:solidFill>
+                <a:latin typeface="Courier New" panose="02070309020205020404" pitchFamily="49" charset="0"/>
+              </a:rPr>
+              <a:t>){</a:t>
+            </a:r>
+          </a:p>
+          <a:p>
+            <a:r>
+              <a:rPr lang="en-US" altLang="ja-JP" b="1" dirty="0">
+                <a:solidFill>
+                  <a:srgbClr val="000000"/>
+                </a:solidFill>
+                <a:latin typeface="Courier New" panose="02070309020205020404" pitchFamily="49" charset="0"/>
+              </a:rPr>
+              <a:t>    </a:t>
+            </a:r>
+            <a:r>
+              <a:rPr lang="en-US" altLang="ja-JP" b="1" dirty="0" err="1">
+                <a:solidFill>
+                  <a:srgbClr val="000000"/>
+                </a:solidFill>
+                <a:latin typeface="Courier New" panose="02070309020205020404" pitchFamily="49" charset="0"/>
+              </a:rPr>
+              <a:t>System.out.println</a:t>
+            </a:r>
+            <a:r>
+              <a:rPr lang="en-US" altLang="ja-JP" b="1" dirty="0">
+                <a:solidFill>
+                  <a:srgbClr val="000000"/>
+                </a:solidFill>
+                <a:latin typeface="Courier New" panose="02070309020205020404" pitchFamily="49" charset="0"/>
+              </a:rPr>
+              <a:t>(</a:t>
+            </a:r>
+            <a:r>
+              <a:rPr lang="en-US" altLang="ja-JP" b="1" dirty="0">
+                <a:solidFill>
+                  <a:srgbClr val="008800"/>
+                </a:solidFill>
+                <a:latin typeface="Courier New" panose="02070309020205020404" pitchFamily="49" charset="0"/>
+              </a:rPr>
+              <a:t>"Hello World"</a:t>
+            </a:r>
+            <a:r>
+              <a:rPr lang="en-US" altLang="ja-JP" b="1" dirty="0">
+                <a:solidFill>
+                  <a:srgbClr val="000000"/>
+                </a:solidFill>
+                <a:latin typeface="Courier New" panose="02070309020205020404" pitchFamily="49" charset="0"/>
+              </a:rPr>
+              <a:t>);</a:t>
+            </a:r>
+          </a:p>
+          <a:p>
+            <a:r>
+              <a:rPr lang="en-US" altLang="ja-JP" b="1" dirty="0">
+                <a:solidFill>
+                  <a:srgbClr val="000000"/>
+                </a:solidFill>
+                <a:latin typeface="Courier New" panose="02070309020205020404" pitchFamily="49" charset="0"/>
+              </a:rPr>
+              <a:t>  }</a:t>
+            </a:r>
+          </a:p>
+          <a:p>
+            <a:r>
+              <a:rPr lang="en-US" altLang="ja-JP" b="1" dirty="0">
+                <a:solidFill>
+                  <a:srgbClr val="000000"/>
+                </a:solidFill>
+                <a:latin typeface="Courier New" panose="02070309020205020404" pitchFamily="49" charset="0"/>
+              </a:rPr>
+              <a:t>}</a:t>
+            </a:r>
+            <a:endParaRPr kumimoji="1" lang="ja-JP" altLang="en-US" b="1">
+              <a:latin typeface="Consolas" panose="020B0609020204030204" pitchFamily="49" charset="0"/>
+              <a:cs typeface="Consolas" panose="020B0609020204030204" pitchFamily="49" charset="0"/>
+            </a:endParaRPr>
+          </a:p>
+        </p:txBody>
+      </p:sp>
+      <p:sp>
+        <p:nvSpPr>
+          <p:cNvPr id="7" name="角丸四角形吹き出し 6">
+            <a:extLst>
+              <a:ext uri="{FF2B5EF4-FFF2-40B4-BE49-F238E27FC236}">
+                <a16:creationId xmlns:a16="http://schemas.microsoft.com/office/drawing/2014/main" id="{618E2B63-EF7B-53BB-048E-87B77F3DB465}"/>
+              </a:ext>
+            </a:extLst>
+          </p:cNvPr>
+          <p:cNvSpPr/>
+          <p:nvPr/>
+        </p:nvSpPr>
+        <p:spPr>
+          <a:xfrm>
+            <a:off x="4049930" y="1591686"/>
+            <a:ext cx="5543076" cy="1765633"/>
+          </a:xfrm>
+          <a:prstGeom prst="wedgeRoundRectCallout">
+            <a:avLst>
+              <a:gd name="adj1" fmla="val -61956"/>
+              <a:gd name="adj2" fmla="val 12145"/>
+              <a:gd name="adj3" fmla="val 16667"/>
+            </a:avLst>
+          </a:prstGeom>
+          <a:noFill/>
+        </p:spPr>
+        <p:style>
+          <a:lnRef idx="2">
+            <a:schemeClr val="accent1">
+              <a:shade val="15000"/>
+            </a:schemeClr>
+          </a:lnRef>
+          <a:fillRef idx="1">
+            <a:schemeClr val="accent1"/>
+          </a:fillRef>
+          <a:effectRef idx="0">
+            <a:schemeClr val="accent1"/>
+          </a:effectRef>
+          <a:fontRef idx="minor">
+            <a:schemeClr val="lt1"/>
+          </a:fontRef>
+        </p:style>
+        <p:txBody>
+          <a:bodyPr rtlCol="0" anchor="ctr"/>
+          <a:lstStyle/>
+          <a:p>
+            <a:pPr algn="ctr"/>
             <a:endParaRPr kumimoji="1" lang="ja-JP" altLang="en-US"/>
+          </a:p>
+        </p:txBody>
+      </p:sp>
+      <p:pic>
+        <p:nvPicPr>
+          <p:cNvPr id="1030" name="Picture 6" descr="ハッカーのイラスト | かわいいフリー素材集 いらすとや">
+            <a:extLst>
+              <a:ext uri="{FF2B5EF4-FFF2-40B4-BE49-F238E27FC236}">
+                <a16:creationId xmlns:a16="http://schemas.microsoft.com/office/drawing/2014/main" id="{A1BC6BE5-21E6-4AEF-7598-365396E308F4}"/>
+              </a:ext>
+            </a:extLst>
+          </p:cNvPr>
+          <p:cNvPicPr>
+            <a:picLocks noChangeAspect="1" noChangeArrowheads="1"/>
+          </p:cNvPicPr>
+          <p:nvPr/>
+        </p:nvPicPr>
+        <p:blipFill>
+          <a:blip r:embed="rId4">
+            <a:extLst>
+              <a:ext uri="{28A0092B-C50C-407E-A947-70E740481C1C}">
+                <a14:useLocalDpi xmlns:a14="http://schemas.microsoft.com/office/drawing/2010/main" val="0"/>
+              </a:ext>
+            </a:extLst>
+          </a:blip>
+          <a:srcRect/>
+          <a:stretch>
+            <a:fillRect/>
+          </a:stretch>
+        </p:blipFill>
+        <p:spPr bwMode="auto">
+          <a:xfrm>
+            <a:off x="9526832" y="2312613"/>
+            <a:ext cx="2707752" cy="2707752"/>
+          </a:xfrm>
+          <a:prstGeom prst="rect">
+            <a:avLst/>
+          </a:prstGeom>
+          <a:noFill/>
+          <a:extLst>
+            <a:ext uri="{909E8E84-426E-40DD-AFC4-6F175D3DCCD1}">
+              <a14:hiddenFill xmlns:a14="http://schemas.microsoft.com/office/drawing/2010/main">
+                <a:solidFill>
+                  <a:srgbClr val="FFFFFF"/>
+                </a:solidFill>
+              </a14:hiddenFill>
+            </a:ext>
+          </a:extLst>
+        </p:spPr>
+      </p:pic>
+      <p:sp>
+        <p:nvSpPr>
+          <p:cNvPr id="9" name="角丸四角形吹き出し 8">
+            <a:extLst>
+              <a:ext uri="{FF2B5EF4-FFF2-40B4-BE49-F238E27FC236}">
+                <a16:creationId xmlns:a16="http://schemas.microsoft.com/office/drawing/2014/main" id="{9E7A762A-AA1F-BC52-8603-535811F60E6C}"/>
+              </a:ext>
+            </a:extLst>
+          </p:cNvPr>
+          <p:cNvSpPr/>
+          <p:nvPr/>
+        </p:nvSpPr>
+        <p:spPr>
+          <a:xfrm>
+            <a:off x="6104023" y="3666489"/>
+            <a:ext cx="2923027" cy="1155031"/>
+          </a:xfrm>
+          <a:prstGeom prst="wedgeRoundRectCallout">
+            <a:avLst>
+              <a:gd name="adj1" fmla="val 67949"/>
+              <a:gd name="adj2" fmla="val 4167"/>
+              <a:gd name="adj3" fmla="val 16667"/>
+            </a:avLst>
+          </a:prstGeom>
+          <a:noFill/>
+        </p:spPr>
+        <p:style>
+          <a:lnRef idx="2">
+            <a:schemeClr val="accent1">
+              <a:shade val="15000"/>
+            </a:schemeClr>
+          </a:lnRef>
+          <a:fillRef idx="1">
+            <a:schemeClr val="accent1"/>
+          </a:fillRef>
+          <a:effectRef idx="0">
+            <a:schemeClr val="accent1"/>
+          </a:effectRef>
+          <a:fontRef idx="minor">
+            <a:schemeClr val="lt1"/>
+          </a:fontRef>
+        </p:style>
+        <p:txBody>
+          <a:bodyPr rtlCol="0" anchor="ctr"/>
+          <a:lstStyle/>
+          <a:p>
+            <a:pPr algn="ctr"/>
+            <a:endParaRPr kumimoji="1" lang="ja-JP" altLang="en-US"/>
+          </a:p>
+        </p:txBody>
+      </p:sp>
+      <p:sp>
+        <p:nvSpPr>
+          <p:cNvPr id="10" name="テキスト ボックス 9">
+            <a:extLst>
+              <a:ext uri="{FF2B5EF4-FFF2-40B4-BE49-F238E27FC236}">
+                <a16:creationId xmlns:a16="http://schemas.microsoft.com/office/drawing/2014/main" id="{B546D3EA-384C-7BF5-31F7-E818002FE8F9}"/>
+              </a:ext>
+            </a:extLst>
+          </p:cNvPr>
+          <p:cNvSpPr txBox="1"/>
+          <p:nvPr/>
+        </p:nvSpPr>
+        <p:spPr>
+          <a:xfrm>
+            <a:off x="6209235" y="4033710"/>
+            <a:ext cx="2712602" cy="461665"/>
+          </a:xfrm>
+          <a:prstGeom prst="rect">
+            <a:avLst/>
+          </a:prstGeom>
+          <a:noFill/>
+        </p:spPr>
+        <p:txBody>
+          <a:bodyPr wrap="none" rtlCol="0">
+            <a:spAutoFit/>
+          </a:bodyPr>
+          <a:lstStyle/>
+          <a:p>
+            <a:r>
+              <a:rPr kumimoji="1" lang="en-US" altLang="ja-JP" sz="2400" dirty="0"/>
+              <a:t>“Hello World”</a:t>
+            </a:r>
+            <a:r>
+              <a:rPr lang="ja-JP" altLang="en-US" sz="2400"/>
+              <a:t>だな</a:t>
+            </a:r>
+            <a:endParaRPr kumimoji="1" lang="ja-JP" altLang="en-US" sz="2400"/>
           </a:p>
         </p:txBody>
       </p:sp>
     </p:spTree>
     <p:extLst>
       <p:ext uri="{BB962C8B-B14F-4D97-AF65-F5344CB8AC3E}">
-        <p14:creationId xmlns:p14="http://schemas.microsoft.com/office/powerpoint/2010/main" val="3379374403"/>
+        <p14:creationId xmlns:p14="http://schemas.microsoft.com/office/powerpoint/2010/main" val="1843956583"/>
       </p:ext>
     </p:extLst>
   </p:cSld>
@@ -5325,7 +9529,7 @@
           <p:cNvPr id="2" name="タイトル 1">
             <a:extLst>
               <a:ext uri="{FF2B5EF4-FFF2-40B4-BE49-F238E27FC236}">
-                <a16:creationId xmlns:a16="http://schemas.microsoft.com/office/drawing/2014/main" id="{D17AF3A8-18D0-EC13-69DA-D2C735903202}"/>
+                <a16:creationId xmlns:a16="http://schemas.microsoft.com/office/drawing/2014/main" id="{3594CF9E-EC67-1CC4-E598-85C6F917C67A}"/>
               </a:ext>
             </a:extLst>
           </p:cNvPr>
@@ -5343,73 +9547,544 @@
           <a:p>
             <a:r>
               <a:rPr kumimoji="1" lang="ja-JP" altLang="en-US"/>
-              <a:t>研究の目的</a:t>
+              <a:t>背景</a:t>
             </a:r>
           </a:p>
         </p:txBody>
       </p:sp>
-      <p:sp>
-        <p:nvSpPr>
-          <p:cNvPr id="3" name="コンテンツ プレースホルダー 2">
-            <a:extLst>
-              <a:ext uri="{FF2B5EF4-FFF2-40B4-BE49-F238E27FC236}">
-                <a16:creationId xmlns:a16="http://schemas.microsoft.com/office/drawing/2014/main" id="{ECCB2B13-69BA-1B5D-3D70-0972E05B92E4}"/>
-              </a:ext>
-            </a:extLst>
-          </p:cNvPr>
-          <p:cNvSpPr>
-            <a:spLocks noGrp="1"/>
-          </p:cNvSpPr>
-          <p:nvPr>
-            <p:ph idx="1"/>
-          </p:nvPr>
-        </p:nvSpPr>
-        <p:spPr/>
+      <p:pic>
+        <p:nvPicPr>
+          <p:cNvPr id="4" name="Picture 4" descr="プログラミングをする人のイラスト（男性） | かわいいフリー素材集 いらすとや">
+            <a:extLst>
+              <a:ext uri="{FF2B5EF4-FFF2-40B4-BE49-F238E27FC236}">
+                <a16:creationId xmlns:a16="http://schemas.microsoft.com/office/drawing/2014/main" id="{3A3AFD3B-ECDE-50C8-4B35-EBEDD3EFF94F}"/>
+              </a:ext>
+            </a:extLst>
+          </p:cNvPr>
+          <p:cNvPicPr>
+            <a:picLocks noChangeAspect="1" noChangeArrowheads="1"/>
+          </p:cNvPicPr>
+          <p:nvPr/>
+        </p:nvPicPr>
+        <p:blipFill>
+          <a:blip r:embed="rId2">
+            <a:extLst>
+              <a:ext uri="{28A0092B-C50C-407E-A947-70E740481C1C}">
+                <a14:useLocalDpi xmlns:a14="http://schemas.microsoft.com/office/drawing/2010/main" val="0"/>
+              </a:ext>
+            </a:extLst>
+          </a:blip>
+          <a:srcRect/>
+          <a:stretch>
+            <a:fillRect/>
+          </a:stretch>
+        </p:blipFill>
+        <p:spPr bwMode="auto">
+          <a:xfrm>
+            <a:off x="457200" y="1348832"/>
+            <a:ext cx="2707752" cy="2462213"/>
+          </a:xfrm>
+          <a:prstGeom prst="rect">
+            <a:avLst/>
+          </a:prstGeom>
+          <a:noFill/>
+          <a:extLst>
+            <a:ext uri="{909E8E84-426E-40DD-AFC4-6F175D3DCCD1}">
+              <a14:hiddenFill xmlns:a14="http://schemas.microsoft.com/office/drawing/2010/main">
+                <a:solidFill>
+                  <a:srgbClr val="FFFFFF"/>
+                </a:solidFill>
+              </a14:hiddenFill>
+            </a:ext>
+          </a:extLst>
+        </p:spPr>
+      </p:pic>
+      <p:sp>
+        <p:nvSpPr>
+          <p:cNvPr id="5" name="テキスト ボックス 4">
+            <a:extLst>
+              <a:ext uri="{FF2B5EF4-FFF2-40B4-BE49-F238E27FC236}">
+                <a16:creationId xmlns:a16="http://schemas.microsoft.com/office/drawing/2014/main" id="{30DC9BB4-BC1D-2159-395D-6A085717AB80}"/>
+              </a:ext>
+            </a:extLst>
+          </p:cNvPr>
+          <p:cNvSpPr txBox="1"/>
+          <p:nvPr/>
+        </p:nvSpPr>
+        <p:spPr>
+          <a:xfrm>
+            <a:off x="4471036" y="1296950"/>
+            <a:ext cx="5410728" cy="2031325"/>
+          </a:xfrm>
+          <a:prstGeom prst="rect">
+            <a:avLst/>
+          </a:prstGeom>
+          <a:noFill/>
+        </p:spPr>
         <p:txBody>
-          <a:bodyPr/>
+          <a:bodyPr wrap="square" rtlCol="0">
+            <a:spAutoFit/>
+          </a:bodyPr>
           <a:lstStyle/>
           <a:p>
             <a:r>
-              <a:rPr lang="ja-JP" altLang="en-US"/>
-              <a:t>本研究では、</a:t>
-            </a:r>
-            <a:br>
-              <a:rPr lang="ja-JP" altLang="en-US"/>
-            </a:br>
-            <a:r>
-              <a:rPr lang="en" altLang="ja-JP" b="1" dirty="0"/>
-              <a:t>Python</a:t>
-            </a:r>
-            <a:r>
-              <a:rPr lang="ja-JP" altLang="en-US" b="1"/>
-              <a:t>コードを対象に、難読化前後の構造的変化を定量化・可視化するツールの実装と評価</a:t>
-            </a:r>
-            <a:r>
-              <a:rPr lang="ja-JP" altLang="en-US"/>
-              <a:t>を目的とする。</a:t>
-            </a:r>
-            <a:endParaRPr lang="en-US" altLang="ja-JP" dirty="0"/>
-          </a:p>
-          <a:p>
-            <a:r>
-              <a:rPr kumimoji="1" lang="ja-JP" altLang="en-US"/>
-              <a:t>また、生成</a:t>
-            </a:r>
-            <a:r>
-              <a:rPr kumimoji="1" lang="en-US" altLang="ja-JP" dirty="0"/>
-              <a:t>AI</a:t>
-            </a:r>
-            <a:r>
-              <a:rPr kumimoji="1" lang="ja-JP" altLang="en-US"/>
-              <a:t>がどれくらい難読化できるかを評価する。</a:t>
-            </a:r>
+              <a:rPr lang="en-US" altLang="ja-JP" b="1" dirty="0">
+                <a:solidFill>
+                  <a:srgbClr val="000088"/>
+                </a:solidFill>
+                <a:latin typeface="Courier New" panose="02070309020205020404" pitchFamily="49" charset="0"/>
+              </a:rPr>
+              <a:t>public class </a:t>
+            </a:r>
+            <a:r>
+              <a:rPr lang="en-US" altLang="ja-JP" b="1" dirty="0">
+                <a:solidFill>
+                  <a:srgbClr val="7030A0"/>
+                </a:solidFill>
+                <a:latin typeface="Courier New" panose="02070309020205020404" pitchFamily="49" charset="0"/>
+              </a:rPr>
+              <a:t>A</a:t>
+            </a:r>
+            <a:r>
+              <a:rPr lang="en-US" altLang="ja-JP" b="1" dirty="0">
+                <a:solidFill>
+                  <a:srgbClr val="000088"/>
+                </a:solidFill>
+                <a:latin typeface="Courier New" panose="02070309020205020404" pitchFamily="49" charset="0"/>
+              </a:rPr>
+              <a:t> </a:t>
+            </a:r>
+            <a:r>
+              <a:rPr lang="en-US" altLang="ja-JP" b="1" dirty="0">
+                <a:latin typeface="Courier New" panose="02070309020205020404" pitchFamily="49" charset="0"/>
+              </a:rPr>
+              <a:t>{</a:t>
+            </a:r>
+          </a:p>
+          <a:p>
+            <a:r>
+              <a:rPr lang="en-US" altLang="ja-JP" b="1" dirty="0">
+                <a:solidFill>
+                  <a:srgbClr val="000088"/>
+                </a:solidFill>
+                <a:latin typeface="Courier New" panose="02070309020205020404" pitchFamily="49" charset="0"/>
+              </a:rPr>
+              <a:t>  public void </a:t>
+            </a:r>
+            <a:r>
+              <a:rPr lang="en-US" altLang="ja-JP" b="1" dirty="0">
+                <a:solidFill>
+                  <a:srgbClr val="7030A0"/>
+                </a:solidFill>
+                <a:latin typeface="Courier New" panose="02070309020205020404" pitchFamily="49" charset="0"/>
+              </a:rPr>
+              <a:t>a</a:t>
+            </a:r>
+            <a:r>
+              <a:rPr lang="en-US" altLang="ja-JP" b="1" dirty="0">
+                <a:latin typeface="Courier New" panose="02070309020205020404" pitchFamily="49" charset="0"/>
+              </a:rPr>
+              <a:t>(String[] b){</a:t>
+            </a:r>
+          </a:p>
+          <a:p>
+            <a:r>
+              <a:rPr lang="en-US" altLang="ja-JP" b="1" dirty="0">
+                <a:solidFill>
+                  <a:srgbClr val="000088"/>
+                </a:solidFill>
+                <a:latin typeface="Courier New" panose="02070309020205020404" pitchFamily="49" charset="0"/>
+              </a:rPr>
+              <a:t>    String c = </a:t>
+            </a:r>
+            <a:r>
+              <a:rPr lang="en-US" altLang="ja-JP" b="1" dirty="0">
+                <a:solidFill>
+                  <a:schemeClr val="accent6">
+                    <a:lumMod val="75000"/>
+                  </a:schemeClr>
+                </a:solidFill>
+                <a:latin typeface="Courier New" panose="02070309020205020404" pitchFamily="49" charset="0"/>
+              </a:rPr>
+              <a:t>"Hello" </a:t>
+            </a:r>
+            <a:r>
+              <a:rPr lang="en-US" altLang="ja-JP" b="1" dirty="0">
+                <a:solidFill>
+                  <a:srgbClr val="000088"/>
+                </a:solidFill>
+                <a:latin typeface="Courier New" panose="02070309020205020404" pitchFamily="49" charset="0"/>
+              </a:rPr>
+              <a:t>+ </a:t>
+            </a:r>
+            <a:r>
+              <a:rPr lang="en-US" altLang="ja-JP" b="1" dirty="0">
+                <a:solidFill>
+                  <a:schemeClr val="accent6">
+                    <a:lumMod val="75000"/>
+                  </a:schemeClr>
+                </a:solidFill>
+                <a:latin typeface="Courier New" panose="02070309020205020404" pitchFamily="49" charset="0"/>
+              </a:rPr>
+              <a:t>" "</a:t>
+            </a:r>
+            <a:r>
+              <a:rPr lang="en-US" altLang="ja-JP" b="1" dirty="0">
+                <a:solidFill>
+                  <a:srgbClr val="000088"/>
+                </a:solidFill>
+                <a:latin typeface="Courier New" panose="02070309020205020404" pitchFamily="49" charset="0"/>
+              </a:rPr>
+              <a:t> + </a:t>
+            </a:r>
+            <a:r>
+              <a:rPr lang="en-US" altLang="ja-JP" b="1" dirty="0">
+                <a:solidFill>
+                  <a:schemeClr val="accent6">
+                    <a:lumMod val="75000"/>
+                  </a:schemeClr>
+                </a:solidFill>
+                <a:latin typeface="Courier New" panose="02070309020205020404" pitchFamily="49" charset="0"/>
+              </a:rPr>
+              <a:t>"World"</a:t>
+            </a:r>
+            <a:r>
+              <a:rPr lang="en-US" altLang="ja-JP" b="1" dirty="0">
+                <a:solidFill>
+                  <a:srgbClr val="000088"/>
+                </a:solidFill>
+                <a:latin typeface="Courier New" panose="02070309020205020404" pitchFamily="49" charset="0"/>
+              </a:rPr>
+              <a:t>;</a:t>
+            </a:r>
+          </a:p>
+          <a:p>
+            <a:r>
+              <a:rPr lang="en-US" altLang="ja-JP" b="1" dirty="0">
+                <a:solidFill>
+                  <a:srgbClr val="000088"/>
+                </a:solidFill>
+                <a:latin typeface="Courier New" panose="02070309020205020404" pitchFamily="49" charset="0"/>
+              </a:rPr>
+              <a:t>    </a:t>
+            </a:r>
+            <a:r>
+              <a:rPr lang="en-US" altLang="ja-JP" b="1" dirty="0" err="1">
+                <a:solidFill>
+                  <a:srgbClr val="000088"/>
+                </a:solidFill>
+                <a:latin typeface="Courier New" panose="02070309020205020404" pitchFamily="49" charset="0"/>
+              </a:rPr>
+              <a:t>System.out.println</a:t>
+            </a:r>
+            <a:r>
+              <a:rPr lang="en-US" altLang="ja-JP" b="1" dirty="0">
+                <a:solidFill>
+                  <a:srgbClr val="000088"/>
+                </a:solidFill>
+                <a:latin typeface="Courier New" panose="02070309020205020404" pitchFamily="49" charset="0"/>
+              </a:rPr>
+              <a:t>(c);</a:t>
+            </a:r>
+          </a:p>
+          <a:p>
+            <a:r>
+              <a:rPr lang="en-US" altLang="ja-JP" b="1" dirty="0">
+                <a:solidFill>
+                  <a:srgbClr val="000088"/>
+                </a:solidFill>
+                <a:latin typeface="Courier New" panose="02070309020205020404" pitchFamily="49" charset="0"/>
+              </a:rPr>
+              <a:t>  }</a:t>
+            </a:r>
+          </a:p>
+          <a:p>
+            <a:r>
+              <a:rPr lang="en-US" altLang="ja-JP" b="1" dirty="0">
+                <a:solidFill>
+                  <a:srgbClr val="000088"/>
+                </a:solidFill>
+                <a:latin typeface="Courier New" panose="02070309020205020404" pitchFamily="49" charset="0"/>
+              </a:rPr>
+              <a:t>}</a:t>
+            </a:r>
+          </a:p>
+        </p:txBody>
+      </p:sp>
+      <p:sp>
+        <p:nvSpPr>
+          <p:cNvPr id="6" name="角丸四角形吹き出し 5">
+            <a:extLst>
+              <a:ext uri="{FF2B5EF4-FFF2-40B4-BE49-F238E27FC236}">
+                <a16:creationId xmlns:a16="http://schemas.microsoft.com/office/drawing/2014/main" id="{9457FD83-9A7E-1E52-2762-4A2AE7EE6052}"/>
+              </a:ext>
+            </a:extLst>
+          </p:cNvPr>
+          <p:cNvSpPr/>
+          <p:nvPr/>
+        </p:nvSpPr>
+        <p:spPr>
+          <a:xfrm>
+            <a:off x="4049929" y="1205008"/>
+            <a:ext cx="5831835" cy="2152312"/>
+          </a:xfrm>
+          <a:prstGeom prst="wedgeRoundRectCallout">
+            <a:avLst>
+              <a:gd name="adj1" fmla="val -62368"/>
+              <a:gd name="adj2" fmla="val 15499"/>
+              <a:gd name="adj3" fmla="val 16667"/>
+            </a:avLst>
+          </a:prstGeom>
+          <a:noFill/>
+        </p:spPr>
+        <p:style>
+          <a:lnRef idx="2">
+            <a:schemeClr val="accent1">
+              <a:shade val="15000"/>
+            </a:schemeClr>
+          </a:lnRef>
+          <a:fillRef idx="1">
+            <a:schemeClr val="accent1"/>
+          </a:fillRef>
+          <a:effectRef idx="0">
+            <a:schemeClr val="accent1"/>
+          </a:effectRef>
+          <a:fontRef idx="minor">
+            <a:schemeClr val="lt1"/>
+          </a:fontRef>
+        </p:style>
+        <p:txBody>
+          <a:bodyPr rtlCol="0" anchor="ctr"/>
+          <a:lstStyle/>
+          <a:p>
+            <a:pPr algn="ctr"/>
+            <a:endParaRPr kumimoji="1" lang="ja-JP" altLang="en-US"/>
+          </a:p>
+        </p:txBody>
+      </p:sp>
+      <p:sp>
+        <p:nvSpPr>
+          <p:cNvPr id="8" name="角丸四角形吹き出し 7">
+            <a:extLst>
+              <a:ext uri="{FF2B5EF4-FFF2-40B4-BE49-F238E27FC236}">
+                <a16:creationId xmlns:a16="http://schemas.microsoft.com/office/drawing/2014/main" id="{B95BCC38-C891-0D86-9BF3-5E609D16759C}"/>
+              </a:ext>
+            </a:extLst>
+          </p:cNvPr>
+          <p:cNvSpPr/>
+          <p:nvPr/>
+        </p:nvSpPr>
+        <p:spPr>
+          <a:xfrm>
+            <a:off x="6104023" y="3666489"/>
+            <a:ext cx="2923027" cy="1155031"/>
+          </a:xfrm>
+          <a:prstGeom prst="wedgeRoundRectCallout">
+            <a:avLst>
+              <a:gd name="adj1" fmla="val 67949"/>
+              <a:gd name="adj2" fmla="val 4167"/>
+              <a:gd name="adj3" fmla="val 16667"/>
+            </a:avLst>
+          </a:prstGeom>
+          <a:noFill/>
+        </p:spPr>
+        <p:style>
+          <a:lnRef idx="2">
+            <a:schemeClr val="accent1">
+              <a:shade val="15000"/>
+            </a:schemeClr>
+          </a:lnRef>
+          <a:fillRef idx="1">
+            <a:schemeClr val="accent1"/>
+          </a:fillRef>
+          <a:effectRef idx="0">
+            <a:schemeClr val="accent1"/>
+          </a:effectRef>
+          <a:fontRef idx="minor">
+            <a:schemeClr val="lt1"/>
+          </a:fontRef>
+        </p:style>
+        <p:txBody>
+          <a:bodyPr rtlCol="0" anchor="ctr"/>
+          <a:lstStyle/>
+          <a:p>
+            <a:pPr algn="ctr"/>
+            <a:endParaRPr kumimoji="1" lang="ja-JP" altLang="en-US"/>
+          </a:p>
+        </p:txBody>
+      </p:sp>
+      <p:sp>
+        <p:nvSpPr>
+          <p:cNvPr id="9" name="テキスト ボックス 8">
+            <a:extLst>
+              <a:ext uri="{FF2B5EF4-FFF2-40B4-BE49-F238E27FC236}">
+                <a16:creationId xmlns:a16="http://schemas.microsoft.com/office/drawing/2014/main" id="{A9674B2C-18BA-9134-CEB3-A81812F745D2}"/>
+              </a:ext>
+            </a:extLst>
+          </p:cNvPr>
+          <p:cNvSpPr txBox="1"/>
+          <p:nvPr/>
+        </p:nvSpPr>
+        <p:spPr>
+          <a:xfrm>
+            <a:off x="6488456" y="4013171"/>
+            <a:ext cx="2339102" cy="461665"/>
+          </a:xfrm>
+          <a:prstGeom prst="rect">
+            <a:avLst/>
+          </a:prstGeom>
+          <a:noFill/>
+        </p:spPr>
+        <p:txBody>
+          <a:bodyPr wrap="none" rtlCol="0">
+            <a:spAutoFit/>
+          </a:bodyPr>
+          <a:lstStyle/>
+          <a:p>
+            <a:r>
+              <a:rPr lang="ja-JP" altLang="en-US" sz="2400"/>
+              <a:t>わからない、、</a:t>
+            </a:r>
+            <a:endParaRPr kumimoji="1" lang="ja-JP" altLang="en-US" sz="2400"/>
+          </a:p>
+        </p:txBody>
+      </p:sp>
+      <p:pic>
+        <p:nvPicPr>
+          <p:cNvPr id="2050" name="Picture 2" descr="いろいろな表情のハッカーのイラスト（喜怒哀楽） | かわいいフリー素材集 いらすとや">
+            <a:extLst>
+              <a:ext uri="{FF2B5EF4-FFF2-40B4-BE49-F238E27FC236}">
+                <a16:creationId xmlns:a16="http://schemas.microsoft.com/office/drawing/2014/main" id="{49EC58C9-3473-84C0-7E10-D1B9C0E0CA59}"/>
+              </a:ext>
+            </a:extLst>
+          </p:cNvPr>
+          <p:cNvPicPr>
+            <a:picLocks noChangeAspect="1" noChangeArrowheads="1"/>
+          </p:cNvPicPr>
+          <p:nvPr/>
+        </p:nvPicPr>
+        <p:blipFill>
+          <a:blip r:embed="rId3">
+            <a:extLst>
+              <a:ext uri="{28A0092B-C50C-407E-A947-70E740481C1C}">
+                <a14:useLocalDpi xmlns:a14="http://schemas.microsoft.com/office/drawing/2010/main" val="0"/>
+              </a:ext>
+            </a:extLst>
+          </a:blip>
+          <a:srcRect/>
+          <a:stretch>
+            <a:fillRect/>
+          </a:stretch>
+        </p:blipFill>
+        <p:spPr bwMode="auto">
+          <a:xfrm>
+            <a:off x="9677033" y="2312613"/>
+            <a:ext cx="2057767" cy="2707752"/>
+          </a:xfrm>
+          <a:prstGeom prst="rect">
+            <a:avLst/>
+          </a:prstGeom>
+          <a:noFill/>
+          <a:extLst>
+            <a:ext uri="{909E8E84-426E-40DD-AFC4-6F175D3DCCD1}">
+              <a14:hiddenFill xmlns:a14="http://schemas.microsoft.com/office/drawing/2010/main">
+                <a:solidFill>
+                  <a:srgbClr val="FFFFFF"/>
+                </a:solidFill>
+              </a14:hiddenFill>
+            </a:ext>
+          </a:extLst>
+        </p:spPr>
+      </p:pic>
+      <p:sp>
+        <p:nvSpPr>
+          <p:cNvPr id="10" name="テキスト ボックス 9">
+            <a:extLst>
+              <a:ext uri="{FF2B5EF4-FFF2-40B4-BE49-F238E27FC236}">
+                <a16:creationId xmlns:a16="http://schemas.microsoft.com/office/drawing/2014/main" id="{F68C953C-731D-C2F9-42D8-99CACDE2363C}"/>
+              </a:ext>
+            </a:extLst>
+          </p:cNvPr>
+          <p:cNvSpPr txBox="1"/>
+          <p:nvPr/>
+        </p:nvSpPr>
+        <p:spPr>
+          <a:xfrm>
+            <a:off x="272716" y="4866187"/>
+            <a:ext cx="2298032" cy="800219"/>
+          </a:xfrm>
+          <a:prstGeom prst="rect">
+            <a:avLst/>
+          </a:prstGeom>
+          <a:noFill/>
+        </p:spPr>
+        <p:txBody>
+          <a:bodyPr wrap="square" rtlCol="0">
+            <a:spAutoFit/>
+          </a:bodyPr>
+          <a:lstStyle/>
+          <a:p>
+            <a:r>
+              <a:rPr kumimoji="1" lang="ja-JP" altLang="en-US" sz="2800"/>
+              <a:t>難読化とは</a:t>
+            </a:r>
+            <a:r>
+              <a:rPr lang="en-US" altLang="ja-JP" sz="2800" dirty="0"/>
+              <a:t>...</a:t>
+            </a:r>
+          </a:p>
+          <a:p>
+            <a:endParaRPr kumimoji="1" lang="ja-JP" altLang="en-US"/>
+          </a:p>
+        </p:txBody>
+      </p:sp>
+      <p:sp>
+        <p:nvSpPr>
+          <p:cNvPr id="11" name="テキスト ボックス 10">
+            <a:extLst>
+              <a:ext uri="{FF2B5EF4-FFF2-40B4-BE49-F238E27FC236}">
+                <a16:creationId xmlns:a16="http://schemas.microsoft.com/office/drawing/2014/main" id="{DA524994-66E7-EF10-82D9-AD99D9341F6E}"/>
+              </a:ext>
+            </a:extLst>
+          </p:cNvPr>
+          <p:cNvSpPr txBox="1"/>
+          <p:nvPr/>
+        </p:nvSpPr>
+        <p:spPr>
+          <a:xfrm>
+            <a:off x="676896" y="5542578"/>
+            <a:ext cx="10854253" cy="1077218"/>
+          </a:xfrm>
+          <a:prstGeom prst="rect">
+            <a:avLst/>
+          </a:prstGeom>
+          <a:noFill/>
+        </p:spPr>
+        <p:txBody>
+          <a:bodyPr wrap="none" rtlCol="0">
+            <a:spAutoFit/>
+          </a:bodyPr>
+          <a:lstStyle/>
+          <a:p>
+            <a:r>
+              <a:rPr lang="ja-JP" altLang="en-US" sz="3200" b="1"/>
+              <a:t>「プログラムの機能や動作を保持したまま、ソースコード</a:t>
+            </a:r>
+            <a:endParaRPr lang="en-US" altLang="ja-JP" sz="3200" b="1" dirty="0"/>
+          </a:p>
+          <a:p>
+            <a:r>
+              <a:rPr lang="ja-JP" altLang="en-US" sz="3200" b="1"/>
+              <a:t>の可読性や解析容易性を意図的に低下させる技術」</a:t>
+            </a:r>
+            <a:endParaRPr kumimoji="1" lang="ja-JP" altLang="en-US" sz="3200" b="1"/>
           </a:p>
         </p:txBody>
       </p:sp>
     </p:spTree>
     <p:extLst>
       <p:ext uri="{BB962C8B-B14F-4D97-AF65-F5344CB8AC3E}">
-        <p14:creationId xmlns:p14="http://schemas.microsoft.com/office/powerpoint/2010/main" val="111467293"/>
+        <p14:creationId xmlns:p14="http://schemas.microsoft.com/office/powerpoint/2010/main" val="3751806992"/>
       </p:ext>
     </p:extLst>
   </p:cSld>
@@ -5441,7 +10116,7 @@
           <p:cNvPr id="2" name="タイトル 1">
             <a:extLst>
               <a:ext uri="{FF2B5EF4-FFF2-40B4-BE49-F238E27FC236}">
-                <a16:creationId xmlns:a16="http://schemas.microsoft.com/office/drawing/2014/main" id="{091553AB-9C1A-5ABF-8219-5255CBBB9802}"/>
+                <a16:creationId xmlns:a16="http://schemas.microsoft.com/office/drawing/2014/main" id="{B3B27711-06CB-96EB-AD41-5D47E48DE1BE}"/>
               </a:ext>
             </a:extLst>
           </p:cNvPr>
@@ -5459,7 +10134,7 @@
           <a:p>
             <a:r>
               <a:rPr kumimoji="1" lang="ja-JP" altLang="en-US"/>
-              <a:t>研究の方法</a:t>
+              <a:t>研究の背景</a:t>
             </a:r>
           </a:p>
         </p:txBody>
@@ -5469,7 +10144,7 @@
           <p:cNvPr id="3" name="コンテンツ プレースホルダー 2">
             <a:extLst>
               <a:ext uri="{FF2B5EF4-FFF2-40B4-BE49-F238E27FC236}">
-                <a16:creationId xmlns:a16="http://schemas.microsoft.com/office/drawing/2014/main" id="{5F4A8CAF-85ED-9309-C981-28EC6AB4C367}"/>
+                <a16:creationId xmlns:a16="http://schemas.microsoft.com/office/drawing/2014/main" id="{AEBE7AE0-6AC0-7846-7F76-472C712CB2A7}"/>
               </a:ext>
             </a:extLst>
           </p:cNvPr>
@@ -5485,84 +10160,66 @@
           <a:bodyPr/>
           <a:lstStyle/>
           <a:p>
+            <a:r>
+              <a:rPr lang="ja-JP" altLang="en-US"/>
+              <a:t>既存の難読化ツールの多くは</a:t>
+            </a:r>
+            <a:br>
+              <a:rPr lang="ja-JP" altLang="en-US"/>
+            </a:br>
+            <a:r>
+              <a:rPr lang="ja-JP" altLang="en-US" b="1"/>
+              <a:t>「難読化後のコードを生成すること」</a:t>
+            </a:r>
+            <a:r>
+              <a:rPr lang="ja-JP" altLang="en-US"/>
+              <a:t>が主目的</a:t>
+            </a:r>
+            <a:endParaRPr lang="en-US" altLang="ja-JP" dirty="0"/>
+          </a:p>
+          <a:p>
             <a:pPr marL="0" indent="0">
               <a:buNone/>
             </a:pPr>
-            <a:r>
-              <a:rPr lang="en-US" altLang="ja-JP" b="1" dirty="0">
-                <a:effectLst/>
-                <a:latin typeface="CMR10"/>
-              </a:rPr>
-              <a:t>1. </a:t>
-            </a:r>
-            <a:r>
-              <a:rPr lang="ja-JP" altLang="en-US" b="1">
-                <a:effectLst/>
-                <a:latin typeface="HaranoAjiGothic-Medium-Identity-H"/>
-              </a:rPr>
-              <a:t>特徴量抽出モジュール</a:t>
-            </a:r>
-            <a:br>
-              <a:rPr lang="ja-JP" altLang="en-US" sz="1800">
-                <a:effectLst/>
-                <a:latin typeface="HaranoAjiGothic-Medium-Identity-H"/>
-              </a:rPr>
-            </a:br>
-            <a:r>
-              <a:rPr lang="en" altLang="ja-JP" dirty="0">
-                <a:effectLst/>
-                <a:latin typeface="CMR10"/>
-              </a:rPr>
-              <a:t>Python </a:t>
-            </a:r>
-            <a:r>
-              <a:rPr lang="ja-JP" altLang="en-US">
-                <a:effectLst/>
-                <a:latin typeface="HaranoAjiMincho-Regular-Identity-H"/>
-              </a:rPr>
-              <a:t>の </a:t>
-            </a:r>
-            <a:r>
-              <a:rPr lang="en" altLang="ja-JP" dirty="0">
-                <a:effectLst/>
-                <a:latin typeface="CMR10"/>
-              </a:rPr>
-              <a:t>AST </a:t>
-            </a:r>
-            <a:r>
-              <a:rPr lang="ja-JP" altLang="en-US">
-                <a:effectLst/>
-                <a:latin typeface="HaranoAjiMincho-Regular-Identity-H"/>
-              </a:rPr>
-              <a:t>や </a:t>
-            </a:r>
-            <a:r>
-              <a:rPr lang="en" altLang="ja-JP" dirty="0">
-                <a:effectLst/>
-                <a:latin typeface="CMR10"/>
-              </a:rPr>
-              <a:t>CFG</a:t>
-            </a:r>
-            <a:r>
-              <a:rPr lang="ja-JP" altLang="en">
-                <a:effectLst/>
-                <a:latin typeface="HaranoAjiMincho-Regular-Identity-H"/>
-              </a:rPr>
-              <a:t>、</a:t>
-            </a:r>
-            <a:r>
-              <a:rPr lang="ja-JP" altLang="en-US">
-                <a:effectLst/>
-                <a:latin typeface="HaranoAjiMincho-Regular-Identity-H"/>
-              </a:rPr>
-              <a:t>サイクロマチック複雑度などを計算し、難読化前後のコードからそれぞれ の指標を抽出する。 </a:t>
-            </a:r>
             <a:endParaRPr lang="ja-JP" altLang="en-US"/>
           </a:p>
           <a:p>
             <a:pPr marL="0" indent="0">
               <a:buNone/>
             </a:pPr>
+            <a:r>
+              <a:rPr lang="ja-JP" altLang="en-US"/>
+              <a:t>その結果、</a:t>
+            </a:r>
+          </a:p>
+          <a:p>
+            <a:pPr>
+              <a:buFont typeface="Arial" panose="020B0604020202020204" pitchFamily="34" charset="0"/>
+              <a:buChar char="•"/>
+            </a:pPr>
+            <a:r>
+              <a:rPr lang="ja-JP" altLang="en-US"/>
+              <a:t>どの難読化手法が使われているのか</a:t>
+            </a:r>
+          </a:p>
+          <a:p>
+            <a:pPr>
+              <a:buFont typeface="Arial" panose="020B0604020202020204" pitchFamily="34" charset="0"/>
+              <a:buChar char="•"/>
+            </a:pPr>
+            <a:r>
+              <a:rPr lang="ja-JP" altLang="en-US"/>
+              <a:t>難読化前後でコード構造がどれほど変化したのか</a:t>
+            </a:r>
+            <a:br>
+              <a:rPr lang="ja-JP" altLang="en-US"/>
+            </a:br>
+            <a:r>
+              <a:rPr lang="ja-JP" altLang="en-US"/>
+              <a:t>を ユーザが把握しにくい</a:t>
+            </a:r>
+          </a:p>
+          <a:p>
             <a:endParaRPr kumimoji="1" lang="ja-JP" altLang="en-US"/>
           </a:p>
         </p:txBody>
@@ -5570,7 +10227,7 @@
     </p:spTree>
     <p:extLst>
       <p:ext uri="{BB962C8B-B14F-4D97-AF65-F5344CB8AC3E}">
-        <p14:creationId xmlns:p14="http://schemas.microsoft.com/office/powerpoint/2010/main" val="3587446739"/>
+        <p14:creationId xmlns:p14="http://schemas.microsoft.com/office/powerpoint/2010/main" val="2418966089"/>
       </p:ext>
     </p:extLst>
   </p:cSld>
@@ -5602,7 +10259,7 @@
           <p:cNvPr id="2" name="タイトル 1">
             <a:extLst>
               <a:ext uri="{FF2B5EF4-FFF2-40B4-BE49-F238E27FC236}">
-                <a16:creationId xmlns:a16="http://schemas.microsoft.com/office/drawing/2014/main" id="{56CC52F2-76DC-4D6F-4E50-D30878565211}"/>
+                <a16:creationId xmlns:a16="http://schemas.microsoft.com/office/drawing/2014/main" id="{CC52A708-E146-C6D8-157A-14EC1CB4A26C}"/>
               </a:ext>
             </a:extLst>
           </p:cNvPr>
@@ -5620,7 +10277,7 @@
           <a:p>
             <a:r>
               <a:rPr kumimoji="1" lang="ja-JP" altLang="en-US"/>
-              <a:t>研究の方法</a:t>
+              <a:t>研究の背景</a:t>
             </a:r>
           </a:p>
         </p:txBody>
@@ -5630,7 +10287,7 @@
           <p:cNvPr id="3" name="コンテンツ プレースホルダー 2">
             <a:extLst>
               <a:ext uri="{FF2B5EF4-FFF2-40B4-BE49-F238E27FC236}">
-                <a16:creationId xmlns:a16="http://schemas.microsoft.com/office/drawing/2014/main" id="{2200592F-4ACA-3F7A-4E61-C9543152F508}"/>
+                <a16:creationId xmlns:a16="http://schemas.microsoft.com/office/drawing/2014/main" id="{D1A7DB45-B67F-C212-A1BE-79A1F08E6506}"/>
               </a:ext>
             </a:extLst>
           </p:cNvPr>
@@ -5646,52 +10303,66 @@
           <a:bodyPr/>
           <a:lstStyle/>
           <a:p>
+            <a:r>
+              <a:rPr lang="ja-JP" altLang="en-US"/>
+              <a:t>研究・評価の観点では、難読化の </a:t>
+            </a:r>
+            <a:r>
+              <a:rPr lang="ja-JP" altLang="en-US" b="1"/>
+              <a:t>強度</a:t>
+            </a:r>
+            <a:endParaRPr lang="ja-JP" altLang="en-US"/>
+          </a:p>
+          <a:p>
+            <a:pPr>
+              <a:buFont typeface="Arial" panose="020B0604020202020204" pitchFamily="34" charset="0"/>
+              <a:buChar char="•"/>
+            </a:pPr>
+            <a:r>
+              <a:rPr lang="ja-JP" altLang="en-US"/>
+              <a:t>可読性・保守性への </a:t>
+            </a:r>
+            <a:r>
+              <a:rPr lang="ja-JP" altLang="en-US" b="1"/>
+              <a:t>影響</a:t>
+            </a:r>
+            <a:br>
+              <a:rPr lang="ja-JP" altLang="en-US"/>
+            </a:br>
+            <a:r>
+              <a:rPr lang="ja-JP" altLang="en-US"/>
+              <a:t>を </a:t>
+            </a:r>
+            <a:r>
+              <a:rPr lang="ja-JP" altLang="en-US" b="1"/>
+              <a:t>客観的指標で比較することが困難</a:t>
+            </a:r>
+            <a:endParaRPr lang="en-US" altLang="ja-JP" b="1" dirty="0"/>
+          </a:p>
+          <a:p>
             <a:pPr marL="0" indent="0">
               <a:buNone/>
             </a:pPr>
-            <a:r>
-              <a:rPr lang="en-US" altLang="ja-JP" b="1" dirty="0">
-                <a:effectLst/>
-                <a:latin typeface="CMR10"/>
-              </a:rPr>
-              <a:t>2. </a:t>
-            </a:r>
-            <a:r>
-              <a:rPr lang="ja-JP" altLang="en-US" b="1">
-                <a:effectLst/>
-                <a:latin typeface="HaranoAjiGothic-Medium-Identity-H"/>
-              </a:rPr>
-              <a:t>類似度計算モジュール</a:t>
-            </a:r>
-            <a:r>
-              <a:rPr lang="ja-JP" altLang="en-US">
-                <a:effectLst/>
-                <a:latin typeface="HaranoAjiGothic-Medium-Identity-H"/>
-              </a:rPr>
-              <a:t> </a:t>
-            </a:r>
-            <a:endParaRPr lang="en-US" altLang="ja-JP" dirty="0">
-              <a:effectLst/>
-              <a:latin typeface="HaranoAjiGothic-Medium-Identity-H"/>
-            </a:endParaRPr>
+            <a:endParaRPr lang="ja-JP" altLang="en-US"/>
           </a:p>
           <a:p>
             <a:pPr marL="0" indent="0">
               <a:buNone/>
             </a:pPr>
             <a:r>
-              <a:rPr lang="ja-JP" altLang="en-US">
-                <a:effectLst/>
-                <a:latin typeface="HaranoAjiMincho-Regular-Identity-H"/>
-              </a:rPr>
-              <a:t>抽出した特徴量に対してコサイン類似度や木編集距離に基づく正規化類似度を計算し、表・グラフとし てまとめる。 </a:t>
+              <a:rPr lang="ja-JP" altLang="en-US"/>
+              <a:t>→ 難読化前後の構造変化を</a:t>
+            </a:r>
+            <a:br>
+              <a:rPr lang="ja-JP" altLang="en-US"/>
+            </a:br>
+            <a:r>
+              <a:rPr lang="ja-JP" altLang="en-US" b="1"/>
+              <a:t>多角的・定量的に評価できる仕組みが必要</a:t>
             </a:r>
             <a:endParaRPr lang="ja-JP" altLang="en-US"/>
           </a:p>
           <a:p>
-            <a:pPr marL="0" indent="0">
-              <a:buNone/>
-            </a:pPr>
             <a:endParaRPr kumimoji="1" lang="ja-JP" altLang="en-US"/>
           </a:p>
         </p:txBody>
@@ -5699,7 +10370,7 @@
     </p:spTree>
     <p:extLst>
       <p:ext uri="{BB962C8B-B14F-4D97-AF65-F5344CB8AC3E}">
-        <p14:creationId xmlns:p14="http://schemas.microsoft.com/office/powerpoint/2010/main" val="4134064476"/>
+        <p14:creationId xmlns:p14="http://schemas.microsoft.com/office/powerpoint/2010/main" val="3379374403"/>
       </p:ext>
     </p:extLst>
   </p:cSld>
@@ -5726,12 +10397,106 @@
           <a:chExt cx="0" cy="0"/>
         </a:xfrm>
       </p:grpSpPr>
+      <p:pic>
+        <p:nvPicPr>
+          <p:cNvPr id="4102" name="Picture 6" descr="Google Gemini">
+            <a:extLst>
+              <a:ext uri="{FF2B5EF4-FFF2-40B4-BE49-F238E27FC236}">
+                <a16:creationId xmlns:a16="http://schemas.microsoft.com/office/drawing/2014/main" id="{F79DCEB9-A32C-F362-AEEE-AF601DDFBFF6}"/>
+              </a:ext>
+            </a:extLst>
+          </p:cNvPr>
+          <p:cNvPicPr>
+            <a:picLocks noChangeAspect="1" noChangeArrowheads="1"/>
+          </p:cNvPicPr>
+          <p:nvPr/>
+        </p:nvPicPr>
+        <p:blipFill>
+          <a:blip r:embed="rId2">
+            <a:extLst>
+              <a:ext uri="{28A0092B-C50C-407E-A947-70E740481C1C}">
+                <a14:useLocalDpi xmlns:a14="http://schemas.microsoft.com/office/drawing/2010/main" val="0"/>
+              </a:ext>
+            </a:extLst>
+          </a:blip>
+          <a:srcRect/>
+          <a:stretch>
+            <a:fillRect/>
+          </a:stretch>
+        </p:blipFill>
+        <p:spPr bwMode="auto">
+          <a:xfrm>
+            <a:off x="4854880" y="0"/>
+            <a:ext cx="5334594" cy="2987373"/>
+          </a:xfrm>
+          <a:prstGeom prst="rect">
+            <a:avLst/>
+          </a:prstGeom>
+          <a:noFill/>
+          <a:extLst>
+            <a:ext uri="{909E8E84-426E-40DD-AFC4-6F175D3DCCD1}">
+              <a14:hiddenFill xmlns:a14="http://schemas.microsoft.com/office/drawing/2010/main">
+                <a:solidFill>
+                  <a:srgbClr val="FFFFFF"/>
+                </a:solidFill>
+              </a14:hiddenFill>
+            </a:ext>
+          </a:extLst>
+        </p:spPr>
+      </p:pic>
+      <p:pic>
+        <p:nvPicPr>
+          <p:cNvPr id="4108" name="Picture 12" descr="Microsoft Copilot 概要 - 米国クラウド">
+            <a:extLst>
+              <a:ext uri="{FF2B5EF4-FFF2-40B4-BE49-F238E27FC236}">
+                <a16:creationId xmlns:a16="http://schemas.microsoft.com/office/drawing/2014/main" id="{D4FA5F24-4249-4319-A227-ECCE4E667BE3}"/>
+              </a:ext>
+            </a:extLst>
+          </p:cNvPr>
+          <p:cNvPicPr>
+            <a:picLocks noChangeAspect="1" noChangeArrowheads="1"/>
+          </p:cNvPicPr>
+          <p:nvPr/>
+        </p:nvPicPr>
+        <p:blipFill>
+          <a:blip r:embed="rId3">
+            <a:extLst>
+              <a:ext uri="{28A0092B-C50C-407E-A947-70E740481C1C}">
+                <a14:useLocalDpi xmlns:a14="http://schemas.microsoft.com/office/drawing/2010/main" val="0"/>
+              </a:ext>
+            </a:extLst>
+          </a:blip>
+          <a:srcRect/>
+          <a:stretch>
+            <a:fillRect/>
+          </a:stretch>
+        </p:blipFill>
+        <p:spPr bwMode="auto">
+          <a:xfrm>
+            <a:off x="6632849" y="2322178"/>
+            <a:ext cx="2371344" cy="2490453"/>
+          </a:xfrm>
+          <a:prstGeom prst="rect">
+            <a:avLst/>
+          </a:prstGeom>
+          <a:noFill/>
+          <a:extLst>
+            <a:ext uri="{909E8E84-426E-40DD-AFC4-6F175D3DCCD1}">
+              <a14:hiddenFill xmlns:a14="http://schemas.microsoft.com/office/drawing/2010/main">
+                <a:solidFill>
+                  <a:srgbClr val="FFFFFF"/>
+                </a:solidFill>
+              </a14:hiddenFill>
+            </a:ext>
+          </a:extLst>
+        </p:spPr>
+      </p:pic>
       <p:sp>
         <p:nvSpPr>
           <p:cNvPr id="2" name="タイトル 1">
             <a:extLst>
               <a:ext uri="{FF2B5EF4-FFF2-40B4-BE49-F238E27FC236}">
-                <a16:creationId xmlns:a16="http://schemas.microsoft.com/office/drawing/2014/main" id="{F98B95BF-8B0E-9A12-A473-BDEE7B3146FF}"/>
+                <a16:creationId xmlns:a16="http://schemas.microsoft.com/office/drawing/2014/main" id="{C7291F8C-21A7-E2C1-AA8B-E0926CE81586}"/>
               </a:ext>
             </a:extLst>
           </p:cNvPr>
@@ -5749,7 +10514,7 @@
           <a:p>
             <a:r>
               <a:rPr kumimoji="1" lang="ja-JP" altLang="en-US"/>
-              <a:t>研究の方法</a:t>
+              <a:t>研究の背景</a:t>
             </a:r>
           </a:p>
         </p:txBody>
@@ -5759,7 +10524,7 @@
           <p:cNvPr id="3" name="コンテンツ プレースホルダー 2">
             <a:extLst>
               <a:ext uri="{FF2B5EF4-FFF2-40B4-BE49-F238E27FC236}">
-                <a16:creationId xmlns:a16="http://schemas.microsoft.com/office/drawing/2014/main" id="{D41DF421-E213-CA60-CFD8-16D4A3807108}"/>
+                <a16:creationId xmlns:a16="http://schemas.microsoft.com/office/drawing/2014/main" id="{42774956-AE1F-1543-2361-596AB9B1B0D7}"/>
               </a:ext>
             </a:extLst>
           </p:cNvPr>
@@ -5772,81 +10537,232 @@
         </p:nvSpPr>
         <p:spPr/>
         <p:txBody>
-          <a:bodyPr/>
+          <a:bodyPr>
+            <a:normAutofit/>
+          </a:bodyPr>
           <a:lstStyle/>
           <a:p>
             <a:pPr marL="0" indent="0">
               <a:buNone/>
             </a:pPr>
             <a:r>
-              <a:rPr lang="en-US" altLang="ja-JP" b="1" dirty="0">
-                <a:effectLst/>
-                <a:latin typeface="CMR10"/>
-              </a:rPr>
-              <a:t>3. </a:t>
-            </a:r>
-            <a:r>
-              <a:rPr lang="ja-JP" altLang="en-US" b="1">
-                <a:effectLst/>
-                <a:latin typeface="HaranoAjiGothic-Medium-Identity-H"/>
-              </a:rPr>
-              <a:t>レポート生成モジュール</a:t>
-            </a:r>
-            <a:br>
-              <a:rPr lang="ja-JP" altLang="en-US">
-                <a:effectLst/>
-                <a:latin typeface="HaranoAjiGothic-Medium-Identity-H"/>
-              </a:rPr>
-            </a:br>
-            <a:r>
-              <a:rPr lang="ja-JP" altLang="en-US">
-                <a:effectLst/>
-                <a:latin typeface="HaranoAjiMincho-Regular-Identity-H"/>
-              </a:rPr>
-              <a:t>計算結果と、生成 </a:t>
-            </a:r>
-            <a:r>
-              <a:rPr lang="en" altLang="ja-JP" dirty="0">
-                <a:effectLst/>
-                <a:latin typeface="CMR10"/>
-              </a:rPr>
-              <a:t>AI </a:t>
-            </a:r>
-            <a:r>
-              <a:rPr lang="ja-JP" altLang="en-US">
-                <a:effectLst/>
-                <a:latin typeface="HaranoAjiMincho-Regular-Identity-H"/>
-              </a:rPr>
-              <a:t>による難読化手法の説明文を </a:t>
-            </a:r>
-            <a:r>
-              <a:rPr lang="en" altLang="ja-JP" dirty="0">
-                <a:effectLst/>
-                <a:latin typeface="CMR10"/>
-              </a:rPr>
-              <a:t>HTML </a:t>
-            </a:r>
-            <a:r>
-              <a:rPr lang="ja-JP" altLang="en-US">
-                <a:effectLst/>
-                <a:latin typeface="HaranoAjiMincho-Regular-Identity-H"/>
-              </a:rPr>
-              <a:t>レポートとして出力する。 </a:t>
-            </a:r>
-            <a:endParaRPr lang="ja-JP" altLang="en-US"/>
+              <a:rPr kumimoji="1" lang="ja-JP" altLang="en-US" sz="3200"/>
+              <a:t>生成</a:t>
+            </a:r>
+            <a:r>
+              <a:rPr kumimoji="1" lang="en-US" altLang="ja-JP" sz="3200" dirty="0"/>
+              <a:t>AI</a:t>
+            </a:r>
+            <a:r>
+              <a:rPr kumimoji="1" lang="ja-JP" altLang="en-US" sz="3200"/>
+              <a:t>はコードも作れて、</a:t>
+            </a:r>
+            <a:endParaRPr kumimoji="1" lang="en-US" altLang="ja-JP" sz="3200" dirty="0"/>
           </a:p>
           <a:p>
             <a:pPr marL="0" indent="0">
               <a:buNone/>
             </a:pPr>
+            <a:r>
+              <a:rPr kumimoji="1" lang="ja-JP" altLang="en-US" sz="3200"/>
+              <a:t>その内容を詳しく説明してくれる</a:t>
+            </a:r>
+          </a:p>
+        </p:txBody>
+      </p:sp>
+      <p:sp>
+        <p:nvSpPr>
+          <p:cNvPr id="4" name="下矢印 3">
+            <a:extLst>
+              <a:ext uri="{FF2B5EF4-FFF2-40B4-BE49-F238E27FC236}">
+                <a16:creationId xmlns:a16="http://schemas.microsoft.com/office/drawing/2014/main" id="{DF5BB28B-4465-091A-767E-19C7E2BD4EED}"/>
+              </a:ext>
+            </a:extLst>
+          </p:cNvPr>
+          <p:cNvSpPr/>
+          <p:nvPr/>
+        </p:nvSpPr>
+        <p:spPr>
+          <a:xfrm>
+            <a:off x="3043989" y="3188368"/>
+            <a:ext cx="1239253" cy="1058779"/>
+          </a:xfrm>
+          <a:prstGeom prst="downArrow">
+            <a:avLst/>
+          </a:prstGeom>
+        </p:spPr>
+        <p:style>
+          <a:lnRef idx="2">
+            <a:schemeClr val="accent1">
+              <a:shade val="15000"/>
+            </a:schemeClr>
+          </a:lnRef>
+          <a:fillRef idx="1">
+            <a:schemeClr val="accent1"/>
+          </a:fillRef>
+          <a:effectRef idx="0">
+            <a:schemeClr val="accent1"/>
+          </a:effectRef>
+          <a:fontRef idx="minor">
+            <a:schemeClr val="lt1"/>
+          </a:fontRef>
+        </p:style>
+        <p:txBody>
+          <a:bodyPr rtlCol="0" anchor="ctr"/>
+          <a:lstStyle/>
+          <a:p>
+            <a:pPr algn="ctr"/>
             <a:endParaRPr kumimoji="1" lang="ja-JP" altLang="en-US"/>
           </a:p>
         </p:txBody>
       </p:sp>
+      <p:sp>
+        <p:nvSpPr>
+          <p:cNvPr id="5" name="テキスト ボックス 4">
+            <a:extLst>
+              <a:ext uri="{FF2B5EF4-FFF2-40B4-BE49-F238E27FC236}">
+                <a16:creationId xmlns:a16="http://schemas.microsoft.com/office/drawing/2014/main" id="{345018FF-6341-B64F-2CB4-3C3B822C38C4}"/>
+              </a:ext>
+            </a:extLst>
+          </p:cNvPr>
+          <p:cNvSpPr txBox="1"/>
+          <p:nvPr/>
+        </p:nvSpPr>
+        <p:spPr>
+          <a:xfrm>
+            <a:off x="385011" y="4812631"/>
+            <a:ext cx="8367996" cy="1077218"/>
+          </a:xfrm>
+          <a:prstGeom prst="rect">
+            <a:avLst/>
+          </a:prstGeom>
+          <a:noFill/>
+        </p:spPr>
+        <p:txBody>
+          <a:bodyPr wrap="none" rtlCol="0">
+            <a:spAutoFit/>
+          </a:bodyPr>
+          <a:lstStyle/>
+          <a:p>
+            <a:r>
+              <a:rPr kumimoji="1" lang="ja-JP" altLang="en-US" sz="3200"/>
+              <a:t>生成</a:t>
+            </a:r>
+            <a:r>
+              <a:rPr kumimoji="1" lang="en-US" altLang="ja-JP" sz="3200" dirty="0"/>
+              <a:t>AI</a:t>
+            </a:r>
+            <a:r>
+              <a:rPr kumimoji="1" lang="ja-JP" altLang="en-US" sz="3200"/>
+              <a:t>を使って難読化できるのではないか？</a:t>
+            </a:r>
+          </a:p>
+          <a:p>
+            <a:r>
+              <a:rPr kumimoji="1" lang="ja-JP" altLang="en-US" sz="3200"/>
+              <a:t>また、その内容を詳しく説明できるのか？</a:t>
+            </a:r>
+          </a:p>
+        </p:txBody>
+      </p:sp>
+      <p:pic>
+        <p:nvPicPr>
+          <p:cNvPr id="4100" name="Picture 4" descr="ChatGPT - Wikipedia">
+            <a:extLst>
+              <a:ext uri="{FF2B5EF4-FFF2-40B4-BE49-F238E27FC236}">
+                <a16:creationId xmlns:a16="http://schemas.microsoft.com/office/drawing/2014/main" id="{B4F3E4D6-E585-F9B6-BE49-243CD705708E}"/>
+              </a:ext>
+            </a:extLst>
+          </p:cNvPr>
+          <p:cNvPicPr>
+            <a:picLocks noChangeAspect="1" noChangeArrowheads="1"/>
+          </p:cNvPicPr>
+          <p:nvPr/>
+        </p:nvPicPr>
+        <p:blipFill>
+          <a:blip r:embed="rId4">
+            <a:extLst>
+              <a:ext uri="{28A0092B-C50C-407E-A947-70E740481C1C}">
+                <a14:useLocalDpi xmlns:a14="http://schemas.microsoft.com/office/drawing/2010/main" val="0"/>
+              </a:ext>
+            </a:extLst>
+          </a:blip>
+          <a:srcRect/>
+          <a:stretch>
+            <a:fillRect/>
+          </a:stretch>
+        </p:blipFill>
+        <p:spPr bwMode="auto">
+          <a:xfrm>
+            <a:off x="9417447" y="292621"/>
+            <a:ext cx="1936353" cy="1936353"/>
+          </a:xfrm>
+          <a:prstGeom prst="rect">
+            <a:avLst/>
+          </a:prstGeom>
+          <a:noFill/>
+          <a:extLst>
+            <a:ext uri="{909E8E84-426E-40DD-AFC4-6F175D3DCCD1}">
+              <a14:hiddenFill xmlns:a14="http://schemas.microsoft.com/office/drawing/2010/main">
+                <a:solidFill>
+                  <a:srgbClr val="FFFFFF"/>
+                </a:solidFill>
+              </a14:hiddenFill>
+            </a:ext>
+          </a:extLst>
+        </p:spPr>
+      </p:pic>
+      <p:pic>
+        <p:nvPicPr>
+          <p:cNvPr id="4104" name="Picture 8" descr="Googleの対話型AI「Bard」とは？ 使い方や特徴、Chat GPTとの違いを解説！ | 株式会社PLAN-B">
+            <a:extLst>
+              <a:ext uri="{FF2B5EF4-FFF2-40B4-BE49-F238E27FC236}">
+                <a16:creationId xmlns:a16="http://schemas.microsoft.com/office/drawing/2014/main" id="{2EFDBCEE-C180-4BC8-34B1-E742DBC02027}"/>
+              </a:ext>
+            </a:extLst>
+          </p:cNvPr>
+          <p:cNvPicPr>
+            <a:picLocks noChangeAspect="1" noChangeArrowheads="1"/>
+          </p:cNvPicPr>
+          <p:nvPr/>
+        </p:nvPicPr>
+        <p:blipFill>
+          <a:blip r:embed="rId5">
+            <a:extLst>
+              <a:ext uri="{28A0092B-C50C-407E-A947-70E740481C1C}">
+                <a14:useLocalDpi xmlns:a14="http://schemas.microsoft.com/office/drawing/2010/main" val="0"/>
+              </a:ext>
+            </a:extLst>
+          </a:blip>
+          <a:srcRect/>
+          <a:stretch>
+            <a:fillRect/>
+          </a:stretch>
+        </p:blipFill>
+        <p:spPr bwMode="auto">
+          <a:xfrm>
+            <a:off x="8697876" y="2595241"/>
+            <a:ext cx="2983195" cy="1304760"/>
+          </a:xfrm>
+          <a:prstGeom prst="rect">
+            <a:avLst/>
+          </a:prstGeom>
+          <a:noFill/>
+          <a:extLst>
+            <a:ext uri="{909E8E84-426E-40DD-AFC4-6F175D3DCCD1}">
+              <a14:hiddenFill xmlns:a14="http://schemas.microsoft.com/office/drawing/2010/main">
+                <a:solidFill>
+                  <a:srgbClr val="FFFFFF"/>
+                </a:solidFill>
+              </a14:hiddenFill>
+            </a:ext>
+          </a:extLst>
+        </p:spPr>
+      </p:pic>
     </p:spTree>
     <p:extLst>
       <p:ext uri="{BB962C8B-B14F-4D97-AF65-F5344CB8AC3E}">
-        <p14:creationId xmlns:p14="http://schemas.microsoft.com/office/powerpoint/2010/main" val="3841341083"/>
+        <p14:creationId xmlns:p14="http://schemas.microsoft.com/office/powerpoint/2010/main" val="575235448"/>
       </p:ext>
     </p:extLst>
   </p:cSld>
@@ -5859,6 +10775,14 @@
 <file path=ppt/slides/slide8.xml><?xml version="1.0" encoding="utf-8"?>
 <p:sld xmlns:a="http://schemas.openxmlformats.org/drawingml/2006/main" xmlns:r="http://schemas.openxmlformats.org/officeDocument/2006/relationships" xmlns:p="http://schemas.openxmlformats.org/presentationml/2006/main">
   <p:cSld>
+    <p:bg>
+      <p:bgPr>
+        <a:solidFill>
+          <a:schemeClr val="bg1"/>
+        </a:solidFill>
+        <a:effectLst/>
+      </p:bgPr>
+    </p:bg>
     <p:spTree>
       <p:nvGrpSpPr>
         <p:cNvPr id="1" name=""/>
@@ -5873,12 +10797,354 @@
           <a:chExt cx="0" cy="0"/>
         </a:xfrm>
       </p:grpSpPr>
+      <p:sp useBgFill="1">
+        <p:nvSpPr>
+          <p:cNvPr id="9" name="Rectangle 8">
+            <a:extLst>
+              <a:ext uri="{FF2B5EF4-FFF2-40B4-BE49-F238E27FC236}">
+                <a16:creationId xmlns:a16="http://schemas.microsoft.com/office/drawing/2014/main" id="{56E9B3E6-E277-4D68-BA48-9CB43FFBD6E2}"/>
+              </a:ext>
+              <a:ext uri="{C183D7F6-B498-43B3-948B-1728B52AA6E4}">
+                <adec:decorative xmlns:adec="http://schemas.microsoft.com/office/drawing/2017/decorative" val="1"/>
+              </a:ext>
+            </a:extLst>
+          </p:cNvPr>
+          <p:cNvSpPr>
+            <a:spLocks noGrp="1" noRot="1" noChangeAspect="1" noMove="1" noResize="1" noEditPoints="1" noAdjustHandles="1" noChangeArrowheads="1" noChangeShapeType="1" noTextEdit="1"/>
+          </p:cNvSpPr>
+          <p:nvPr>
+            <p:extLst>
+              <p:ext uri="{386F3935-93C4-4BCD-93E2-E3B085C9AB24}">
+                <p16:designElem xmlns:p16="http://schemas.microsoft.com/office/powerpoint/2015/main" val="1"/>
+              </p:ext>
+            </p:extLst>
+          </p:nvPr>
+        </p:nvSpPr>
+        <p:spPr>
+          <a:xfrm>
+            <a:off x="0" y="0"/>
+            <a:ext cx="12191999" cy="6857365"/>
+          </a:xfrm>
+          <a:prstGeom prst="rect">
+            <a:avLst/>
+          </a:prstGeom>
+          <a:ln>
+            <a:noFill/>
+          </a:ln>
+        </p:spPr>
+        <p:style>
+          <a:lnRef idx="2">
+            <a:schemeClr val="accent1">
+              <a:shade val="50000"/>
+            </a:schemeClr>
+          </a:lnRef>
+          <a:fillRef idx="1">
+            <a:schemeClr val="accent1"/>
+          </a:fillRef>
+          <a:effectRef idx="0">
+            <a:schemeClr val="accent1"/>
+          </a:effectRef>
+          <a:fontRef idx="minor">
+            <a:schemeClr val="lt1"/>
+          </a:fontRef>
+        </p:style>
+        <p:txBody>
+          <a:bodyPr rtlCol="0" anchor="ctr"/>
+          <a:lstStyle/>
+          <a:p>
+            <a:pPr algn="ctr"/>
+            <a:endParaRPr lang="en-US"/>
+          </a:p>
+        </p:txBody>
+      </p:sp>
+      <p:grpSp>
+        <p:nvGrpSpPr>
+          <p:cNvPr id="11" name="Group 10">
+            <a:extLst>
+              <a:ext uri="{FF2B5EF4-FFF2-40B4-BE49-F238E27FC236}">
+                <a16:creationId xmlns:a16="http://schemas.microsoft.com/office/drawing/2014/main" id="{AE1C45F0-260A-458C-96ED-C1F6D2151219}"/>
+              </a:ext>
+              <a:ext uri="{C183D7F6-B498-43B3-948B-1728B52AA6E4}">
+                <adec:decorative xmlns:adec="http://schemas.microsoft.com/office/drawing/2017/decorative" val="1"/>
+              </a:ext>
+            </a:extLst>
+          </p:cNvPr>
+          <p:cNvGrpSpPr>
+            <a:grpSpLocks noGrp="1" noUngrp="1" noRot="1" noChangeAspect="1" noMove="1" noResize="1"/>
+          </p:cNvGrpSpPr>
+          <p:nvPr>
+            <p:extLst>
+              <p:ext uri="{386F3935-93C4-4BCD-93E2-E3B085C9AB24}">
+                <p16:designElem xmlns:p16="http://schemas.microsoft.com/office/powerpoint/2015/main" val="1"/>
+              </p:ext>
+            </p:extLst>
+          </p:nvPr>
+        </p:nvGrpSpPr>
+        <p:grpSpPr>
+          <a:xfrm>
+            <a:off x="4" y="1216597"/>
+            <a:ext cx="731521" cy="673460"/>
+            <a:chOff x="3940602" y="308034"/>
+            <a:chExt cx="2116791" cy="3428999"/>
+          </a:xfrm>
+          <a:solidFill>
+            <a:schemeClr val="accent4"/>
+          </a:solidFill>
+        </p:grpSpPr>
+        <p:sp>
+          <p:nvSpPr>
+            <p:cNvPr id="12" name="Rectangle 11">
+              <a:extLst>
+                <a:ext uri="{FF2B5EF4-FFF2-40B4-BE49-F238E27FC236}">
+                  <a16:creationId xmlns:a16="http://schemas.microsoft.com/office/drawing/2014/main" id="{A6604B49-AD5C-4590-B051-06C8222ECD99}"/>
+                </a:ext>
+                <a:ext uri="{C183D7F6-B498-43B3-948B-1728B52AA6E4}">
+                  <adec:decorative xmlns:adec="http://schemas.microsoft.com/office/drawing/2017/decorative" val="1"/>
+                </a:ext>
+              </a:extLst>
+            </p:cNvPr>
+            <p:cNvSpPr/>
+            <p:nvPr>
+              <p:extLst>
+                <p:ext uri="{386F3935-93C4-4BCD-93E2-E3B085C9AB24}">
+                  <p16:designElem xmlns:p16="http://schemas.microsoft.com/office/powerpoint/2015/main" val="1"/>
+                </p:ext>
+              </p:extLst>
+            </p:nvPr>
+          </p:nvSpPr>
+          <p:spPr>
+            <a:xfrm>
+              <a:off x="3940602" y="308034"/>
+              <a:ext cx="566743" cy="3428999"/>
+            </a:xfrm>
+            <a:prstGeom prst="rect">
+              <a:avLst/>
+            </a:prstGeom>
+            <a:grpFill/>
+            <a:ln>
+              <a:noFill/>
+            </a:ln>
+          </p:spPr>
+          <p:style>
+            <a:lnRef idx="2">
+              <a:schemeClr val="accent1">
+                <a:shade val="50000"/>
+              </a:schemeClr>
+            </a:lnRef>
+            <a:fillRef idx="1">
+              <a:schemeClr val="accent1"/>
+            </a:fillRef>
+            <a:effectRef idx="0">
+              <a:schemeClr val="accent1"/>
+            </a:effectRef>
+            <a:fontRef idx="minor">
+              <a:schemeClr val="lt1"/>
+            </a:fontRef>
+          </p:style>
+          <p:txBody>
+            <a:bodyPr rtlCol="0" anchor="ctr"/>
+            <a:lstStyle/>
+            <a:p>
+              <a:pPr algn="ctr"/>
+              <a:endParaRPr lang="en-US"/>
+            </a:p>
+          </p:txBody>
+        </p:sp>
+        <p:sp>
+          <p:nvSpPr>
+            <p:cNvPr id="13" name="Rectangle 12">
+              <a:extLst>
+                <a:ext uri="{FF2B5EF4-FFF2-40B4-BE49-F238E27FC236}">
+                  <a16:creationId xmlns:a16="http://schemas.microsoft.com/office/drawing/2014/main" id="{743ECCAF-29C5-4537-947C-7EA1292463DB}"/>
+                </a:ext>
+                <a:ext uri="{C183D7F6-B498-43B3-948B-1728B52AA6E4}">
+                  <adec:decorative xmlns:adec="http://schemas.microsoft.com/office/drawing/2017/decorative" val="1"/>
+                </a:ext>
+              </a:extLst>
+            </p:cNvPr>
+            <p:cNvSpPr/>
+            <p:nvPr>
+              <p:extLst>
+                <p:ext uri="{386F3935-93C4-4BCD-93E2-E3B085C9AB24}">
+                  <p16:designElem xmlns:p16="http://schemas.microsoft.com/office/powerpoint/2015/main" val="1"/>
+                </p:ext>
+              </p:extLst>
+            </p:nvPr>
+          </p:nvSpPr>
+          <p:spPr>
+            <a:xfrm>
+              <a:off x="4715626" y="308034"/>
+              <a:ext cx="566743" cy="3428999"/>
+            </a:xfrm>
+            <a:prstGeom prst="rect">
+              <a:avLst/>
+            </a:prstGeom>
+            <a:grpFill/>
+            <a:ln>
+              <a:noFill/>
+            </a:ln>
+          </p:spPr>
+          <p:style>
+            <a:lnRef idx="2">
+              <a:schemeClr val="accent1">
+                <a:shade val="50000"/>
+              </a:schemeClr>
+            </a:lnRef>
+            <a:fillRef idx="1">
+              <a:schemeClr val="accent1"/>
+            </a:fillRef>
+            <a:effectRef idx="0">
+              <a:schemeClr val="accent1"/>
+            </a:effectRef>
+            <a:fontRef idx="minor">
+              <a:schemeClr val="lt1"/>
+            </a:fontRef>
+          </p:style>
+          <p:txBody>
+            <a:bodyPr rtlCol="0" anchor="ctr"/>
+            <a:lstStyle/>
+            <a:p>
+              <a:pPr algn="ctr"/>
+              <a:endParaRPr lang="en-US"/>
+            </a:p>
+          </p:txBody>
+        </p:sp>
+        <p:sp>
+          <p:nvSpPr>
+            <p:cNvPr id="14" name="Rectangle 13">
+              <a:extLst>
+                <a:ext uri="{FF2B5EF4-FFF2-40B4-BE49-F238E27FC236}">
+                  <a16:creationId xmlns:a16="http://schemas.microsoft.com/office/drawing/2014/main" id="{ED49787B-8DE6-4467-AD0A-8DECC6E0C2D6}"/>
+                </a:ext>
+                <a:ext uri="{C183D7F6-B498-43B3-948B-1728B52AA6E4}">
+                  <adec:decorative xmlns:adec="http://schemas.microsoft.com/office/drawing/2017/decorative" val="1"/>
+                </a:ext>
+              </a:extLst>
+            </p:cNvPr>
+            <p:cNvSpPr/>
+            <p:nvPr>
+              <p:extLst>
+                <p:ext uri="{386F3935-93C4-4BCD-93E2-E3B085C9AB24}">
+                  <p16:designElem xmlns:p16="http://schemas.microsoft.com/office/powerpoint/2015/main" val="1"/>
+                </p:ext>
+              </p:extLst>
+            </p:nvPr>
+          </p:nvSpPr>
+          <p:spPr>
+            <a:xfrm>
+              <a:off x="5490650" y="308034"/>
+              <a:ext cx="566743" cy="3428999"/>
+            </a:xfrm>
+            <a:prstGeom prst="rect">
+              <a:avLst/>
+            </a:prstGeom>
+            <a:grpFill/>
+            <a:ln>
+              <a:noFill/>
+            </a:ln>
+          </p:spPr>
+          <p:style>
+            <a:lnRef idx="2">
+              <a:schemeClr val="accent1">
+                <a:shade val="50000"/>
+              </a:schemeClr>
+            </a:lnRef>
+            <a:fillRef idx="1">
+              <a:schemeClr val="accent1"/>
+            </a:fillRef>
+            <a:effectRef idx="0">
+              <a:schemeClr val="accent1"/>
+            </a:effectRef>
+            <a:fontRef idx="minor">
+              <a:schemeClr val="lt1"/>
+            </a:fontRef>
+          </p:style>
+          <p:txBody>
+            <a:bodyPr rtlCol="0" anchor="ctr"/>
+            <a:lstStyle/>
+            <a:p>
+              <a:pPr algn="ctr"/>
+              <a:endParaRPr lang="en-US"/>
+            </a:p>
+          </p:txBody>
+        </p:sp>
+      </p:grpSp>
+      <p:sp>
+        <p:nvSpPr>
+          <p:cNvPr id="16" name="Rectangle 15">
+            <a:extLst>
+              <a:ext uri="{FF2B5EF4-FFF2-40B4-BE49-F238E27FC236}">
+                <a16:creationId xmlns:a16="http://schemas.microsoft.com/office/drawing/2014/main" id="{D5B0017B-2ECA-49AF-B397-DC140825DF8D}"/>
+              </a:ext>
+              <a:ext uri="{C183D7F6-B498-43B3-948B-1728B52AA6E4}">
+                <adec:decorative xmlns:adec="http://schemas.microsoft.com/office/drawing/2017/decorative" val="1"/>
+              </a:ext>
+            </a:extLst>
+          </p:cNvPr>
+          <p:cNvSpPr>
+            <a:spLocks noGrp="1" noRot="1" noChangeAspect="1" noMove="1" noResize="1" noEditPoints="1" noAdjustHandles="1" noChangeArrowheads="1" noChangeShapeType="1" noTextEdit="1"/>
+          </p:cNvSpPr>
+          <p:nvPr>
+            <p:extLst>
+              <p:ext uri="{386F3935-93C4-4BCD-93E2-E3B085C9AB24}">
+                <p16:designElem xmlns:p16="http://schemas.microsoft.com/office/powerpoint/2015/main" val="1"/>
+              </p:ext>
+            </p:extLst>
+          </p:nvPr>
+        </p:nvSpPr>
+        <p:spPr>
+          <a:xfrm>
+            <a:off x="640079" y="613954"/>
+            <a:ext cx="10907487" cy="1894116"/>
+          </a:xfrm>
+          <a:prstGeom prst="rect">
+            <a:avLst/>
+          </a:prstGeom>
+          <a:solidFill>
+            <a:schemeClr val="bg1"/>
+          </a:solidFill>
+          <a:ln>
+            <a:noFill/>
+          </a:ln>
+          <a:effectLst>
+            <a:outerShdw blurRad="139700" dist="127000" dir="5400000" algn="t" rotWithShape="0">
+              <a:prstClr val="black">
+                <a:alpha val="15000"/>
+              </a:prstClr>
+            </a:outerShdw>
+          </a:effectLst>
+        </p:spPr>
+        <p:style>
+          <a:lnRef idx="2">
+            <a:schemeClr val="accent1">
+              <a:shade val="50000"/>
+            </a:schemeClr>
+          </a:lnRef>
+          <a:fillRef idx="1">
+            <a:schemeClr val="accent1"/>
+          </a:fillRef>
+          <a:effectRef idx="0">
+            <a:schemeClr val="accent1"/>
+          </a:effectRef>
+          <a:fontRef idx="minor">
+            <a:schemeClr val="lt1"/>
+          </a:fontRef>
+        </p:style>
+        <p:txBody>
+          <a:bodyPr rtlCol="0" anchor="ctr"/>
+          <a:lstStyle/>
+          <a:p>
+            <a:pPr algn="ctr"/>
+            <a:endParaRPr lang="en-US"/>
+          </a:p>
+        </p:txBody>
+      </p:sp>
       <p:sp>
         <p:nvSpPr>
           <p:cNvPr id="2" name="タイトル 1">
             <a:extLst>
               <a:ext uri="{FF2B5EF4-FFF2-40B4-BE49-F238E27FC236}">
-                <a16:creationId xmlns:a16="http://schemas.microsoft.com/office/drawing/2014/main" id="{030195AB-38E9-C7F6-44E9-7D9D97F56867}"/>
+                <a16:creationId xmlns:a16="http://schemas.microsoft.com/office/drawing/2014/main" id="{D17AF3A8-18D0-EC13-69DA-D2C735903202}"/>
               </a:ext>
             </a:extLst>
           </p:cNvPr>
@@ -5889,155 +11155,112 @@
             <p:ph type="title"/>
           </p:nvPr>
         </p:nvSpPr>
-        <p:spPr/>
+        <p:spPr>
+          <a:xfrm>
+            <a:off x="1043631" y="809898"/>
+            <a:ext cx="10173010" cy="1554480"/>
+          </a:xfrm>
+        </p:spPr>
         <p:txBody>
-          <a:bodyPr/>
+          <a:bodyPr anchor="ctr">
+            <a:normAutofit/>
+          </a:bodyPr>
           <a:lstStyle/>
           <a:p>
             <a:r>
-              <a:rPr kumimoji="1" lang="ja-JP" altLang="en-US"/>
-              <a:t>結果</a:t>
+              <a:rPr kumimoji="1" lang="ja-JP" altLang="en-US" sz="4800"/>
+              <a:t>研究の目的</a:t>
             </a:r>
           </a:p>
         </p:txBody>
       </p:sp>
-      <p:sp>
-        <p:nvSpPr>
-          <p:cNvPr id="3" name="コンテンツ プレースホルダー 2">
-            <a:extLst>
-              <a:ext uri="{FF2B5EF4-FFF2-40B4-BE49-F238E27FC236}">
-                <a16:creationId xmlns:a16="http://schemas.microsoft.com/office/drawing/2014/main" id="{49FA7807-570F-DCEB-6B59-68CE485F1C5F}"/>
-              </a:ext>
-            </a:extLst>
-          </p:cNvPr>
-          <p:cNvSpPr>
-            <a:spLocks noGrp="1"/>
-          </p:cNvSpPr>
+      <p:cxnSp>
+        <p:nvCxnSpPr>
+          <p:cNvPr id="18" name="Straight Connector 17">
+            <a:extLst>
+              <a:ext uri="{FF2B5EF4-FFF2-40B4-BE49-F238E27FC236}">
+                <a16:creationId xmlns:a16="http://schemas.microsoft.com/office/drawing/2014/main" id="{6CF1BAF6-AD41-4082-B212-8A1F9A2E8779}"/>
+              </a:ext>
+              <a:ext uri="{C183D7F6-B498-43B3-948B-1728B52AA6E4}">
+                <adec:decorative xmlns:adec="http://schemas.microsoft.com/office/drawing/2017/decorative" val="1"/>
+              </a:ext>
+            </a:extLst>
+          </p:cNvPr>
+          <p:cNvCxnSpPr>
+            <a:cxnSpLocks noGrp="1" noRot="1" noChangeAspect="1" noMove="1" noResize="1" noEditPoints="1" noAdjustHandles="1" noChangeArrowheads="1" noChangeShapeType="1"/>
+          </p:cNvCxnSpPr>
+          <p:nvPr>
+            <p:extLst>
+              <p:ext uri="{386F3935-93C4-4BCD-93E2-E3B085C9AB24}">
+                <p16:designElem xmlns:p16="http://schemas.microsoft.com/office/powerpoint/2015/main" val="1"/>
+              </p:ext>
+            </p:extLst>
+          </p:nvPr>
+        </p:nvCxnSpPr>
+        <p:spPr>
+          <a:xfrm flipH="1">
+            <a:off x="838200" y="6485313"/>
+            <a:ext cx="10515600" cy="0"/>
+          </a:xfrm>
+          <a:prstGeom prst="line">
+            <a:avLst/>
+          </a:prstGeom>
+          <a:ln w="57150">
+            <a:solidFill>
+              <a:schemeClr val="accent4"/>
+            </a:solidFill>
+          </a:ln>
+        </p:spPr>
+        <p:style>
+          <a:lnRef idx="1">
+            <a:schemeClr val="accent1"/>
+          </a:lnRef>
+          <a:fillRef idx="0">
+            <a:schemeClr val="accent1"/>
+          </a:fillRef>
+          <a:effectRef idx="0">
+            <a:schemeClr val="accent1"/>
+          </a:effectRef>
+          <a:fontRef idx="minor">
+            <a:schemeClr val="tx1"/>
+          </a:fontRef>
+        </p:style>
+      </p:cxnSp>
+      <p:graphicFrame>
+        <p:nvGraphicFramePr>
+          <p:cNvPr id="5" name="コンテンツ プレースホルダー 2">
+            <a:extLst>
+              <a:ext uri="{FF2B5EF4-FFF2-40B4-BE49-F238E27FC236}">
+                <a16:creationId xmlns:a16="http://schemas.microsoft.com/office/drawing/2014/main" id="{55A20E9A-48BD-5D80-6419-30B3CFCE1C1F}"/>
+              </a:ext>
+            </a:extLst>
+          </p:cNvPr>
+          <p:cNvGraphicFramePr>
+            <a:graphicFrameLocks noGrp="1"/>
+          </p:cNvGraphicFramePr>
           <p:nvPr>
             <p:ph idx="1"/>
+            <p:extLst>
+              <p:ext uri="{D42A27DB-BD31-4B8C-83A1-F6EECF244321}">
+                <p14:modId xmlns:p14="http://schemas.microsoft.com/office/powerpoint/2010/main" val="835427387"/>
+              </p:ext>
+            </p:extLst>
           </p:nvPr>
-        </p:nvSpPr>
-        <p:spPr/>
-        <p:txBody>
-          <a:bodyPr/>
-          <a:lstStyle/>
-          <a:p>
-            <a:pPr marL="0" indent="0">
-              <a:buNone/>
-            </a:pPr>
-            <a:r>
-              <a:rPr lang="ja-JP" altLang="en-US" b="1"/>
-              <a:t>使用した評価指標</a:t>
-            </a:r>
-            <a:endParaRPr lang="en-US" altLang="ja-JP" b="1" dirty="0"/>
-          </a:p>
-          <a:p>
-            <a:pPr marL="0" indent="0">
-              <a:buNone/>
-            </a:pPr>
-            <a:endParaRPr lang="ja-JP" altLang="en-US"/>
-          </a:p>
-          <a:p>
-            <a:pPr>
-              <a:buFont typeface="Arial" panose="020B0604020202020204" pitchFamily="34" charset="0"/>
-              <a:buChar char="•"/>
-            </a:pPr>
-            <a:r>
-              <a:rPr lang="en" altLang="ja-JP" b="1" dirty="0"/>
-              <a:t>AST </a:t>
-            </a:r>
-            <a:r>
-              <a:rPr lang="ja-JP" altLang="en-US" b="1"/>
-              <a:t>構造類似度</a:t>
-            </a:r>
-            <a:endParaRPr lang="ja-JP" altLang="en-US"/>
-          </a:p>
-          <a:p>
-            <a:pPr marL="742950" lvl="1" indent="-285750">
-              <a:buFont typeface="Arial" panose="020B0604020202020204" pitchFamily="34" charset="0"/>
-              <a:buChar char="•"/>
-            </a:pPr>
-            <a:r>
-              <a:rPr lang="en" altLang="ja-JP" dirty="0"/>
-              <a:t>AST </a:t>
-            </a:r>
-            <a:r>
-              <a:rPr lang="ja-JP" altLang="en-US"/>
-              <a:t>構造類似度</a:t>
-            </a:r>
-          </a:p>
-          <a:p>
-            <a:pPr marL="742950" lvl="1" indent="-285750">
-              <a:buFont typeface="Arial" panose="020B0604020202020204" pitchFamily="34" charset="0"/>
-              <a:buChar char="•"/>
-            </a:pPr>
-            <a:r>
-              <a:rPr lang="en" altLang="ja-JP" dirty="0"/>
-              <a:t>AST </a:t>
-            </a:r>
-            <a:r>
-              <a:rPr lang="ja-JP" altLang="en-US"/>
-              <a:t>ノード頻度に基づくコサイン類似度</a:t>
-            </a:r>
-          </a:p>
-          <a:p>
-            <a:pPr>
-              <a:buFont typeface="Arial" panose="020B0604020202020204" pitchFamily="34" charset="0"/>
-              <a:buChar char="•"/>
-            </a:pPr>
-            <a:r>
-              <a:rPr lang="en" altLang="ja-JP" b="1" dirty="0"/>
-              <a:t>CFG </a:t>
-            </a:r>
-            <a:r>
-              <a:rPr lang="ja-JP" altLang="en-US" b="1"/>
-              <a:t>類似度</a:t>
-            </a:r>
-            <a:endParaRPr lang="ja-JP" altLang="en-US"/>
-          </a:p>
-          <a:p>
-            <a:pPr marL="742950" lvl="1" indent="-285750">
-              <a:buFont typeface="Arial" panose="020B0604020202020204" pitchFamily="34" charset="0"/>
-              <a:buChar char="•"/>
-            </a:pPr>
-            <a:r>
-              <a:rPr lang="ja-JP" altLang="en-US"/>
-              <a:t>制御フロー構造の類似性を評価</a:t>
-            </a:r>
-          </a:p>
-          <a:p>
-            <a:pPr>
-              <a:buFont typeface="Arial" panose="020B0604020202020204" pitchFamily="34" charset="0"/>
-              <a:buChar char="•"/>
-            </a:pPr>
-            <a:r>
-              <a:rPr lang="ja-JP" altLang="en-US" b="1"/>
-              <a:t>サイクロマチック複雑度</a:t>
-            </a:r>
-            <a:endParaRPr lang="ja-JP" altLang="en-US"/>
-          </a:p>
-          <a:p>
-            <a:pPr marL="742950" lvl="1" indent="-285750">
-              <a:buFont typeface="Arial" panose="020B0604020202020204" pitchFamily="34" charset="0"/>
-              <a:buChar char="•"/>
-            </a:pPr>
-            <a:r>
-              <a:rPr lang="ja-JP" altLang="en-US"/>
-              <a:t>分岐・ループ構造の複雑さを評価</a:t>
-            </a:r>
-          </a:p>
-          <a:p>
-            <a:endParaRPr kumimoji="1" lang="en-US" altLang="ja-JP" dirty="0"/>
-          </a:p>
-          <a:p>
-            <a:endParaRPr kumimoji="1" lang="ja-JP" altLang="en-US"/>
-          </a:p>
-        </p:txBody>
-      </p:sp>
+        </p:nvGraphicFramePr>
+        <p:xfrm>
+          <a:off x="904602" y="3017519"/>
+          <a:ext cx="10378440" cy="3209902"/>
+        </p:xfrm>
+        <a:graphic>
+          <a:graphicData uri="http://schemas.openxmlformats.org/drawingml/2006/diagram">
+            <dgm:relIds xmlns:dgm="http://schemas.openxmlformats.org/drawingml/2006/diagram" xmlns:r="http://schemas.openxmlformats.org/officeDocument/2006/relationships" r:dm="rId2" r:lo="rId3" r:qs="rId4" r:cs="rId5"/>
+          </a:graphicData>
+        </a:graphic>
+      </p:graphicFrame>
     </p:spTree>
     <p:extLst>
       <p:ext uri="{BB962C8B-B14F-4D97-AF65-F5344CB8AC3E}">
-        <p14:creationId xmlns:p14="http://schemas.microsoft.com/office/powerpoint/2010/main" val="3646208561"/>
+        <p14:creationId xmlns:p14="http://schemas.microsoft.com/office/powerpoint/2010/main" val="111467293"/>
       </p:ext>
     </p:extLst>
   </p:cSld>
@@ -6069,7 +11292,7 @@
           <p:cNvPr id="2" name="タイトル 1">
             <a:extLst>
               <a:ext uri="{FF2B5EF4-FFF2-40B4-BE49-F238E27FC236}">
-                <a16:creationId xmlns:a16="http://schemas.microsoft.com/office/drawing/2014/main" id="{948F9406-9E30-75AC-8EC6-B70A7542B8F1}"/>
+                <a16:creationId xmlns:a16="http://schemas.microsoft.com/office/drawing/2014/main" id="{091553AB-9C1A-5ABF-8219-5255CBBB9802}"/>
               </a:ext>
             </a:extLst>
           </p:cNvPr>
@@ -6080,14 +11303,19 @@
             <p:ph type="title"/>
           </p:nvPr>
         </p:nvSpPr>
-        <p:spPr/>
+        <p:spPr>
+          <a:xfrm>
+            <a:off x="838200" y="112462"/>
+            <a:ext cx="10515600" cy="1325563"/>
+          </a:xfrm>
+        </p:spPr>
         <p:txBody>
           <a:bodyPr/>
           <a:lstStyle/>
           <a:p>
             <a:r>
               <a:rPr kumimoji="1" lang="ja-JP" altLang="en-US"/>
-              <a:t>結果</a:t>
+              <a:t>研究の方法</a:t>
             </a:r>
           </a:p>
         </p:txBody>
@@ -6097,7 +11325,7 @@
           <p:cNvPr id="3" name="コンテンツ プレースホルダー 2">
             <a:extLst>
               <a:ext uri="{FF2B5EF4-FFF2-40B4-BE49-F238E27FC236}">
-                <a16:creationId xmlns:a16="http://schemas.microsoft.com/office/drawing/2014/main" id="{3D3787B6-55E2-6829-D65C-0DBCD3C47FFC}"/>
+                <a16:creationId xmlns:a16="http://schemas.microsoft.com/office/drawing/2014/main" id="{5F4A8CAF-85ED-9309-C981-28EC6AB4C367}"/>
               </a:ext>
             </a:extLst>
           </p:cNvPr>
@@ -6108,98 +11336,229 @@
             <p:ph idx="1"/>
           </p:nvPr>
         </p:nvSpPr>
-        <p:spPr/>
+        <p:spPr>
+          <a:xfrm>
+            <a:off x="838200" y="1536867"/>
+            <a:ext cx="10515600" cy="4351338"/>
+          </a:xfrm>
+        </p:spPr>
         <p:txBody>
-          <a:bodyPr/>
+          <a:bodyPr>
+            <a:normAutofit fontScale="92500" lnSpcReduction="20000"/>
+          </a:bodyPr>
           <a:lstStyle/>
+          <a:p>
+            <a:pPr marL="514350" indent="-514350">
+              <a:buAutoNum type="arabicPeriod"/>
+            </a:pPr>
+            <a:r>
+              <a:rPr lang="ja-JP" altLang="en-US" b="1">
+                <a:effectLst/>
+                <a:latin typeface="HaranoAjiGothic-Medium-Identity-H"/>
+              </a:rPr>
+              <a:t>特徴量抽出モジュール</a:t>
+            </a:r>
+            <a:endParaRPr lang="en-US" altLang="ja-JP" b="1" dirty="0">
+              <a:latin typeface="HaranoAjiGothic-Medium-Identity-H"/>
+            </a:endParaRPr>
+          </a:p>
           <a:p>
             <a:pPr marL="0" indent="0">
               <a:buNone/>
             </a:pPr>
             <a:r>
-              <a:rPr lang="en" altLang="ja-JP" b="1" dirty="0"/>
+              <a:rPr lang="en" altLang="ja-JP" dirty="0">
+                <a:effectLst/>
+                <a:latin typeface="CMR10"/>
+              </a:rPr>
+              <a:t>Python </a:t>
+            </a:r>
+            <a:r>
+              <a:rPr lang="ja-JP" altLang="en-US">
+                <a:effectLst/>
+                <a:latin typeface="HaranoAjiMincho-Regular-Identity-H"/>
+              </a:rPr>
+              <a:t>の </a:t>
+            </a:r>
+            <a:r>
+              <a:rPr lang="en" altLang="ja-JP" dirty="0">
+                <a:effectLst/>
+                <a:latin typeface="CMR10"/>
+              </a:rPr>
               <a:t>AST </a:t>
             </a:r>
             <a:r>
-              <a:rPr lang="ja-JP" altLang="en-US" b="1"/>
-              <a:t>構造に基づく評価</a:t>
-            </a:r>
-            <a:endParaRPr lang="en-US" altLang="ja-JP" b="1" dirty="0"/>
+              <a:rPr lang="ja-JP" altLang="en-US">
+                <a:effectLst/>
+                <a:latin typeface="HaranoAjiMincho-Regular-Identity-H"/>
+              </a:rPr>
+              <a:t>や </a:t>
+            </a:r>
+            <a:r>
+              <a:rPr lang="en" altLang="ja-JP" dirty="0">
+                <a:effectLst/>
+                <a:latin typeface="CMR10"/>
+              </a:rPr>
+              <a:t>CFG</a:t>
+            </a:r>
+            <a:r>
+              <a:rPr lang="ja-JP" altLang="en">
+                <a:effectLst/>
+                <a:latin typeface="HaranoAjiMincho-Regular-Identity-H"/>
+              </a:rPr>
+              <a:t>、</a:t>
+            </a:r>
+            <a:r>
+              <a:rPr lang="ja-JP" altLang="en-US">
+                <a:effectLst/>
+                <a:latin typeface="HaranoAjiMincho-Regular-Identity-H"/>
+              </a:rPr>
+              <a:t>サイクロマチック複雑度などを計算し、難読化前後のコードからそれぞれ の指標を抽出する。 </a:t>
+            </a:r>
+            <a:endParaRPr lang="en-US" altLang="ja-JP" dirty="0">
+              <a:effectLst/>
+              <a:latin typeface="HaranoAjiMincho-Regular-Identity-H"/>
+            </a:endParaRPr>
+          </a:p>
+          <a:p>
+            <a:pPr marL="514350" indent="-514350">
+              <a:buAutoNum type="arabicPeriod"/>
+            </a:pPr>
+            <a:endParaRPr lang="en-US" altLang="ja-JP" dirty="0"/>
           </a:p>
           <a:p>
             <a:pPr marL="0" indent="0">
               <a:buNone/>
             </a:pPr>
-            <a:endParaRPr lang="ja-JP" altLang="en-US" b="1"/>
-          </a:p>
-          <a:p>
-            <a:pPr>
-              <a:buFont typeface="Arial" panose="020B0604020202020204" pitchFamily="34" charset="0"/>
-              <a:buChar char="•"/>
-            </a:pPr>
-            <a:r>
-              <a:rPr lang="ja-JP" altLang="en-US"/>
-              <a:t>難読化後のコードは、</a:t>
-            </a:r>
-          </a:p>
-          <a:p>
-            <a:pPr marL="742950" lvl="1" indent="-285750">
-              <a:buFont typeface="Arial" panose="020B0604020202020204" pitchFamily="34" charset="0"/>
-              <a:buChar char="•"/>
-            </a:pPr>
-            <a:r>
-              <a:rPr lang="en" altLang="ja-JP" dirty="0"/>
-              <a:t>AST </a:t>
-            </a:r>
-            <a:r>
-              <a:rPr lang="ja-JP" altLang="en-US"/>
-              <a:t>構造類似度が大きく低下</a:t>
-            </a:r>
-          </a:p>
-          <a:p>
-            <a:pPr marL="742950" lvl="1" indent="-285750">
-              <a:buFont typeface="Arial" panose="020B0604020202020204" pitchFamily="34" charset="0"/>
-              <a:buChar char="•"/>
-            </a:pPr>
-            <a:r>
-              <a:rPr lang="en" altLang="ja-JP" dirty="0"/>
-              <a:t>AST </a:t>
-            </a:r>
-            <a:r>
-              <a:rPr lang="ja-JP" altLang="en-US"/>
-              <a:t>ノード数が増加</a:t>
-            </a:r>
-          </a:p>
-          <a:p>
-            <a:pPr>
-              <a:buFont typeface="Arial" panose="020B0604020202020204" pitchFamily="34" charset="0"/>
-              <a:buChar char="•"/>
-            </a:pPr>
-            <a:r>
-              <a:rPr lang="ja-JP" altLang="en-US"/>
-              <a:t>特に </a:t>
-            </a:r>
-            <a:r>
-              <a:rPr lang="en" altLang="ja-JP" b="1" dirty="0"/>
-              <a:t>If / Call / Name </a:t>
-            </a:r>
-            <a:r>
-              <a:rPr lang="ja-JP" altLang="en-US" b="1"/>
-              <a:t>ノード</a:t>
-            </a:r>
-            <a:r>
-              <a:rPr lang="ja-JP" altLang="en-US"/>
-              <a:t>の増加が顕著</a:t>
-            </a:r>
+            <a:r>
+              <a:rPr lang="en-US" altLang="ja-JP" b="1" dirty="0">
+                <a:effectLst/>
+                <a:latin typeface="CMR10"/>
+              </a:rPr>
+              <a:t>2. </a:t>
+            </a:r>
+            <a:r>
+              <a:rPr lang="ja-JP" altLang="en-US" b="1">
+                <a:effectLst/>
+                <a:latin typeface="HaranoAjiGothic-Medium-Identity-H"/>
+              </a:rPr>
+              <a:t>類似度計算モジュール</a:t>
+            </a:r>
+            <a:r>
+              <a:rPr lang="ja-JP" altLang="en-US">
+                <a:effectLst/>
+                <a:latin typeface="HaranoAjiGothic-Medium-Identity-H"/>
+              </a:rPr>
+              <a:t> </a:t>
+            </a:r>
+            <a:endParaRPr lang="en-US" altLang="ja-JP" dirty="0">
+              <a:effectLst/>
+              <a:latin typeface="HaranoAjiGothic-Medium-Identity-H"/>
+            </a:endParaRPr>
           </a:p>
           <a:p>
             <a:pPr marL="0" indent="0">
               <a:buNone/>
             </a:pPr>
             <a:r>
-              <a:rPr lang="ja-JP" altLang="en-US"/>
-              <a:t>→ 構文構造（見た目）が大きく複雑化</a:t>
-            </a:r>
+              <a:rPr lang="ja-JP" altLang="en-US">
+                <a:effectLst/>
+                <a:latin typeface="HaranoAjiMincho-Regular-Identity-H"/>
+              </a:rPr>
+              <a:t>抽出した特徴量に対してコサイン類似度や木編集距離に基づく正規化類似度を計算し、表・グラフとし てまとめる。</a:t>
+            </a:r>
+            <a:endParaRPr lang="en-US" altLang="ja-JP" dirty="0">
+              <a:effectLst/>
+              <a:latin typeface="HaranoAjiMincho-Regular-Identity-H"/>
+            </a:endParaRPr>
+          </a:p>
+          <a:p>
+            <a:pPr marL="0" indent="0">
+              <a:buNone/>
+            </a:pPr>
+            <a:endParaRPr lang="en-US" altLang="ja-JP" dirty="0">
+              <a:latin typeface="HaranoAjiMincho-Regular-Identity-H"/>
+            </a:endParaRPr>
+          </a:p>
+          <a:p>
+            <a:pPr marL="0" indent="0">
+              <a:buNone/>
+            </a:pPr>
+            <a:r>
+              <a:rPr lang="en-US" altLang="ja-JP" b="1" dirty="0">
+                <a:effectLst/>
+                <a:latin typeface="CMR10"/>
+              </a:rPr>
+              <a:t>3. </a:t>
+            </a:r>
+            <a:r>
+              <a:rPr lang="ja-JP" altLang="en-US" b="1">
+                <a:effectLst/>
+                <a:latin typeface="HaranoAjiGothic-Medium-Identity-H"/>
+              </a:rPr>
+              <a:t>レポート生成モジュール</a:t>
+            </a:r>
+            <a:br>
+              <a:rPr lang="ja-JP" altLang="en-US">
+                <a:effectLst/>
+                <a:latin typeface="HaranoAjiGothic-Medium-Identity-H"/>
+              </a:rPr>
+            </a:br>
+            <a:r>
+              <a:rPr lang="ja-JP" altLang="en-US">
+                <a:effectLst/>
+                <a:latin typeface="HaranoAjiMincho-Regular-Identity-H"/>
+              </a:rPr>
+              <a:t>計算結果と、生成 </a:t>
+            </a:r>
+            <a:r>
+              <a:rPr lang="en" altLang="ja-JP" dirty="0">
+                <a:effectLst/>
+                <a:latin typeface="CMR10"/>
+              </a:rPr>
+              <a:t>AI </a:t>
+            </a:r>
+            <a:r>
+              <a:rPr lang="ja-JP" altLang="en-US">
+                <a:effectLst/>
+                <a:latin typeface="HaranoAjiMincho-Regular-Identity-H"/>
+              </a:rPr>
+              <a:t>による難読化手法の説明文を </a:t>
+            </a:r>
+            <a:r>
+              <a:rPr lang="en" altLang="ja-JP" dirty="0">
+                <a:effectLst/>
+                <a:latin typeface="CMR10"/>
+              </a:rPr>
+              <a:t>HTML </a:t>
+            </a:r>
+            <a:r>
+              <a:rPr lang="ja-JP" altLang="en-US">
+                <a:effectLst/>
+                <a:latin typeface="HaranoAjiMincho-Regular-Identity-H"/>
+              </a:rPr>
+              <a:t>レポートとして出力する。 </a:t>
+            </a:r>
+            <a:endParaRPr lang="ja-JP" altLang="en-US"/>
+          </a:p>
+          <a:p>
+            <a:pPr marL="0" indent="0">
+              <a:buNone/>
+            </a:pPr>
+            <a:r>
+              <a:rPr lang="ja-JP" altLang="en-US">
+                <a:effectLst/>
+                <a:latin typeface="HaranoAjiMincho-Regular-Identity-H"/>
+              </a:rPr>
+              <a:t> </a:t>
+            </a:r>
+            <a:endParaRPr lang="ja-JP" altLang="en-US"/>
+          </a:p>
+          <a:p>
+            <a:pPr marL="514350" indent="-514350">
+              <a:buAutoNum type="arabicPeriod"/>
+            </a:pPr>
+            <a:endParaRPr lang="ja-JP" altLang="en-US"/>
           </a:p>
           <a:p>
             <a:pPr marL="0" indent="0">
@@ -6212,7 +11571,7 @@
     </p:spTree>
     <p:extLst>
       <p:ext uri="{BB962C8B-B14F-4D97-AF65-F5344CB8AC3E}">
-        <p14:creationId xmlns:p14="http://schemas.microsoft.com/office/powerpoint/2010/main" val="2398088218"/>
+        <p14:creationId xmlns:p14="http://schemas.microsoft.com/office/powerpoint/2010/main" val="3587446739"/>
       </p:ext>
     </p:extLst>
   </p:cSld>

--- a/卒研プレゼン.pptx
+++ b/卒研プレゼン.pptx
@@ -5,7 +5,7 @@
     <p:sldMasterId id="2147483648" r:id="rId1"/>
   </p:sldMasterIdLst>
   <p:notesMasterIdLst>
-    <p:notesMasterId r:id="rId18"/>
+    <p:notesMasterId r:id="rId17"/>
   </p:notesMasterIdLst>
   <p:sldIdLst>
     <p:sldId id="256" r:id="rId2"/>
@@ -17,13 +17,12 @@
     <p:sldId id="272" r:id="rId8"/>
     <p:sldId id="259" r:id="rId9"/>
     <p:sldId id="260" r:id="rId10"/>
-    <p:sldId id="273" r:id="rId11"/>
-    <p:sldId id="263" r:id="rId12"/>
-    <p:sldId id="264" r:id="rId13"/>
-    <p:sldId id="268" r:id="rId14"/>
-    <p:sldId id="265" r:id="rId15"/>
-    <p:sldId id="266" r:id="rId16"/>
-    <p:sldId id="267" r:id="rId17"/>
+    <p:sldId id="263" r:id="rId11"/>
+    <p:sldId id="264" r:id="rId12"/>
+    <p:sldId id="268" r:id="rId13"/>
+    <p:sldId id="265" r:id="rId14"/>
+    <p:sldId id="266" r:id="rId15"/>
+    <p:sldId id="267" r:id="rId16"/>
   </p:sldIdLst>
   <p:sldSz cx="12192000" cy="6858000"/>
   <p:notesSz cx="6858000" cy="9144000"/>
@@ -1062,7 +1061,7 @@
   <dgm:whole/>
   <dgm:extLst>
     <a:ext uri="http://schemas.microsoft.com/office/drawing/2008/diagram">
-      <dsp:dataModelExt xmlns:dsp="http://schemas.microsoft.com/office/drawing/2008/diagram" relId="rId6" minVer="http://schemas.openxmlformats.org/drawingml/2006/diagram"/>
+      <dsp:dataModelExt xmlns:dsp="http://schemas.microsoft.com/office/drawing/2008/diagram" relId="rId7" minVer="http://schemas.openxmlformats.org/drawingml/2006/diagram"/>
     </a:ext>
   </dgm:extLst>
 </dgm:dataModel>
@@ -3382,6 +3381,33 @@
           <a:bodyPr/>
           <a:lstStyle/>
           <a:p>
+            <a:r>
+              <a:rPr lang="ja-JP" altLang="en-US"/>
+              <a:t>「本発表では、</a:t>
+            </a:r>
+            <a:r>
+              <a:rPr lang="en" altLang="ja-JP" dirty="0"/>
+              <a:t>ChatGPT</a:t>
+            </a:r>
+            <a:r>
+              <a:rPr lang="ja-JP" altLang="en-US"/>
+              <a:t>を用いた</a:t>
+            </a:r>
+            <a:r>
+              <a:rPr lang="en" altLang="ja-JP" dirty="0"/>
+              <a:t>Python</a:t>
+            </a:r>
+            <a:r>
+              <a:rPr lang="ja-JP" altLang="en-US"/>
+              <a:t>コード難読化と、その構造的変化を評価するツールについて報告します。</a:t>
+            </a:r>
+            <a:br>
+              <a:rPr lang="ja-JP" altLang="en-US"/>
+            </a:br>
+            <a:r>
+              <a:rPr lang="ja-JP" altLang="en-US"/>
+              <a:t>発表者は近藤惇斗です。よろしくお願いします。」</a:t>
+            </a:r>
             <a:endParaRPr kumimoji="1" lang="ja-JP" altLang="en-US"/>
           </a:p>
         </p:txBody>
@@ -3403,7 +3429,7 @@
           <a:p>
             <a:fld id="{5B8AC0DF-4DAE-294C-AB2C-C3ADA7B834F6}" type="slidenum">
               <a:rPr kumimoji="1" lang="ja-JP" altLang="en-US" smtClean="0"/>
-              <a:t>3</a:t>
+              <a:t>1</a:t>
             </a:fld>
             <a:endParaRPr kumimoji="1" lang="ja-JP" altLang="en-US"/>
           </a:p>
@@ -3412,7 +3438,631 @@
     </p:spTree>
     <p:extLst>
       <p:ext uri="{BB962C8B-B14F-4D97-AF65-F5344CB8AC3E}">
-        <p14:creationId xmlns:p14="http://schemas.microsoft.com/office/powerpoint/2010/main" val="1829646602"/>
+        <p14:creationId xmlns:p14="http://schemas.microsoft.com/office/powerpoint/2010/main" val="947642925"/>
+      </p:ext>
+    </p:extLst>
+  </p:cSld>
+  <p:clrMapOvr>
+    <a:masterClrMapping/>
+  </p:clrMapOvr>
+</p:notes>
+</file>
+
+<file path=ppt/notesSlides/notesSlide10.xml><?xml version="1.0" encoding="utf-8"?>
+<p:notes xmlns:a="http://schemas.openxmlformats.org/drawingml/2006/main" xmlns:r="http://schemas.openxmlformats.org/officeDocument/2006/relationships" xmlns:p="http://schemas.openxmlformats.org/presentationml/2006/main">
+  <p:cSld>
+    <p:spTree>
+      <p:nvGrpSpPr>
+        <p:cNvPr id="1" name=""/>
+        <p:cNvGrpSpPr/>
+        <p:nvPr/>
+      </p:nvGrpSpPr>
+      <p:grpSpPr>
+        <a:xfrm>
+          <a:off x="0" y="0"/>
+          <a:ext cx="0" cy="0"/>
+          <a:chOff x="0" y="0"/>
+          <a:chExt cx="0" cy="0"/>
+        </a:xfrm>
+      </p:grpSpPr>
+      <p:sp>
+        <p:nvSpPr>
+          <p:cNvPr id="2" name="スライド イメージ プレースホルダー 1"/>
+          <p:cNvSpPr>
+            <a:spLocks noGrp="1" noRot="1" noChangeAspect="1"/>
+          </p:cNvSpPr>
+          <p:nvPr>
+            <p:ph type="sldImg"/>
+          </p:nvPr>
+        </p:nvSpPr>
+        <p:spPr/>
+      </p:sp>
+      <p:sp>
+        <p:nvSpPr>
+          <p:cNvPr id="3" name="ノート プレースホルダー 2"/>
+          <p:cNvSpPr>
+            <a:spLocks noGrp="1"/>
+          </p:cNvSpPr>
+          <p:nvPr>
+            <p:ph type="body" idx="1"/>
+          </p:nvPr>
+        </p:nvSpPr>
+        <p:spPr/>
+        <p:txBody>
+          <a:bodyPr/>
+          <a:lstStyle/>
+          <a:p>
+            <a:r>
+              <a:rPr lang="ja-JP" altLang="en-US"/>
+              <a:t>評価指標として、</a:t>
+            </a:r>
+            <a:br>
+              <a:rPr lang="ja-JP" altLang="en-US"/>
+            </a:br>
+            <a:r>
+              <a:rPr lang="en" altLang="ja-JP" dirty="0"/>
+              <a:t>AST</a:t>
+            </a:r>
+            <a:r>
+              <a:rPr lang="ja-JP" altLang="en-US"/>
+              <a:t>構造類似度、</a:t>
+            </a:r>
+            <a:r>
+              <a:rPr lang="en" altLang="ja-JP" dirty="0"/>
+              <a:t>AST</a:t>
+            </a:r>
+            <a:r>
+              <a:rPr lang="ja-JP" altLang="en-US"/>
+              <a:t>ノード頻度に基づくコサイン類似度、</a:t>
+            </a:r>
+            <a:r>
+              <a:rPr lang="en" altLang="ja-JP" dirty="0"/>
+              <a:t>CFG</a:t>
+            </a:r>
+            <a:r>
+              <a:rPr lang="ja-JP" altLang="en-US"/>
+              <a:t>類似度、</a:t>
+            </a:r>
+            <a:br>
+              <a:rPr lang="ja-JP" altLang="en-US"/>
+            </a:br>
+            <a:r>
+              <a:rPr lang="ja-JP" altLang="en-US"/>
+              <a:t>そしてサイクロマチック複雑度を使用しました。</a:t>
+            </a:r>
+            <a:br>
+              <a:rPr lang="ja-JP" altLang="en-US"/>
+            </a:br>
+            <a:r>
+              <a:rPr lang="ja-JP" altLang="en-US"/>
+              <a:t>これにより、構文構造・制御構造・複雑さをそれぞれ評価します。</a:t>
+            </a:r>
+            <a:endParaRPr kumimoji="1" lang="ja-JP" altLang="en-US"/>
+          </a:p>
+        </p:txBody>
+      </p:sp>
+      <p:sp>
+        <p:nvSpPr>
+          <p:cNvPr id="4" name="スライド番号プレースホルダー 3"/>
+          <p:cNvSpPr>
+            <a:spLocks noGrp="1"/>
+          </p:cNvSpPr>
+          <p:nvPr>
+            <p:ph type="sldNum" sz="quarter" idx="5"/>
+          </p:nvPr>
+        </p:nvSpPr>
+        <p:spPr/>
+        <p:txBody>
+          <a:bodyPr/>
+          <a:lstStyle/>
+          <a:p>
+            <a:fld id="{5B8AC0DF-4DAE-294C-AB2C-C3ADA7B834F6}" type="slidenum">
+              <a:rPr kumimoji="1" lang="ja-JP" altLang="en-US" smtClean="0"/>
+              <a:t>10</a:t>
+            </a:fld>
+            <a:endParaRPr kumimoji="1" lang="ja-JP" altLang="en-US"/>
+          </a:p>
+        </p:txBody>
+      </p:sp>
+    </p:spTree>
+    <p:extLst>
+      <p:ext uri="{BB962C8B-B14F-4D97-AF65-F5344CB8AC3E}">
+        <p14:creationId xmlns:p14="http://schemas.microsoft.com/office/powerpoint/2010/main" val="3007414395"/>
+      </p:ext>
+    </p:extLst>
+  </p:cSld>
+  <p:clrMapOvr>
+    <a:masterClrMapping/>
+  </p:clrMapOvr>
+</p:notes>
+</file>
+
+<file path=ppt/notesSlides/notesSlide11.xml><?xml version="1.0" encoding="utf-8"?>
+<p:notes xmlns:a="http://schemas.openxmlformats.org/drawingml/2006/main" xmlns:r="http://schemas.openxmlformats.org/officeDocument/2006/relationships" xmlns:p="http://schemas.openxmlformats.org/presentationml/2006/main">
+  <p:cSld>
+    <p:spTree>
+      <p:nvGrpSpPr>
+        <p:cNvPr id="1" name=""/>
+        <p:cNvGrpSpPr/>
+        <p:nvPr/>
+      </p:nvGrpSpPr>
+      <p:grpSpPr>
+        <a:xfrm>
+          <a:off x="0" y="0"/>
+          <a:ext cx="0" cy="0"/>
+          <a:chOff x="0" y="0"/>
+          <a:chExt cx="0" cy="0"/>
+        </a:xfrm>
+      </p:grpSpPr>
+      <p:sp>
+        <p:nvSpPr>
+          <p:cNvPr id="2" name="スライド イメージ プレースホルダー 1"/>
+          <p:cNvSpPr>
+            <a:spLocks noGrp="1" noRot="1" noChangeAspect="1"/>
+          </p:cNvSpPr>
+          <p:nvPr>
+            <p:ph type="sldImg"/>
+          </p:nvPr>
+        </p:nvSpPr>
+        <p:spPr/>
+      </p:sp>
+      <p:sp>
+        <p:nvSpPr>
+          <p:cNvPr id="3" name="ノート プレースホルダー 2"/>
+          <p:cNvSpPr>
+            <a:spLocks noGrp="1"/>
+          </p:cNvSpPr>
+          <p:nvPr>
+            <p:ph type="body" idx="1"/>
+          </p:nvPr>
+        </p:nvSpPr>
+        <p:spPr/>
+        <p:txBody>
+          <a:bodyPr/>
+          <a:lstStyle/>
+          <a:p>
+            <a:r>
+              <a:rPr lang="en" altLang="ja-JP" dirty="0"/>
+              <a:t>AST</a:t>
+            </a:r>
+            <a:r>
+              <a:rPr lang="ja-JP" altLang="en-US"/>
+              <a:t>構造に基づく評価結果です。</a:t>
+            </a:r>
+            <a:br>
+              <a:rPr lang="ja-JP" altLang="en-US"/>
+            </a:br>
+            <a:r>
+              <a:rPr lang="ja-JP" altLang="en-US"/>
+              <a:t>難読化後のコードでは、</a:t>
+            </a:r>
+            <a:r>
+              <a:rPr lang="en" altLang="ja-JP" dirty="0"/>
+              <a:t>AST</a:t>
+            </a:r>
+            <a:r>
+              <a:rPr lang="ja-JP" altLang="en-US"/>
+              <a:t>構造類似度が大きく低下しました。</a:t>
+            </a:r>
+            <a:br>
+              <a:rPr lang="ja-JP" altLang="en-US"/>
+            </a:br>
+            <a:r>
+              <a:rPr lang="ja-JP" altLang="en-US"/>
+              <a:t>特に</a:t>
+            </a:r>
+            <a:r>
+              <a:rPr lang="en" altLang="ja-JP" dirty="0"/>
+              <a:t>If</a:t>
+            </a:r>
+            <a:r>
+              <a:rPr lang="ja-JP" altLang="en-US"/>
+              <a:t>文や関数呼び出しに関するノードが増加し、</a:t>
+            </a:r>
+            <a:br>
+              <a:rPr lang="ja-JP" altLang="en-US"/>
+            </a:br>
+            <a:r>
+              <a:rPr lang="ja-JP" altLang="en-US"/>
+              <a:t>構文構造が大きく複雑化していることが分かります。</a:t>
+            </a:r>
+            <a:endParaRPr kumimoji="1" lang="ja-JP" altLang="en-US"/>
+          </a:p>
+        </p:txBody>
+      </p:sp>
+      <p:sp>
+        <p:nvSpPr>
+          <p:cNvPr id="4" name="スライド番号プレースホルダー 3"/>
+          <p:cNvSpPr>
+            <a:spLocks noGrp="1"/>
+          </p:cNvSpPr>
+          <p:nvPr>
+            <p:ph type="sldNum" sz="quarter" idx="5"/>
+          </p:nvPr>
+        </p:nvSpPr>
+        <p:spPr/>
+        <p:txBody>
+          <a:bodyPr/>
+          <a:lstStyle/>
+          <a:p>
+            <a:fld id="{5B8AC0DF-4DAE-294C-AB2C-C3ADA7B834F6}" type="slidenum">
+              <a:rPr kumimoji="1" lang="ja-JP" altLang="en-US" smtClean="0"/>
+              <a:t>11</a:t>
+            </a:fld>
+            <a:endParaRPr kumimoji="1" lang="ja-JP" altLang="en-US"/>
+          </a:p>
+        </p:txBody>
+      </p:sp>
+    </p:spTree>
+    <p:extLst>
+      <p:ext uri="{BB962C8B-B14F-4D97-AF65-F5344CB8AC3E}">
+        <p14:creationId xmlns:p14="http://schemas.microsoft.com/office/powerpoint/2010/main" val="3642894620"/>
+      </p:ext>
+    </p:extLst>
+  </p:cSld>
+  <p:clrMapOvr>
+    <a:masterClrMapping/>
+  </p:clrMapOvr>
+</p:notes>
+</file>
+
+<file path=ppt/notesSlides/notesSlide12.xml><?xml version="1.0" encoding="utf-8"?>
+<p:notes xmlns:a="http://schemas.openxmlformats.org/drawingml/2006/main" xmlns:r="http://schemas.openxmlformats.org/officeDocument/2006/relationships" xmlns:p="http://schemas.openxmlformats.org/presentationml/2006/main">
+  <p:cSld>
+    <p:spTree>
+      <p:nvGrpSpPr>
+        <p:cNvPr id="1" name=""/>
+        <p:cNvGrpSpPr/>
+        <p:nvPr/>
+      </p:nvGrpSpPr>
+      <p:grpSpPr>
+        <a:xfrm>
+          <a:off x="0" y="0"/>
+          <a:ext cx="0" cy="0"/>
+          <a:chOff x="0" y="0"/>
+          <a:chExt cx="0" cy="0"/>
+        </a:xfrm>
+      </p:grpSpPr>
+      <p:sp>
+        <p:nvSpPr>
+          <p:cNvPr id="2" name="スライド イメージ プレースホルダー 1"/>
+          <p:cNvSpPr>
+            <a:spLocks noGrp="1" noRot="1" noChangeAspect="1"/>
+          </p:cNvSpPr>
+          <p:nvPr>
+            <p:ph type="sldImg"/>
+          </p:nvPr>
+        </p:nvSpPr>
+        <p:spPr/>
+      </p:sp>
+      <p:sp>
+        <p:nvSpPr>
+          <p:cNvPr id="3" name="ノート プレースホルダー 2"/>
+          <p:cNvSpPr>
+            <a:spLocks noGrp="1"/>
+          </p:cNvSpPr>
+          <p:nvPr>
+            <p:ph type="body" idx="1"/>
+          </p:nvPr>
+        </p:nvSpPr>
+        <p:spPr/>
+        <p:txBody>
+          <a:bodyPr/>
+          <a:lstStyle/>
+          <a:p>
+            <a:r>
+              <a:rPr lang="en" altLang="ja-JP" dirty="0"/>
+              <a:t>CFG</a:t>
+            </a:r>
+            <a:r>
+              <a:rPr lang="ja-JP" altLang="en-US"/>
+              <a:t>類似度による評価では、</a:t>
+            </a:r>
+            <a:br>
+              <a:rPr lang="ja-JP" altLang="en-US"/>
+            </a:br>
+            <a:r>
+              <a:rPr lang="ja-JP" altLang="en-US"/>
+              <a:t>分岐数やループ数が増加する例はあるものの、</a:t>
+            </a:r>
+            <a:br>
+              <a:rPr lang="ja-JP" altLang="en-US"/>
+            </a:br>
+            <a:r>
+              <a:rPr lang="ja-JP" altLang="en-US"/>
+              <a:t>類似度が極端に低下するケースは少ない結果となりました。</a:t>
+            </a:r>
+            <a:br>
+              <a:rPr lang="ja-JP" altLang="en-US"/>
+            </a:br>
+            <a:r>
+              <a:rPr lang="ja-JP" altLang="en-US"/>
+              <a:t>これは、制御フローの本質的な構造は保持されていることを示しています。</a:t>
+            </a:r>
+            <a:endParaRPr kumimoji="1" lang="ja-JP" altLang="en-US"/>
+          </a:p>
+        </p:txBody>
+      </p:sp>
+      <p:sp>
+        <p:nvSpPr>
+          <p:cNvPr id="4" name="スライド番号プレースホルダー 3"/>
+          <p:cNvSpPr>
+            <a:spLocks noGrp="1"/>
+          </p:cNvSpPr>
+          <p:nvPr>
+            <p:ph type="sldNum" sz="quarter" idx="5"/>
+          </p:nvPr>
+        </p:nvSpPr>
+        <p:spPr/>
+        <p:txBody>
+          <a:bodyPr/>
+          <a:lstStyle/>
+          <a:p>
+            <a:fld id="{5B8AC0DF-4DAE-294C-AB2C-C3ADA7B834F6}" type="slidenum">
+              <a:rPr kumimoji="1" lang="ja-JP" altLang="en-US" smtClean="0"/>
+              <a:t>13</a:t>
+            </a:fld>
+            <a:endParaRPr kumimoji="1" lang="ja-JP" altLang="en-US"/>
+          </a:p>
+        </p:txBody>
+      </p:sp>
+    </p:spTree>
+    <p:extLst>
+      <p:ext uri="{BB962C8B-B14F-4D97-AF65-F5344CB8AC3E}">
+        <p14:creationId xmlns:p14="http://schemas.microsoft.com/office/powerpoint/2010/main" val="3955996214"/>
+      </p:ext>
+    </p:extLst>
+  </p:cSld>
+  <p:clrMapOvr>
+    <a:masterClrMapping/>
+  </p:clrMapOvr>
+</p:notes>
+</file>
+
+<file path=ppt/notesSlides/notesSlide13.xml><?xml version="1.0" encoding="utf-8"?>
+<p:notes xmlns:a="http://schemas.openxmlformats.org/drawingml/2006/main" xmlns:r="http://schemas.openxmlformats.org/officeDocument/2006/relationships" xmlns:p="http://schemas.openxmlformats.org/presentationml/2006/main">
+  <p:cSld>
+    <p:spTree>
+      <p:nvGrpSpPr>
+        <p:cNvPr id="1" name=""/>
+        <p:cNvGrpSpPr/>
+        <p:nvPr/>
+      </p:nvGrpSpPr>
+      <p:grpSpPr>
+        <a:xfrm>
+          <a:off x="0" y="0"/>
+          <a:ext cx="0" cy="0"/>
+          <a:chOff x="0" y="0"/>
+          <a:chExt cx="0" cy="0"/>
+        </a:xfrm>
+      </p:grpSpPr>
+      <p:sp>
+        <p:nvSpPr>
+          <p:cNvPr id="2" name="スライド イメージ プレースホルダー 1"/>
+          <p:cNvSpPr>
+            <a:spLocks noGrp="1" noRot="1" noChangeAspect="1"/>
+          </p:cNvSpPr>
+          <p:nvPr>
+            <p:ph type="sldImg"/>
+          </p:nvPr>
+        </p:nvSpPr>
+        <p:spPr/>
+      </p:sp>
+      <p:sp>
+        <p:nvSpPr>
+          <p:cNvPr id="3" name="ノート プレースホルダー 2"/>
+          <p:cNvSpPr>
+            <a:spLocks noGrp="1"/>
+          </p:cNvSpPr>
+          <p:nvPr>
+            <p:ph type="body" idx="1"/>
+          </p:nvPr>
+        </p:nvSpPr>
+        <p:spPr/>
+        <p:txBody>
+          <a:bodyPr/>
+          <a:lstStyle/>
+          <a:p>
+            <a:r>
+              <a:rPr lang="ja-JP" altLang="en-US"/>
+              <a:t>サイクロマチック複雑度の評価では、</a:t>
+            </a:r>
+            <a:br>
+              <a:rPr lang="ja-JP" altLang="en-US"/>
+            </a:br>
+            <a:r>
+              <a:rPr lang="ja-JP" altLang="en-US"/>
+              <a:t>難読化後にブロック数は増加しましたが、</a:t>
+            </a:r>
+            <a:br>
+              <a:rPr lang="ja-JP" altLang="en-US"/>
+            </a:br>
+            <a:r>
+              <a:rPr lang="ja-JP" altLang="en-US"/>
+              <a:t>平均複雑度は大きく変化しませんでした。</a:t>
+            </a:r>
+            <a:br>
+              <a:rPr lang="ja-JP" altLang="en-US"/>
+            </a:br>
+            <a:r>
+              <a:rPr lang="ja-JP" altLang="en-US"/>
+              <a:t>処理が細分化されたことで、複雑さが分散したと考えられます。</a:t>
+            </a:r>
+            <a:endParaRPr kumimoji="1" lang="ja-JP" altLang="en-US"/>
+          </a:p>
+        </p:txBody>
+      </p:sp>
+      <p:sp>
+        <p:nvSpPr>
+          <p:cNvPr id="4" name="スライド番号プレースホルダー 3"/>
+          <p:cNvSpPr>
+            <a:spLocks noGrp="1"/>
+          </p:cNvSpPr>
+          <p:nvPr>
+            <p:ph type="sldNum" sz="quarter" idx="5"/>
+          </p:nvPr>
+        </p:nvSpPr>
+        <p:spPr/>
+        <p:txBody>
+          <a:bodyPr/>
+          <a:lstStyle/>
+          <a:p>
+            <a:fld id="{5B8AC0DF-4DAE-294C-AB2C-C3ADA7B834F6}" type="slidenum">
+              <a:rPr kumimoji="1" lang="ja-JP" altLang="en-US" smtClean="0"/>
+              <a:t>14</a:t>
+            </a:fld>
+            <a:endParaRPr kumimoji="1" lang="ja-JP" altLang="en-US"/>
+          </a:p>
+        </p:txBody>
+      </p:sp>
+    </p:spTree>
+    <p:extLst>
+      <p:ext uri="{BB962C8B-B14F-4D97-AF65-F5344CB8AC3E}">
+        <p14:creationId xmlns:p14="http://schemas.microsoft.com/office/powerpoint/2010/main" val="1987219308"/>
+      </p:ext>
+    </p:extLst>
+  </p:cSld>
+  <p:clrMapOvr>
+    <a:masterClrMapping/>
+  </p:clrMapOvr>
+</p:notes>
+</file>
+
+<file path=ppt/notesSlides/notesSlide14.xml><?xml version="1.0" encoding="utf-8"?>
+<p:notes xmlns:a="http://schemas.openxmlformats.org/drawingml/2006/main" xmlns:r="http://schemas.openxmlformats.org/officeDocument/2006/relationships" xmlns:p="http://schemas.openxmlformats.org/presentationml/2006/main">
+  <p:cSld>
+    <p:spTree>
+      <p:nvGrpSpPr>
+        <p:cNvPr id="1" name=""/>
+        <p:cNvGrpSpPr/>
+        <p:nvPr/>
+      </p:nvGrpSpPr>
+      <p:grpSpPr>
+        <a:xfrm>
+          <a:off x="0" y="0"/>
+          <a:ext cx="0" cy="0"/>
+          <a:chOff x="0" y="0"/>
+          <a:chExt cx="0" cy="0"/>
+        </a:xfrm>
+      </p:grpSpPr>
+      <p:sp>
+        <p:nvSpPr>
+          <p:cNvPr id="2" name="スライド イメージ プレースホルダー 1"/>
+          <p:cNvSpPr>
+            <a:spLocks noGrp="1" noRot="1" noChangeAspect="1"/>
+          </p:cNvSpPr>
+          <p:nvPr>
+            <p:ph type="sldImg"/>
+          </p:nvPr>
+        </p:nvSpPr>
+        <p:spPr/>
+      </p:sp>
+      <p:sp>
+        <p:nvSpPr>
+          <p:cNvPr id="3" name="ノート プレースホルダー 2"/>
+          <p:cNvSpPr>
+            <a:spLocks noGrp="1"/>
+          </p:cNvSpPr>
+          <p:nvPr>
+            <p:ph type="body" idx="1"/>
+          </p:nvPr>
+        </p:nvSpPr>
+        <p:spPr/>
+        <p:txBody>
+          <a:bodyPr/>
+          <a:lstStyle/>
+          <a:p>
+            <a:r>
+              <a:rPr lang="ja-JP" altLang="en-US"/>
+              <a:t>まとめです。</a:t>
+            </a:r>
+            <a:br>
+              <a:rPr lang="ja-JP" altLang="en-US"/>
+            </a:br>
+            <a:r>
+              <a:rPr lang="ja-JP" altLang="en-US"/>
+              <a:t>生成</a:t>
+            </a:r>
+            <a:r>
+              <a:rPr lang="en" altLang="ja-JP" dirty="0"/>
+              <a:t>AI</a:t>
+            </a:r>
+            <a:r>
+              <a:rPr lang="ja-JP" altLang="en-US"/>
+              <a:t>は、コードの表層構造を変形することは得意ですが、</a:t>
+            </a:r>
+            <a:br>
+              <a:rPr lang="ja-JP" altLang="en-US"/>
+            </a:br>
+            <a:r>
+              <a:rPr lang="ja-JP" altLang="en-US"/>
+              <a:t>制御フローの本質的な変換は苦手であることが分かりました。</a:t>
+            </a:r>
+            <a:br>
+              <a:rPr lang="ja-JP" altLang="en-US"/>
+            </a:br>
+            <a:r>
+              <a:rPr lang="ja-JP" altLang="en-US"/>
+              <a:t>結果として、生成</a:t>
+            </a:r>
+            <a:r>
+              <a:rPr lang="en" altLang="ja-JP" dirty="0"/>
+              <a:t>AI</a:t>
+            </a:r>
+            <a:r>
+              <a:rPr lang="ja-JP" altLang="en-US"/>
+              <a:t>による難読化は</a:t>
+            </a:r>
+            <a:br>
+              <a:rPr lang="ja-JP" altLang="en-US"/>
+            </a:br>
+            <a:r>
+              <a:rPr lang="en-US" altLang="ja-JP" dirty="0"/>
+              <a:t>『</a:t>
+            </a:r>
+            <a:r>
+              <a:rPr lang="ja-JP" altLang="en-US"/>
+              <a:t>見た目を複雑にする難読化</a:t>
+            </a:r>
+            <a:r>
+              <a:rPr lang="en-US" altLang="ja-JP" dirty="0"/>
+              <a:t>』</a:t>
+            </a:r>
+            <a:r>
+              <a:rPr lang="ja-JP" altLang="en-US"/>
+              <a:t>にとどまる傾向があります。</a:t>
+            </a:r>
+            <a:endParaRPr kumimoji="1" lang="ja-JP" altLang="en-US"/>
+          </a:p>
+        </p:txBody>
+      </p:sp>
+      <p:sp>
+        <p:nvSpPr>
+          <p:cNvPr id="4" name="スライド番号プレースホルダー 3"/>
+          <p:cNvSpPr>
+            <a:spLocks noGrp="1"/>
+          </p:cNvSpPr>
+          <p:nvPr>
+            <p:ph type="sldNum" sz="quarter" idx="5"/>
+          </p:nvPr>
+        </p:nvSpPr>
+        <p:spPr/>
+        <p:txBody>
+          <a:bodyPr/>
+          <a:lstStyle/>
+          <a:p>
+            <a:fld id="{5B8AC0DF-4DAE-294C-AB2C-C3ADA7B834F6}" type="slidenum">
+              <a:rPr kumimoji="1" lang="ja-JP" altLang="en-US" smtClean="0"/>
+              <a:t>15</a:t>
+            </a:fld>
+            <a:endParaRPr kumimoji="1" lang="ja-JP" altLang="en-US"/>
+          </a:p>
+        </p:txBody>
+      </p:sp>
+    </p:spTree>
+    <p:extLst>
+      <p:ext uri="{BB962C8B-B14F-4D97-AF65-F5344CB8AC3E}">
+        <p14:creationId xmlns:p14="http://schemas.microsoft.com/office/powerpoint/2010/main" val="1588909622"/>
       </p:ext>
     </p:extLst>
   </p:cSld>
@@ -3487,7 +4137,7 @@
           <a:p>
             <a:fld id="{5B8AC0DF-4DAE-294C-AB2C-C3ADA7B834F6}" type="slidenum">
               <a:rPr kumimoji="1" lang="ja-JP" altLang="en-US" smtClean="0"/>
-              <a:t>5</a:t>
+              <a:t>2</a:t>
             </a:fld>
             <a:endParaRPr kumimoji="1" lang="ja-JP" altLang="en-US"/>
           </a:p>
@@ -3496,7 +4146,7 @@
     </p:spTree>
     <p:extLst>
       <p:ext uri="{BB962C8B-B14F-4D97-AF65-F5344CB8AC3E}">
-        <p14:creationId xmlns:p14="http://schemas.microsoft.com/office/powerpoint/2010/main" val="757048466"/>
+        <p14:creationId xmlns:p14="http://schemas.microsoft.com/office/powerpoint/2010/main" val="2890427370"/>
       </p:ext>
     </p:extLst>
   </p:cSld>
@@ -3551,57 +4201,31 @@
           <a:lstStyle/>
           <a:p>
             <a:r>
-              <a:rPr lang="ja-JP" altLang="en-US" b="1"/>
-              <a:t>要因</a:t>
-            </a:r>
-            <a:endParaRPr lang="ja-JP" altLang="en-US"/>
-          </a:p>
-          <a:p>
-            <a:pPr>
-              <a:buFont typeface="Arial" panose="020B0604020202020204" pitchFamily="34" charset="0"/>
-              <a:buChar char="•"/>
-            </a:pPr>
-            <a:r>
-              <a:rPr lang="ja-JP" altLang="en-US"/>
-              <a:t>識別子名の変更</a:t>
-            </a:r>
-          </a:p>
-          <a:p>
-            <a:pPr>
-              <a:buFont typeface="Arial" panose="020B0604020202020204" pitchFamily="34" charset="0"/>
-              <a:buChar char="•"/>
-            </a:pPr>
-            <a:r>
-              <a:rPr lang="ja-JP" altLang="en-US"/>
-              <a:t>処理の分割</a:t>
-            </a:r>
-          </a:p>
-          <a:p>
-            <a:pPr>
-              <a:buFont typeface="Arial" panose="020B0604020202020204" pitchFamily="34" charset="0"/>
-              <a:buChar char="•"/>
-            </a:pPr>
-            <a:r>
-              <a:rPr lang="ja-JP" altLang="en-US"/>
-              <a:t>冗長な関数呼び出しの追加</a:t>
+              <a:rPr lang="ja-JP" altLang="en-US"/>
+              <a:t>「まず背景です。</a:t>
             </a:r>
             <a:br>
               <a:rPr lang="ja-JP" altLang="en-US"/>
             </a:br>
             <a:r>
               <a:rPr lang="ja-JP" altLang="en-US"/>
-              <a:t>（</a:t>
+              <a:t>こちらは一般的な</a:t>
             </a:r>
             <a:r>
               <a:rPr lang="en" altLang="ja-JP" dirty="0"/>
-              <a:t>ChatGPT </a:t>
-            </a:r>
-            <a:r>
-              <a:rPr lang="ja-JP" altLang="en-US"/>
-              <a:t>による難読化の特徴）</a:t>
-            </a:r>
-          </a:p>
-          <a:p>
+              <a:t>Hello World</a:t>
+            </a:r>
+            <a:r>
+              <a:rPr lang="ja-JP" altLang="en-US"/>
+              <a:t>プログラムです。</a:t>
+            </a:r>
+            <a:br>
+              <a:rPr lang="ja-JP" altLang="en-US"/>
+            </a:br>
+            <a:r>
+              <a:rPr lang="ja-JP" altLang="en-US"/>
+              <a:t>処理内容や意味が直感的に理解でき、誰が見ても何をしているコードか分かります。」</a:t>
+            </a:r>
             <a:endParaRPr kumimoji="1" lang="ja-JP" altLang="en-US"/>
           </a:p>
         </p:txBody>
@@ -3623,7 +4247,7 @@
           <a:p>
             <a:fld id="{5B8AC0DF-4DAE-294C-AB2C-C3ADA7B834F6}" type="slidenum">
               <a:rPr kumimoji="1" lang="ja-JP" altLang="en-US" smtClean="0"/>
-              <a:t>12</a:t>
+              <a:t>3</a:t>
             </a:fld>
             <a:endParaRPr kumimoji="1" lang="ja-JP" altLang="en-US"/>
           </a:p>
@@ -3632,7 +4256,7 @@
     </p:spTree>
     <p:extLst>
       <p:ext uri="{BB962C8B-B14F-4D97-AF65-F5344CB8AC3E}">
-        <p14:creationId xmlns:p14="http://schemas.microsoft.com/office/powerpoint/2010/main" val="3642894620"/>
+        <p14:creationId xmlns:p14="http://schemas.microsoft.com/office/powerpoint/2010/main" val="1829646602"/>
       </p:ext>
     </p:extLst>
   </p:cSld>
@@ -3687,217 +4311,84 @@
           <a:lstStyle/>
           <a:p>
             <a:r>
+              <a:rPr lang="ja-JP" altLang="en-US"/>
+              <a:t>一方で、こちらは同じ動作をするコードですが、</a:t>
+            </a:r>
+            <a:br>
+              <a:rPr lang="ja-JP" altLang="en-US"/>
+            </a:br>
+            <a:r>
+              <a:rPr lang="ja-JP" altLang="en-US"/>
+              <a:t>クラス名や変数名が意味を持たず、処理の意図が分かりにくくなっています。</a:t>
+            </a:r>
+            <a:br>
+              <a:rPr lang="ja-JP" altLang="en-US"/>
+            </a:br>
+            <a:r>
+              <a:rPr lang="ja-JP" altLang="en-US"/>
+              <a:t>このように、動作は同じでも</a:t>
+            </a:r>
+            <a:r>
+              <a:rPr lang="en-US" altLang="ja-JP" dirty="0"/>
+              <a:t>『</a:t>
+            </a:r>
+            <a:r>
+              <a:rPr lang="ja-JP" altLang="en-US"/>
+              <a:t>読みにくいコード</a:t>
+            </a:r>
+            <a:r>
+              <a:rPr lang="en-US" altLang="ja-JP" dirty="0"/>
+              <a:t>』</a:t>
+            </a:r>
+            <a:r>
+              <a:rPr lang="ja-JP" altLang="en-US"/>
+              <a:t>を作ることができます。</a:t>
+            </a:r>
+            <a:endParaRPr lang="en-US" altLang="ja-JP" dirty="0"/>
+          </a:p>
+          <a:p>
+            <a:r>
+              <a:rPr lang="ja-JP" altLang="en-US"/>
+              <a:t>このようなコード変換は</a:t>
+            </a:r>
+            <a:r>
+              <a:rPr lang="en-US" altLang="ja-JP" dirty="0"/>
+              <a:t>『</a:t>
+            </a:r>
+            <a:r>
+              <a:rPr lang="ja-JP" altLang="en-US"/>
+              <a:t>難読化</a:t>
+            </a:r>
+            <a:r>
+              <a:rPr lang="en-US" altLang="ja-JP" dirty="0"/>
+              <a:t>』</a:t>
+            </a:r>
+            <a:r>
+              <a:rPr lang="ja-JP" altLang="en-US"/>
+              <a:t>と呼ばれます。</a:t>
+            </a:r>
+            <a:br>
+              <a:rPr lang="ja-JP" altLang="en-US"/>
+            </a:br>
+            <a:r>
+              <a:rPr lang="ja-JP" altLang="en-US"/>
+              <a:t>難読化とは、</a:t>
+            </a:r>
+            <a:r>
               <a:rPr lang="ja-JP" altLang="en-US" b="1"/>
-              <a:t>特徴（得意な点）</a:t>
-            </a:r>
-          </a:p>
-          <a:p>
-            <a:pPr>
-              <a:buFont typeface="Arial" panose="020B0604020202020204" pitchFamily="34" charset="0"/>
-              <a:buChar char="•"/>
-            </a:pPr>
-            <a:r>
-              <a:rPr lang="en" altLang="ja-JP" dirty="0"/>
-              <a:t>AST </a:t>
-            </a:r>
-            <a:r>
-              <a:rPr lang="ja-JP" altLang="en-US"/>
-              <a:t>構造類似度・ノード頻度の評価より，</a:t>
-            </a:r>
-          </a:p>
-          <a:p>
-            <a:pPr marL="742950" lvl="1" indent="-285750">
-              <a:buFont typeface="Arial" panose="020B0604020202020204" pitchFamily="34" charset="0"/>
-              <a:buChar char="•"/>
-            </a:pPr>
-            <a:r>
-              <a:rPr lang="ja-JP" altLang="en-US"/>
-              <a:t>構文構造は </a:t>
-            </a:r>
-            <a:r>
-              <a:rPr lang="ja-JP" altLang="en-US" b="1"/>
-              <a:t>大きく変化</a:t>
-            </a:r>
-            <a:endParaRPr lang="ja-JP" altLang="en-US"/>
-          </a:p>
-          <a:p>
-            <a:pPr marL="742950" lvl="1" indent="-285750">
-              <a:buFont typeface="Arial" panose="020B0604020202020204" pitchFamily="34" charset="0"/>
-              <a:buChar char="•"/>
-            </a:pPr>
-            <a:r>
-              <a:rPr lang="en" altLang="ja-JP" dirty="0"/>
-              <a:t>If / Call / Name </a:t>
-            </a:r>
-            <a:r>
-              <a:rPr lang="ja-JP" altLang="en-US"/>
-              <a:t>などのノードが増加</a:t>
-            </a:r>
-          </a:p>
-          <a:p>
-            <a:pPr>
-              <a:buFont typeface="Arial" panose="020B0604020202020204" pitchFamily="34" charset="0"/>
-              <a:buChar char="•"/>
-            </a:pPr>
-            <a:r>
-              <a:rPr lang="ja-JP" altLang="en-US"/>
-              <a:t>識別子変更・処理分割・冗長呼び出しにより</a:t>
+              <a:t>プログラムの機能を保持したまま、可読性や解析容易性を意図的に低下させる技術</a:t>
+            </a:r>
+            <a:r>
+              <a:rPr lang="ja-JP" altLang="en-US"/>
+              <a:t>です。</a:t>
             </a:r>
             <a:br>
               <a:rPr lang="ja-JP" altLang="en-US"/>
             </a:br>
             <a:r>
-              <a:rPr lang="ja-JP" altLang="en-US" b="1"/>
-              <a:t>コードの表層構造を大きく変形可能</a:t>
-            </a:r>
-            <a:endParaRPr lang="ja-JP" altLang="en-US"/>
-          </a:p>
-          <a:p>
-            <a:r>
-              <a:rPr lang="ja-JP" altLang="en-US"/>
-              <a:t>➡ </a:t>
-            </a:r>
-            <a:r>
-              <a:rPr lang="ja-JP" altLang="en-US" b="1"/>
-              <a:t>人間の可読性が大きく低下</a:t>
-            </a:r>
-            <a:br>
-              <a:rPr lang="ja-JP" altLang="en-US"/>
-            </a:br>
-            <a:r>
-              <a:rPr lang="ja-JP" altLang="en-US"/>
-              <a:t>➡ </a:t>
-            </a:r>
-            <a:r>
-              <a:rPr lang="ja-JP" altLang="en-US" b="1"/>
-              <a:t>単純な静的解析による比較が困難</a:t>
-            </a:r>
-            <a:endParaRPr lang="ja-JP" altLang="en-US"/>
-          </a:p>
-          <a:p>
-            <a:endParaRPr kumimoji="1" lang="en-US" altLang="ja-JP" dirty="0"/>
-          </a:p>
-          <a:p>
-            <a:r>
-              <a:rPr lang="ja-JP" altLang="en-US" b="1"/>
-              <a:t>限界（苦手な点）</a:t>
-            </a:r>
-          </a:p>
-          <a:p>
-            <a:pPr>
-              <a:buFont typeface="Arial" panose="020B0604020202020204" pitchFamily="34" charset="0"/>
-              <a:buChar char="•"/>
-            </a:pPr>
-            <a:r>
-              <a:rPr lang="en" altLang="ja-JP" dirty="0"/>
-              <a:t>CFG </a:t>
-            </a:r>
-            <a:r>
-              <a:rPr lang="ja-JP" altLang="en-US"/>
-              <a:t>類似度・サイクロマチック複雑度より，</a:t>
-            </a:r>
-          </a:p>
-          <a:p>
-            <a:pPr marL="742950" lvl="1" indent="-285750">
-              <a:buFont typeface="Arial" panose="020B0604020202020204" pitchFamily="34" charset="0"/>
-              <a:buChar char="•"/>
-            </a:pPr>
-            <a:r>
-              <a:rPr lang="ja-JP" altLang="en-US"/>
-              <a:t>制御フローの意味的構造は </a:t>
-            </a:r>
-            <a:r>
-              <a:rPr lang="ja-JP" altLang="en-US" b="1"/>
-              <a:t>大きく変化しない</a:t>
-            </a:r>
-            <a:endParaRPr lang="ja-JP" altLang="en-US"/>
-          </a:p>
-          <a:p>
-            <a:pPr>
-              <a:buFont typeface="Arial" panose="020B0604020202020204" pitchFamily="34" charset="0"/>
-              <a:buChar char="•"/>
-            </a:pPr>
-            <a:r>
-              <a:rPr lang="ja-JP" altLang="en-US"/>
-              <a:t>分岐やループは冗長化できるが，</a:t>
-            </a:r>
-            <a:br>
-              <a:rPr lang="ja-JP" altLang="en-US"/>
-            </a:br>
-            <a:r>
-              <a:rPr lang="ja-JP" altLang="en-US" b="1"/>
-              <a:t>制御フローそのものの再構成は困難</a:t>
-            </a:r>
-            <a:endParaRPr lang="ja-JP" altLang="en-US"/>
-          </a:p>
-          <a:p>
-            <a:r>
-              <a:rPr lang="ja-JP" altLang="en-US" b="1"/>
-              <a:t>理由</a:t>
-            </a:r>
-            <a:endParaRPr lang="ja-JP" altLang="en-US"/>
-          </a:p>
-          <a:p>
-            <a:pPr>
-              <a:buFont typeface="Arial" panose="020B0604020202020204" pitchFamily="34" charset="0"/>
-              <a:buChar char="•"/>
-            </a:pPr>
-            <a:r>
-              <a:rPr lang="ja-JP" altLang="en-US"/>
-              <a:t>生成</a:t>
-            </a:r>
-            <a:r>
-              <a:rPr lang="en" altLang="ja-JP" dirty="0"/>
-              <a:t>AI</a:t>
-            </a:r>
-            <a:r>
-              <a:rPr lang="ja-JP" altLang="en-US"/>
-              <a:t>は</a:t>
-            </a:r>
-            <a:br>
-              <a:rPr lang="ja-JP" altLang="en-US"/>
-            </a:br>
-            <a:r>
-              <a:rPr lang="ja-JP" altLang="en-US" b="1"/>
-              <a:t>プログラムの意味・仕様保持を強く優先</a:t>
-            </a:r>
-            <a:endParaRPr lang="ja-JP" altLang="en-US"/>
-          </a:p>
-          <a:p>
-            <a:endParaRPr kumimoji="1" lang="en-US" altLang="ja-JP" dirty="0"/>
-          </a:p>
-          <a:p>
-            <a:r>
-              <a:rPr lang="ja-JP" altLang="en-US" b="1"/>
-              <a:t>本研究から得られた結論</a:t>
-            </a:r>
-          </a:p>
-          <a:p>
-            <a:r>
-              <a:rPr lang="en" altLang="ja-JP" b="1" dirty="0"/>
-              <a:t>ChatGPT</a:t>
-            </a:r>
-            <a:r>
-              <a:rPr lang="ja-JP" altLang="en-US" b="1"/>
-              <a:t>による難読化は，</a:t>
-            </a:r>
-            <a:br>
-              <a:rPr lang="ja-JP" altLang="en-US" b="1"/>
-            </a:br>
-            <a:r>
-              <a:rPr lang="ja-JP" altLang="en-US" b="1"/>
-              <a:t>「見た目（構文）」を複雑にすることには有効だが，</a:t>
-            </a:r>
-            <a:br>
-              <a:rPr lang="ja-JP" altLang="en-US" b="1"/>
-            </a:br>
-            <a:r>
-              <a:rPr lang="ja-JP" altLang="en-US" b="1"/>
-              <a:t>「中身（制御構造）」の本質的変化には限界がある</a:t>
-            </a:r>
-            <a:endParaRPr lang="ja-JP" altLang="en-US"/>
-          </a:p>
-          <a:p>
+              <a:rPr lang="ja-JP" altLang="en-US"/>
+              <a:t>主に、ソースコードの解析防止や知的財産の保護を目的として利用されます。</a:t>
+            </a:r>
             <a:endParaRPr kumimoji="1" lang="ja-JP" altLang="en-US"/>
           </a:p>
         </p:txBody>
@@ -3919,7 +4410,7 @@
           <a:p>
             <a:fld id="{5B8AC0DF-4DAE-294C-AB2C-C3ADA7B834F6}" type="slidenum">
               <a:rPr kumimoji="1" lang="ja-JP" altLang="en-US" smtClean="0"/>
-              <a:t>16</a:t>
+              <a:t>4</a:t>
             </a:fld>
             <a:endParaRPr kumimoji="1" lang="ja-JP" altLang="en-US"/>
           </a:p>
@@ -3928,7 +4419,656 @@
     </p:spTree>
     <p:extLst>
       <p:ext uri="{BB962C8B-B14F-4D97-AF65-F5344CB8AC3E}">
-        <p14:creationId xmlns:p14="http://schemas.microsoft.com/office/powerpoint/2010/main" val="1588909622"/>
+        <p14:creationId xmlns:p14="http://schemas.microsoft.com/office/powerpoint/2010/main" val="1339778146"/>
+      </p:ext>
+    </p:extLst>
+  </p:cSld>
+  <p:clrMapOvr>
+    <a:masterClrMapping/>
+  </p:clrMapOvr>
+</p:notes>
+</file>
+
+<file path=ppt/notesSlides/notesSlide5.xml><?xml version="1.0" encoding="utf-8"?>
+<p:notes xmlns:a="http://schemas.openxmlformats.org/drawingml/2006/main" xmlns:r="http://schemas.openxmlformats.org/officeDocument/2006/relationships" xmlns:p="http://schemas.openxmlformats.org/presentationml/2006/main">
+  <p:cSld>
+    <p:spTree>
+      <p:nvGrpSpPr>
+        <p:cNvPr id="1" name=""/>
+        <p:cNvGrpSpPr/>
+        <p:nvPr/>
+      </p:nvGrpSpPr>
+      <p:grpSpPr>
+        <a:xfrm>
+          <a:off x="0" y="0"/>
+          <a:ext cx="0" cy="0"/>
+          <a:chOff x="0" y="0"/>
+          <a:chExt cx="0" cy="0"/>
+        </a:xfrm>
+      </p:grpSpPr>
+      <p:sp>
+        <p:nvSpPr>
+          <p:cNvPr id="2" name="スライド イメージ プレースホルダー 1"/>
+          <p:cNvSpPr>
+            <a:spLocks noGrp="1" noRot="1" noChangeAspect="1"/>
+          </p:cNvSpPr>
+          <p:nvPr>
+            <p:ph type="sldImg"/>
+          </p:nvPr>
+        </p:nvSpPr>
+        <p:spPr/>
+      </p:sp>
+      <p:sp>
+        <p:nvSpPr>
+          <p:cNvPr id="3" name="ノート プレースホルダー 2"/>
+          <p:cNvSpPr>
+            <a:spLocks noGrp="1"/>
+          </p:cNvSpPr>
+          <p:nvPr>
+            <p:ph type="body" idx="1"/>
+          </p:nvPr>
+        </p:nvSpPr>
+        <p:spPr/>
+        <p:txBody>
+          <a:bodyPr/>
+          <a:lstStyle/>
+          <a:p>
+            <a:r>
+              <a:rPr lang="ja-JP" altLang="en-US"/>
+              <a:t>現在、多くの難読化ツールが存在し、自動でコード変換を行うことができます。</a:t>
+            </a:r>
+            <a:br>
+              <a:rPr lang="ja-JP" altLang="en-US"/>
+            </a:br>
+            <a:r>
+              <a:rPr lang="ja-JP" altLang="en-US"/>
+              <a:t>しかし、これらのツールは</a:t>
+            </a:r>
+            <a:r>
+              <a:rPr lang="en-US" altLang="ja-JP" dirty="0"/>
+              <a:t>『</a:t>
+            </a:r>
+            <a:r>
+              <a:rPr lang="ja-JP" altLang="en-US"/>
+              <a:t>難読化後のコードを生成すること</a:t>
+            </a:r>
+            <a:r>
+              <a:rPr lang="en-US" altLang="ja-JP" dirty="0"/>
+              <a:t>』</a:t>
+            </a:r>
+            <a:r>
+              <a:rPr lang="ja-JP" altLang="en-US"/>
+              <a:t>が主目的であり、</a:t>
+            </a:r>
+            <a:br>
+              <a:rPr lang="ja-JP" altLang="en-US"/>
+            </a:br>
+            <a:r>
+              <a:rPr lang="ja-JP" altLang="en-US" b="1"/>
+              <a:t>どの程度難読化されたのか</a:t>
+            </a:r>
+            <a:r>
+              <a:rPr lang="ja-JP" altLang="en-US"/>
+              <a:t>をユーザが把握しにくいという問題があります。</a:t>
+            </a:r>
+            <a:endParaRPr kumimoji="1" lang="ja-JP" altLang="en-US"/>
+          </a:p>
+        </p:txBody>
+      </p:sp>
+      <p:sp>
+        <p:nvSpPr>
+          <p:cNvPr id="4" name="スライド番号プレースホルダー 3"/>
+          <p:cNvSpPr>
+            <a:spLocks noGrp="1"/>
+          </p:cNvSpPr>
+          <p:nvPr>
+            <p:ph type="sldNum" sz="quarter" idx="5"/>
+          </p:nvPr>
+        </p:nvSpPr>
+        <p:spPr/>
+        <p:txBody>
+          <a:bodyPr/>
+          <a:lstStyle/>
+          <a:p>
+            <a:fld id="{5B8AC0DF-4DAE-294C-AB2C-C3ADA7B834F6}" type="slidenum">
+              <a:rPr kumimoji="1" lang="ja-JP" altLang="en-US" smtClean="0"/>
+              <a:t>5</a:t>
+            </a:fld>
+            <a:endParaRPr kumimoji="1" lang="ja-JP" altLang="en-US"/>
+          </a:p>
+        </p:txBody>
+      </p:sp>
+    </p:spTree>
+    <p:extLst>
+      <p:ext uri="{BB962C8B-B14F-4D97-AF65-F5344CB8AC3E}">
+        <p14:creationId xmlns:p14="http://schemas.microsoft.com/office/powerpoint/2010/main" val="757048466"/>
+      </p:ext>
+    </p:extLst>
+  </p:cSld>
+  <p:clrMapOvr>
+    <a:masterClrMapping/>
+  </p:clrMapOvr>
+</p:notes>
+</file>
+
+<file path=ppt/notesSlides/notesSlide6.xml><?xml version="1.0" encoding="utf-8"?>
+<p:notes xmlns:a="http://schemas.openxmlformats.org/drawingml/2006/main" xmlns:r="http://schemas.openxmlformats.org/officeDocument/2006/relationships" xmlns:p="http://schemas.openxmlformats.org/presentationml/2006/main">
+  <p:cSld>
+    <p:spTree>
+      <p:nvGrpSpPr>
+        <p:cNvPr id="1" name=""/>
+        <p:cNvGrpSpPr/>
+        <p:nvPr/>
+      </p:nvGrpSpPr>
+      <p:grpSpPr>
+        <a:xfrm>
+          <a:off x="0" y="0"/>
+          <a:ext cx="0" cy="0"/>
+          <a:chOff x="0" y="0"/>
+          <a:chExt cx="0" cy="0"/>
+        </a:xfrm>
+      </p:grpSpPr>
+      <p:sp>
+        <p:nvSpPr>
+          <p:cNvPr id="2" name="スライド イメージ プレースホルダー 1"/>
+          <p:cNvSpPr>
+            <a:spLocks noGrp="1" noRot="1" noChangeAspect="1"/>
+          </p:cNvSpPr>
+          <p:nvPr>
+            <p:ph type="sldImg"/>
+          </p:nvPr>
+        </p:nvSpPr>
+        <p:spPr/>
+      </p:sp>
+      <p:sp>
+        <p:nvSpPr>
+          <p:cNvPr id="3" name="ノート プレースホルダー 2"/>
+          <p:cNvSpPr>
+            <a:spLocks noGrp="1"/>
+          </p:cNvSpPr>
+          <p:nvPr>
+            <p:ph type="body" idx="1"/>
+          </p:nvPr>
+        </p:nvSpPr>
+        <p:spPr/>
+        <p:txBody>
+          <a:bodyPr/>
+          <a:lstStyle/>
+          <a:p>
+            <a:r>
+              <a:rPr lang="ja-JP" altLang="en-US"/>
+              <a:t>研究や評価の観点では、</a:t>
+            </a:r>
+            <a:br>
+              <a:rPr lang="ja-JP" altLang="en-US"/>
+            </a:br>
+            <a:r>
+              <a:rPr lang="ja-JP" altLang="en-US"/>
+              <a:t>難読化の強度や可読性への影響を</a:t>
+            </a:r>
+            <a:r>
+              <a:rPr lang="ja-JP" altLang="en-US" b="1"/>
+              <a:t>客観的に比較することが困難</a:t>
+            </a:r>
+            <a:r>
+              <a:rPr lang="ja-JP" altLang="en-US"/>
+              <a:t>です。</a:t>
+            </a:r>
+            <a:br>
+              <a:rPr lang="ja-JP" altLang="en-US"/>
+            </a:br>
+            <a:r>
+              <a:rPr lang="ja-JP" altLang="en-US"/>
+              <a:t>そのため、難読化前後の構造変化を、</a:t>
+            </a:r>
+            <a:br>
+              <a:rPr lang="ja-JP" altLang="en-US"/>
+            </a:br>
+            <a:r>
+              <a:rPr lang="ja-JP" altLang="en-US"/>
+              <a:t>定量的かつ多角的に評価できる仕組みが必要とされています。</a:t>
+            </a:r>
+            <a:endParaRPr kumimoji="1" lang="ja-JP" altLang="en-US"/>
+          </a:p>
+        </p:txBody>
+      </p:sp>
+      <p:sp>
+        <p:nvSpPr>
+          <p:cNvPr id="4" name="スライド番号プレースホルダー 3"/>
+          <p:cNvSpPr>
+            <a:spLocks noGrp="1"/>
+          </p:cNvSpPr>
+          <p:nvPr>
+            <p:ph type="sldNum" sz="quarter" idx="5"/>
+          </p:nvPr>
+        </p:nvSpPr>
+        <p:spPr/>
+        <p:txBody>
+          <a:bodyPr/>
+          <a:lstStyle/>
+          <a:p>
+            <a:fld id="{5B8AC0DF-4DAE-294C-AB2C-C3ADA7B834F6}" type="slidenum">
+              <a:rPr kumimoji="1" lang="ja-JP" altLang="en-US" smtClean="0"/>
+              <a:t>6</a:t>
+            </a:fld>
+            <a:endParaRPr kumimoji="1" lang="ja-JP" altLang="en-US"/>
+          </a:p>
+        </p:txBody>
+      </p:sp>
+    </p:spTree>
+    <p:extLst>
+      <p:ext uri="{BB962C8B-B14F-4D97-AF65-F5344CB8AC3E}">
+        <p14:creationId xmlns:p14="http://schemas.microsoft.com/office/powerpoint/2010/main" val="1056276059"/>
+      </p:ext>
+    </p:extLst>
+  </p:cSld>
+  <p:clrMapOvr>
+    <a:masterClrMapping/>
+  </p:clrMapOvr>
+</p:notes>
+</file>
+
+<file path=ppt/notesSlides/notesSlide7.xml><?xml version="1.0" encoding="utf-8"?>
+<p:notes xmlns:a="http://schemas.openxmlformats.org/drawingml/2006/main" xmlns:r="http://schemas.openxmlformats.org/officeDocument/2006/relationships" xmlns:p="http://schemas.openxmlformats.org/presentationml/2006/main">
+  <p:cSld>
+    <p:spTree>
+      <p:nvGrpSpPr>
+        <p:cNvPr id="1" name=""/>
+        <p:cNvGrpSpPr/>
+        <p:nvPr/>
+      </p:nvGrpSpPr>
+      <p:grpSpPr>
+        <a:xfrm>
+          <a:off x="0" y="0"/>
+          <a:ext cx="0" cy="0"/>
+          <a:chOff x="0" y="0"/>
+          <a:chExt cx="0" cy="0"/>
+        </a:xfrm>
+      </p:grpSpPr>
+      <p:sp>
+        <p:nvSpPr>
+          <p:cNvPr id="2" name="スライド イメージ プレースホルダー 1"/>
+          <p:cNvSpPr>
+            <a:spLocks noGrp="1" noRot="1" noChangeAspect="1"/>
+          </p:cNvSpPr>
+          <p:nvPr>
+            <p:ph type="sldImg"/>
+          </p:nvPr>
+        </p:nvSpPr>
+        <p:spPr/>
+      </p:sp>
+      <p:sp>
+        <p:nvSpPr>
+          <p:cNvPr id="3" name="ノート プレースホルダー 2"/>
+          <p:cNvSpPr>
+            <a:spLocks noGrp="1"/>
+          </p:cNvSpPr>
+          <p:nvPr>
+            <p:ph type="body" idx="1"/>
+          </p:nvPr>
+        </p:nvSpPr>
+        <p:spPr/>
+        <p:txBody>
+          <a:bodyPr/>
+          <a:lstStyle/>
+          <a:p>
+            <a:r>
+              <a:rPr lang="ja-JP" altLang="en-US"/>
+              <a:t>ここで近年注目されているのが生成</a:t>
+            </a:r>
+            <a:r>
+              <a:rPr lang="en" altLang="ja-JP" dirty="0"/>
+              <a:t>AI</a:t>
+            </a:r>
+            <a:r>
+              <a:rPr lang="ja-JP" altLang="en-US"/>
+              <a:t>です。</a:t>
+            </a:r>
+            <a:br>
+              <a:rPr lang="ja-JP" altLang="en-US"/>
+            </a:br>
+            <a:r>
+              <a:rPr lang="ja-JP" altLang="en-US"/>
+              <a:t>生成</a:t>
+            </a:r>
+            <a:r>
+              <a:rPr lang="en" altLang="ja-JP" dirty="0"/>
+              <a:t>AI</a:t>
+            </a:r>
+            <a:r>
+              <a:rPr lang="ja-JP" altLang="en-US"/>
+              <a:t>はコードを生成できるだけでなく、</a:t>
+            </a:r>
+            <a:br>
+              <a:rPr lang="ja-JP" altLang="en-US"/>
+            </a:br>
+            <a:r>
+              <a:rPr lang="ja-JP" altLang="en-US"/>
+              <a:t>その内容を詳しく説明する能力も持っています。</a:t>
+            </a:r>
+            <a:br>
+              <a:rPr lang="ja-JP" altLang="en-US"/>
+            </a:br>
+            <a:r>
+              <a:rPr lang="ja-JP" altLang="en-US"/>
+              <a:t>そこで、生成</a:t>
+            </a:r>
+            <a:r>
+              <a:rPr lang="en" altLang="ja-JP" dirty="0"/>
+              <a:t>AI</a:t>
+            </a:r>
+            <a:r>
+              <a:rPr lang="ja-JP" altLang="en-US"/>
+              <a:t>を用いて難読化を行った場合、</a:t>
+            </a:r>
+            <a:br>
+              <a:rPr lang="ja-JP" altLang="en-US"/>
+            </a:br>
+            <a:r>
+              <a:rPr lang="ja-JP" altLang="en-US"/>
+              <a:t>どの程度コードが変化するのかを評価できるのではないかと考えました。</a:t>
+            </a:r>
+            <a:endParaRPr kumimoji="1" lang="ja-JP" altLang="en-US"/>
+          </a:p>
+        </p:txBody>
+      </p:sp>
+      <p:sp>
+        <p:nvSpPr>
+          <p:cNvPr id="4" name="スライド番号プレースホルダー 3"/>
+          <p:cNvSpPr>
+            <a:spLocks noGrp="1"/>
+          </p:cNvSpPr>
+          <p:nvPr>
+            <p:ph type="sldNum" sz="quarter" idx="5"/>
+          </p:nvPr>
+        </p:nvSpPr>
+        <p:spPr/>
+        <p:txBody>
+          <a:bodyPr/>
+          <a:lstStyle/>
+          <a:p>
+            <a:fld id="{5B8AC0DF-4DAE-294C-AB2C-C3ADA7B834F6}" type="slidenum">
+              <a:rPr kumimoji="1" lang="ja-JP" altLang="en-US" smtClean="0"/>
+              <a:t>7</a:t>
+            </a:fld>
+            <a:endParaRPr kumimoji="1" lang="ja-JP" altLang="en-US"/>
+          </a:p>
+        </p:txBody>
+      </p:sp>
+    </p:spTree>
+    <p:extLst>
+      <p:ext uri="{BB962C8B-B14F-4D97-AF65-F5344CB8AC3E}">
+        <p14:creationId xmlns:p14="http://schemas.microsoft.com/office/powerpoint/2010/main" val="2154948471"/>
+      </p:ext>
+    </p:extLst>
+  </p:cSld>
+  <p:clrMapOvr>
+    <a:masterClrMapping/>
+  </p:clrMapOvr>
+</p:notes>
+</file>
+
+<file path=ppt/notesSlides/notesSlide8.xml><?xml version="1.0" encoding="utf-8"?>
+<p:notes xmlns:a="http://schemas.openxmlformats.org/drawingml/2006/main" xmlns:r="http://schemas.openxmlformats.org/officeDocument/2006/relationships" xmlns:p="http://schemas.openxmlformats.org/presentationml/2006/main">
+  <p:cSld>
+    <p:spTree>
+      <p:nvGrpSpPr>
+        <p:cNvPr id="1" name=""/>
+        <p:cNvGrpSpPr/>
+        <p:nvPr/>
+      </p:nvGrpSpPr>
+      <p:grpSpPr>
+        <a:xfrm>
+          <a:off x="0" y="0"/>
+          <a:ext cx="0" cy="0"/>
+          <a:chOff x="0" y="0"/>
+          <a:chExt cx="0" cy="0"/>
+        </a:xfrm>
+      </p:grpSpPr>
+      <p:sp>
+        <p:nvSpPr>
+          <p:cNvPr id="2" name="スライド イメージ プレースホルダー 1"/>
+          <p:cNvSpPr>
+            <a:spLocks noGrp="1" noRot="1" noChangeAspect="1"/>
+          </p:cNvSpPr>
+          <p:nvPr>
+            <p:ph type="sldImg"/>
+          </p:nvPr>
+        </p:nvSpPr>
+        <p:spPr/>
+      </p:sp>
+      <p:sp>
+        <p:nvSpPr>
+          <p:cNvPr id="3" name="ノート プレースホルダー 2"/>
+          <p:cNvSpPr>
+            <a:spLocks noGrp="1"/>
+          </p:cNvSpPr>
+          <p:nvPr>
+            <p:ph type="body" idx="1"/>
+          </p:nvPr>
+        </p:nvSpPr>
+        <p:spPr/>
+        <p:txBody>
+          <a:bodyPr/>
+          <a:lstStyle/>
+          <a:p>
+            <a:r>
+              <a:rPr lang="ja-JP" altLang="en-US"/>
+              <a:t>本研究の目的は、</a:t>
+            </a:r>
+            <a:br>
+              <a:rPr lang="ja-JP" altLang="en-US"/>
+            </a:br>
+            <a:r>
+              <a:rPr lang="en" altLang="ja-JP" dirty="0"/>
+              <a:t>Python</a:t>
+            </a:r>
+            <a:r>
+              <a:rPr lang="ja-JP" altLang="en-US"/>
+              <a:t>コードを対象に、難読化前後の構造的変化を</a:t>
+            </a:r>
+            <a:br>
+              <a:rPr lang="ja-JP" altLang="en-US"/>
+            </a:br>
+            <a:r>
+              <a:rPr lang="ja-JP" altLang="en-US" b="1"/>
+              <a:t>定量化・可視化する評価ツールを実装すること</a:t>
+            </a:r>
+            <a:r>
+              <a:rPr lang="ja-JP" altLang="en-US"/>
+              <a:t>です。</a:t>
+            </a:r>
+            <a:br>
+              <a:rPr lang="ja-JP" altLang="en-US"/>
+            </a:br>
+            <a:r>
+              <a:rPr lang="ja-JP" altLang="en-US"/>
+              <a:t>また、生成</a:t>
+            </a:r>
+            <a:r>
+              <a:rPr lang="en" altLang="ja-JP" dirty="0"/>
+              <a:t>AI</a:t>
+            </a:r>
+            <a:r>
+              <a:rPr lang="ja-JP" altLang="en-US"/>
+              <a:t>がどの程度難読化できるのかを評価します。</a:t>
+            </a:r>
+            <a:endParaRPr kumimoji="1" lang="ja-JP" altLang="en-US"/>
+          </a:p>
+        </p:txBody>
+      </p:sp>
+      <p:sp>
+        <p:nvSpPr>
+          <p:cNvPr id="4" name="スライド番号プレースホルダー 3"/>
+          <p:cNvSpPr>
+            <a:spLocks noGrp="1"/>
+          </p:cNvSpPr>
+          <p:nvPr>
+            <p:ph type="sldNum" sz="quarter" idx="5"/>
+          </p:nvPr>
+        </p:nvSpPr>
+        <p:spPr/>
+        <p:txBody>
+          <a:bodyPr/>
+          <a:lstStyle/>
+          <a:p>
+            <a:fld id="{5B8AC0DF-4DAE-294C-AB2C-C3ADA7B834F6}" type="slidenum">
+              <a:rPr kumimoji="1" lang="ja-JP" altLang="en-US" smtClean="0"/>
+              <a:t>8</a:t>
+            </a:fld>
+            <a:endParaRPr kumimoji="1" lang="ja-JP" altLang="en-US"/>
+          </a:p>
+        </p:txBody>
+      </p:sp>
+    </p:spTree>
+    <p:extLst>
+      <p:ext uri="{BB962C8B-B14F-4D97-AF65-F5344CB8AC3E}">
+        <p14:creationId xmlns:p14="http://schemas.microsoft.com/office/powerpoint/2010/main" val="2851430989"/>
+      </p:ext>
+    </p:extLst>
+  </p:cSld>
+  <p:clrMapOvr>
+    <a:masterClrMapping/>
+  </p:clrMapOvr>
+</p:notes>
+</file>
+
+<file path=ppt/notesSlides/notesSlide9.xml><?xml version="1.0" encoding="utf-8"?>
+<p:notes xmlns:a="http://schemas.openxmlformats.org/drawingml/2006/main" xmlns:r="http://schemas.openxmlformats.org/officeDocument/2006/relationships" xmlns:p="http://schemas.openxmlformats.org/presentationml/2006/main">
+  <p:cSld>
+    <p:spTree>
+      <p:nvGrpSpPr>
+        <p:cNvPr id="1" name=""/>
+        <p:cNvGrpSpPr/>
+        <p:nvPr/>
+      </p:nvGrpSpPr>
+      <p:grpSpPr>
+        <a:xfrm>
+          <a:off x="0" y="0"/>
+          <a:ext cx="0" cy="0"/>
+          <a:chOff x="0" y="0"/>
+          <a:chExt cx="0" cy="0"/>
+        </a:xfrm>
+      </p:grpSpPr>
+      <p:sp>
+        <p:nvSpPr>
+          <p:cNvPr id="2" name="スライド イメージ プレースホルダー 1"/>
+          <p:cNvSpPr>
+            <a:spLocks noGrp="1" noRot="1" noChangeAspect="1"/>
+          </p:cNvSpPr>
+          <p:nvPr>
+            <p:ph type="sldImg"/>
+          </p:nvPr>
+        </p:nvSpPr>
+        <p:spPr/>
+      </p:sp>
+      <p:sp>
+        <p:nvSpPr>
+          <p:cNvPr id="3" name="ノート プレースホルダー 2"/>
+          <p:cNvSpPr>
+            <a:spLocks noGrp="1"/>
+          </p:cNvSpPr>
+          <p:nvPr>
+            <p:ph type="body" idx="1"/>
+          </p:nvPr>
+        </p:nvSpPr>
+        <p:spPr/>
+        <p:txBody>
+          <a:bodyPr/>
+          <a:lstStyle/>
+          <a:p>
+            <a:r>
+              <a:rPr lang="ja-JP" altLang="en-US"/>
+              <a:t>研究の方法です。</a:t>
+            </a:r>
+            <a:br>
+              <a:rPr lang="ja-JP" altLang="en-US"/>
+            </a:br>
+            <a:r>
+              <a:rPr lang="ja-JP" altLang="en-US"/>
+              <a:t>まず、</a:t>
+            </a:r>
+            <a:r>
+              <a:rPr lang="en" altLang="ja-JP" dirty="0"/>
+              <a:t>Python</a:t>
+            </a:r>
+            <a:r>
+              <a:rPr lang="ja-JP" altLang="en-US"/>
+              <a:t>コードから</a:t>
+            </a:r>
+            <a:r>
+              <a:rPr lang="en" altLang="ja-JP" dirty="0"/>
+              <a:t>AST</a:t>
+            </a:r>
+            <a:r>
+              <a:rPr lang="ja-JP" altLang="en-US"/>
+              <a:t>や</a:t>
+            </a:r>
+            <a:r>
+              <a:rPr lang="en" altLang="ja-JP" dirty="0"/>
+              <a:t>CFG</a:t>
+            </a:r>
+            <a:r>
+              <a:rPr lang="ja-JP" altLang="en"/>
+              <a:t>、</a:t>
+            </a:r>
+            <a:r>
+              <a:rPr lang="ja-JP" altLang="en-US"/>
+              <a:t>サイクロマチック複雑度などの特徴量を抽出します。</a:t>
+            </a:r>
+            <a:br>
+              <a:rPr lang="ja-JP" altLang="en-US"/>
+            </a:br>
+            <a:r>
+              <a:rPr lang="ja-JP" altLang="en-US"/>
+              <a:t>次に、それらを用いて類似度を計算し、</a:t>
+            </a:r>
+            <a:br>
+              <a:rPr lang="ja-JP" altLang="en-US"/>
+            </a:br>
+            <a:r>
+              <a:rPr lang="ja-JP" altLang="en-US"/>
+              <a:t>最後に結果を</a:t>
+            </a:r>
+            <a:r>
+              <a:rPr lang="en" altLang="ja-JP" dirty="0"/>
+              <a:t>HTML</a:t>
+            </a:r>
+            <a:r>
+              <a:rPr lang="ja-JP" altLang="en-US"/>
+              <a:t>レポートとして出力します。</a:t>
+            </a:r>
+            <a:endParaRPr kumimoji="1" lang="ja-JP" altLang="en-US"/>
+          </a:p>
+        </p:txBody>
+      </p:sp>
+      <p:sp>
+        <p:nvSpPr>
+          <p:cNvPr id="4" name="スライド番号プレースホルダー 3"/>
+          <p:cNvSpPr>
+            <a:spLocks noGrp="1"/>
+          </p:cNvSpPr>
+          <p:nvPr>
+            <p:ph type="sldNum" sz="quarter" idx="5"/>
+          </p:nvPr>
+        </p:nvSpPr>
+        <p:spPr/>
+        <p:txBody>
+          <a:bodyPr/>
+          <a:lstStyle/>
+          <a:p>
+            <a:fld id="{5B8AC0DF-4DAE-294C-AB2C-C3ADA7B834F6}" type="slidenum">
+              <a:rPr kumimoji="1" lang="ja-JP" altLang="en-US" smtClean="0"/>
+              <a:t>9</a:t>
+            </a:fld>
+            <a:endParaRPr kumimoji="1" lang="ja-JP" altLang="en-US"/>
+          </a:p>
+        </p:txBody>
+      </p:sp>
+    </p:spTree>
+    <p:extLst>
+      <p:ext uri="{BB962C8B-B14F-4D97-AF65-F5344CB8AC3E}">
+        <p14:creationId xmlns:p14="http://schemas.microsoft.com/office/powerpoint/2010/main" val="174946949"/>
       </p:ext>
     </p:extLst>
   </p:cSld>
@@ -7555,7 +8695,7 @@
           <p:cNvPr id="2" name="タイトル 1">
             <a:extLst>
               <a:ext uri="{FF2B5EF4-FFF2-40B4-BE49-F238E27FC236}">
-                <a16:creationId xmlns:a16="http://schemas.microsoft.com/office/drawing/2014/main" id="{69AE7DA6-1DFA-F4C1-A7CC-ED6D37A904AA}"/>
+                <a16:creationId xmlns:a16="http://schemas.microsoft.com/office/drawing/2014/main" id="{030195AB-38E9-C7F6-44E9-7D9D97F56867}"/>
               </a:ext>
             </a:extLst>
           </p:cNvPr>
@@ -7566,98 +8706,21 @@
             <p:ph type="title"/>
           </p:nvPr>
         </p:nvSpPr>
-        <p:spPr/>
+        <p:spPr>
+          <a:xfrm>
+            <a:off x="838200" y="601818"/>
+            <a:ext cx="10515600" cy="1325563"/>
+          </a:xfrm>
+        </p:spPr>
         <p:txBody>
           <a:bodyPr/>
           <a:lstStyle/>
           <a:p>
             <a:r>
-              <a:rPr kumimoji="1" lang="ja-JP" altLang="en-US"/>
-              <a:t>例</a:t>
-            </a:r>
-          </a:p>
-        </p:txBody>
-      </p:sp>
-      <p:sp>
-        <p:nvSpPr>
-          <p:cNvPr id="3" name="コンテンツ プレースホルダー 2">
-            <a:extLst>
-              <a:ext uri="{FF2B5EF4-FFF2-40B4-BE49-F238E27FC236}">
-                <a16:creationId xmlns:a16="http://schemas.microsoft.com/office/drawing/2014/main" id="{FD84B356-EC46-49A2-F3F6-E18671820FC0}"/>
-              </a:ext>
-            </a:extLst>
-          </p:cNvPr>
-          <p:cNvSpPr>
-            <a:spLocks noGrp="1"/>
-          </p:cNvSpPr>
-          <p:nvPr>
-            <p:ph idx="1"/>
-          </p:nvPr>
-        </p:nvSpPr>
-        <p:spPr/>
-        <p:txBody>
-          <a:bodyPr/>
-          <a:lstStyle/>
-          <a:p>
+              <a:rPr lang="ja-JP" altLang="en-US" b="1"/>
+              <a:t>使用した評価指標</a:t>
+            </a:r>
             <a:endParaRPr kumimoji="1" lang="ja-JP" altLang="en-US"/>
-          </a:p>
-        </p:txBody>
-      </p:sp>
-    </p:spTree>
-    <p:extLst>
-      <p:ext uri="{BB962C8B-B14F-4D97-AF65-F5344CB8AC3E}">
-        <p14:creationId xmlns:p14="http://schemas.microsoft.com/office/powerpoint/2010/main" val="1957982456"/>
-      </p:ext>
-    </p:extLst>
-  </p:cSld>
-  <p:clrMapOvr>
-    <a:masterClrMapping/>
-  </p:clrMapOvr>
-</p:sld>
-</file>
-
-<file path=ppt/slides/slide11.xml><?xml version="1.0" encoding="utf-8"?>
-<p:sld xmlns:a="http://schemas.openxmlformats.org/drawingml/2006/main" xmlns:r="http://schemas.openxmlformats.org/officeDocument/2006/relationships" xmlns:p="http://schemas.openxmlformats.org/presentationml/2006/main">
-  <p:cSld>
-    <p:spTree>
-      <p:nvGrpSpPr>
-        <p:cNvPr id="1" name=""/>
-        <p:cNvGrpSpPr/>
-        <p:nvPr/>
-      </p:nvGrpSpPr>
-      <p:grpSpPr>
-        <a:xfrm>
-          <a:off x="0" y="0"/>
-          <a:ext cx="0" cy="0"/>
-          <a:chOff x="0" y="0"/>
-          <a:chExt cx="0" cy="0"/>
-        </a:xfrm>
-      </p:grpSpPr>
-      <p:sp>
-        <p:nvSpPr>
-          <p:cNvPr id="2" name="タイトル 1">
-            <a:extLst>
-              <a:ext uri="{FF2B5EF4-FFF2-40B4-BE49-F238E27FC236}">
-                <a16:creationId xmlns:a16="http://schemas.microsoft.com/office/drawing/2014/main" id="{030195AB-38E9-C7F6-44E9-7D9D97F56867}"/>
-              </a:ext>
-            </a:extLst>
-          </p:cNvPr>
-          <p:cNvSpPr>
-            <a:spLocks noGrp="1"/>
-          </p:cNvSpPr>
-          <p:nvPr>
-            <p:ph type="title"/>
-          </p:nvPr>
-        </p:nvSpPr>
-        <p:spPr/>
-        <p:txBody>
-          <a:bodyPr/>
-          <a:lstStyle/>
-          <a:p>
-            <a:r>
-              <a:rPr kumimoji="1" lang="ja-JP" altLang="en-US"/>
-              <a:t>結果</a:t>
-            </a:r>
           </a:p>
         </p:txBody>
       </p:sp>
@@ -7681,16 +8744,6 @@
         <p:txBody>
           <a:bodyPr/>
           <a:lstStyle/>
-          <a:p>
-            <a:pPr marL="0" indent="0">
-              <a:buNone/>
-            </a:pPr>
-            <a:r>
-              <a:rPr lang="ja-JP" altLang="en-US" b="1"/>
-              <a:t>使用した評価指標</a:t>
-            </a:r>
-            <a:endParaRPr lang="en-US" altLang="ja-JP" b="1" dirty="0"/>
-          </a:p>
           <a:p>
             <a:pPr marL="0" indent="0">
               <a:buNone/>
@@ -7807,7 +8860,7 @@
 </p:sld>
 </file>
 
-<file path=ppt/slides/slide12.xml><?xml version="1.0" encoding="utf-8"?>
+<file path=ppt/slides/slide11.xml><?xml version="1.0" encoding="utf-8"?>
 <p:sld xmlns:a="http://schemas.openxmlformats.org/drawingml/2006/main" xmlns:r="http://schemas.openxmlformats.org/officeDocument/2006/relationships" xmlns:p="http://schemas.openxmlformats.org/presentationml/2006/main">
   <p:cSld>
     <p:spTree>
@@ -8012,7 +9065,7 @@
 </p:sld>
 </file>
 
-<file path=ppt/slides/slide13.xml><?xml version="1.0" encoding="utf-8"?>
+<file path=ppt/slides/slide12.xml><?xml version="1.0" encoding="utf-8"?>
 <p:sld xmlns:a="http://schemas.openxmlformats.org/drawingml/2006/main" xmlns:r="http://schemas.openxmlformats.org/officeDocument/2006/relationships" xmlns:p="http://schemas.openxmlformats.org/presentationml/2006/main">
   <p:cSld>
     <p:spTree>
@@ -8101,7 +9154,7 @@
 </p:sld>
 </file>
 
-<file path=ppt/slides/slide14.xml><?xml version="1.0" encoding="utf-8"?>
+<file path=ppt/slides/slide13.xml><?xml version="1.0" encoding="utf-8"?>
 <p:sld xmlns:a="http://schemas.openxmlformats.org/drawingml/2006/main" xmlns:r="http://schemas.openxmlformats.org/officeDocument/2006/relationships" xmlns:p="http://schemas.openxmlformats.org/presentationml/2006/main">
   <p:cSld>
     <p:spTree>
@@ -8289,7 +9342,7 @@
           <p:nvPr/>
         </p:nvPicPr>
         <p:blipFill>
-          <a:blip r:embed="rId2"/>
+          <a:blip r:embed="rId3"/>
           <a:stretch>
             <a:fillRect/>
           </a:stretch>
@@ -8317,7 +9370,7 @@
 </p:sld>
 </file>
 
-<file path=ppt/slides/slide15.xml><?xml version="1.0" encoding="utf-8"?>
+<file path=ppt/slides/slide14.xml><?xml version="1.0" encoding="utf-8"?>
 <p:sld xmlns:a="http://schemas.openxmlformats.org/drawingml/2006/main" xmlns:r="http://schemas.openxmlformats.org/officeDocument/2006/relationships" xmlns:p="http://schemas.openxmlformats.org/presentationml/2006/main">
   <p:cSld>
     <p:spTree>
@@ -8527,7 +9580,7 @@
           <p:nvPr/>
         </p:nvPicPr>
         <p:blipFill>
-          <a:blip r:embed="rId2"/>
+          <a:blip r:embed="rId3"/>
           <a:stretch>
             <a:fillRect/>
           </a:stretch>
@@ -8555,7 +9608,7 @@
 </p:sld>
 </file>
 
-<file path=ppt/slides/slide16.xml><?xml version="1.0" encoding="utf-8"?>
+<file path=ppt/slides/slide15.xml><?xml version="1.0" encoding="utf-8"?>
 <p:sld xmlns:a="http://schemas.openxmlformats.org/drawingml/2006/main" xmlns:r="http://schemas.openxmlformats.org/officeDocument/2006/relationships" xmlns:p="http://schemas.openxmlformats.org/presentationml/2006/main">
   <p:cSld>
     <p:spTree>
@@ -8918,7 +9971,7 @@
           <p:nvPr/>
         </p:nvPicPr>
         <p:blipFill>
-          <a:blip r:embed="rId2">
+          <a:blip r:embed="rId3">
             <a:extLst>
               <a:ext uri="{28A0092B-C50C-407E-A947-70E740481C1C}">
                 <a14:useLocalDpi xmlns:a14="http://schemas.microsoft.com/office/drawing/2010/main" val="0"/>
@@ -8965,7 +10018,7 @@
           <p:nvPr/>
         </p:nvPicPr>
         <p:blipFill>
-          <a:blip r:embed="rId3">
+          <a:blip r:embed="rId4">
             <a:extLst>
               <a:ext uri="{28A0092B-C50C-407E-A947-70E740481C1C}">
                 <a14:useLocalDpi xmlns:a14="http://schemas.microsoft.com/office/drawing/2010/main" val="0"/>
@@ -9567,7 +10620,7 @@
           <p:nvPr/>
         </p:nvPicPr>
         <p:blipFill>
-          <a:blip r:embed="rId2">
+          <a:blip r:embed="rId3">
             <a:extLst>
               <a:ext uri="{28A0092B-C50C-407E-A947-70E740481C1C}">
                 <a14:useLocalDpi xmlns:a14="http://schemas.microsoft.com/office/drawing/2010/main" val="0"/>
@@ -9964,7 +11017,7 @@
           <p:nvPr/>
         </p:nvPicPr>
         <p:blipFill>
-          <a:blip r:embed="rId3">
+          <a:blip r:embed="rId4">
             <a:extLst>
               <a:ext uri="{28A0092B-C50C-407E-A947-70E740481C1C}">
                 <a14:useLocalDpi xmlns:a14="http://schemas.microsoft.com/office/drawing/2010/main" val="0"/>
@@ -10412,7 +11465,7 @@
           <p:nvPr/>
         </p:nvPicPr>
         <p:blipFill>
-          <a:blip r:embed="rId2">
+          <a:blip r:embed="rId3">
             <a:extLst>
               <a:ext uri="{28A0092B-C50C-407E-A947-70E740481C1C}">
                 <a14:useLocalDpi xmlns:a14="http://schemas.microsoft.com/office/drawing/2010/main" val="0"/>
@@ -10459,7 +11512,7 @@
           <p:nvPr/>
         </p:nvPicPr>
         <p:blipFill>
-          <a:blip r:embed="rId3">
+          <a:blip r:embed="rId4">
             <a:extLst>
               <a:ext uri="{28A0092B-C50C-407E-A947-70E740481C1C}">
                 <a14:useLocalDpi xmlns:a14="http://schemas.microsoft.com/office/drawing/2010/main" val="0"/>
@@ -10680,7 +11733,7 @@
           <p:nvPr/>
         </p:nvPicPr>
         <p:blipFill>
-          <a:blip r:embed="rId4">
+          <a:blip r:embed="rId5">
             <a:extLst>
               <a:ext uri="{28A0092B-C50C-407E-A947-70E740481C1C}">
                 <a14:useLocalDpi xmlns:a14="http://schemas.microsoft.com/office/drawing/2010/main" val="0"/>
@@ -10727,7 +11780,7 @@
           <p:nvPr/>
         </p:nvPicPr>
         <p:blipFill>
-          <a:blip r:embed="rId5">
+          <a:blip r:embed="rId6">
             <a:extLst>
               <a:ext uri="{28A0092B-C50C-407E-A947-70E740481C1C}">
                 <a14:useLocalDpi xmlns:a14="http://schemas.microsoft.com/office/drawing/2010/main" val="0"/>
@@ -11253,7 +12306,7 @@
         </p:xfrm>
         <a:graphic>
           <a:graphicData uri="http://schemas.openxmlformats.org/drawingml/2006/diagram">
-            <dgm:relIds xmlns:dgm="http://schemas.openxmlformats.org/drawingml/2006/diagram" xmlns:r="http://schemas.openxmlformats.org/officeDocument/2006/relationships" r:dm="rId2" r:lo="rId3" r:qs="rId4" r:cs="rId5"/>
+            <dgm:relIds xmlns:dgm="http://schemas.openxmlformats.org/drawingml/2006/diagram" xmlns:r="http://schemas.openxmlformats.org/officeDocument/2006/relationships" r:dm="rId3" r:lo="rId4" r:qs="rId5" r:cs="rId6"/>
           </a:graphicData>
         </a:graphic>
       </p:graphicFrame>
